--- a/assets/images/그리디/그리디.pptx
+++ b/assets/images/그리디/그리디.pptx
@@ -24,17 +24,13 @@
     <p:sldId id="285" r:id="rId18"/>
     <p:sldId id="286" r:id="rId19"/>
     <p:sldId id="287" r:id="rId20"/>
-    <p:sldId id="281" r:id="rId21"/>
-    <p:sldId id="279" r:id="rId22"/>
-    <p:sldId id="282" r:id="rId23"/>
-    <p:sldId id="280" r:id="rId24"/>
-    <p:sldId id="264" r:id="rId25"/>
-    <p:sldId id="265" r:id="rId26"/>
-    <p:sldId id="266" r:id="rId27"/>
-    <p:sldId id="267" r:id="rId28"/>
-    <p:sldId id="268" r:id="rId29"/>
-    <p:sldId id="269" r:id="rId30"/>
-    <p:sldId id="270" r:id="rId31"/>
+    <p:sldId id="266" r:id="rId21"/>
+    <p:sldId id="267" r:id="rId22"/>
+    <p:sldId id="268" r:id="rId23"/>
+    <p:sldId id="269" r:id="rId24"/>
+    <p:sldId id="288" r:id="rId25"/>
+    <p:sldId id="289" r:id="rId26"/>
+    <p:sldId id="270" r:id="rId27"/>
   </p:sldIdLst>
   <p:sldSz cx="12192000" cy="6858000"/>
   <p:notesSz cx="6858000" cy="9144000"/>
@@ -144,7 +140,7 @@
 <file path=ppt/revisionInfo.xml><?xml version="1.0" encoding="utf-8"?>
 <p1510:revInfo xmlns:a="http://schemas.openxmlformats.org/drawingml/2006/main" xmlns:r="http://schemas.openxmlformats.org/officeDocument/2006/relationships" xmlns:p1510="http://schemas.microsoft.com/office/powerpoint/2015/10/main">
   <p1510:revLst>
-    <p1510:client id="{D5BA566D-F3B6-408E-AAE4-4005C889CECA}" v="363" dt="2021-10-05T12:38:21.703"/>
+    <p1510:client id="{871F5B20-3F1A-465E-8510-54EB325A4742}" v="71" dt="2021-10-20T11:29:27.610"/>
   </p1510:revLst>
 </p1510:revInfo>
 </file>
@@ -2384,6 +2380,546 @@
       </pc:sldChg>
     </pc:docChg>
   </pc:docChgLst>
+  <pc:docChgLst>
+    <pc:chgData name="noh taehyun" userId="26ea3cd8016ad7de" providerId="LiveId" clId="{871F5B20-3F1A-465E-8510-54EB325A4742}"/>
+    <pc:docChg chg="undo custSel addSld delSld modSld sldOrd">
+      <pc:chgData name="noh taehyun" userId="26ea3cd8016ad7de" providerId="LiveId" clId="{871F5B20-3F1A-465E-8510-54EB325A4742}" dt="2021-10-20T11:29:27.615" v="1018" actId="20577"/>
+      <pc:docMkLst>
+        <pc:docMk/>
+      </pc:docMkLst>
+      <pc:sldChg chg="del">
+        <pc:chgData name="noh taehyun" userId="26ea3cd8016ad7de" providerId="LiveId" clId="{871F5B20-3F1A-465E-8510-54EB325A4742}" dt="2021-10-20T11:08:51.415" v="33" actId="47"/>
+        <pc:sldMkLst>
+          <pc:docMk/>
+          <pc:sldMk cId="895755818" sldId="264"/>
+        </pc:sldMkLst>
+      </pc:sldChg>
+      <pc:sldChg chg="del">
+        <pc:chgData name="noh taehyun" userId="26ea3cd8016ad7de" providerId="LiveId" clId="{871F5B20-3F1A-465E-8510-54EB325A4742}" dt="2021-10-20T11:08:51.415" v="33" actId="47"/>
+        <pc:sldMkLst>
+          <pc:docMk/>
+          <pc:sldMk cId="2034008680" sldId="265"/>
+        </pc:sldMkLst>
+      </pc:sldChg>
+      <pc:sldChg chg="modSp">
+        <pc:chgData name="noh taehyun" userId="26ea3cd8016ad7de" providerId="LiveId" clId="{871F5B20-3F1A-465E-8510-54EB325A4742}" dt="2021-10-20T11:09:19.174" v="34" actId="20577"/>
+        <pc:sldMkLst>
+          <pc:docMk/>
+          <pc:sldMk cId="3957984163" sldId="266"/>
+        </pc:sldMkLst>
+        <pc:spChg chg="mod">
+          <ac:chgData name="noh taehyun" userId="26ea3cd8016ad7de" providerId="LiveId" clId="{871F5B20-3F1A-465E-8510-54EB325A4742}" dt="2021-10-20T11:09:19.174" v="34" actId="20577"/>
+          <ac:spMkLst>
+            <pc:docMk/>
+            <pc:sldMk cId="3957984163" sldId="266"/>
+            <ac:spMk id="5" creationId="{8251E471-F9D0-4506-A27C-A56EF94BFF7D}"/>
+          </ac:spMkLst>
+        </pc:spChg>
+      </pc:sldChg>
+      <pc:sldChg chg="delSp modSp mod">
+        <pc:chgData name="noh taehyun" userId="26ea3cd8016ad7de" providerId="LiveId" clId="{871F5B20-3F1A-465E-8510-54EB325A4742}" dt="2021-10-20T11:10:46.127" v="48"/>
+        <pc:sldMkLst>
+          <pc:docMk/>
+          <pc:sldMk cId="1609877243" sldId="267"/>
+        </pc:sldMkLst>
+        <pc:spChg chg="mod">
+          <ac:chgData name="noh taehyun" userId="26ea3cd8016ad7de" providerId="LiveId" clId="{871F5B20-3F1A-465E-8510-54EB325A4742}" dt="2021-10-20T11:10:46.127" v="48"/>
+          <ac:spMkLst>
+            <pc:docMk/>
+            <pc:sldMk cId="1609877243" sldId="267"/>
+            <ac:spMk id="5" creationId="{8251E471-F9D0-4506-A27C-A56EF94BFF7D}"/>
+          </ac:spMkLst>
+        </pc:spChg>
+        <pc:spChg chg="del">
+          <ac:chgData name="noh taehyun" userId="26ea3cd8016ad7de" providerId="LiveId" clId="{871F5B20-3F1A-465E-8510-54EB325A4742}" dt="2021-10-20T11:09:27.712" v="35" actId="478"/>
+          <ac:spMkLst>
+            <pc:docMk/>
+            <pc:sldMk cId="1609877243" sldId="267"/>
+            <ac:spMk id="12" creationId="{596AC5E1-B4AA-48E3-862A-9440B136518E}"/>
+          </ac:spMkLst>
+        </pc:spChg>
+      </pc:sldChg>
+      <pc:sldChg chg="addSp delSp modSp mod">
+        <pc:chgData name="noh taehyun" userId="26ea3cd8016ad7de" providerId="LiveId" clId="{871F5B20-3F1A-465E-8510-54EB325A4742}" dt="2021-10-20T11:27:58.416" v="660" actId="20577"/>
+        <pc:sldMkLst>
+          <pc:docMk/>
+          <pc:sldMk cId="3263190609" sldId="269"/>
+        </pc:sldMkLst>
+        <pc:spChg chg="del">
+          <ac:chgData name="noh taehyun" userId="26ea3cd8016ad7de" providerId="LiveId" clId="{871F5B20-3F1A-465E-8510-54EB325A4742}" dt="2021-10-20T11:12:18.823" v="62" actId="478"/>
+          <ac:spMkLst>
+            <pc:docMk/>
+            <pc:sldMk cId="3263190609" sldId="269"/>
+            <ac:spMk id="5" creationId="{8251E471-F9D0-4506-A27C-A56EF94BFF7D}"/>
+          </ac:spMkLst>
+        </pc:spChg>
+        <pc:spChg chg="del">
+          <ac:chgData name="noh taehyun" userId="26ea3cd8016ad7de" providerId="LiveId" clId="{871F5B20-3F1A-465E-8510-54EB325A4742}" dt="2021-10-20T11:12:21.536" v="63" actId="478"/>
+          <ac:spMkLst>
+            <pc:docMk/>
+            <pc:sldMk cId="3263190609" sldId="269"/>
+            <ac:spMk id="12" creationId="{596AC5E1-B4AA-48E3-862A-9440B136518E}"/>
+          </ac:spMkLst>
+        </pc:spChg>
+        <pc:spChg chg="add mod">
+          <ac:chgData name="noh taehyun" userId="26ea3cd8016ad7de" providerId="LiveId" clId="{871F5B20-3F1A-465E-8510-54EB325A4742}" dt="2021-10-20T11:13:48.546" v="169" actId="1076"/>
+          <ac:spMkLst>
+            <pc:docMk/>
+            <pc:sldMk cId="3263190609" sldId="269"/>
+            <ac:spMk id="18" creationId="{25007342-3AB1-4F84-98CA-91763BAFB750}"/>
+          </ac:spMkLst>
+        </pc:spChg>
+        <pc:spChg chg="add mod">
+          <ac:chgData name="noh taehyun" userId="26ea3cd8016ad7de" providerId="LiveId" clId="{871F5B20-3F1A-465E-8510-54EB325A4742}" dt="2021-10-20T11:26:24.933" v="637" actId="208"/>
+          <ac:spMkLst>
+            <pc:docMk/>
+            <pc:sldMk cId="3263190609" sldId="269"/>
+            <ac:spMk id="19" creationId="{D762A612-FA23-4D7F-BBB5-F84186714D47}"/>
+          </ac:spMkLst>
+        </pc:spChg>
+        <pc:spChg chg="add mod">
+          <ac:chgData name="noh taehyun" userId="26ea3cd8016ad7de" providerId="LiveId" clId="{871F5B20-3F1A-465E-8510-54EB325A4742}" dt="2021-10-20T11:27:58.416" v="660" actId="20577"/>
+          <ac:spMkLst>
+            <pc:docMk/>
+            <pc:sldMk cId="3263190609" sldId="269"/>
+            <ac:spMk id="20" creationId="{64DCA7C5-7E19-4205-B534-FB66A8743432}"/>
+          </ac:spMkLst>
+        </pc:spChg>
+        <pc:spChg chg="mod">
+          <ac:chgData name="noh taehyun" userId="26ea3cd8016ad7de" providerId="LiveId" clId="{871F5B20-3F1A-465E-8510-54EB325A4742}" dt="2021-10-20T11:13:25.314" v="153" actId="20577"/>
+          <ac:spMkLst>
+            <pc:docMk/>
+            <pc:sldMk cId="3263190609" sldId="269"/>
+            <ac:spMk id="22" creationId="{5F358A1B-8396-4AF1-93B6-D9495AF4C1D1}"/>
+          </ac:spMkLst>
+        </pc:spChg>
+        <pc:cxnChg chg="add mod">
+          <ac:chgData name="noh taehyun" userId="26ea3cd8016ad7de" providerId="LiveId" clId="{871F5B20-3F1A-465E-8510-54EB325A4742}" dt="2021-10-20T11:12:40.761" v="105" actId="1036"/>
+          <ac:cxnSpMkLst>
+            <pc:docMk/>
+            <pc:sldMk cId="3263190609" sldId="269"/>
+            <ac:cxnSpMk id="6" creationId="{E7975FC7-0C94-4389-83B4-0DD437C7E438}"/>
+          </ac:cxnSpMkLst>
+        </pc:cxnChg>
+        <pc:cxnChg chg="add mod">
+          <ac:chgData name="noh taehyun" userId="26ea3cd8016ad7de" providerId="LiveId" clId="{871F5B20-3F1A-465E-8510-54EB325A4742}" dt="2021-10-20T11:12:40.761" v="105" actId="1036"/>
+          <ac:cxnSpMkLst>
+            <pc:docMk/>
+            <pc:sldMk cId="3263190609" sldId="269"/>
+            <ac:cxnSpMk id="7" creationId="{1644DEFA-6489-463C-B335-F4F5F3511267}"/>
+          </ac:cxnSpMkLst>
+        </pc:cxnChg>
+        <pc:cxnChg chg="add mod">
+          <ac:chgData name="noh taehyun" userId="26ea3cd8016ad7de" providerId="LiveId" clId="{871F5B20-3F1A-465E-8510-54EB325A4742}" dt="2021-10-20T11:26:32.257" v="639" actId="208"/>
+          <ac:cxnSpMkLst>
+            <pc:docMk/>
+            <pc:sldMk cId="3263190609" sldId="269"/>
+            <ac:cxnSpMk id="8" creationId="{A8920DE3-74BD-4188-A79D-2E487A2B824A}"/>
+          </ac:cxnSpMkLst>
+        </pc:cxnChg>
+        <pc:cxnChg chg="add mod">
+          <ac:chgData name="noh taehyun" userId="26ea3cd8016ad7de" providerId="LiveId" clId="{871F5B20-3F1A-465E-8510-54EB325A4742}" dt="2021-10-20T11:14:44.604" v="205" actId="208"/>
+          <ac:cxnSpMkLst>
+            <pc:docMk/>
+            <pc:sldMk cId="3263190609" sldId="269"/>
+            <ac:cxnSpMk id="9" creationId="{FF5F112C-9D8A-40BC-8B60-9DF4F0253870}"/>
+          </ac:cxnSpMkLst>
+        </pc:cxnChg>
+        <pc:cxnChg chg="add mod">
+          <ac:chgData name="noh taehyun" userId="26ea3cd8016ad7de" providerId="LiveId" clId="{871F5B20-3F1A-465E-8510-54EB325A4742}" dt="2021-10-20T11:26:27.954" v="638" actId="208"/>
+          <ac:cxnSpMkLst>
+            <pc:docMk/>
+            <pc:sldMk cId="3263190609" sldId="269"/>
+            <ac:cxnSpMk id="10" creationId="{FCA81A5B-3CC6-4728-BB2F-D9D7C70B811B}"/>
+          </ac:cxnSpMkLst>
+        </pc:cxnChg>
+        <pc:cxnChg chg="add mod">
+          <ac:chgData name="noh taehyun" userId="26ea3cd8016ad7de" providerId="LiveId" clId="{871F5B20-3F1A-465E-8510-54EB325A4742}" dt="2021-10-20T11:12:40.761" v="105" actId="1036"/>
+          <ac:cxnSpMkLst>
+            <pc:docMk/>
+            <pc:sldMk cId="3263190609" sldId="269"/>
+            <ac:cxnSpMk id="11" creationId="{D392545E-B922-430C-84A4-398439ADA09E}"/>
+          </ac:cxnSpMkLst>
+        </pc:cxnChg>
+        <pc:cxnChg chg="add mod">
+          <ac:chgData name="noh taehyun" userId="26ea3cd8016ad7de" providerId="LiveId" clId="{871F5B20-3F1A-465E-8510-54EB325A4742}" dt="2021-10-20T11:12:40.761" v="105" actId="1036"/>
+          <ac:cxnSpMkLst>
+            <pc:docMk/>
+            <pc:sldMk cId="3263190609" sldId="269"/>
+            <ac:cxnSpMk id="13" creationId="{1B77907A-D456-42D5-9E42-2D78D3F611B2}"/>
+          </ac:cxnSpMkLst>
+        </pc:cxnChg>
+        <pc:cxnChg chg="add mod">
+          <ac:chgData name="noh taehyun" userId="26ea3cd8016ad7de" providerId="LiveId" clId="{871F5B20-3F1A-465E-8510-54EB325A4742}" dt="2021-10-20T11:13:02.380" v="149" actId="1038"/>
+          <ac:cxnSpMkLst>
+            <pc:docMk/>
+            <pc:sldMk cId="3263190609" sldId="269"/>
+            <ac:cxnSpMk id="14" creationId="{D34AF806-18BA-44BA-8F52-76A30AE2726B}"/>
+          </ac:cxnSpMkLst>
+        </pc:cxnChg>
+        <pc:cxnChg chg="add mod">
+          <ac:chgData name="noh taehyun" userId="26ea3cd8016ad7de" providerId="LiveId" clId="{871F5B20-3F1A-465E-8510-54EB325A4742}" dt="2021-10-20T11:12:40.761" v="105" actId="1036"/>
+          <ac:cxnSpMkLst>
+            <pc:docMk/>
+            <pc:sldMk cId="3263190609" sldId="269"/>
+            <ac:cxnSpMk id="15" creationId="{E7F9A592-D14E-420F-A358-A61141E17D97}"/>
+          </ac:cxnSpMkLst>
+        </pc:cxnChg>
+        <pc:cxnChg chg="add mod">
+          <ac:chgData name="noh taehyun" userId="26ea3cd8016ad7de" providerId="LiveId" clId="{871F5B20-3F1A-465E-8510-54EB325A4742}" dt="2021-10-20T11:12:40.761" v="105" actId="1036"/>
+          <ac:cxnSpMkLst>
+            <pc:docMk/>
+            <pc:sldMk cId="3263190609" sldId="269"/>
+            <ac:cxnSpMk id="16" creationId="{33409137-3468-435F-9DE2-2A74D065FD15}"/>
+          </ac:cxnSpMkLst>
+        </pc:cxnChg>
+        <pc:cxnChg chg="add mod">
+          <ac:chgData name="noh taehyun" userId="26ea3cd8016ad7de" providerId="LiveId" clId="{871F5B20-3F1A-465E-8510-54EB325A4742}" dt="2021-10-20T11:12:40.761" v="105" actId="1036"/>
+          <ac:cxnSpMkLst>
+            <pc:docMk/>
+            <pc:sldMk cId="3263190609" sldId="269"/>
+            <ac:cxnSpMk id="17" creationId="{5E1914D8-6DE4-4A67-945D-E781966BB552}"/>
+          </ac:cxnSpMkLst>
+        </pc:cxnChg>
+      </pc:sldChg>
+      <pc:sldChg chg="del">
+        <pc:chgData name="noh taehyun" userId="26ea3cd8016ad7de" providerId="LiveId" clId="{871F5B20-3F1A-465E-8510-54EB325A4742}" dt="2021-10-20T11:08:51.415" v="33" actId="47"/>
+        <pc:sldMkLst>
+          <pc:docMk/>
+          <pc:sldMk cId="2104070843" sldId="279"/>
+        </pc:sldMkLst>
+      </pc:sldChg>
+      <pc:sldChg chg="del">
+        <pc:chgData name="noh taehyun" userId="26ea3cd8016ad7de" providerId="LiveId" clId="{871F5B20-3F1A-465E-8510-54EB325A4742}" dt="2021-10-20T11:08:51.415" v="33" actId="47"/>
+        <pc:sldMkLst>
+          <pc:docMk/>
+          <pc:sldMk cId="3032337348" sldId="280"/>
+        </pc:sldMkLst>
+      </pc:sldChg>
+      <pc:sldChg chg="del">
+        <pc:chgData name="noh taehyun" userId="26ea3cd8016ad7de" providerId="LiveId" clId="{871F5B20-3F1A-465E-8510-54EB325A4742}" dt="2021-10-20T11:08:51.415" v="33" actId="47"/>
+        <pc:sldMkLst>
+          <pc:docMk/>
+          <pc:sldMk cId="1509092948" sldId="281"/>
+        </pc:sldMkLst>
+      </pc:sldChg>
+      <pc:sldChg chg="del">
+        <pc:chgData name="noh taehyun" userId="26ea3cd8016ad7de" providerId="LiveId" clId="{871F5B20-3F1A-465E-8510-54EB325A4742}" dt="2021-10-20T11:08:51.415" v="33" actId="47"/>
+        <pc:sldMkLst>
+          <pc:docMk/>
+          <pc:sldMk cId="1853266817" sldId="282"/>
+        </pc:sldMkLst>
+      </pc:sldChg>
+      <pc:sldChg chg="modSp mod">
+        <pc:chgData name="noh taehyun" userId="26ea3cd8016ad7de" providerId="LiveId" clId="{871F5B20-3F1A-465E-8510-54EB325A4742}" dt="2021-10-20T10:52:44.546" v="4" actId="20577"/>
+        <pc:sldMkLst>
+          <pc:docMk/>
+          <pc:sldMk cId="4286056403" sldId="286"/>
+        </pc:sldMkLst>
+        <pc:spChg chg="mod">
+          <ac:chgData name="noh taehyun" userId="26ea3cd8016ad7de" providerId="LiveId" clId="{871F5B20-3F1A-465E-8510-54EB325A4742}" dt="2021-10-20T10:52:44.546" v="4" actId="20577"/>
+          <ac:spMkLst>
+            <pc:docMk/>
+            <pc:sldMk cId="4286056403" sldId="286"/>
+            <ac:spMk id="5" creationId="{8251E471-F9D0-4506-A27C-A56EF94BFF7D}"/>
+          </ac:spMkLst>
+        </pc:spChg>
+      </pc:sldChg>
+      <pc:sldChg chg="modSp add mod">
+        <pc:chgData name="noh taehyun" userId="26ea3cd8016ad7de" providerId="LiveId" clId="{871F5B20-3F1A-465E-8510-54EB325A4742}" dt="2021-10-20T11:28:15.573" v="663" actId="208"/>
+        <pc:sldMkLst>
+          <pc:docMk/>
+          <pc:sldMk cId="676824274" sldId="288"/>
+        </pc:sldMkLst>
+        <pc:spChg chg="mod">
+          <ac:chgData name="noh taehyun" userId="26ea3cd8016ad7de" providerId="LiveId" clId="{871F5B20-3F1A-465E-8510-54EB325A4742}" dt="2021-10-20T11:26:40.358" v="640" actId="1076"/>
+          <ac:spMkLst>
+            <pc:docMk/>
+            <pc:sldMk cId="676824274" sldId="288"/>
+            <ac:spMk id="19" creationId="{D762A612-FA23-4D7F-BBB5-F84186714D47}"/>
+          </ac:spMkLst>
+        </pc:spChg>
+        <pc:spChg chg="mod">
+          <ac:chgData name="noh taehyun" userId="26ea3cd8016ad7de" providerId="LiveId" clId="{871F5B20-3F1A-465E-8510-54EB325A4742}" dt="2021-10-20T11:28:08.707" v="662" actId="20577"/>
+          <ac:spMkLst>
+            <pc:docMk/>
+            <pc:sldMk cId="676824274" sldId="288"/>
+            <ac:spMk id="20" creationId="{64DCA7C5-7E19-4205-B534-FB66A8743432}"/>
+          </ac:spMkLst>
+        </pc:spChg>
+        <pc:spChg chg="mod">
+          <ac:chgData name="noh taehyun" userId="26ea3cd8016ad7de" providerId="LiveId" clId="{871F5B20-3F1A-465E-8510-54EB325A4742}" dt="2021-10-20T11:19:54.365" v="465" actId="20577"/>
+          <ac:spMkLst>
+            <pc:docMk/>
+            <pc:sldMk cId="676824274" sldId="288"/>
+            <ac:spMk id="22" creationId="{5F358A1B-8396-4AF1-93B6-D9495AF4C1D1}"/>
+          </ac:spMkLst>
+        </pc:spChg>
+        <pc:cxnChg chg="mod">
+          <ac:chgData name="noh taehyun" userId="26ea3cd8016ad7de" providerId="LiveId" clId="{871F5B20-3F1A-465E-8510-54EB325A4742}" dt="2021-10-20T11:22:11.306" v="468" actId="208"/>
+          <ac:cxnSpMkLst>
+            <pc:docMk/>
+            <pc:sldMk cId="676824274" sldId="288"/>
+            <ac:cxnSpMk id="10" creationId="{FCA81A5B-3CC6-4728-BB2F-D9D7C70B811B}"/>
+          </ac:cxnSpMkLst>
+        </pc:cxnChg>
+        <pc:cxnChg chg="mod">
+          <ac:chgData name="noh taehyun" userId="26ea3cd8016ad7de" providerId="LiveId" clId="{871F5B20-3F1A-465E-8510-54EB325A4742}" dt="2021-10-20T11:28:15.573" v="663" actId="208"/>
+          <ac:cxnSpMkLst>
+            <pc:docMk/>
+            <pc:sldMk cId="676824274" sldId="288"/>
+            <ac:cxnSpMk id="11" creationId="{D392545E-B922-430C-84A4-398439ADA09E}"/>
+          </ac:cxnSpMkLst>
+        </pc:cxnChg>
+        <pc:cxnChg chg="mod">
+          <ac:chgData name="noh taehyun" userId="26ea3cd8016ad7de" providerId="LiveId" clId="{871F5B20-3F1A-465E-8510-54EB325A4742}" dt="2021-10-20T11:22:27.220" v="470" actId="208"/>
+          <ac:cxnSpMkLst>
+            <pc:docMk/>
+            <pc:sldMk cId="676824274" sldId="288"/>
+            <ac:cxnSpMk id="15" creationId="{E7F9A592-D14E-420F-A358-A61141E17D97}"/>
+          </ac:cxnSpMkLst>
+        </pc:cxnChg>
+      </pc:sldChg>
+      <pc:sldChg chg="modSp add del mod ord">
+        <pc:chgData name="noh taehyun" userId="26ea3cd8016ad7de" providerId="LiveId" clId="{871F5B20-3F1A-465E-8510-54EB325A4742}" dt="2021-10-20T11:08:51.415" v="33" actId="47"/>
+        <pc:sldMkLst>
+          <pc:docMk/>
+          <pc:sldMk cId="2519165206" sldId="288"/>
+        </pc:sldMkLst>
+        <pc:spChg chg="mod">
+          <ac:chgData name="noh taehyun" userId="26ea3cd8016ad7de" providerId="LiveId" clId="{871F5B20-3F1A-465E-8510-54EB325A4742}" dt="2021-10-20T11:08:18.773" v="32" actId="14100"/>
+          <ac:spMkLst>
+            <pc:docMk/>
+            <pc:sldMk cId="2519165206" sldId="288"/>
+            <ac:spMk id="12" creationId="{596AC5E1-B4AA-48E3-862A-9440B136518E}"/>
+          </ac:spMkLst>
+        </pc:spChg>
+      </pc:sldChg>
+      <pc:sldChg chg="addSp delSp modSp add mod">
+        <pc:chgData name="noh taehyun" userId="26ea3cd8016ad7de" providerId="LiveId" clId="{871F5B20-3F1A-465E-8510-54EB325A4742}" dt="2021-10-20T11:29:27.615" v="1018" actId="20577"/>
+        <pc:sldMkLst>
+          <pc:docMk/>
+          <pc:sldMk cId="350072534" sldId="289"/>
+        </pc:sldMkLst>
+        <pc:spChg chg="del">
+          <ac:chgData name="noh taehyun" userId="26ea3cd8016ad7de" providerId="LiveId" clId="{871F5B20-3F1A-465E-8510-54EB325A4742}" dt="2021-10-20T11:24:04.583" v="627" actId="478"/>
+          <ac:spMkLst>
+            <pc:docMk/>
+            <pc:sldMk cId="350072534" sldId="289"/>
+            <ac:spMk id="18" creationId="{25007342-3AB1-4F84-98CA-91763BAFB750}"/>
+          </ac:spMkLst>
+        </pc:spChg>
+        <pc:spChg chg="del">
+          <ac:chgData name="noh taehyun" userId="26ea3cd8016ad7de" providerId="LiveId" clId="{871F5B20-3F1A-465E-8510-54EB325A4742}" dt="2021-10-20T11:24:04.583" v="627" actId="478"/>
+          <ac:spMkLst>
+            <pc:docMk/>
+            <pc:sldMk cId="350072534" sldId="289"/>
+            <ac:spMk id="19" creationId="{D762A612-FA23-4D7F-BBB5-F84186714D47}"/>
+          </ac:spMkLst>
+        </pc:spChg>
+        <pc:spChg chg="mod">
+          <ac:chgData name="noh taehyun" userId="26ea3cd8016ad7de" providerId="LiveId" clId="{871F5B20-3F1A-465E-8510-54EB325A4742}" dt="2021-10-20T11:29:27.615" v="1018" actId="20577"/>
+          <ac:spMkLst>
+            <pc:docMk/>
+            <pc:sldMk cId="350072534" sldId="289"/>
+            <ac:spMk id="20" creationId="{64DCA7C5-7E19-4205-B534-FB66A8743432}"/>
+          </ac:spMkLst>
+        </pc:spChg>
+        <pc:spChg chg="mod">
+          <ac:chgData name="noh taehyun" userId="26ea3cd8016ad7de" providerId="LiveId" clId="{871F5B20-3F1A-465E-8510-54EB325A4742}" dt="2021-10-20T11:28:28.181" v="677"/>
+          <ac:spMkLst>
+            <pc:docMk/>
+            <pc:sldMk cId="350072534" sldId="289"/>
+            <ac:spMk id="22" creationId="{5F358A1B-8396-4AF1-93B6-D9495AF4C1D1}"/>
+          </ac:spMkLst>
+        </pc:spChg>
+        <pc:spChg chg="add mod">
+          <ac:chgData name="noh taehyun" userId="26ea3cd8016ad7de" providerId="LiveId" clId="{871F5B20-3F1A-465E-8510-54EB325A4742}" dt="2021-10-20T11:24:04.840" v="628"/>
+          <ac:spMkLst>
+            <pc:docMk/>
+            <pc:sldMk cId="350072534" sldId="289"/>
+            <ac:spMk id="32" creationId="{A3029DFB-5A98-4E9D-89C5-2970DE120AF0}"/>
+          </ac:spMkLst>
+        </pc:spChg>
+        <pc:spChg chg="add mod">
+          <ac:chgData name="noh taehyun" userId="26ea3cd8016ad7de" providerId="LiveId" clId="{871F5B20-3F1A-465E-8510-54EB325A4742}" dt="2021-10-20T11:26:47.033" v="641" actId="1076"/>
+          <ac:spMkLst>
+            <pc:docMk/>
+            <pc:sldMk cId="350072534" sldId="289"/>
+            <ac:spMk id="33" creationId="{710A6C55-2DE7-47A9-8F51-493A12277A16}"/>
+          </ac:spMkLst>
+        </pc:spChg>
+        <pc:cxnChg chg="del">
+          <ac:chgData name="noh taehyun" userId="26ea3cd8016ad7de" providerId="LiveId" clId="{871F5B20-3F1A-465E-8510-54EB325A4742}" dt="2021-10-20T11:24:04.583" v="627" actId="478"/>
+          <ac:cxnSpMkLst>
+            <pc:docMk/>
+            <pc:sldMk cId="350072534" sldId="289"/>
+            <ac:cxnSpMk id="6" creationId="{E7975FC7-0C94-4389-83B4-0DD437C7E438}"/>
+          </ac:cxnSpMkLst>
+        </pc:cxnChg>
+        <pc:cxnChg chg="del">
+          <ac:chgData name="noh taehyun" userId="26ea3cd8016ad7de" providerId="LiveId" clId="{871F5B20-3F1A-465E-8510-54EB325A4742}" dt="2021-10-20T11:24:04.583" v="627" actId="478"/>
+          <ac:cxnSpMkLst>
+            <pc:docMk/>
+            <pc:sldMk cId="350072534" sldId="289"/>
+            <ac:cxnSpMk id="7" creationId="{1644DEFA-6489-463C-B335-F4F5F3511267}"/>
+          </ac:cxnSpMkLst>
+        </pc:cxnChg>
+        <pc:cxnChg chg="del">
+          <ac:chgData name="noh taehyun" userId="26ea3cd8016ad7de" providerId="LiveId" clId="{871F5B20-3F1A-465E-8510-54EB325A4742}" dt="2021-10-20T11:24:04.583" v="627" actId="478"/>
+          <ac:cxnSpMkLst>
+            <pc:docMk/>
+            <pc:sldMk cId="350072534" sldId="289"/>
+            <ac:cxnSpMk id="8" creationId="{A8920DE3-74BD-4188-A79D-2E487A2B824A}"/>
+          </ac:cxnSpMkLst>
+        </pc:cxnChg>
+        <pc:cxnChg chg="del">
+          <ac:chgData name="noh taehyun" userId="26ea3cd8016ad7de" providerId="LiveId" clId="{871F5B20-3F1A-465E-8510-54EB325A4742}" dt="2021-10-20T11:24:04.583" v="627" actId="478"/>
+          <ac:cxnSpMkLst>
+            <pc:docMk/>
+            <pc:sldMk cId="350072534" sldId="289"/>
+            <ac:cxnSpMk id="9" creationId="{FF5F112C-9D8A-40BC-8B60-9DF4F0253870}"/>
+          </ac:cxnSpMkLst>
+        </pc:cxnChg>
+        <pc:cxnChg chg="del">
+          <ac:chgData name="noh taehyun" userId="26ea3cd8016ad7de" providerId="LiveId" clId="{871F5B20-3F1A-465E-8510-54EB325A4742}" dt="2021-10-20T11:24:04.583" v="627" actId="478"/>
+          <ac:cxnSpMkLst>
+            <pc:docMk/>
+            <pc:sldMk cId="350072534" sldId="289"/>
+            <ac:cxnSpMk id="10" creationId="{FCA81A5B-3CC6-4728-BB2F-D9D7C70B811B}"/>
+          </ac:cxnSpMkLst>
+        </pc:cxnChg>
+        <pc:cxnChg chg="del">
+          <ac:chgData name="noh taehyun" userId="26ea3cd8016ad7de" providerId="LiveId" clId="{871F5B20-3F1A-465E-8510-54EB325A4742}" dt="2021-10-20T11:24:04.583" v="627" actId="478"/>
+          <ac:cxnSpMkLst>
+            <pc:docMk/>
+            <pc:sldMk cId="350072534" sldId="289"/>
+            <ac:cxnSpMk id="11" creationId="{D392545E-B922-430C-84A4-398439ADA09E}"/>
+          </ac:cxnSpMkLst>
+        </pc:cxnChg>
+        <pc:cxnChg chg="del">
+          <ac:chgData name="noh taehyun" userId="26ea3cd8016ad7de" providerId="LiveId" clId="{871F5B20-3F1A-465E-8510-54EB325A4742}" dt="2021-10-20T11:24:04.583" v="627" actId="478"/>
+          <ac:cxnSpMkLst>
+            <pc:docMk/>
+            <pc:sldMk cId="350072534" sldId="289"/>
+            <ac:cxnSpMk id="13" creationId="{1B77907A-D456-42D5-9E42-2D78D3F611B2}"/>
+          </ac:cxnSpMkLst>
+        </pc:cxnChg>
+        <pc:cxnChg chg="del">
+          <ac:chgData name="noh taehyun" userId="26ea3cd8016ad7de" providerId="LiveId" clId="{871F5B20-3F1A-465E-8510-54EB325A4742}" dt="2021-10-20T11:24:04.583" v="627" actId="478"/>
+          <ac:cxnSpMkLst>
+            <pc:docMk/>
+            <pc:sldMk cId="350072534" sldId="289"/>
+            <ac:cxnSpMk id="14" creationId="{D34AF806-18BA-44BA-8F52-76A30AE2726B}"/>
+          </ac:cxnSpMkLst>
+        </pc:cxnChg>
+        <pc:cxnChg chg="del">
+          <ac:chgData name="noh taehyun" userId="26ea3cd8016ad7de" providerId="LiveId" clId="{871F5B20-3F1A-465E-8510-54EB325A4742}" dt="2021-10-20T11:24:04.583" v="627" actId="478"/>
+          <ac:cxnSpMkLst>
+            <pc:docMk/>
+            <pc:sldMk cId="350072534" sldId="289"/>
+            <ac:cxnSpMk id="15" creationId="{E7F9A592-D14E-420F-A358-A61141E17D97}"/>
+          </ac:cxnSpMkLst>
+        </pc:cxnChg>
+        <pc:cxnChg chg="del">
+          <ac:chgData name="noh taehyun" userId="26ea3cd8016ad7de" providerId="LiveId" clId="{871F5B20-3F1A-465E-8510-54EB325A4742}" dt="2021-10-20T11:24:04.583" v="627" actId="478"/>
+          <ac:cxnSpMkLst>
+            <pc:docMk/>
+            <pc:sldMk cId="350072534" sldId="289"/>
+            <ac:cxnSpMk id="16" creationId="{33409137-3468-435F-9DE2-2A74D065FD15}"/>
+          </ac:cxnSpMkLst>
+        </pc:cxnChg>
+        <pc:cxnChg chg="del">
+          <ac:chgData name="noh taehyun" userId="26ea3cd8016ad7de" providerId="LiveId" clId="{871F5B20-3F1A-465E-8510-54EB325A4742}" dt="2021-10-20T11:24:04.583" v="627" actId="478"/>
+          <ac:cxnSpMkLst>
+            <pc:docMk/>
+            <pc:sldMk cId="350072534" sldId="289"/>
+            <ac:cxnSpMk id="17" creationId="{5E1914D8-6DE4-4A67-945D-E781966BB552}"/>
+          </ac:cxnSpMkLst>
+        </pc:cxnChg>
+        <pc:cxnChg chg="add mod">
+          <ac:chgData name="noh taehyun" userId="26ea3cd8016ad7de" providerId="LiveId" clId="{871F5B20-3F1A-465E-8510-54EB325A4742}" dt="2021-10-20T11:24:18.317" v="630" actId="208"/>
+          <ac:cxnSpMkLst>
+            <pc:docMk/>
+            <pc:sldMk cId="350072534" sldId="289"/>
+            <ac:cxnSpMk id="21" creationId="{FA96E02A-BB81-4EB7-8616-F61B62F2A187}"/>
+          </ac:cxnSpMkLst>
+        </pc:cxnChg>
+        <pc:cxnChg chg="add mod">
+          <ac:chgData name="noh taehyun" userId="26ea3cd8016ad7de" providerId="LiveId" clId="{871F5B20-3F1A-465E-8510-54EB325A4742}" dt="2021-10-20T11:24:04.840" v="628"/>
+          <ac:cxnSpMkLst>
+            <pc:docMk/>
+            <pc:sldMk cId="350072534" sldId="289"/>
+            <ac:cxnSpMk id="23" creationId="{1AC9B129-F7B9-49EC-9DFB-C3997D6E5730}"/>
+          </ac:cxnSpMkLst>
+        </pc:cxnChg>
+        <pc:cxnChg chg="add mod">
+          <ac:chgData name="noh taehyun" userId="26ea3cd8016ad7de" providerId="LiveId" clId="{871F5B20-3F1A-465E-8510-54EB325A4742}" dt="2021-10-20T11:26:50.251" v="642" actId="208"/>
+          <ac:cxnSpMkLst>
+            <pc:docMk/>
+            <pc:sldMk cId="350072534" sldId="289"/>
+            <ac:cxnSpMk id="24" creationId="{B917027F-47D9-4B18-A08E-EA01489E4BB6}"/>
+          </ac:cxnSpMkLst>
+        </pc:cxnChg>
+        <pc:cxnChg chg="add mod">
+          <ac:chgData name="noh taehyun" userId="26ea3cd8016ad7de" providerId="LiveId" clId="{871F5B20-3F1A-465E-8510-54EB325A4742}" dt="2021-10-20T11:27:46.353" v="646" actId="208"/>
+          <ac:cxnSpMkLst>
+            <pc:docMk/>
+            <pc:sldMk cId="350072534" sldId="289"/>
+            <ac:cxnSpMk id="25" creationId="{8AC6AD62-308D-495A-9292-0863A1D45646}"/>
+          </ac:cxnSpMkLst>
+        </pc:cxnChg>
+        <pc:cxnChg chg="add mod">
+          <ac:chgData name="noh taehyun" userId="26ea3cd8016ad7de" providerId="LiveId" clId="{871F5B20-3F1A-465E-8510-54EB325A4742}" dt="2021-10-20T11:26:57.701" v="644" actId="208"/>
+          <ac:cxnSpMkLst>
+            <pc:docMk/>
+            <pc:sldMk cId="350072534" sldId="289"/>
+            <ac:cxnSpMk id="26" creationId="{2ABCE183-600D-4AD2-92A4-59FE17A4C1D8}"/>
+          </ac:cxnSpMkLst>
+        </pc:cxnChg>
+        <pc:cxnChg chg="add mod">
+          <ac:chgData name="noh taehyun" userId="26ea3cd8016ad7de" providerId="LiveId" clId="{871F5B20-3F1A-465E-8510-54EB325A4742}" dt="2021-10-20T11:24:04.840" v="628"/>
+          <ac:cxnSpMkLst>
+            <pc:docMk/>
+            <pc:sldMk cId="350072534" sldId="289"/>
+            <ac:cxnSpMk id="27" creationId="{268D6EC2-9F49-47EE-85D0-DB856CC2F434}"/>
+          </ac:cxnSpMkLst>
+        </pc:cxnChg>
+        <pc:cxnChg chg="add mod">
+          <ac:chgData name="noh taehyun" userId="26ea3cd8016ad7de" providerId="LiveId" clId="{871F5B20-3F1A-465E-8510-54EB325A4742}" dt="2021-10-20T11:24:04.840" v="628"/>
+          <ac:cxnSpMkLst>
+            <pc:docMk/>
+            <pc:sldMk cId="350072534" sldId="289"/>
+            <ac:cxnSpMk id="28" creationId="{E04857BE-EEA1-4CCE-A09D-B41528C0903F}"/>
+          </ac:cxnSpMkLst>
+        </pc:cxnChg>
+        <pc:cxnChg chg="add mod">
+          <ac:chgData name="noh taehyun" userId="26ea3cd8016ad7de" providerId="LiveId" clId="{871F5B20-3F1A-465E-8510-54EB325A4742}" dt="2021-10-20T11:24:04.840" v="628"/>
+          <ac:cxnSpMkLst>
+            <pc:docMk/>
+            <pc:sldMk cId="350072534" sldId="289"/>
+            <ac:cxnSpMk id="29" creationId="{E2B6C1D7-6F4A-477C-A278-230E4E0DB9B5}"/>
+          </ac:cxnSpMkLst>
+        </pc:cxnChg>
+        <pc:cxnChg chg="add mod">
+          <ac:chgData name="noh taehyun" userId="26ea3cd8016ad7de" providerId="LiveId" clId="{871F5B20-3F1A-465E-8510-54EB325A4742}" dt="2021-10-20T11:27:13.860" v="645" actId="208"/>
+          <ac:cxnSpMkLst>
+            <pc:docMk/>
+            <pc:sldMk cId="350072534" sldId="289"/>
+            <ac:cxnSpMk id="30" creationId="{4675B8C9-ED9A-4761-AE18-4019DE4D9C22}"/>
+          </ac:cxnSpMkLst>
+        </pc:cxnChg>
+        <pc:cxnChg chg="add mod">
+          <ac:chgData name="noh taehyun" userId="26ea3cd8016ad7de" providerId="LiveId" clId="{871F5B20-3F1A-465E-8510-54EB325A4742}" dt="2021-10-20T11:24:04.840" v="628"/>
+          <ac:cxnSpMkLst>
+            <pc:docMk/>
+            <pc:sldMk cId="350072534" sldId="289"/>
+            <ac:cxnSpMk id="31" creationId="{6BB163DC-2230-40E0-A6BB-F933BDB96817}"/>
+          </ac:cxnSpMkLst>
+        </pc:cxnChg>
+      </pc:sldChg>
+    </pc:docChg>
+  </pc:docChgLst>
 </pc:chgInfo>
 </file>
 
@@ -2534,7 +3070,7 @@
           <a:p>
             <a:fld id="{16706E4F-4DCE-433C-BE47-3B753ED43087}" type="datetimeFigureOut">
               <a:rPr lang="ko-KR" altLang="en-US" smtClean="0"/>
-              <a:t>2021-10-05</a:t>
+              <a:t>2021-10-20</a:t>
             </a:fld>
             <a:endParaRPr lang="ko-KR" altLang="en-US"/>
           </a:p>
@@ -2732,7 +3268,7 @@
           <a:p>
             <a:fld id="{16706E4F-4DCE-433C-BE47-3B753ED43087}" type="datetimeFigureOut">
               <a:rPr lang="ko-KR" altLang="en-US" smtClean="0"/>
-              <a:t>2021-10-05</a:t>
+              <a:t>2021-10-20</a:t>
             </a:fld>
             <a:endParaRPr lang="ko-KR" altLang="en-US"/>
           </a:p>
@@ -2940,7 +3476,7 @@
           <a:p>
             <a:fld id="{16706E4F-4DCE-433C-BE47-3B753ED43087}" type="datetimeFigureOut">
               <a:rPr lang="ko-KR" altLang="en-US" smtClean="0"/>
-              <a:t>2021-10-05</a:t>
+              <a:t>2021-10-20</a:t>
             </a:fld>
             <a:endParaRPr lang="ko-KR" altLang="en-US"/>
           </a:p>
@@ -3138,7 +3674,7 @@
           <a:p>
             <a:fld id="{16706E4F-4DCE-433C-BE47-3B753ED43087}" type="datetimeFigureOut">
               <a:rPr lang="ko-KR" altLang="en-US" smtClean="0"/>
-              <a:t>2021-10-05</a:t>
+              <a:t>2021-10-20</a:t>
             </a:fld>
             <a:endParaRPr lang="ko-KR" altLang="en-US"/>
           </a:p>
@@ -3413,7 +3949,7 @@
           <a:p>
             <a:fld id="{16706E4F-4DCE-433C-BE47-3B753ED43087}" type="datetimeFigureOut">
               <a:rPr lang="ko-KR" altLang="en-US" smtClean="0"/>
-              <a:t>2021-10-05</a:t>
+              <a:t>2021-10-20</a:t>
             </a:fld>
             <a:endParaRPr lang="ko-KR" altLang="en-US"/>
           </a:p>
@@ -3678,7 +4214,7 @@
           <a:p>
             <a:fld id="{16706E4F-4DCE-433C-BE47-3B753ED43087}" type="datetimeFigureOut">
               <a:rPr lang="ko-KR" altLang="en-US" smtClean="0"/>
-              <a:t>2021-10-05</a:t>
+              <a:t>2021-10-20</a:t>
             </a:fld>
             <a:endParaRPr lang="ko-KR" altLang="en-US"/>
           </a:p>
@@ -4090,7 +4626,7 @@
           <a:p>
             <a:fld id="{16706E4F-4DCE-433C-BE47-3B753ED43087}" type="datetimeFigureOut">
               <a:rPr lang="ko-KR" altLang="en-US" smtClean="0"/>
-              <a:t>2021-10-05</a:t>
+              <a:t>2021-10-20</a:t>
             </a:fld>
             <a:endParaRPr lang="ko-KR" altLang="en-US"/>
           </a:p>
@@ -4231,7 +4767,7 @@
           <a:p>
             <a:fld id="{16706E4F-4DCE-433C-BE47-3B753ED43087}" type="datetimeFigureOut">
               <a:rPr lang="ko-KR" altLang="en-US" smtClean="0"/>
-              <a:t>2021-10-05</a:t>
+              <a:t>2021-10-20</a:t>
             </a:fld>
             <a:endParaRPr lang="ko-KR" altLang="en-US"/>
           </a:p>
@@ -4344,7 +4880,7 @@
           <a:p>
             <a:fld id="{16706E4F-4DCE-433C-BE47-3B753ED43087}" type="datetimeFigureOut">
               <a:rPr lang="ko-KR" altLang="en-US" smtClean="0"/>
-              <a:t>2021-10-05</a:t>
+              <a:t>2021-10-20</a:t>
             </a:fld>
             <a:endParaRPr lang="ko-KR" altLang="en-US"/>
           </a:p>
@@ -4655,7 +5191,7 @@
           <a:p>
             <a:fld id="{16706E4F-4DCE-433C-BE47-3B753ED43087}" type="datetimeFigureOut">
               <a:rPr lang="ko-KR" altLang="en-US" smtClean="0"/>
-              <a:t>2021-10-05</a:t>
+              <a:t>2021-10-20</a:t>
             </a:fld>
             <a:endParaRPr lang="ko-KR" altLang="en-US"/>
           </a:p>
@@ -4943,7 +5479,7 @@
           <a:p>
             <a:fld id="{16706E4F-4DCE-433C-BE47-3B753ED43087}" type="datetimeFigureOut">
               <a:rPr lang="ko-KR" altLang="en-US" smtClean="0"/>
-              <a:t>2021-10-05</a:t>
+              <a:t>2021-10-20</a:t>
             </a:fld>
             <a:endParaRPr lang="ko-KR" altLang="en-US"/>
           </a:p>
@@ -5184,7 +5720,7 @@
           <a:p>
             <a:fld id="{16706E4F-4DCE-433C-BE47-3B753ED43087}" type="datetimeFigureOut">
               <a:rPr lang="ko-KR" altLang="en-US" smtClean="0"/>
-              <a:t>2021-10-05</a:t>
+              <a:t>2021-10-20</a:t>
             </a:fld>
             <a:endParaRPr lang="ko-KR" altLang="en-US"/>
           </a:p>
@@ -10163,6 +10699,32 @@
           </a:p>
           <a:p>
             <a:r>
+              <a:rPr lang="en-US" altLang="ko-KR" sz="2400" b="1" dirty="0">
+                <a:solidFill>
+                  <a:srgbClr val="FF0000"/>
+                </a:solidFill>
+              </a:rPr>
+              <a:t>500</a:t>
+            </a:r>
+            <a:r>
+              <a:rPr lang="ko-KR" altLang="en-US" sz="2400" b="1" dirty="0">
+                <a:solidFill>
+                  <a:srgbClr val="FF0000"/>
+                </a:solidFill>
+              </a:rPr>
+              <a:t>원</a:t>
+            </a:r>
+            <a:r>
+              <a:rPr lang="ko-KR" altLang="en-US" sz="2400" dirty="0">
+                <a:solidFill>
+                  <a:schemeClr val="bg1">
+                    <a:lumMod val="95000"/>
+                  </a:schemeClr>
+                </a:solidFill>
+              </a:rPr>
+              <a:t> 동전을 많이 쓴다는 것은</a:t>
+            </a:r>
+            <a:r>
               <a:rPr lang="en-US" altLang="ko-KR" sz="2400" dirty="0">
                 <a:solidFill>
                   <a:schemeClr val="bg1">
@@ -10170,7 +10732,23 @@
                   </a:schemeClr>
                 </a:solidFill>
               </a:rPr>
-              <a:t>500</a:t>
+              <a:t>, </a:t>
+            </a:r>
+            <a:r>
+              <a:rPr lang="en-US" altLang="ko-KR" sz="2400" b="1" dirty="0">
+                <a:solidFill>
+                  <a:srgbClr val="FF0000"/>
+                </a:solidFill>
+              </a:rPr>
+              <a:t>100</a:t>
+            </a:r>
+            <a:r>
+              <a:rPr lang="ko-KR" altLang="en-US" sz="2400" b="1" dirty="0">
+                <a:solidFill>
+                  <a:srgbClr val="FF0000"/>
+                </a:solidFill>
+              </a:rPr>
+              <a:t>원</a:t>
             </a:r>
             <a:r>
               <a:rPr lang="ko-KR" altLang="en-US" sz="2400" dirty="0">
@@ -10180,27 +10758,7 @@
                   </a:schemeClr>
                 </a:solidFill>
               </a:rPr>
-              <a:t>원 동전을 많이 쓴다는 것은</a:t>
-            </a:r>
-            <a:r>
-              <a:rPr lang="en-US" altLang="ko-KR" sz="2400" dirty="0">
-                <a:solidFill>
-                  <a:schemeClr val="bg1">
-                    <a:lumMod val="95000"/>
-                  </a:schemeClr>
-                </a:solidFill>
-              </a:rPr>
-              <a:t>, 100</a:t>
-            </a:r>
-            <a:r>
-              <a:rPr lang="ko-KR" altLang="en-US" sz="2400" dirty="0">
-                <a:solidFill>
-                  <a:schemeClr val="bg1">
-                    <a:lumMod val="95000"/>
-                  </a:schemeClr>
-                </a:solidFill>
-              </a:rPr>
-              <a:t>원과 동전을 </a:t>
+              <a:t> 동전을 </a:t>
             </a:r>
             <a:r>
               <a:rPr lang="en-US" altLang="ko-KR" sz="2400" dirty="0">
@@ -10817,7 +11375,7 @@
               <a:t>개 이하로 사용해야 합니다</a:t>
             </a:r>
             <a:r>
-              <a:rPr lang="en-US" altLang="ko-KR" sz="2400">
+              <a:rPr lang="en-US" altLang="ko-KR" sz="2400" dirty="0">
                 <a:solidFill>
                   <a:schemeClr val="bg1">
                     <a:lumMod val="95000"/>
@@ -10826,13 +11384,6 @@
               </a:rPr>
               <a:t>.</a:t>
             </a:r>
-            <a:endParaRPr lang="en-US" altLang="ko-KR" sz="2400" dirty="0">
-              <a:solidFill>
-                <a:schemeClr val="bg1">
-                  <a:lumMod val="95000"/>
-                </a:schemeClr>
-              </a:solidFill>
-            </a:endParaRPr>
           </a:p>
         </p:txBody>
       </p:sp>
@@ -12141,5170 +12692,6 @@
           <a:chExt cx="0" cy="0"/>
         </a:xfrm>
       </p:grpSpPr>
-      <p:graphicFrame>
-        <p:nvGraphicFramePr>
-          <p:cNvPr id="2" name="표 2">
-            <a:extLst>
-              <a:ext uri="{FF2B5EF4-FFF2-40B4-BE49-F238E27FC236}">
-                <a16:creationId xmlns:a16="http://schemas.microsoft.com/office/drawing/2014/main" id="{69628D52-A5D8-4EC4-9C1D-9B74BD3593F7}"/>
-              </a:ext>
-            </a:extLst>
-          </p:cNvPr>
-          <p:cNvGraphicFramePr>
-            <a:graphicFrameLocks noGrp="1"/>
-          </p:cNvGraphicFramePr>
-          <p:nvPr/>
-        </p:nvGraphicFramePr>
-        <p:xfrm>
-          <a:off x="784570" y="962056"/>
-          <a:ext cx="10378725" cy="1477328"/>
-        </p:xfrm>
-        <a:graphic>
-          <a:graphicData uri="http://schemas.openxmlformats.org/drawingml/2006/table">
-            <a:tbl>
-              <a:tblPr firstRow="1" bandRow="1">
-                <a:tableStyleId>{5C22544A-7EE6-4342-B048-85BDC9FD1C3A}</a:tableStyleId>
-              </a:tblPr>
-              <a:tblGrid>
-                <a:gridCol w="1482675">
-                  <a:extLst>
-                    <a:ext uri="{9D8B030D-6E8A-4147-A177-3AD203B41FA5}">
-                      <a16:colId xmlns:a16="http://schemas.microsoft.com/office/drawing/2014/main" val="2920149521"/>
-                    </a:ext>
-                  </a:extLst>
-                </a:gridCol>
-                <a:gridCol w="1482675">
-                  <a:extLst>
-                    <a:ext uri="{9D8B030D-6E8A-4147-A177-3AD203B41FA5}">
-                      <a16:colId xmlns:a16="http://schemas.microsoft.com/office/drawing/2014/main" val="3969469004"/>
-                    </a:ext>
-                  </a:extLst>
-                </a:gridCol>
-                <a:gridCol w="1482675">
-                  <a:extLst>
-                    <a:ext uri="{9D8B030D-6E8A-4147-A177-3AD203B41FA5}">
-                      <a16:colId xmlns:a16="http://schemas.microsoft.com/office/drawing/2014/main" val="1276193095"/>
-                    </a:ext>
-                  </a:extLst>
-                </a:gridCol>
-                <a:gridCol w="1482675">
-                  <a:extLst>
-                    <a:ext uri="{9D8B030D-6E8A-4147-A177-3AD203B41FA5}">
-                      <a16:colId xmlns:a16="http://schemas.microsoft.com/office/drawing/2014/main" val="1142247615"/>
-                    </a:ext>
-                  </a:extLst>
-                </a:gridCol>
-                <a:gridCol w="1482675">
-                  <a:extLst>
-                    <a:ext uri="{9D8B030D-6E8A-4147-A177-3AD203B41FA5}">
-                      <a16:colId xmlns:a16="http://schemas.microsoft.com/office/drawing/2014/main" val="1217616046"/>
-                    </a:ext>
-                  </a:extLst>
-                </a:gridCol>
-                <a:gridCol w="1482675">
-                  <a:extLst>
-                    <a:ext uri="{9D8B030D-6E8A-4147-A177-3AD203B41FA5}">
-                      <a16:colId xmlns:a16="http://schemas.microsoft.com/office/drawing/2014/main" val="3892705632"/>
-                    </a:ext>
-                  </a:extLst>
-                </a:gridCol>
-                <a:gridCol w="1482675">
-                  <a:extLst>
-                    <a:ext uri="{9D8B030D-6E8A-4147-A177-3AD203B41FA5}">
-                      <a16:colId xmlns:a16="http://schemas.microsoft.com/office/drawing/2014/main" val="2161891839"/>
-                    </a:ext>
-                  </a:extLst>
-                </a:gridCol>
-              </a:tblGrid>
-              <a:tr h="738664">
-                <a:tc>
-                  <a:txBody>
-                    <a:bodyPr/>
-                    <a:lstStyle/>
-                    <a:p>
-                      <a:pPr algn="ctr" latinLnBrk="1"/>
-                      <a:r>
-                        <a:rPr lang="ko-KR" altLang="en-US" dirty="0"/>
-                        <a:t>합</a:t>
-                      </a:r>
-                    </a:p>
-                  </a:txBody>
-                  <a:tcPr anchor="ctr"/>
-                </a:tc>
-                <a:tc>
-                  <a:txBody>
-                    <a:bodyPr/>
-                    <a:lstStyle/>
-                    <a:p>
-                      <a:pPr algn="ctr" latinLnBrk="1"/>
-                      <a:r>
-                        <a:rPr lang="en-US" altLang="ko-KR" dirty="0"/>
-                        <a:t>1</a:t>
-                      </a:r>
-                      <a:endParaRPr lang="ko-KR" altLang="en-US" dirty="0"/>
-                    </a:p>
-                  </a:txBody>
-                  <a:tcPr anchor="ctr"/>
-                </a:tc>
-                <a:tc>
-                  <a:txBody>
-                    <a:bodyPr/>
-                    <a:lstStyle/>
-                    <a:p>
-                      <a:pPr algn="ctr" latinLnBrk="1"/>
-                      <a:r>
-                        <a:rPr lang="en-US" altLang="ko-KR" dirty="0"/>
-                        <a:t>2</a:t>
-                      </a:r>
-                      <a:endParaRPr lang="ko-KR" altLang="en-US" dirty="0"/>
-                    </a:p>
-                  </a:txBody>
-                  <a:tcPr anchor="ctr"/>
-                </a:tc>
-                <a:tc>
-                  <a:txBody>
-                    <a:bodyPr/>
-                    <a:lstStyle/>
-                    <a:p>
-                      <a:pPr algn="ctr" latinLnBrk="1"/>
-                      <a:r>
-                        <a:rPr lang="en-US" altLang="ko-KR" dirty="0"/>
-                        <a:t>3</a:t>
-                      </a:r>
-                      <a:endParaRPr lang="ko-KR" altLang="en-US" dirty="0"/>
-                    </a:p>
-                  </a:txBody>
-                  <a:tcPr anchor="ctr"/>
-                </a:tc>
-                <a:tc>
-                  <a:txBody>
-                    <a:bodyPr/>
-                    <a:lstStyle/>
-                    <a:p>
-                      <a:pPr algn="ctr" latinLnBrk="1"/>
-                      <a:r>
-                        <a:rPr lang="en-US" altLang="ko-KR" dirty="0"/>
-                        <a:t>4</a:t>
-                      </a:r>
-                      <a:endParaRPr lang="ko-KR" altLang="en-US" dirty="0"/>
-                    </a:p>
-                  </a:txBody>
-                  <a:tcPr anchor="ctr"/>
-                </a:tc>
-                <a:tc>
-                  <a:txBody>
-                    <a:bodyPr/>
-                    <a:lstStyle/>
-                    <a:p>
-                      <a:pPr algn="ctr" latinLnBrk="1"/>
-                      <a:r>
-                        <a:rPr lang="en-US" altLang="ko-KR" dirty="0"/>
-                        <a:t>5</a:t>
-                      </a:r>
-                      <a:endParaRPr lang="ko-KR" altLang="en-US" dirty="0"/>
-                    </a:p>
-                  </a:txBody>
-                  <a:tcPr anchor="ctr"/>
-                </a:tc>
-                <a:tc>
-                  <a:txBody>
-                    <a:bodyPr/>
-                    <a:lstStyle/>
-                    <a:p>
-                      <a:pPr algn="ctr" latinLnBrk="1"/>
-                      <a:r>
-                        <a:rPr lang="en-US" altLang="ko-KR" dirty="0"/>
-                        <a:t>6</a:t>
-                      </a:r>
-                      <a:endParaRPr lang="ko-KR" altLang="en-US" dirty="0"/>
-                    </a:p>
-                  </a:txBody>
-                  <a:tcPr anchor="ctr"/>
-                </a:tc>
-                <a:extLst>
-                  <a:ext uri="{0D108BD9-81ED-4DB2-BD59-A6C34878D82A}">
-                    <a16:rowId xmlns:a16="http://schemas.microsoft.com/office/drawing/2014/main" val="1925323140"/>
-                  </a:ext>
-                </a:extLst>
-              </a:tr>
-              <a:tr h="738664">
-                <a:tc>
-                  <a:txBody>
-                    <a:bodyPr/>
-                    <a:lstStyle/>
-                    <a:p>
-                      <a:pPr algn="ctr" latinLnBrk="1"/>
-                      <a:r>
-                        <a:rPr lang="ko-KR" altLang="en-US" dirty="0"/>
-                        <a:t>필요 최소 동전 개수</a:t>
-                      </a:r>
-                    </a:p>
-                  </a:txBody>
-                  <a:tcPr anchor="ctr"/>
-                </a:tc>
-                <a:tc>
-                  <a:txBody>
-                    <a:bodyPr/>
-                    <a:lstStyle/>
-                    <a:p>
-                      <a:pPr algn="ctr" latinLnBrk="1"/>
-                      <a:r>
-                        <a:rPr lang="en-US" altLang="ko-KR" dirty="0"/>
-                        <a:t>1</a:t>
-                      </a:r>
-                      <a:endParaRPr lang="ko-KR" altLang="en-US" dirty="0"/>
-                    </a:p>
-                  </a:txBody>
-                  <a:tcPr anchor="ctr"/>
-                </a:tc>
-                <a:tc>
-                  <a:txBody>
-                    <a:bodyPr/>
-                    <a:lstStyle/>
-                    <a:p>
-                      <a:pPr algn="ctr" latinLnBrk="1"/>
-                      <a:endParaRPr lang="ko-KR" altLang="en-US" dirty="0"/>
-                    </a:p>
-                  </a:txBody>
-                  <a:tcPr anchor="ctr"/>
-                </a:tc>
-                <a:tc>
-                  <a:txBody>
-                    <a:bodyPr/>
-                    <a:lstStyle/>
-                    <a:p>
-                      <a:pPr algn="ctr" latinLnBrk="1"/>
-                      <a:endParaRPr lang="ko-KR" altLang="en-US" dirty="0"/>
-                    </a:p>
-                  </a:txBody>
-                  <a:tcPr anchor="ctr"/>
-                </a:tc>
-                <a:tc>
-                  <a:txBody>
-                    <a:bodyPr/>
-                    <a:lstStyle/>
-                    <a:p>
-                      <a:pPr algn="ctr" latinLnBrk="1"/>
-                      <a:endParaRPr lang="ko-KR" altLang="en-US" dirty="0"/>
-                    </a:p>
-                  </a:txBody>
-                  <a:tcPr anchor="ctr"/>
-                </a:tc>
-                <a:tc>
-                  <a:txBody>
-                    <a:bodyPr/>
-                    <a:lstStyle/>
-                    <a:p>
-                      <a:pPr algn="ctr" latinLnBrk="1"/>
-                      <a:endParaRPr lang="ko-KR" altLang="en-US" dirty="0"/>
-                    </a:p>
-                  </a:txBody>
-                  <a:tcPr anchor="ctr"/>
-                </a:tc>
-                <a:tc>
-                  <a:txBody>
-                    <a:bodyPr/>
-                    <a:lstStyle/>
-                    <a:p>
-                      <a:pPr algn="ctr" latinLnBrk="1"/>
-                      <a:endParaRPr lang="ko-KR" altLang="en-US" dirty="0"/>
-                    </a:p>
-                  </a:txBody>
-                  <a:tcPr anchor="ctr"/>
-                </a:tc>
-                <a:extLst>
-                  <a:ext uri="{0D108BD9-81ED-4DB2-BD59-A6C34878D82A}">
-                    <a16:rowId xmlns:a16="http://schemas.microsoft.com/office/drawing/2014/main" val="2982812773"/>
-                  </a:ext>
-                </a:extLst>
-              </a:tr>
-            </a:tbl>
-          </a:graphicData>
-        </a:graphic>
-      </p:graphicFrame>
-      <p:sp>
-        <p:nvSpPr>
-          <p:cNvPr id="18" name="TextBox 17">
-            <a:extLst>
-              <a:ext uri="{FF2B5EF4-FFF2-40B4-BE49-F238E27FC236}">
-                <a16:creationId xmlns:a16="http://schemas.microsoft.com/office/drawing/2014/main" id="{400E1B42-C251-450D-A33B-F3DA49E22ED0}"/>
-              </a:ext>
-            </a:extLst>
-          </p:cNvPr>
-          <p:cNvSpPr txBox="1"/>
-          <p:nvPr/>
-        </p:nvSpPr>
-        <p:spPr>
-          <a:xfrm>
-            <a:off x="784570" y="2575872"/>
-            <a:ext cx="10378725" cy="1200329"/>
-          </a:xfrm>
-          <a:prstGeom prst="rect">
-            <a:avLst/>
-          </a:prstGeom>
-          <a:noFill/>
-        </p:spPr>
-        <p:txBody>
-          <a:bodyPr wrap="square" rtlCol="0">
-            <a:spAutoFit/>
-          </a:bodyPr>
-          <a:lstStyle/>
-          <a:p>
-            <a:pPr marL="285750" indent="-285750">
-              <a:buFont typeface="Arial" panose="020B0604020202020204" pitchFamily="34" charset="0"/>
-              <a:buChar char="•"/>
-            </a:pPr>
-            <a:r>
-              <a:rPr lang="ko-KR" altLang="en-US" dirty="0">
-                <a:solidFill>
-                  <a:schemeClr val="bg1">
-                    <a:lumMod val="95000"/>
-                  </a:schemeClr>
-                </a:solidFill>
-              </a:rPr>
-              <a:t>우선은 </a:t>
-            </a:r>
-            <a:r>
-              <a:rPr lang="en-US" altLang="ko-KR" dirty="0">
-                <a:solidFill>
-                  <a:schemeClr val="bg1">
-                    <a:lumMod val="95000"/>
-                  </a:schemeClr>
-                </a:solidFill>
-              </a:rPr>
-              <a:t>DP</a:t>
-            </a:r>
-            <a:r>
-              <a:rPr lang="ko-KR" altLang="en-US" dirty="0">
-                <a:solidFill>
-                  <a:schemeClr val="bg1">
-                    <a:lumMod val="95000"/>
-                  </a:schemeClr>
-                </a:solidFill>
-              </a:rPr>
-              <a:t>로 풀 것이므로</a:t>
-            </a:r>
-            <a:r>
-              <a:rPr lang="en-US" altLang="ko-KR" dirty="0">
-                <a:solidFill>
-                  <a:schemeClr val="bg1">
-                    <a:lumMod val="95000"/>
-                  </a:schemeClr>
-                </a:solidFill>
-              </a:rPr>
-              <a:t>, </a:t>
-            </a:r>
-            <a:r>
-              <a:rPr lang="ko-KR" altLang="en-US" dirty="0">
-                <a:solidFill>
-                  <a:schemeClr val="bg1">
-                    <a:lumMod val="95000"/>
-                  </a:schemeClr>
-                </a:solidFill>
-              </a:rPr>
-              <a:t>합 </a:t>
-            </a:r>
-            <a:r>
-              <a:rPr lang="en-US" altLang="ko-KR" dirty="0">
-                <a:solidFill>
-                  <a:schemeClr val="bg1">
-                    <a:lumMod val="95000"/>
-                  </a:schemeClr>
-                </a:solidFill>
-              </a:rPr>
-              <a:t>= 1</a:t>
-            </a:r>
-            <a:r>
-              <a:rPr lang="ko-KR" altLang="en-US" dirty="0">
-                <a:solidFill>
-                  <a:schemeClr val="bg1">
-                    <a:lumMod val="95000"/>
-                  </a:schemeClr>
-                </a:solidFill>
-              </a:rPr>
-              <a:t>일 때부터 합 </a:t>
-            </a:r>
-            <a:r>
-              <a:rPr lang="en-US" altLang="ko-KR" dirty="0">
-                <a:solidFill>
-                  <a:schemeClr val="bg1">
-                    <a:lumMod val="95000"/>
-                  </a:schemeClr>
-                </a:solidFill>
-              </a:rPr>
-              <a:t>= 6</a:t>
-            </a:r>
-            <a:r>
-              <a:rPr lang="ko-KR" altLang="en-US" dirty="0">
-                <a:solidFill>
-                  <a:schemeClr val="bg1">
-                    <a:lumMod val="95000"/>
-                  </a:schemeClr>
-                </a:solidFill>
-              </a:rPr>
-              <a:t>일 때까지의 </a:t>
-            </a:r>
-            <a:r>
-              <a:rPr lang="ko-KR" altLang="en-US" dirty="0" err="1">
-                <a:solidFill>
-                  <a:schemeClr val="bg1">
-                    <a:lumMod val="95000"/>
-                  </a:schemeClr>
-                </a:solidFill>
-              </a:rPr>
-              <a:t>점화식</a:t>
-            </a:r>
-            <a:r>
-              <a:rPr lang="ko-KR" altLang="en-US" dirty="0">
-                <a:solidFill>
-                  <a:schemeClr val="bg1">
-                    <a:lumMod val="95000"/>
-                  </a:schemeClr>
-                </a:solidFill>
-              </a:rPr>
-              <a:t> 테이블을 놓습니다</a:t>
-            </a:r>
-            <a:r>
-              <a:rPr lang="en-US" altLang="ko-KR" dirty="0">
-                <a:solidFill>
-                  <a:schemeClr val="bg1">
-                    <a:lumMod val="95000"/>
-                  </a:schemeClr>
-                </a:solidFill>
-              </a:rPr>
-              <a:t>.</a:t>
-            </a:r>
-          </a:p>
-          <a:p>
-            <a:endParaRPr lang="en-US" altLang="ko-KR" dirty="0">
-              <a:solidFill>
-                <a:schemeClr val="bg1">
-                  <a:lumMod val="95000"/>
-                </a:schemeClr>
-              </a:solidFill>
-            </a:endParaRPr>
-          </a:p>
-          <a:p>
-            <a:pPr marL="285750" indent="-285750">
-              <a:buFont typeface="Arial" panose="020B0604020202020204" pitchFamily="34" charset="0"/>
-              <a:buChar char="•"/>
-            </a:pPr>
-            <a:r>
-              <a:rPr lang="ko-KR" altLang="en-US" dirty="0">
-                <a:solidFill>
-                  <a:schemeClr val="bg1">
-                    <a:lumMod val="95000"/>
-                  </a:schemeClr>
-                </a:solidFill>
-              </a:rPr>
-              <a:t>합 </a:t>
-            </a:r>
-            <a:r>
-              <a:rPr lang="en-US" altLang="ko-KR" dirty="0">
-                <a:solidFill>
-                  <a:schemeClr val="bg1">
-                    <a:lumMod val="95000"/>
-                  </a:schemeClr>
-                </a:solidFill>
-              </a:rPr>
-              <a:t>= 1</a:t>
-            </a:r>
-            <a:r>
-              <a:rPr lang="ko-KR" altLang="en-US" dirty="0">
-                <a:solidFill>
-                  <a:schemeClr val="bg1">
-                    <a:lumMod val="95000"/>
-                  </a:schemeClr>
-                </a:solidFill>
-              </a:rPr>
-              <a:t>일 때는 당연히 </a:t>
-            </a:r>
-            <a:r>
-              <a:rPr lang="en-US" altLang="ko-KR" dirty="0">
-                <a:solidFill>
-                  <a:schemeClr val="bg1">
-                    <a:lumMod val="95000"/>
-                  </a:schemeClr>
-                </a:solidFill>
-              </a:rPr>
-              <a:t>1</a:t>
-            </a:r>
-            <a:r>
-              <a:rPr lang="ko-KR" altLang="en-US" dirty="0">
-                <a:solidFill>
-                  <a:schemeClr val="bg1">
-                    <a:lumMod val="95000"/>
-                  </a:schemeClr>
-                </a:solidFill>
-              </a:rPr>
-              <a:t>원 </a:t>
-            </a:r>
-            <a:r>
-              <a:rPr lang="en-US" altLang="ko-KR" dirty="0">
-                <a:solidFill>
-                  <a:schemeClr val="bg1">
-                    <a:lumMod val="95000"/>
-                  </a:schemeClr>
-                </a:solidFill>
-              </a:rPr>
-              <a:t>1</a:t>
-            </a:r>
-            <a:r>
-              <a:rPr lang="ko-KR" altLang="en-US" dirty="0">
-                <a:solidFill>
-                  <a:schemeClr val="bg1">
-                    <a:lumMod val="95000"/>
-                  </a:schemeClr>
-                </a:solidFill>
-              </a:rPr>
-              <a:t>개만 필요합니다</a:t>
-            </a:r>
-            <a:r>
-              <a:rPr lang="en-US" altLang="ko-KR" dirty="0">
-                <a:solidFill>
-                  <a:schemeClr val="bg1">
-                    <a:lumMod val="95000"/>
-                  </a:schemeClr>
-                </a:solidFill>
-              </a:rPr>
-              <a:t>. </a:t>
-            </a:r>
-            <a:r>
-              <a:rPr lang="ko-KR" altLang="en-US" dirty="0">
-                <a:solidFill>
-                  <a:schemeClr val="bg1">
-                    <a:lumMod val="95000"/>
-                  </a:schemeClr>
-                </a:solidFill>
-              </a:rPr>
-              <a:t>고로 합 </a:t>
-            </a:r>
-            <a:r>
-              <a:rPr lang="en-US" altLang="ko-KR" dirty="0">
-                <a:solidFill>
-                  <a:schemeClr val="bg1">
-                    <a:lumMod val="95000"/>
-                  </a:schemeClr>
-                </a:solidFill>
-              </a:rPr>
-              <a:t>= 1 </a:t>
-            </a:r>
-            <a:r>
-              <a:rPr lang="ko-KR" altLang="en-US" dirty="0">
-                <a:solidFill>
-                  <a:schemeClr val="bg1">
-                    <a:lumMod val="95000"/>
-                  </a:schemeClr>
-                </a:solidFill>
-              </a:rPr>
-              <a:t>일 때 답은 </a:t>
-            </a:r>
-            <a:r>
-              <a:rPr lang="en-US" altLang="ko-KR" dirty="0">
-                <a:solidFill>
-                  <a:schemeClr val="bg1">
-                    <a:lumMod val="95000"/>
-                  </a:schemeClr>
-                </a:solidFill>
-              </a:rPr>
-              <a:t>coin[0],</a:t>
-            </a:r>
-            <a:r>
-              <a:rPr lang="ko-KR" altLang="en-US" dirty="0">
-                <a:solidFill>
-                  <a:schemeClr val="bg1">
-                    <a:lumMod val="95000"/>
-                  </a:schemeClr>
-                </a:solidFill>
-              </a:rPr>
-              <a:t> </a:t>
-            </a:r>
-            <a:r>
-              <a:rPr lang="en-US" altLang="ko-KR" dirty="0">
-                <a:solidFill>
-                  <a:schemeClr val="bg1">
-                    <a:lumMod val="95000"/>
-                  </a:schemeClr>
-                </a:solidFill>
-              </a:rPr>
-              <a:t>1</a:t>
-            </a:r>
-            <a:r>
-              <a:rPr lang="ko-KR" altLang="en-US" dirty="0">
-                <a:solidFill>
-                  <a:schemeClr val="bg1">
-                    <a:lumMod val="95000"/>
-                  </a:schemeClr>
-                </a:solidFill>
-              </a:rPr>
-              <a:t>개만 필요하므로 </a:t>
-            </a:r>
-            <a:r>
-              <a:rPr lang="en-US" altLang="ko-KR" dirty="0">
-                <a:solidFill>
-                  <a:schemeClr val="bg1">
-                    <a:lumMod val="95000"/>
-                  </a:schemeClr>
-                </a:solidFill>
-              </a:rPr>
-              <a:t>1</a:t>
-            </a:r>
-            <a:r>
-              <a:rPr lang="ko-KR" altLang="en-US" dirty="0">
-                <a:solidFill>
-                  <a:schemeClr val="bg1">
-                    <a:lumMod val="95000"/>
-                  </a:schemeClr>
-                </a:solidFill>
-              </a:rPr>
-              <a:t>이 됩니다</a:t>
-            </a:r>
-            <a:r>
-              <a:rPr lang="en-US" altLang="ko-KR" dirty="0">
-                <a:solidFill>
-                  <a:schemeClr val="bg1">
-                    <a:lumMod val="95000"/>
-                  </a:schemeClr>
-                </a:solidFill>
-              </a:rPr>
-              <a:t>.</a:t>
-            </a:r>
-            <a:endParaRPr lang="ko-KR" altLang="en-US" dirty="0"/>
-          </a:p>
-        </p:txBody>
-      </p:sp>
-      <p:sp>
-        <p:nvSpPr>
-          <p:cNvPr id="22" name="TextBox 21">
-            <a:extLst>
-              <a:ext uri="{FF2B5EF4-FFF2-40B4-BE49-F238E27FC236}">
-                <a16:creationId xmlns:a16="http://schemas.microsoft.com/office/drawing/2014/main" id="{C7AD19F1-3CE7-4FA1-91C0-02724BB3FFC1}"/>
-              </a:ext>
-            </a:extLst>
-          </p:cNvPr>
-          <p:cNvSpPr txBox="1"/>
-          <p:nvPr/>
-        </p:nvSpPr>
-        <p:spPr>
-          <a:xfrm>
-            <a:off x="4705354" y="331858"/>
-            <a:ext cx="2031995" cy="553998"/>
-          </a:xfrm>
-          <a:prstGeom prst="rect">
-            <a:avLst/>
-          </a:prstGeom>
-          <a:noFill/>
-        </p:spPr>
-        <p:txBody>
-          <a:bodyPr wrap="square" rtlCol="0">
-            <a:spAutoFit/>
-          </a:bodyPr>
-          <a:lstStyle/>
-          <a:p>
-            <a:r>
-              <a:rPr lang="en-US" altLang="ko-KR" sz="3000" dirty="0">
-                <a:solidFill>
-                  <a:schemeClr val="bg1">
-                    <a:lumMod val="95000"/>
-                  </a:schemeClr>
-                </a:solidFill>
-              </a:rPr>
-              <a:t>Total table</a:t>
-            </a:r>
-            <a:endParaRPr lang="ko-KR" altLang="en-US" sz="3000" dirty="0">
-              <a:solidFill>
-                <a:schemeClr val="bg1">
-                  <a:lumMod val="95000"/>
-                </a:schemeClr>
-              </a:solidFill>
-            </a:endParaRPr>
-          </a:p>
-        </p:txBody>
-      </p:sp>
-      <p:graphicFrame>
-        <p:nvGraphicFramePr>
-          <p:cNvPr id="8" name="표 2">
-            <a:extLst>
-              <a:ext uri="{FF2B5EF4-FFF2-40B4-BE49-F238E27FC236}">
-                <a16:creationId xmlns:a16="http://schemas.microsoft.com/office/drawing/2014/main" id="{CAEAF81B-0007-48F4-AB49-4C885F7CE75B}"/>
-              </a:ext>
-            </a:extLst>
-          </p:cNvPr>
-          <p:cNvGraphicFramePr>
-            <a:graphicFrameLocks noGrp="1"/>
-          </p:cNvGraphicFramePr>
-          <p:nvPr>
-            <p:extLst>
-              <p:ext uri="{D42A27DB-BD31-4B8C-83A1-F6EECF244321}">
-                <p14:modId xmlns:p14="http://schemas.microsoft.com/office/powerpoint/2010/main" val="2795027524"/>
-              </p:ext>
-            </p:extLst>
-          </p:nvPr>
-        </p:nvGraphicFramePr>
-        <p:xfrm>
-          <a:off x="830436" y="3813273"/>
-          <a:ext cx="10378725" cy="1477328"/>
-        </p:xfrm>
-        <a:graphic>
-          <a:graphicData uri="http://schemas.openxmlformats.org/drawingml/2006/table">
-            <a:tbl>
-              <a:tblPr firstRow="1" bandRow="1">
-                <a:tableStyleId>{5C22544A-7EE6-4342-B048-85BDC9FD1C3A}</a:tableStyleId>
-              </a:tblPr>
-              <a:tblGrid>
-                <a:gridCol w="1482675">
-                  <a:extLst>
-                    <a:ext uri="{9D8B030D-6E8A-4147-A177-3AD203B41FA5}">
-                      <a16:colId xmlns:a16="http://schemas.microsoft.com/office/drawing/2014/main" val="2920149521"/>
-                    </a:ext>
-                  </a:extLst>
-                </a:gridCol>
-                <a:gridCol w="1482675">
-                  <a:extLst>
-                    <a:ext uri="{9D8B030D-6E8A-4147-A177-3AD203B41FA5}">
-                      <a16:colId xmlns:a16="http://schemas.microsoft.com/office/drawing/2014/main" val="3969469004"/>
-                    </a:ext>
-                  </a:extLst>
-                </a:gridCol>
-                <a:gridCol w="1482675">
-                  <a:extLst>
-                    <a:ext uri="{9D8B030D-6E8A-4147-A177-3AD203B41FA5}">
-                      <a16:colId xmlns:a16="http://schemas.microsoft.com/office/drawing/2014/main" val="1276193095"/>
-                    </a:ext>
-                  </a:extLst>
-                </a:gridCol>
-                <a:gridCol w="1482675">
-                  <a:extLst>
-                    <a:ext uri="{9D8B030D-6E8A-4147-A177-3AD203B41FA5}">
-                      <a16:colId xmlns:a16="http://schemas.microsoft.com/office/drawing/2014/main" val="1142247615"/>
-                    </a:ext>
-                  </a:extLst>
-                </a:gridCol>
-                <a:gridCol w="1482675">
-                  <a:extLst>
-                    <a:ext uri="{9D8B030D-6E8A-4147-A177-3AD203B41FA5}">
-                      <a16:colId xmlns:a16="http://schemas.microsoft.com/office/drawing/2014/main" val="1217616046"/>
-                    </a:ext>
-                  </a:extLst>
-                </a:gridCol>
-                <a:gridCol w="1482675">
-                  <a:extLst>
-                    <a:ext uri="{9D8B030D-6E8A-4147-A177-3AD203B41FA5}">
-                      <a16:colId xmlns:a16="http://schemas.microsoft.com/office/drawing/2014/main" val="3892705632"/>
-                    </a:ext>
-                  </a:extLst>
-                </a:gridCol>
-                <a:gridCol w="1482675">
-                  <a:extLst>
-                    <a:ext uri="{9D8B030D-6E8A-4147-A177-3AD203B41FA5}">
-                      <a16:colId xmlns:a16="http://schemas.microsoft.com/office/drawing/2014/main" val="2161891839"/>
-                    </a:ext>
-                  </a:extLst>
-                </a:gridCol>
-              </a:tblGrid>
-              <a:tr h="738664">
-                <a:tc>
-                  <a:txBody>
-                    <a:bodyPr/>
-                    <a:lstStyle/>
-                    <a:p>
-                      <a:pPr algn="ctr" latinLnBrk="1"/>
-                      <a:r>
-                        <a:rPr lang="ko-KR" altLang="en-US" dirty="0"/>
-                        <a:t>합</a:t>
-                      </a:r>
-                    </a:p>
-                  </a:txBody>
-                  <a:tcPr anchor="ctr"/>
-                </a:tc>
-                <a:tc>
-                  <a:txBody>
-                    <a:bodyPr/>
-                    <a:lstStyle/>
-                    <a:p>
-                      <a:pPr algn="ctr" latinLnBrk="1"/>
-                      <a:r>
-                        <a:rPr lang="en-US" altLang="ko-KR" dirty="0"/>
-                        <a:t>1</a:t>
-                      </a:r>
-                      <a:endParaRPr lang="ko-KR" altLang="en-US" dirty="0"/>
-                    </a:p>
-                  </a:txBody>
-                  <a:tcPr anchor="ctr"/>
-                </a:tc>
-                <a:tc>
-                  <a:txBody>
-                    <a:bodyPr/>
-                    <a:lstStyle/>
-                    <a:p>
-                      <a:pPr algn="ctr" latinLnBrk="1"/>
-                      <a:r>
-                        <a:rPr lang="en-US" altLang="ko-KR" dirty="0"/>
-                        <a:t>2</a:t>
-                      </a:r>
-                      <a:endParaRPr lang="ko-KR" altLang="en-US" dirty="0"/>
-                    </a:p>
-                  </a:txBody>
-                  <a:tcPr anchor="ctr"/>
-                </a:tc>
-                <a:tc>
-                  <a:txBody>
-                    <a:bodyPr/>
-                    <a:lstStyle/>
-                    <a:p>
-                      <a:pPr algn="ctr" latinLnBrk="1"/>
-                      <a:r>
-                        <a:rPr lang="en-US" altLang="ko-KR" dirty="0"/>
-                        <a:t>3</a:t>
-                      </a:r>
-                      <a:endParaRPr lang="ko-KR" altLang="en-US" dirty="0"/>
-                    </a:p>
-                  </a:txBody>
-                  <a:tcPr anchor="ctr"/>
-                </a:tc>
-                <a:tc>
-                  <a:txBody>
-                    <a:bodyPr/>
-                    <a:lstStyle/>
-                    <a:p>
-                      <a:pPr algn="ctr" latinLnBrk="1"/>
-                      <a:r>
-                        <a:rPr lang="en-US" altLang="ko-KR" dirty="0"/>
-                        <a:t>4</a:t>
-                      </a:r>
-                      <a:endParaRPr lang="ko-KR" altLang="en-US" dirty="0"/>
-                    </a:p>
-                  </a:txBody>
-                  <a:tcPr anchor="ctr"/>
-                </a:tc>
-                <a:tc>
-                  <a:txBody>
-                    <a:bodyPr/>
-                    <a:lstStyle/>
-                    <a:p>
-                      <a:pPr algn="ctr" latinLnBrk="1"/>
-                      <a:r>
-                        <a:rPr lang="en-US" altLang="ko-KR" dirty="0"/>
-                        <a:t>5</a:t>
-                      </a:r>
-                      <a:endParaRPr lang="ko-KR" altLang="en-US" dirty="0"/>
-                    </a:p>
-                  </a:txBody>
-                  <a:tcPr anchor="ctr"/>
-                </a:tc>
-                <a:tc>
-                  <a:txBody>
-                    <a:bodyPr/>
-                    <a:lstStyle/>
-                    <a:p>
-                      <a:pPr algn="ctr" latinLnBrk="1"/>
-                      <a:r>
-                        <a:rPr lang="en-US" altLang="ko-KR" dirty="0"/>
-                        <a:t>6</a:t>
-                      </a:r>
-                      <a:endParaRPr lang="ko-KR" altLang="en-US" dirty="0"/>
-                    </a:p>
-                  </a:txBody>
-                  <a:tcPr anchor="ctr"/>
-                </a:tc>
-                <a:extLst>
-                  <a:ext uri="{0D108BD9-81ED-4DB2-BD59-A6C34878D82A}">
-                    <a16:rowId xmlns:a16="http://schemas.microsoft.com/office/drawing/2014/main" val="1925323140"/>
-                  </a:ext>
-                </a:extLst>
-              </a:tr>
-              <a:tr h="738664">
-                <a:tc>
-                  <a:txBody>
-                    <a:bodyPr/>
-                    <a:lstStyle/>
-                    <a:p>
-                      <a:pPr algn="ctr" latinLnBrk="1"/>
-                      <a:r>
-                        <a:rPr lang="ko-KR" altLang="en-US" dirty="0"/>
-                        <a:t>필요 최소 동전 개수</a:t>
-                      </a:r>
-                    </a:p>
-                  </a:txBody>
-                  <a:tcPr anchor="ctr"/>
-                </a:tc>
-                <a:tc>
-                  <a:txBody>
-                    <a:bodyPr/>
-                    <a:lstStyle/>
-                    <a:p>
-                      <a:pPr algn="ctr" latinLnBrk="1"/>
-                      <a:r>
-                        <a:rPr lang="en-US" altLang="ko-KR" dirty="0"/>
-                        <a:t>1</a:t>
-                      </a:r>
-                      <a:endParaRPr lang="ko-KR" altLang="en-US" dirty="0"/>
-                    </a:p>
-                  </a:txBody>
-                  <a:tcPr anchor="ctr"/>
-                </a:tc>
-                <a:tc>
-                  <a:txBody>
-                    <a:bodyPr/>
-                    <a:lstStyle/>
-                    <a:p>
-                      <a:pPr algn="ctr" latinLnBrk="1"/>
-                      <a:r>
-                        <a:rPr lang="en-US" altLang="ko-KR" dirty="0"/>
-                        <a:t>2</a:t>
-                      </a:r>
-                      <a:endParaRPr lang="ko-KR" altLang="en-US" dirty="0"/>
-                    </a:p>
-                  </a:txBody>
-                  <a:tcPr anchor="ctr"/>
-                </a:tc>
-                <a:tc>
-                  <a:txBody>
-                    <a:bodyPr/>
-                    <a:lstStyle/>
-                    <a:p>
-                      <a:pPr algn="ctr" latinLnBrk="1"/>
-                      <a:endParaRPr lang="ko-KR" altLang="en-US" dirty="0"/>
-                    </a:p>
-                  </a:txBody>
-                  <a:tcPr anchor="ctr"/>
-                </a:tc>
-                <a:tc>
-                  <a:txBody>
-                    <a:bodyPr/>
-                    <a:lstStyle/>
-                    <a:p>
-                      <a:pPr algn="ctr" latinLnBrk="1"/>
-                      <a:endParaRPr lang="ko-KR" altLang="en-US" dirty="0"/>
-                    </a:p>
-                  </a:txBody>
-                  <a:tcPr anchor="ctr"/>
-                </a:tc>
-                <a:tc>
-                  <a:txBody>
-                    <a:bodyPr/>
-                    <a:lstStyle/>
-                    <a:p>
-                      <a:pPr algn="ctr" latinLnBrk="1"/>
-                      <a:endParaRPr lang="ko-KR" altLang="en-US" dirty="0"/>
-                    </a:p>
-                  </a:txBody>
-                  <a:tcPr anchor="ctr"/>
-                </a:tc>
-                <a:tc>
-                  <a:txBody>
-                    <a:bodyPr/>
-                    <a:lstStyle/>
-                    <a:p>
-                      <a:pPr algn="ctr" latinLnBrk="1"/>
-                      <a:endParaRPr lang="ko-KR" altLang="en-US" dirty="0"/>
-                    </a:p>
-                  </a:txBody>
-                  <a:tcPr anchor="ctr"/>
-                </a:tc>
-                <a:extLst>
-                  <a:ext uri="{0D108BD9-81ED-4DB2-BD59-A6C34878D82A}">
-                    <a16:rowId xmlns:a16="http://schemas.microsoft.com/office/drawing/2014/main" val="2982812773"/>
-                  </a:ext>
-                </a:extLst>
-              </a:tr>
-            </a:tbl>
-          </a:graphicData>
-        </a:graphic>
-      </p:graphicFrame>
-      <p:sp>
-        <p:nvSpPr>
-          <p:cNvPr id="9" name="TextBox 8">
-            <a:extLst>
-              <a:ext uri="{FF2B5EF4-FFF2-40B4-BE49-F238E27FC236}">
-                <a16:creationId xmlns:a16="http://schemas.microsoft.com/office/drawing/2014/main" id="{D9F487D4-35D6-4249-8171-375AA4C7F83C}"/>
-              </a:ext>
-            </a:extLst>
-          </p:cNvPr>
-          <p:cNvSpPr txBox="1"/>
-          <p:nvPr/>
-        </p:nvSpPr>
-        <p:spPr>
-          <a:xfrm>
-            <a:off x="821560" y="5489235"/>
-            <a:ext cx="10378725" cy="923330"/>
-          </a:xfrm>
-          <a:prstGeom prst="rect">
-            <a:avLst/>
-          </a:prstGeom>
-          <a:noFill/>
-        </p:spPr>
-        <p:txBody>
-          <a:bodyPr wrap="square" rtlCol="0">
-            <a:spAutoFit/>
-          </a:bodyPr>
-          <a:lstStyle/>
-          <a:p>
-            <a:pPr marL="285750" indent="-285750">
-              <a:buFont typeface="Arial" panose="020B0604020202020204" pitchFamily="34" charset="0"/>
-              <a:buChar char="•"/>
-            </a:pPr>
-            <a:r>
-              <a:rPr lang="ko-KR" altLang="en-US" dirty="0">
-                <a:solidFill>
-                  <a:schemeClr val="bg1">
-                    <a:lumMod val="95000"/>
-                  </a:schemeClr>
-                </a:solidFill>
-              </a:rPr>
-              <a:t>합 </a:t>
-            </a:r>
-            <a:r>
-              <a:rPr lang="en-US" altLang="ko-KR" dirty="0">
-                <a:solidFill>
-                  <a:schemeClr val="bg1">
-                    <a:lumMod val="95000"/>
-                  </a:schemeClr>
-                </a:solidFill>
-              </a:rPr>
-              <a:t>= 2</a:t>
-            </a:r>
-            <a:r>
-              <a:rPr lang="ko-KR" altLang="en-US" dirty="0">
-                <a:solidFill>
-                  <a:schemeClr val="bg1">
-                    <a:lumMod val="95000"/>
-                  </a:schemeClr>
-                </a:solidFill>
-              </a:rPr>
-              <a:t>일 때는 </a:t>
-            </a:r>
-            <a:r>
-              <a:rPr lang="en-US" altLang="ko-KR" dirty="0">
-                <a:solidFill>
-                  <a:schemeClr val="bg1">
-                    <a:lumMod val="95000"/>
-                  </a:schemeClr>
-                </a:solidFill>
-              </a:rPr>
-              <a:t>coin[2] </a:t>
-            </a:r>
-            <a:r>
-              <a:rPr lang="ko-KR" altLang="en-US" dirty="0">
-                <a:solidFill>
-                  <a:schemeClr val="bg1">
-                    <a:lumMod val="95000"/>
-                  </a:schemeClr>
-                </a:solidFill>
-              </a:rPr>
-              <a:t>즉</a:t>
-            </a:r>
-            <a:r>
-              <a:rPr lang="en-US" altLang="ko-KR" dirty="0">
-                <a:solidFill>
-                  <a:schemeClr val="bg1">
-                    <a:lumMod val="95000"/>
-                  </a:schemeClr>
-                </a:solidFill>
-              </a:rPr>
-              <a:t> 5</a:t>
-            </a:r>
-            <a:r>
-              <a:rPr lang="ko-KR" altLang="en-US" dirty="0">
-                <a:solidFill>
-                  <a:schemeClr val="bg1">
-                    <a:lumMod val="95000"/>
-                  </a:schemeClr>
-                </a:solidFill>
-              </a:rPr>
-              <a:t>원보다 합이 작기 때문에 </a:t>
-            </a:r>
-            <a:r>
-              <a:rPr lang="en-US" altLang="ko-KR" dirty="0">
-                <a:solidFill>
-                  <a:schemeClr val="bg1">
-                    <a:lumMod val="95000"/>
-                  </a:schemeClr>
-                </a:solidFill>
-              </a:rPr>
-              <a:t>1</a:t>
-            </a:r>
-            <a:r>
-              <a:rPr lang="ko-KR" altLang="en-US" dirty="0">
-                <a:solidFill>
-                  <a:schemeClr val="bg1">
-                    <a:lumMod val="95000"/>
-                  </a:schemeClr>
-                </a:solidFill>
-              </a:rPr>
-              <a:t>원 </a:t>
-            </a:r>
-            <a:r>
-              <a:rPr lang="en-US" altLang="ko-KR" dirty="0">
-                <a:solidFill>
-                  <a:schemeClr val="bg1">
-                    <a:lumMod val="95000"/>
-                  </a:schemeClr>
-                </a:solidFill>
-              </a:rPr>
-              <a:t>2</a:t>
-            </a:r>
-            <a:r>
-              <a:rPr lang="ko-KR" altLang="en-US" dirty="0">
-                <a:solidFill>
-                  <a:schemeClr val="bg1">
-                    <a:lumMod val="95000"/>
-                  </a:schemeClr>
-                </a:solidFill>
-              </a:rPr>
-              <a:t>개를 채워 넣어야 합니다</a:t>
-            </a:r>
-            <a:r>
-              <a:rPr lang="en-US" altLang="ko-KR" dirty="0">
-                <a:solidFill>
-                  <a:schemeClr val="bg1">
-                    <a:lumMod val="95000"/>
-                  </a:schemeClr>
-                </a:solidFill>
-              </a:rPr>
-              <a:t>. </a:t>
-            </a:r>
-            <a:r>
-              <a:rPr lang="ko-KR" altLang="en-US" dirty="0">
-                <a:solidFill>
-                  <a:schemeClr val="bg1">
-                    <a:lumMod val="95000"/>
-                  </a:schemeClr>
-                </a:solidFill>
-              </a:rPr>
-              <a:t>지금까지의 흐름을 점화식으로 표현하자면</a:t>
-            </a:r>
-            <a:r>
-              <a:rPr lang="en-US" altLang="ko-KR" dirty="0">
-                <a:solidFill>
-                  <a:schemeClr val="bg1">
-                    <a:lumMod val="95000"/>
-                  </a:schemeClr>
-                </a:solidFill>
-              </a:rPr>
-              <a:t> </a:t>
-            </a:r>
-            <a:r>
-              <a:rPr lang="ko-KR" altLang="en-US" dirty="0">
-                <a:solidFill>
-                  <a:schemeClr val="bg1">
-                    <a:lumMod val="95000"/>
-                  </a:schemeClr>
-                </a:solidFill>
-              </a:rPr>
-              <a:t>현재 합의 위치</a:t>
-            </a:r>
-            <a:r>
-              <a:rPr lang="en-US" altLang="ko-KR" dirty="0">
-                <a:solidFill>
-                  <a:schemeClr val="bg1">
-                    <a:lumMod val="95000"/>
-                  </a:schemeClr>
-                </a:solidFill>
-              </a:rPr>
-              <a:t>(2)</a:t>
-            </a:r>
-            <a:r>
-              <a:rPr lang="ko-KR" altLang="en-US" dirty="0">
-                <a:solidFill>
-                  <a:schemeClr val="bg1">
-                    <a:lumMod val="95000"/>
-                  </a:schemeClr>
-                </a:solidFill>
-              </a:rPr>
-              <a:t>를 </a:t>
-            </a:r>
-            <a:r>
-              <a:rPr lang="en-US" altLang="ko-KR" dirty="0" err="1">
-                <a:solidFill>
-                  <a:schemeClr val="bg1">
-                    <a:lumMod val="95000"/>
-                  </a:schemeClr>
-                </a:solidFill>
-              </a:rPr>
-              <a:t>idx</a:t>
-            </a:r>
-            <a:r>
-              <a:rPr lang="ko-KR" altLang="en-US" dirty="0">
-                <a:solidFill>
-                  <a:schemeClr val="bg1">
-                    <a:lumMod val="95000"/>
-                  </a:schemeClr>
-                </a:solidFill>
-              </a:rPr>
-              <a:t>라고 생각했을 때</a:t>
-            </a:r>
-            <a:r>
-              <a:rPr lang="en-US" altLang="ko-KR" dirty="0">
-                <a:solidFill>
-                  <a:schemeClr val="bg1">
-                    <a:lumMod val="95000"/>
-                  </a:schemeClr>
-                </a:solidFill>
-              </a:rPr>
-              <a:t>, total[2] = total[1]+1</a:t>
-            </a:r>
-            <a:r>
-              <a:rPr lang="ko-KR" altLang="en-US" dirty="0">
-                <a:solidFill>
-                  <a:schemeClr val="bg1">
-                    <a:lumMod val="95000"/>
-                  </a:schemeClr>
-                </a:solidFill>
-              </a:rPr>
-              <a:t>로 해도 큰 문제가 없어 보입니다</a:t>
-            </a:r>
-            <a:r>
-              <a:rPr lang="en-US" altLang="ko-KR" dirty="0">
-                <a:solidFill>
-                  <a:schemeClr val="bg1">
-                    <a:lumMod val="95000"/>
-                  </a:schemeClr>
-                </a:solidFill>
-              </a:rPr>
-              <a:t>.</a:t>
-            </a:r>
-            <a:endParaRPr lang="ko-KR" altLang="en-US" dirty="0"/>
-          </a:p>
-        </p:txBody>
-      </p:sp>
-    </p:spTree>
-    <p:extLst>
-      <p:ext uri="{BB962C8B-B14F-4D97-AF65-F5344CB8AC3E}">
-        <p14:creationId xmlns:p14="http://schemas.microsoft.com/office/powerpoint/2010/main" val="1509092948"/>
-      </p:ext>
-    </p:extLst>
-  </p:cSld>
-  <p:clrMapOvr>
-    <a:masterClrMapping/>
-  </p:clrMapOvr>
-</p:sld>
-</file>
-
-<file path=ppt/slides/slide21.xml><?xml version="1.0" encoding="utf-8"?>
-<p:sld xmlns:a="http://schemas.openxmlformats.org/drawingml/2006/main" xmlns:r="http://schemas.openxmlformats.org/officeDocument/2006/relationships" xmlns:p="http://schemas.openxmlformats.org/presentationml/2006/main">
-  <p:cSld>
-    <p:bg>
-      <p:bgPr>
-        <a:solidFill>
-          <a:schemeClr val="tx2">
-            <a:lumMod val="50000"/>
-          </a:schemeClr>
-        </a:solidFill>
-        <a:effectLst/>
-      </p:bgPr>
-    </p:bg>
-    <p:spTree>
-      <p:nvGrpSpPr>
-        <p:cNvPr id="1" name=""/>
-        <p:cNvGrpSpPr/>
-        <p:nvPr/>
-      </p:nvGrpSpPr>
-      <p:grpSpPr>
-        <a:xfrm>
-          <a:off x="0" y="0"/>
-          <a:ext cx="0" cy="0"/>
-          <a:chOff x="0" y="0"/>
-          <a:chExt cx="0" cy="0"/>
-        </a:xfrm>
-      </p:grpSpPr>
-      <p:graphicFrame>
-        <p:nvGraphicFramePr>
-          <p:cNvPr id="2" name="표 2">
-            <a:extLst>
-              <a:ext uri="{FF2B5EF4-FFF2-40B4-BE49-F238E27FC236}">
-                <a16:creationId xmlns:a16="http://schemas.microsoft.com/office/drawing/2014/main" id="{69628D52-A5D8-4EC4-9C1D-9B74BD3593F7}"/>
-              </a:ext>
-            </a:extLst>
-          </p:cNvPr>
-          <p:cNvGraphicFramePr>
-            <a:graphicFrameLocks noGrp="1"/>
-          </p:cNvGraphicFramePr>
-          <p:nvPr>
-            <p:extLst>
-              <p:ext uri="{D42A27DB-BD31-4B8C-83A1-F6EECF244321}">
-                <p14:modId xmlns:p14="http://schemas.microsoft.com/office/powerpoint/2010/main" val="4159132475"/>
-              </p:ext>
-            </p:extLst>
-          </p:nvPr>
-        </p:nvGraphicFramePr>
-        <p:xfrm>
-          <a:off x="784570" y="962056"/>
-          <a:ext cx="10378725" cy="1477328"/>
-        </p:xfrm>
-        <a:graphic>
-          <a:graphicData uri="http://schemas.openxmlformats.org/drawingml/2006/table">
-            <a:tbl>
-              <a:tblPr firstRow="1" bandRow="1">
-                <a:tableStyleId>{5C22544A-7EE6-4342-B048-85BDC9FD1C3A}</a:tableStyleId>
-              </a:tblPr>
-              <a:tblGrid>
-                <a:gridCol w="1482675">
-                  <a:extLst>
-                    <a:ext uri="{9D8B030D-6E8A-4147-A177-3AD203B41FA5}">
-                      <a16:colId xmlns:a16="http://schemas.microsoft.com/office/drawing/2014/main" val="2920149521"/>
-                    </a:ext>
-                  </a:extLst>
-                </a:gridCol>
-                <a:gridCol w="1482675">
-                  <a:extLst>
-                    <a:ext uri="{9D8B030D-6E8A-4147-A177-3AD203B41FA5}">
-                      <a16:colId xmlns:a16="http://schemas.microsoft.com/office/drawing/2014/main" val="3969469004"/>
-                    </a:ext>
-                  </a:extLst>
-                </a:gridCol>
-                <a:gridCol w="1482675">
-                  <a:extLst>
-                    <a:ext uri="{9D8B030D-6E8A-4147-A177-3AD203B41FA5}">
-                      <a16:colId xmlns:a16="http://schemas.microsoft.com/office/drawing/2014/main" val="1276193095"/>
-                    </a:ext>
-                  </a:extLst>
-                </a:gridCol>
-                <a:gridCol w="1482675">
-                  <a:extLst>
-                    <a:ext uri="{9D8B030D-6E8A-4147-A177-3AD203B41FA5}">
-                      <a16:colId xmlns:a16="http://schemas.microsoft.com/office/drawing/2014/main" val="1142247615"/>
-                    </a:ext>
-                  </a:extLst>
-                </a:gridCol>
-                <a:gridCol w="1482675">
-                  <a:extLst>
-                    <a:ext uri="{9D8B030D-6E8A-4147-A177-3AD203B41FA5}">
-                      <a16:colId xmlns:a16="http://schemas.microsoft.com/office/drawing/2014/main" val="1217616046"/>
-                    </a:ext>
-                  </a:extLst>
-                </a:gridCol>
-                <a:gridCol w="1482675">
-                  <a:extLst>
-                    <a:ext uri="{9D8B030D-6E8A-4147-A177-3AD203B41FA5}">
-                      <a16:colId xmlns:a16="http://schemas.microsoft.com/office/drawing/2014/main" val="3892705632"/>
-                    </a:ext>
-                  </a:extLst>
-                </a:gridCol>
-                <a:gridCol w="1482675">
-                  <a:extLst>
-                    <a:ext uri="{9D8B030D-6E8A-4147-A177-3AD203B41FA5}">
-                      <a16:colId xmlns:a16="http://schemas.microsoft.com/office/drawing/2014/main" val="2161891839"/>
-                    </a:ext>
-                  </a:extLst>
-                </a:gridCol>
-              </a:tblGrid>
-              <a:tr h="738664">
-                <a:tc>
-                  <a:txBody>
-                    <a:bodyPr/>
-                    <a:lstStyle/>
-                    <a:p>
-                      <a:pPr algn="ctr" latinLnBrk="1"/>
-                      <a:r>
-                        <a:rPr lang="ko-KR" altLang="en-US" dirty="0"/>
-                        <a:t>합</a:t>
-                      </a:r>
-                    </a:p>
-                  </a:txBody>
-                  <a:tcPr anchor="ctr"/>
-                </a:tc>
-                <a:tc>
-                  <a:txBody>
-                    <a:bodyPr/>
-                    <a:lstStyle/>
-                    <a:p>
-                      <a:pPr algn="ctr" latinLnBrk="1"/>
-                      <a:r>
-                        <a:rPr lang="en-US" altLang="ko-KR" dirty="0"/>
-                        <a:t>1</a:t>
-                      </a:r>
-                      <a:endParaRPr lang="ko-KR" altLang="en-US" dirty="0"/>
-                    </a:p>
-                  </a:txBody>
-                  <a:tcPr anchor="ctr"/>
-                </a:tc>
-                <a:tc>
-                  <a:txBody>
-                    <a:bodyPr/>
-                    <a:lstStyle/>
-                    <a:p>
-                      <a:pPr algn="ctr" latinLnBrk="1"/>
-                      <a:r>
-                        <a:rPr lang="en-US" altLang="ko-KR" dirty="0"/>
-                        <a:t>2</a:t>
-                      </a:r>
-                      <a:endParaRPr lang="ko-KR" altLang="en-US" dirty="0"/>
-                    </a:p>
-                  </a:txBody>
-                  <a:tcPr anchor="ctr"/>
-                </a:tc>
-                <a:tc>
-                  <a:txBody>
-                    <a:bodyPr/>
-                    <a:lstStyle/>
-                    <a:p>
-                      <a:pPr algn="ctr" latinLnBrk="1"/>
-                      <a:r>
-                        <a:rPr lang="en-US" altLang="ko-KR" dirty="0"/>
-                        <a:t>3</a:t>
-                      </a:r>
-                      <a:endParaRPr lang="ko-KR" altLang="en-US" dirty="0"/>
-                    </a:p>
-                  </a:txBody>
-                  <a:tcPr anchor="ctr"/>
-                </a:tc>
-                <a:tc>
-                  <a:txBody>
-                    <a:bodyPr/>
-                    <a:lstStyle/>
-                    <a:p>
-                      <a:pPr algn="ctr" latinLnBrk="1"/>
-                      <a:r>
-                        <a:rPr lang="en-US" altLang="ko-KR" dirty="0"/>
-                        <a:t>4</a:t>
-                      </a:r>
-                      <a:endParaRPr lang="ko-KR" altLang="en-US" dirty="0"/>
-                    </a:p>
-                  </a:txBody>
-                  <a:tcPr anchor="ctr"/>
-                </a:tc>
-                <a:tc>
-                  <a:txBody>
-                    <a:bodyPr/>
-                    <a:lstStyle/>
-                    <a:p>
-                      <a:pPr algn="ctr" latinLnBrk="1"/>
-                      <a:r>
-                        <a:rPr lang="en-US" altLang="ko-KR" dirty="0"/>
-                        <a:t>5</a:t>
-                      </a:r>
-                      <a:endParaRPr lang="ko-KR" altLang="en-US" dirty="0"/>
-                    </a:p>
-                  </a:txBody>
-                  <a:tcPr anchor="ctr"/>
-                </a:tc>
-                <a:tc>
-                  <a:txBody>
-                    <a:bodyPr/>
-                    <a:lstStyle/>
-                    <a:p>
-                      <a:pPr algn="ctr" latinLnBrk="1"/>
-                      <a:r>
-                        <a:rPr lang="en-US" altLang="ko-KR" dirty="0"/>
-                        <a:t>6</a:t>
-                      </a:r>
-                      <a:endParaRPr lang="ko-KR" altLang="en-US" dirty="0"/>
-                    </a:p>
-                  </a:txBody>
-                  <a:tcPr anchor="ctr"/>
-                </a:tc>
-                <a:extLst>
-                  <a:ext uri="{0D108BD9-81ED-4DB2-BD59-A6C34878D82A}">
-                    <a16:rowId xmlns:a16="http://schemas.microsoft.com/office/drawing/2014/main" val="1925323140"/>
-                  </a:ext>
-                </a:extLst>
-              </a:tr>
-              <a:tr h="738664">
-                <a:tc>
-                  <a:txBody>
-                    <a:bodyPr/>
-                    <a:lstStyle/>
-                    <a:p>
-                      <a:pPr algn="ctr" latinLnBrk="1"/>
-                      <a:r>
-                        <a:rPr lang="ko-KR" altLang="en-US" dirty="0"/>
-                        <a:t>필요 최소 동전 개수</a:t>
-                      </a:r>
-                    </a:p>
-                  </a:txBody>
-                  <a:tcPr anchor="ctr"/>
-                </a:tc>
-                <a:tc>
-                  <a:txBody>
-                    <a:bodyPr/>
-                    <a:lstStyle/>
-                    <a:p>
-                      <a:pPr algn="ctr" latinLnBrk="1"/>
-                      <a:r>
-                        <a:rPr lang="en-US" altLang="ko-KR" dirty="0"/>
-                        <a:t>1</a:t>
-                      </a:r>
-                      <a:endParaRPr lang="ko-KR" altLang="en-US" dirty="0"/>
-                    </a:p>
-                  </a:txBody>
-                  <a:tcPr anchor="ctr"/>
-                </a:tc>
-                <a:tc>
-                  <a:txBody>
-                    <a:bodyPr/>
-                    <a:lstStyle/>
-                    <a:p>
-                      <a:pPr algn="ctr" latinLnBrk="1"/>
-                      <a:r>
-                        <a:rPr lang="en-US" altLang="ko-KR" dirty="0"/>
-                        <a:t>2</a:t>
-                      </a:r>
-                      <a:endParaRPr lang="ko-KR" altLang="en-US" dirty="0"/>
-                    </a:p>
-                  </a:txBody>
-                  <a:tcPr anchor="ctr"/>
-                </a:tc>
-                <a:tc>
-                  <a:txBody>
-                    <a:bodyPr/>
-                    <a:lstStyle/>
-                    <a:p>
-                      <a:pPr algn="ctr" latinLnBrk="1"/>
-                      <a:r>
-                        <a:rPr lang="en-US" altLang="ko-KR" dirty="0"/>
-                        <a:t>3</a:t>
-                      </a:r>
-                      <a:endParaRPr lang="ko-KR" altLang="en-US" dirty="0"/>
-                    </a:p>
-                  </a:txBody>
-                  <a:tcPr anchor="ctr"/>
-                </a:tc>
-                <a:tc>
-                  <a:txBody>
-                    <a:bodyPr/>
-                    <a:lstStyle/>
-                    <a:p>
-                      <a:pPr algn="ctr" latinLnBrk="1"/>
-                      <a:r>
-                        <a:rPr lang="en-US" altLang="ko-KR" dirty="0"/>
-                        <a:t>4</a:t>
-                      </a:r>
-                      <a:endParaRPr lang="ko-KR" altLang="en-US" dirty="0"/>
-                    </a:p>
-                  </a:txBody>
-                  <a:tcPr anchor="ctr"/>
-                </a:tc>
-                <a:tc>
-                  <a:txBody>
-                    <a:bodyPr/>
-                    <a:lstStyle/>
-                    <a:p>
-                      <a:pPr algn="ctr" latinLnBrk="1"/>
-                      <a:endParaRPr lang="ko-KR" altLang="en-US" dirty="0"/>
-                    </a:p>
-                  </a:txBody>
-                  <a:tcPr anchor="ctr"/>
-                </a:tc>
-                <a:tc>
-                  <a:txBody>
-                    <a:bodyPr/>
-                    <a:lstStyle/>
-                    <a:p>
-                      <a:pPr algn="ctr" latinLnBrk="1"/>
-                      <a:endParaRPr lang="ko-KR" altLang="en-US" dirty="0"/>
-                    </a:p>
-                  </a:txBody>
-                  <a:tcPr anchor="ctr"/>
-                </a:tc>
-                <a:extLst>
-                  <a:ext uri="{0D108BD9-81ED-4DB2-BD59-A6C34878D82A}">
-                    <a16:rowId xmlns:a16="http://schemas.microsoft.com/office/drawing/2014/main" val="2982812773"/>
-                  </a:ext>
-                </a:extLst>
-              </a:tr>
-            </a:tbl>
-          </a:graphicData>
-        </a:graphic>
-      </p:graphicFrame>
-      <p:sp>
-        <p:nvSpPr>
-          <p:cNvPr id="18" name="TextBox 17">
-            <a:extLst>
-              <a:ext uri="{FF2B5EF4-FFF2-40B4-BE49-F238E27FC236}">
-                <a16:creationId xmlns:a16="http://schemas.microsoft.com/office/drawing/2014/main" id="{400E1B42-C251-450D-A33B-F3DA49E22ED0}"/>
-              </a:ext>
-            </a:extLst>
-          </p:cNvPr>
-          <p:cNvSpPr txBox="1"/>
-          <p:nvPr/>
-        </p:nvSpPr>
-        <p:spPr>
-          <a:xfrm>
-            <a:off x="784570" y="2833328"/>
-            <a:ext cx="10378725" cy="646331"/>
-          </a:xfrm>
-          <a:prstGeom prst="rect">
-            <a:avLst/>
-          </a:prstGeom>
-          <a:noFill/>
-        </p:spPr>
-        <p:txBody>
-          <a:bodyPr wrap="square" rtlCol="0">
-            <a:spAutoFit/>
-          </a:bodyPr>
-          <a:lstStyle/>
-          <a:p>
-            <a:pPr marL="285750" indent="-285750">
-              <a:buFont typeface="Arial" panose="020B0604020202020204" pitchFamily="34" charset="0"/>
-              <a:buChar char="•"/>
-            </a:pPr>
-            <a:r>
-              <a:rPr lang="ko-KR" altLang="en-US" dirty="0">
-                <a:solidFill>
-                  <a:schemeClr val="bg1">
-                    <a:lumMod val="95000"/>
-                  </a:schemeClr>
-                </a:solidFill>
-              </a:rPr>
-              <a:t>합 </a:t>
-            </a:r>
-            <a:r>
-              <a:rPr lang="en-US" altLang="ko-KR" dirty="0">
-                <a:solidFill>
-                  <a:schemeClr val="bg1">
-                    <a:lumMod val="95000"/>
-                  </a:schemeClr>
-                </a:solidFill>
-              </a:rPr>
-              <a:t>= 3 </a:t>
-            </a:r>
-            <a:r>
-              <a:rPr lang="ko-KR" altLang="en-US" dirty="0">
-                <a:solidFill>
-                  <a:schemeClr val="bg1">
-                    <a:lumMod val="95000"/>
-                  </a:schemeClr>
-                </a:solidFill>
-              </a:rPr>
-              <a:t>즉</a:t>
-            </a:r>
-            <a:r>
-              <a:rPr lang="en-US" altLang="ko-KR" dirty="0">
-                <a:solidFill>
-                  <a:schemeClr val="bg1">
-                    <a:lumMod val="95000"/>
-                  </a:schemeClr>
-                </a:solidFill>
-              </a:rPr>
-              <a:t> total[3] </a:t>
-            </a:r>
-            <a:r>
-              <a:rPr lang="ko-KR" altLang="en-US" dirty="0">
-                <a:solidFill>
-                  <a:schemeClr val="bg1">
-                    <a:lumMod val="95000"/>
-                  </a:schemeClr>
-                </a:solidFill>
-              </a:rPr>
-              <a:t>도 큰 문제 없이 점화식을 사용할 수 있어 보입니다</a:t>
-            </a:r>
-            <a:r>
-              <a:rPr lang="en-US" altLang="ko-KR" dirty="0">
-                <a:solidFill>
-                  <a:schemeClr val="bg1">
-                    <a:lumMod val="95000"/>
-                  </a:schemeClr>
-                </a:solidFill>
-              </a:rPr>
-              <a:t>. Total[4] </a:t>
-            </a:r>
-            <a:r>
-              <a:rPr lang="ko-KR" altLang="en-US" dirty="0">
-                <a:solidFill>
-                  <a:schemeClr val="bg1">
-                    <a:lumMod val="95000"/>
-                  </a:schemeClr>
-                </a:solidFill>
-              </a:rPr>
-              <a:t>까지는 이 점화식을 바탕으로 채워 넣겠습니다</a:t>
-            </a:r>
-            <a:r>
-              <a:rPr lang="en-US" altLang="ko-KR" dirty="0">
-                <a:solidFill>
-                  <a:schemeClr val="bg1">
-                    <a:lumMod val="95000"/>
-                  </a:schemeClr>
-                </a:solidFill>
-              </a:rPr>
-              <a:t>. </a:t>
-            </a:r>
-            <a:endParaRPr lang="ko-KR" altLang="en-US" dirty="0"/>
-          </a:p>
-        </p:txBody>
-      </p:sp>
-      <p:sp>
-        <p:nvSpPr>
-          <p:cNvPr id="22" name="TextBox 21">
-            <a:extLst>
-              <a:ext uri="{FF2B5EF4-FFF2-40B4-BE49-F238E27FC236}">
-                <a16:creationId xmlns:a16="http://schemas.microsoft.com/office/drawing/2014/main" id="{C7AD19F1-3CE7-4FA1-91C0-02724BB3FFC1}"/>
-              </a:ext>
-            </a:extLst>
-          </p:cNvPr>
-          <p:cNvSpPr txBox="1"/>
-          <p:nvPr/>
-        </p:nvSpPr>
-        <p:spPr>
-          <a:xfrm>
-            <a:off x="4705354" y="331858"/>
-            <a:ext cx="2031995" cy="553998"/>
-          </a:xfrm>
-          <a:prstGeom prst="rect">
-            <a:avLst/>
-          </a:prstGeom>
-          <a:noFill/>
-        </p:spPr>
-        <p:txBody>
-          <a:bodyPr wrap="square" rtlCol="0">
-            <a:spAutoFit/>
-          </a:bodyPr>
-          <a:lstStyle/>
-          <a:p>
-            <a:r>
-              <a:rPr lang="en-US" altLang="ko-KR" sz="3000" dirty="0">
-                <a:solidFill>
-                  <a:schemeClr val="bg1">
-                    <a:lumMod val="95000"/>
-                  </a:schemeClr>
-                </a:solidFill>
-              </a:rPr>
-              <a:t>Total table</a:t>
-            </a:r>
-            <a:endParaRPr lang="ko-KR" altLang="en-US" sz="3000" dirty="0">
-              <a:solidFill>
-                <a:schemeClr val="bg1">
-                  <a:lumMod val="95000"/>
-                </a:schemeClr>
-              </a:solidFill>
-            </a:endParaRPr>
-          </a:p>
-        </p:txBody>
-      </p:sp>
-      <p:graphicFrame>
-        <p:nvGraphicFramePr>
-          <p:cNvPr id="8" name="표 2">
-            <a:extLst>
-              <a:ext uri="{FF2B5EF4-FFF2-40B4-BE49-F238E27FC236}">
-                <a16:creationId xmlns:a16="http://schemas.microsoft.com/office/drawing/2014/main" id="{CAEAF81B-0007-48F4-AB49-4C885F7CE75B}"/>
-              </a:ext>
-            </a:extLst>
-          </p:cNvPr>
-          <p:cNvGraphicFramePr>
-            <a:graphicFrameLocks noGrp="1"/>
-          </p:cNvGraphicFramePr>
-          <p:nvPr>
-            <p:extLst>
-              <p:ext uri="{D42A27DB-BD31-4B8C-83A1-F6EECF244321}">
-                <p14:modId xmlns:p14="http://schemas.microsoft.com/office/powerpoint/2010/main" val="2106972647"/>
-              </p:ext>
-            </p:extLst>
-          </p:nvPr>
-        </p:nvGraphicFramePr>
-        <p:xfrm>
-          <a:off x="830436" y="3813273"/>
-          <a:ext cx="10378725" cy="1477328"/>
-        </p:xfrm>
-        <a:graphic>
-          <a:graphicData uri="http://schemas.openxmlformats.org/drawingml/2006/table">
-            <a:tbl>
-              <a:tblPr firstRow="1" bandRow="1">
-                <a:tableStyleId>{5C22544A-7EE6-4342-B048-85BDC9FD1C3A}</a:tableStyleId>
-              </a:tblPr>
-              <a:tblGrid>
-                <a:gridCol w="1482675">
-                  <a:extLst>
-                    <a:ext uri="{9D8B030D-6E8A-4147-A177-3AD203B41FA5}">
-                      <a16:colId xmlns:a16="http://schemas.microsoft.com/office/drawing/2014/main" val="2920149521"/>
-                    </a:ext>
-                  </a:extLst>
-                </a:gridCol>
-                <a:gridCol w="1482675">
-                  <a:extLst>
-                    <a:ext uri="{9D8B030D-6E8A-4147-A177-3AD203B41FA5}">
-                      <a16:colId xmlns:a16="http://schemas.microsoft.com/office/drawing/2014/main" val="3969469004"/>
-                    </a:ext>
-                  </a:extLst>
-                </a:gridCol>
-                <a:gridCol w="1482675">
-                  <a:extLst>
-                    <a:ext uri="{9D8B030D-6E8A-4147-A177-3AD203B41FA5}">
-                      <a16:colId xmlns:a16="http://schemas.microsoft.com/office/drawing/2014/main" val="1276193095"/>
-                    </a:ext>
-                  </a:extLst>
-                </a:gridCol>
-                <a:gridCol w="1482675">
-                  <a:extLst>
-                    <a:ext uri="{9D8B030D-6E8A-4147-A177-3AD203B41FA5}">
-                      <a16:colId xmlns:a16="http://schemas.microsoft.com/office/drawing/2014/main" val="1142247615"/>
-                    </a:ext>
-                  </a:extLst>
-                </a:gridCol>
-                <a:gridCol w="1482675">
-                  <a:extLst>
-                    <a:ext uri="{9D8B030D-6E8A-4147-A177-3AD203B41FA5}">
-                      <a16:colId xmlns:a16="http://schemas.microsoft.com/office/drawing/2014/main" val="1217616046"/>
-                    </a:ext>
-                  </a:extLst>
-                </a:gridCol>
-                <a:gridCol w="1482675">
-                  <a:extLst>
-                    <a:ext uri="{9D8B030D-6E8A-4147-A177-3AD203B41FA5}">
-                      <a16:colId xmlns:a16="http://schemas.microsoft.com/office/drawing/2014/main" val="3892705632"/>
-                    </a:ext>
-                  </a:extLst>
-                </a:gridCol>
-                <a:gridCol w="1482675">
-                  <a:extLst>
-                    <a:ext uri="{9D8B030D-6E8A-4147-A177-3AD203B41FA5}">
-                      <a16:colId xmlns:a16="http://schemas.microsoft.com/office/drawing/2014/main" val="2161891839"/>
-                    </a:ext>
-                  </a:extLst>
-                </a:gridCol>
-              </a:tblGrid>
-              <a:tr h="738664">
-                <a:tc>
-                  <a:txBody>
-                    <a:bodyPr/>
-                    <a:lstStyle/>
-                    <a:p>
-                      <a:pPr algn="ctr" latinLnBrk="1"/>
-                      <a:r>
-                        <a:rPr lang="ko-KR" altLang="en-US" dirty="0"/>
-                        <a:t>합</a:t>
-                      </a:r>
-                    </a:p>
-                  </a:txBody>
-                  <a:tcPr anchor="ctr"/>
-                </a:tc>
-                <a:tc>
-                  <a:txBody>
-                    <a:bodyPr/>
-                    <a:lstStyle/>
-                    <a:p>
-                      <a:pPr algn="ctr" latinLnBrk="1"/>
-                      <a:r>
-                        <a:rPr lang="en-US" altLang="ko-KR" dirty="0"/>
-                        <a:t>1</a:t>
-                      </a:r>
-                      <a:endParaRPr lang="ko-KR" altLang="en-US" dirty="0"/>
-                    </a:p>
-                  </a:txBody>
-                  <a:tcPr anchor="ctr"/>
-                </a:tc>
-                <a:tc>
-                  <a:txBody>
-                    <a:bodyPr/>
-                    <a:lstStyle/>
-                    <a:p>
-                      <a:pPr algn="ctr" latinLnBrk="1"/>
-                      <a:r>
-                        <a:rPr lang="en-US" altLang="ko-KR" dirty="0"/>
-                        <a:t>2</a:t>
-                      </a:r>
-                      <a:endParaRPr lang="ko-KR" altLang="en-US" dirty="0"/>
-                    </a:p>
-                  </a:txBody>
-                  <a:tcPr anchor="ctr"/>
-                </a:tc>
-                <a:tc>
-                  <a:txBody>
-                    <a:bodyPr/>
-                    <a:lstStyle/>
-                    <a:p>
-                      <a:pPr algn="ctr" latinLnBrk="1"/>
-                      <a:r>
-                        <a:rPr lang="en-US" altLang="ko-KR" dirty="0"/>
-                        <a:t>3</a:t>
-                      </a:r>
-                      <a:endParaRPr lang="ko-KR" altLang="en-US" dirty="0"/>
-                    </a:p>
-                  </a:txBody>
-                  <a:tcPr anchor="ctr"/>
-                </a:tc>
-                <a:tc>
-                  <a:txBody>
-                    <a:bodyPr/>
-                    <a:lstStyle/>
-                    <a:p>
-                      <a:pPr algn="ctr" latinLnBrk="1"/>
-                      <a:r>
-                        <a:rPr lang="en-US" altLang="ko-KR" dirty="0"/>
-                        <a:t>4</a:t>
-                      </a:r>
-                      <a:endParaRPr lang="ko-KR" altLang="en-US" dirty="0"/>
-                    </a:p>
-                  </a:txBody>
-                  <a:tcPr anchor="ctr"/>
-                </a:tc>
-                <a:tc>
-                  <a:txBody>
-                    <a:bodyPr/>
-                    <a:lstStyle/>
-                    <a:p>
-                      <a:pPr algn="ctr" latinLnBrk="1"/>
-                      <a:r>
-                        <a:rPr lang="en-US" altLang="ko-KR" dirty="0"/>
-                        <a:t>5</a:t>
-                      </a:r>
-                      <a:endParaRPr lang="ko-KR" altLang="en-US" dirty="0"/>
-                    </a:p>
-                  </a:txBody>
-                  <a:tcPr anchor="ctr"/>
-                </a:tc>
-                <a:tc>
-                  <a:txBody>
-                    <a:bodyPr/>
-                    <a:lstStyle/>
-                    <a:p>
-                      <a:pPr algn="ctr" latinLnBrk="1"/>
-                      <a:r>
-                        <a:rPr lang="en-US" altLang="ko-KR" dirty="0"/>
-                        <a:t>6</a:t>
-                      </a:r>
-                      <a:endParaRPr lang="ko-KR" altLang="en-US" dirty="0"/>
-                    </a:p>
-                  </a:txBody>
-                  <a:tcPr anchor="ctr"/>
-                </a:tc>
-                <a:extLst>
-                  <a:ext uri="{0D108BD9-81ED-4DB2-BD59-A6C34878D82A}">
-                    <a16:rowId xmlns:a16="http://schemas.microsoft.com/office/drawing/2014/main" val="1925323140"/>
-                  </a:ext>
-                </a:extLst>
-              </a:tr>
-              <a:tr h="738664">
-                <a:tc>
-                  <a:txBody>
-                    <a:bodyPr/>
-                    <a:lstStyle/>
-                    <a:p>
-                      <a:pPr algn="ctr" latinLnBrk="1"/>
-                      <a:r>
-                        <a:rPr lang="ko-KR" altLang="en-US" dirty="0"/>
-                        <a:t>필요 최소 동전 개수</a:t>
-                      </a:r>
-                    </a:p>
-                  </a:txBody>
-                  <a:tcPr anchor="ctr"/>
-                </a:tc>
-                <a:tc>
-                  <a:txBody>
-                    <a:bodyPr/>
-                    <a:lstStyle/>
-                    <a:p>
-                      <a:pPr algn="ctr" latinLnBrk="1"/>
-                      <a:r>
-                        <a:rPr lang="en-US" altLang="ko-KR" dirty="0"/>
-                        <a:t>1</a:t>
-                      </a:r>
-                      <a:endParaRPr lang="ko-KR" altLang="en-US" dirty="0"/>
-                    </a:p>
-                  </a:txBody>
-                  <a:tcPr anchor="ctr"/>
-                </a:tc>
-                <a:tc>
-                  <a:txBody>
-                    <a:bodyPr/>
-                    <a:lstStyle/>
-                    <a:p>
-                      <a:pPr algn="ctr" latinLnBrk="1"/>
-                      <a:r>
-                        <a:rPr lang="en-US" altLang="ko-KR" dirty="0"/>
-                        <a:t>2</a:t>
-                      </a:r>
-                      <a:endParaRPr lang="ko-KR" altLang="en-US" dirty="0"/>
-                    </a:p>
-                  </a:txBody>
-                  <a:tcPr anchor="ctr"/>
-                </a:tc>
-                <a:tc>
-                  <a:txBody>
-                    <a:bodyPr/>
-                    <a:lstStyle/>
-                    <a:p>
-                      <a:pPr algn="ctr" latinLnBrk="1"/>
-                      <a:r>
-                        <a:rPr lang="en-US" altLang="ko-KR" dirty="0"/>
-                        <a:t>3</a:t>
-                      </a:r>
-                      <a:endParaRPr lang="ko-KR" altLang="en-US" dirty="0"/>
-                    </a:p>
-                  </a:txBody>
-                  <a:tcPr anchor="ctr"/>
-                </a:tc>
-                <a:tc>
-                  <a:txBody>
-                    <a:bodyPr/>
-                    <a:lstStyle/>
-                    <a:p>
-                      <a:pPr algn="ctr" latinLnBrk="1"/>
-                      <a:r>
-                        <a:rPr lang="en-US" altLang="ko-KR" dirty="0"/>
-                        <a:t>4</a:t>
-                      </a:r>
-                      <a:endParaRPr lang="ko-KR" altLang="en-US" dirty="0"/>
-                    </a:p>
-                  </a:txBody>
-                  <a:tcPr anchor="ctr"/>
-                </a:tc>
-                <a:tc>
-                  <a:txBody>
-                    <a:bodyPr/>
-                    <a:lstStyle/>
-                    <a:p>
-                      <a:pPr algn="ctr" latinLnBrk="1"/>
-                      <a:endParaRPr lang="ko-KR" altLang="en-US" dirty="0"/>
-                    </a:p>
-                  </a:txBody>
-                  <a:tcPr anchor="ctr"/>
-                </a:tc>
-                <a:tc>
-                  <a:txBody>
-                    <a:bodyPr/>
-                    <a:lstStyle/>
-                    <a:p>
-                      <a:pPr algn="ctr" latinLnBrk="1"/>
-                      <a:endParaRPr lang="ko-KR" altLang="en-US" dirty="0"/>
-                    </a:p>
-                  </a:txBody>
-                  <a:tcPr anchor="ctr"/>
-                </a:tc>
-                <a:extLst>
-                  <a:ext uri="{0D108BD9-81ED-4DB2-BD59-A6C34878D82A}">
-                    <a16:rowId xmlns:a16="http://schemas.microsoft.com/office/drawing/2014/main" val="2982812773"/>
-                  </a:ext>
-                </a:extLst>
-              </a:tr>
-            </a:tbl>
-          </a:graphicData>
-        </a:graphic>
-      </p:graphicFrame>
-      <p:sp>
-        <p:nvSpPr>
-          <p:cNvPr id="9" name="TextBox 8">
-            <a:extLst>
-              <a:ext uri="{FF2B5EF4-FFF2-40B4-BE49-F238E27FC236}">
-                <a16:creationId xmlns:a16="http://schemas.microsoft.com/office/drawing/2014/main" id="{D9F487D4-35D6-4249-8171-375AA4C7F83C}"/>
-              </a:ext>
-            </a:extLst>
-          </p:cNvPr>
-          <p:cNvSpPr txBox="1"/>
-          <p:nvPr/>
-        </p:nvSpPr>
-        <p:spPr>
-          <a:xfrm>
-            <a:off x="821560" y="5489235"/>
-            <a:ext cx="10378725" cy="646331"/>
-          </a:xfrm>
-          <a:prstGeom prst="rect">
-            <a:avLst/>
-          </a:prstGeom>
-          <a:noFill/>
-        </p:spPr>
-        <p:txBody>
-          <a:bodyPr wrap="square" rtlCol="0">
-            <a:spAutoFit/>
-          </a:bodyPr>
-          <a:lstStyle/>
-          <a:p>
-            <a:pPr marL="285750" indent="-285750">
-              <a:buFont typeface="Arial" panose="020B0604020202020204" pitchFamily="34" charset="0"/>
-              <a:buChar char="•"/>
-            </a:pPr>
-            <a:r>
-              <a:rPr lang="ko-KR" altLang="en-US" dirty="0">
-                <a:solidFill>
-                  <a:schemeClr val="bg1">
-                    <a:lumMod val="95000"/>
-                  </a:schemeClr>
-                </a:solidFill>
-              </a:rPr>
-              <a:t>그러나</a:t>
-            </a:r>
-            <a:r>
-              <a:rPr lang="en-US" altLang="ko-KR" dirty="0">
-                <a:solidFill>
-                  <a:schemeClr val="bg1">
-                    <a:lumMod val="95000"/>
-                  </a:schemeClr>
-                </a:solidFill>
-              </a:rPr>
-              <a:t>, </a:t>
-            </a:r>
-            <a:r>
-              <a:rPr lang="ko-KR" altLang="en-US" dirty="0">
-                <a:solidFill>
-                  <a:schemeClr val="bg1">
-                    <a:lumMod val="95000"/>
-                  </a:schemeClr>
-                </a:solidFill>
-              </a:rPr>
-              <a:t>합 </a:t>
-            </a:r>
-            <a:r>
-              <a:rPr lang="en-US" altLang="ko-KR" dirty="0">
-                <a:solidFill>
-                  <a:schemeClr val="bg1">
-                    <a:lumMod val="95000"/>
-                  </a:schemeClr>
-                </a:solidFill>
-              </a:rPr>
-              <a:t>= 5</a:t>
-            </a:r>
-            <a:r>
-              <a:rPr lang="ko-KR" altLang="en-US" dirty="0">
-                <a:solidFill>
-                  <a:schemeClr val="bg1">
-                    <a:lumMod val="95000"/>
-                  </a:schemeClr>
-                </a:solidFill>
-              </a:rPr>
-              <a:t>일 때</a:t>
-            </a:r>
-            <a:r>
-              <a:rPr lang="en-US" altLang="ko-KR" dirty="0">
-                <a:solidFill>
-                  <a:schemeClr val="bg1">
-                    <a:lumMod val="95000"/>
-                  </a:schemeClr>
-                </a:solidFill>
-              </a:rPr>
-              <a:t> </a:t>
-            </a:r>
-            <a:r>
-              <a:rPr lang="ko-KR" altLang="en-US" dirty="0">
-                <a:solidFill>
-                  <a:schemeClr val="bg1">
-                    <a:lumMod val="95000"/>
-                  </a:schemeClr>
-                </a:solidFill>
-              </a:rPr>
-              <a:t>문제가 발생합니다</a:t>
-            </a:r>
-            <a:r>
-              <a:rPr lang="en-US" altLang="ko-KR" dirty="0">
-                <a:solidFill>
-                  <a:schemeClr val="bg1">
-                    <a:lumMod val="95000"/>
-                  </a:schemeClr>
-                </a:solidFill>
-              </a:rPr>
-              <a:t>. </a:t>
-            </a:r>
-            <a:r>
-              <a:rPr lang="ko-KR" altLang="en-US" dirty="0">
-                <a:solidFill>
-                  <a:schemeClr val="bg1">
-                    <a:lumMod val="95000"/>
-                  </a:schemeClr>
-                </a:solidFill>
-              </a:rPr>
-              <a:t>기존 점화식으로는 </a:t>
-            </a:r>
-            <a:r>
-              <a:rPr lang="en-US" altLang="ko-KR" dirty="0">
-                <a:solidFill>
-                  <a:schemeClr val="bg1">
-                    <a:lumMod val="95000"/>
-                  </a:schemeClr>
-                </a:solidFill>
-              </a:rPr>
-              <a:t>total[5] = 5</a:t>
-            </a:r>
-            <a:r>
-              <a:rPr lang="ko-KR" altLang="en-US" dirty="0">
-                <a:solidFill>
-                  <a:schemeClr val="bg1">
-                    <a:lumMod val="95000"/>
-                  </a:schemeClr>
-                </a:solidFill>
-              </a:rPr>
-              <a:t>가 되어야 하나</a:t>
-            </a:r>
-            <a:r>
-              <a:rPr lang="en-US" altLang="ko-KR" dirty="0">
-                <a:solidFill>
-                  <a:schemeClr val="bg1">
-                    <a:lumMod val="95000"/>
-                  </a:schemeClr>
-                </a:solidFill>
-              </a:rPr>
-              <a:t>, 5</a:t>
-            </a:r>
-            <a:r>
-              <a:rPr lang="ko-KR" altLang="en-US" dirty="0">
-                <a:solidFill>
-                  <a:schemeClr val="bg1">
-                    <a:lumMod val="95000"/>
-                  </a:schemeClr>
-                </a:solidFill>
-              </a:rPr>
-              <a:t>원 </a:t>
-            </a:r>
-            <a:r>
-              <a:rPr lang="ko-KR" altLang="en-US" dirty="0" err="1">
-                <a:solidFill>
-                  <a:schemeClr val="bg1">
-                    <a:lumMod val="95000"/>
-                  </a:schemeClr>
-                </a:solidFill>
-              </a:rPr>
-              <a:t>짜리</a:t>
-            </a:r>
-            <a:r>
-              <a:rPr lang="ko-KR" altLang="en-US" dirty="0">
-                <a:solidFill>
-                  <a:schemeClr val="bg1">
-                    <a:lumMod val="95000"/>
-                  </a:schemeClr>
-                </a:solidFill>
-              </a:rPr>
-              <a:t> 동전 </a:t>
-            </a:r>
-            <a:r>
-              <a:rPr lang="en-US" altLang="ko-KR" dirty="0">
-                <a:solidFill>
-                  <a:schemeClr val="bg1">
-                    <a:lumMod val="95000"/>
-                  </a:schemeClr>
-                </a:solidFill>
-              </a:rPr>
-              <a:t>1</a:t>
-            </a:r>
-            <a:r>
-              <a:rPr lang="ko-KR" altLang="en-US" dirty="0">
-                <a:solidFill>
-                  <a:schemeClr val="bg1">
-                    <a:lumMod val="95000"/>
-                  </a:schemeClr>
-                </a:solidFill>
-              </a:rPr>
-              <a:t>개면 합 </a:t>
-            </a:r>
-            <a:r>
-              <a:rPr lang="en-US" altLang="ko-KR" dirty="0">
-                <a:solidFill>
-                  <a:schemeClr val="bg1">
-                    <a:lumMod val="95000"/>
-                  </a:schemeClr>
-                </a:solidFill>
-              </a:rPr>
-              <a:t>= 5</a:t>
-            </a:r>
-            <a:r>
-              <a:rPr lang="ko-KR" altLang="en-US" dirty="0">
-                <a:solidFill>
-                  <a:schemeClr val="bg1">
-                    <a:lumMod val="95000"/>
-                  </a:schemeClr>
-                </a:solidFill>
-              </a:rPr>
-              <a:t>가</a:t>
-            </a:r>
-            <a:r>
-              <a:rPr lang="en-US" altLang="ko-KR" dirty="0">
-                <a:solidFill>
-                  <a:schemeClr val="bg1">
-                    <a:lumMod val="95000"/>
-                  </a:schemeClr>
-                </a:solidFill>
-              </a:rPr>
-              <a:t> </a:t>
-            </a:r>
-            <a:r>
-              <a:rPr lang="ko-KR" altLang="en-US" dirty="0">
-                <a:solidFill>
-                  <a:schemeClr val="bg1">
-                    <a:lumMod val="95000"/>
-                  </a:schemeClr>
-                </a:solidFill>
-              </a:rPr>
-              <a:t>만족되므로 점화식을 수정할 필요가 있어 보입니다</a:t>
-            </a:r>
-            <a:r>
-              <a:rPr lang="en-US" altLang="ko-KR" dirty="0">
-                <a:solidFill>
-                  <a:schemeClr val="bg1">
-                    <a:lumMod val="95000"/>
-                  </a:schemeClr>
-                </a:solidFill>
-              </a:rPr>
-              <a:t>.</a:t>
-            </a:r>
-            <a:endParaRPr lang="ko-KR" altLang="en-US" dirty="0"/>
-          </a:p>
-        </p:txBody>
-      </p:sp>
-    </p:spTree>
-    <p:extLst>
-      <p:ext uri="{BB962C8B-B14F-4D97-AF65-F5344CB8AC3E}">
-        <p14:creationId xmlns:p14="http://schemas.microsoft.com/office/powerpoint/2010/main" val="2104070843"/>
-      </p:ext>
-    </p:extLst>
-  </p:cSld>
-  <p:clrMapOvr>
-    <a:masterClrMapping/>
-  </p:clrMapOvr>
-</p:sld>
-</file>
-
-<file path=ppt/slides/slide22.xml><?xml version="1.0" encoding="utf-8"?>
-<p:sld xmlns:a="http://schemas.openxmlformats.org/drawingml/2006/main" xmlns:r="http://schemas.openxmlformats.org/officeDocument/2006/relationships" xmlns:p="http://schemas.openxmlformats.org/presentationml/2006/main">
-  <p:cSld>
-    <p:bg>
-      <p:bgPr>
-        <a:solidFill>
-          <a:schemeClr val="tx2">
-            <a:lumMod val="50000"/>
-          </a:schemeClr>
-        </a:solidFill>
-        <a:effectLst/>
-      </p:bgPr>
-    </p:bg>
-    <p:spTree>
-      <p:nvGrpSpPr>
-        <p:cNvPr id="1" name=""/>
-        <p:cNvGrpSpPr/>
-        <p:nvPr/>
-      </p:nvGrpSpPr>
-      <p:grpSpPr>
-        <a:xfrm>
-          <a:off x="0" y="0"/>
-          <a:ext cx="0" cy="0"/>
-          <a:chOff x="0" y="0"/>
-          <a:chExt cx="0" cy="0"/>
-        </a:xfrm>
-      </p:grpSpPr>
-      <p:graphicFrame>
-        <p:nvGraphicFramePr>
-          <p:cNvPr id="2" name="표 2">
-            <a:extLst>
-              <a:ext uri="{FF2B5EF4-FFF2-40B4-BE49-F238E27FC236}">
-                <a16:creationId xmlns:a16="http://schemas.microsoft.com/office/drawing/2014/main" id="{69628D52-A5D8-4EC4-9C1D-9B74BD3593F7}"/>
-              </a:ext>
-            </a:extLst>
-          </p:cNvPr>
-          <p:cNvGraphicFramePr>
-            <a:graphicFrameLocks noGrp="1"/>
-          </p:cNvGraphicFramePr>
-          <p:nvPr/>
-        </p:nvGraphicFramePr>
-        <p:xfrm>
-          <a:off x="784570" y="962056"/>
-          <a:ext cx="10378725" cy="1477328"/>
-        </p:xfrm>
-        <a:graphic>
-          <a:graphicData uri="http://schemas.openxmlformats.org/drawingml/2006/table">
-            <a:tbl>
-              <a:tblPr firstRow="1" bandRow="1">
-                <a:tableStyleId>{5C22544A-7EE6-4342-B048-85BDC9FD1C3A}</a:tableStyleId>
-              </a:tblPr>
-              <a:tblGrid>
-                <a:gridCol w="1482675">
-                  <a:extLst>
-                    <a:ext uri="{9D8B030D-6E8A-4147-A177-3AD203B41FA5}">
-                      <a16:colId xmlns:a16="http://schemas.microsoft.com/office/drawing/2014/main" val="2920149521"/>
-                    </a:ext>
-                  </a:extLst>
-                </a:gridCol>
-                <a:gridCol w="1482675">
-                  <a:extLst>
-                    <a:ext uri="{9D8B030D-6E8A-4147-A177-3AD203B41FA5}">
-                      <a16:colId xmlns:a16="http://schemas.microsoft.com/office/drawing/2014/main" val="3969469004"/>
-                    </a:ext>
-                  </a:extLst>
-                </a:gridCol>
-                <a:gridCol w="1482675">
-                  <a:extLst>
-                    <a:ext uri="{9D8B030D-6E8A-4147-A177-3AD203B41FA5}">
-                      <a16:colId xmlns:a16="http://schemas.microsoft.com/office/drawing/2014/main" val="1276193095"/>
-                    </a:ext>
-                  </a:extLst>
-                </a:gridCol>
-                <a:gridCol w="1482675">
-                  <a:extLst>
-                    <a:ext uri="{9D8B030D-6E8A-4147-A177-3AD203B41FA5}">
-                      <a16:colId xmlns:a16="http://schemas.microsoft.com/office/drawing/2014/main" val="1142247615"/>
-                    </a:ext>
-                  </a:extLst>
-                </a:gridCol>
-                <a:gridCol w="1482675">
-                  <a:extLst>
-                    <a:ext uri="{9D8B030D-6E8A-4147-A177-3AD203B41FA5}">
-                      <a16:colId xmlns:a16="http://schemas.microsoft.com/office/drawing/2014/main" val="1217616046"/>
-                    </a:ext>
-                  </a:extLst>
-                </a:gridCol>
-                <a:gridCol w="1482675">
-                  <a:extLst>
-                    <a:ext uri="{9D8B030D-6E8A-4147-A177-3AD203B41FA5}">
-                      <a16:colId xmlns:a16="http://schemas.microsoft.com/office/drawing/2014/main" val="3892705632"/>
-                    </a:ext>
-                  </a:extLst>
-                </a:gridCol>
-                <a:gridCol w="1482675">
-                  <a:extLst>
-                    <a:ext uri="{9D8B030D-6E8A-4147-A177-3AD203B41FA5}">
-                      <a16:colId xmlns:a16="http://schemas.microsoft.com/office/drawing/2014/main" val="2161891839"/>
-                    </a:ext>
-                  </a:extLst>
-                </a:gridCol>
-              </a:tblGrid>
-              <a:tr h="738664">
-                <a:tc>
-                  <a:txBody>
-                    <a:bodyPr/>
-                    <a:lstStyle/>
-                    <a:p>
-                      <a:pPr algn="ctr" latinLnBrk="1"/>
-                      <a:r>
-                        <a:rPr lang="ko-KR" altLang="en-US" dirty="0"/>
-                        <a:t>합</a:t>
-                      </a:r>
-                    </a:p>
-                  </a:txBody>
-                  <a:tcPr anchor="ctr"/>
-                </a:tc>
-                <a:tc>
-                  <a:txBody>
-                    <a:bodyPr/>
-                    <a:lstStyle/>
-                    <a:p>
-                      <a:pPr algn="ctr" latinLnBrk="1"/>
-                      <a:r>
-                        <a:rPr lang="en-US" altLang="ko-KR" dirty="0"/>
-                        <a:t>1</a:t>
-                      </a:r>
-                      <a:endParaRPr lang="ko-KR" altLang="en-US" dirty="0"/>
-                    </a:p>
-                  </a:txBody>
-                  <a:tcPr anchor="ctr"/>
-                </a:tc>
-                <a:tc>
-                  <a:txBody>
-                    <a:bodyPr/>
-                    <a:lstStyle/>
-                    <a:p>
-                      <a:pPr algn="ctr" latinLnBrk="1"/>
-                      <a:r>
-                        <a:rPr lang="en-US" altLang="ko-KR" dirty="0"/>
-                        <a:t>2</a:t>
-                      </a:r>
-                      <a:endParaRPr lang="ko-KR" altLang="en-US" dirty="0"/>
-                    </a:p>
-                  </a:txBody>
-                  <a:tcPr anchor="ctr"/>
-                </a:tc>
-                <a:tc>
-                  <a:txBody>
-                    <a:bodyPr/>
-                    <a:lstStyle/>
-                    <a:p>
-                      <a:pPr algn="ctr" latinLnBrk="1"/>
-                      <a:r>
-                        <a:rPr lang="en-US" altLang="ko-KR" dirty="0"/>
-                        <a:t>3</a:t>
-                      </a:r>
-                      <a:endParaRPr lang="ko-KR" altLang="en-US" dirty="0"/>
-                    </a:p>
-                  </a:txBody>
-                  <a:tcPr anchor="ctr"/>
-                </a:tc>
-                <a:tc>
-                  <a:txBody>
-                    <a:bodyPr/>
-                    <a:lstStyle/>
-                    <a:p>
-                      <a:pPr algn="ctr" latinLnBrk="1"/>
-                      <a:r>
-                        <a:rPr lang="en-US" altLang="ko-KR" dirty="0"/>
-                        <a:t>4</a:t>
-                      </a:r>
-                      <a:endParaRPr lang="ko-KR" altLang="en-US" dirty="0"/>
-                    </a:p>
-                  </a:txBody>
-                  <a:tcPr anchor="ctr"/>
-                </a:tc>
-                <a:tc>
-                  <a:txBody>
-                    <a:bodyPr/>
-                    <a:lstStyle/>
-                    <a:p>
-                      <a:pPr algn="ctr" latinLnBrk="1"/>
-                      <a:r>
-                        <a:rPr lang="en-US" altLang="ko-KR" dirty="0"/>
-                        <a:t>5</a:t>
-                      </a:r>
-                      <a:endParaRPr lang="ko-KR" altLang="en-US" dirty="0"/>
-                    </a:p>
-                  </a:txBody>
-                  <a:tcPr anchor="ctr"/>
-                </a:tc>
-                <a:tc>
-                  <a:txBody>
-                    <a:bodyPr/>
-                    <a:lstStyle/>
-                    <a:p>
-                      <a:pPr algn="ctr" latinLnBrk="1"/>
-                      <a:r>
-                        <a:rPr lang="en-US" altLang="ko-KR" dirty="0"/>
-                        <a:t>6</a:t>
-                      </a:r>
-                      <a:endParaRPr lang="ko-KR" altLang="en-US" dirty="0"/>
-                    </a:p>
-                  </a:txBody>
-                  <a:tcPr anchor="ctr"/>
-                </a:tc>
-                <a:extLst>
-                  <a:ext uri="{0D108BD9-81ED-4DB2-BD59-A6C34878D82A}">
-                    <a16:rowId xmlns:a16="http://schemas.microsoft.com/office/drawing/2014/main" val="1925323140"/>
-                  </a:ext>
-                </a:extLst>
-              </a:tr>
-              <a:tr h="738664">
-                <a:tc>
-                  <a:txBody>
-                    <a:bodyPr/>
-                    <a:lstStyle/>
-                    <a:p>
-                      <a:pPr algn="ctr" latinLnBrk="1"/>
-                      <a:r>
-                        <a:rPr lang="ko-KR" altLang="en-US" dirty="0"/>
-                        <a:t>필요 최소 동전 개수</a:t>
-                      </a:r>
-                    </a:p>
-                  </a:txBody>
-                  <a:tcPr anchor="ctr"/>
-                </a:tc>
-                <a:tc>
-                  <a:txBody>
-                    <a:bodyPr/>
-                    <a:lstStyle/>
-                    <a:p>
-                      <a:pPr algn="ctr" latinLnBrk="1"/>
-                      <a:r>
-                        <a:rPr lang="en-US" altLang="ko-KR" dirty="0"/>
-                        <a:t>1</a:t>
-                      </a:r>
-                      <a:endParaRPr lang="ko-KR" altLang="en-US" dirty="0"/>
-                    </a:p>
-                  </a:txBody>
-                  <a:tcPr anchor="ctr"/>
-                </a:tc>
-                <a:tc>
-                  <a:txBody>
-                    <a:bodyPr/>
-                    <a:lstStyle/>
-                    <a:p>
-                      <a:pPr algn="ctr" latinLnBrk="1"/>
-                      <a:r>
-                        <a:rPr lang="en-US" altLang="ko-KR" dirty="0"/>
-                        <a:t>2</a:t>
-                      </a:r>
-                      <a:endParaRPr lang="ko-KR" altLang="en-US" dirty="0"/>
-                    </a:p>
-                  </a:txBody>
-                  <a:tcPr anchor="ctr"/>
-                </a:tc>
-                <a:tc>
-                  <a:txBody>
-                    <a:bodyPr/>
-                    <a:lstStyle/>
-                    <a:p>
-                      <a:pPr algn="ctr" latinLnBrk="1"/>
-                      <a:r>
-                        <a:rPr lang="en-US" altLang="ko-KR" dirty="0"/>
-                        <a:t>3</a:t>
-                      </a:r>
-                      <a:endParaRPr lang="ko-KR" altLang="en-US" dirty="0"/>
-                    </a:p>
-                  </a:txBody>
-                  <a:tcPr anchor="ctr"/>
-                </a:tc>
-                <a:tc>
-                  <a:txBody>
-                    <a:bodyPr/>
-                    <a:lstStyle/>
-                    <a:p>
-                      <a:pPr algn="ctr" latinLnBrk="1"/>
-                      <a:r>
-                        <a:rPr lang="en-US" altLang="ko-KR" dirty="0"/>
-                        <a:t>4</a:t>
-                      </a:r>
-                      <a:endParaRPr lang="ko-KR" altLang="en-US" dirty="0"/>
-                    </a:p>
-                  </a:txBody>
-                  <a:tcPr anchor="ctr"/>
-                </a:tc>
-                <a:tc>
-                  <a:txBody>
-                    <a:bodyPr/>
-                    <a:lstStyle/>
-                    <a:p>
-                      <a:pPr algn="ctr" latinLnBrk="1"/>
-                      <a:endParaRPr lang="ko-KR" altLang="en-US" dirty="0"/>
-                    </a:p>
-                  </a:txBody>
-                  <a:tcPr anchor="ctr"/>
-                </a:tc>
-                <a:tc>
-                  <a:txBody>
-                    <a:bodyPr/>
-                    <a:lstStyle/>
-                    <a:p>
-                      <a:pPr algn="ctr" latinLnBrk="1"/>
-                      <a:endParaRPr lang="ko-KR" altLang="en-US" dirty="0"/>
-                    </a:p>
-                  </a:txBody>
-                  <a:tcPr anchor="ctr"/>
-                </a:tc>
-                <a:extLst>
-                  <a:ext uri="{0D108BD9-81ED-4DB2-BD59-A6C34878D82A}">
-                    <a16:rowId xmlns:a16="http://schemas.microsoft.com/office/drawing/2014/main" val="2982812773"/>
-                  </a:ext>
-                </a:extLst>
-              </a:tr>
-            </a:tbl>
-          </a:graphicData>
-        </a:graphic>
-      </p:graphicFrame>
-      <p:sp>
-        <p:nvSpPr>
-          <p:cNvPr id="18" name="TextBox 17">
-            <a:extLst>
-              <a:ext uri="{FF2B5EF4-FFF2-40B4-BE49-F238E27FC236}">
-                <a16:creationId xmlns:a16="http://schemas.microsoft.com/office/drawing/2014/main" id="{400E1B42-C251-450D-A33B-F3DA49E22ED0}"/>
-              </a:ext>
-            </a:extLst>
-          </p:cNvPr>
-          <p:cNvSpPr txBox="1"/>
-          <p:nvPr/>
-        </p:nvSpPr>
-        <p:spPr>
-          <a:xfrm>
-            <a:off x="784570" y="2833328"/>
-            <a:ext cx="10378725" cy="3139321"/>
-          </a:xfrm>
-          <a:prstGeom prst="rect">
-            <a:avLst/>
-          </a:prstGeom>
-          <a:noFill/>
-        </p:spPr>
-        <p:txBody>
-          <a:bodyPr wrap="square" rtlCol="0">
-            <a:spAutoFit/>
-          </a:bodyPr>
-          <a:lstStyle/>
-          <a:p>
-            <a:pPr marL="285750" indent="-285750">
-              <a:buFont typeface="Arial" panose="020B0604020202020204" pitchFamily="34" charset="0"/>
-              <a:buChar char="•"/>
-            </a:pPr>
-            <a:r>
-              <a:rPr lang="ko-KR" altLang="en-US" dirty="0">
-                <a:solidFill>
-                  <a:schemeClr val="bg1">
-                    <a:lumMod val="95000"/>
-                  </a:schemeClr>
-                </a:solidFill>
-              </a:rPr>
-              <a:t>점화식에 예외가</a:t>
-            </a:r>
-            <a:r>
-              <a:rPr lang="en-US" altLang="ko-KR" dirty="0">
-                <a:solidFill>
-                  <a:schemeClr val="bg1">
-                    <a:lumMod val="95000"/>
-                  </a:schemeClr>
-                </a:solidFill>
-              </a:rPr>
-              <a:t> </a:t>
-            </a:r>
-            <a:r>
-              <a:rPr lang="ko-KR" altLang="en-US" dirty="0">
-                <a:solidFill>
-                  <a:schemeClr val="bg1">
-                    <a:lumMod val="95000"/>
-                  </a:schemeClr>
-                </a:solidFill>
-              </a:rPr>
-              <a:t>발생하는 상황을 표현하면</a:t>
-            </a:r>
-            <a:r>
-              <a:rPr lang="en-US" altLang="ko-KR" dirty="0">
-                <a:solidFill>
-                  <a:schemeClr val="bg1">
-                    <a:lumMod val="95000"/>
-                  </a:schemeClr>
-                </a:solidFill>
-              </a:rPr>
-              <a:t>, </a:t>
-            </a:r>
-          </a:p>
-          <a:p>
-            <a:r>
-              <a:rPr lang="en-US" altLang="ko-KR" dirty="0">
-                <a:solidFill>
-                  <a:schemeClr val="bg1">
-                    <a:lumMod val="95000"/>
-                  </a:schemeClr>
-                </a:solidFill>
-              </a:rPr>
-              <a:t>coin[k]</a:t>
-            </a:r>
-            <a:r>
-              <a:rPr lang="ko-KR" altLang="en-US" dirty="0">
-                <a:solidFill>
-                  <a:schemeClr val="bg1">
-                    <a:lumMod val="95000"/>
-                  </a:schemeClr>
-                </a:solidFill>
-              </a:rPr>
-              <a:t>가 </a:t>
-            </a:r>
-            <a:r>
-              <a:rPr lang="en-US" altLang="ko-KR" dirty="0">
-                <a:solidFill>
-                  <a:schemeClr val="bg1">
-                    <a:lumMod val="95000"/>
-                  </a:schemeClr>
-                </a:solidFill>
-              </a:rPr>
-              <a:t>coin[0]</a:t>
-            </a:r>
-            <a:r>
-              <a:rPr lang="ko-KR" altLang="en-US" dirty="0">
-                <a:solidFill>
-                  <a:schemeClr val="bg1">
-                    <a:lumMod val="95000"/>
-                  </a:schemeClr>
-                </a:solidFill>
-              </a:rPr>
-              <a:t>보다 크고</a:t>
-            </a:r>
-            <a:r>
-              <a:rPr lang="en-US" altLang="ko-KR" dirty="0">
-                <a:solidFill>
-                  <a:schemeClr val="bg1">
-                    <a:lumMod val="95000"/>
-                  </a:schemeClr>
-                </a:solidFill>
-              </a:rPr>
-              <a:t>, </a:t>
-            </a:r>
-            <a:r>
-              <a:rPr lang="ko-KR" altLang="en-US" dirty="0">
-                <a:solidFill>
-                  <a:schemeClr val="bg1">
-                    <a:lumMod val="95000"/>
-                  </a:schemeClr>
-                </a:solidFill>
-              </a:rPr>
-              <a:t>합이 </a:t>
-            </a:r>
-            <a:r>
-              <a:rPr lang="en-US" altLang="ko-KR" dirty="0">
-                <a:solidFill>
-                  <a:schemeClr val="bg1">
-                    <a:lumMod val="95000"/>
-                  </a:schemeClr>
-                </a:solidFill>
-              </a:rPr>
-              <a:t>coin[k]</a:t>
-            </a:r>
-            <a:r>
-              <a:rPr lang="ko-KR" altLang="en-US" dirty="0">
-                <a:solidFill>
-                  <a:schemeClr val="bg1">
-                    <a:lumMod val="95000"/>
-                  </a:schemeClr>
-                </a:solidFill>
-              </a:rPr>
-              <a:t>이하의 상황에서 예외가 발생하게 됩니다</a:t>
-            </a:r>
-            <a:r>
-              <a:rPr lang="en-US" altLang="ko-KR" dirty="0">
-                <a:solidFill>
-                  <a:schemeClr val="bg1">
-                    <a:lumMod val="95000"/>
-                  </a:schemeClr>
-                </a:solidFill>
-              </a:rPr>
-              <a:t>.</a:t>
-            </a:r>
-          </a:p>
-          <a:p>
-            <a:endParaRPr lang="en-US" altLang="ko-KR" dirty="0">
-              <a:solidFill>
-                <a:schemeClr val="bg1">
-                  <a:lumMod val="95000"/>
-                </a:schemeClr>
-              </a:solidFill>
-            </a:endParaRPr>
-          </a:p>
-          <a:p>
-            <a:r>
-              <a:rPr lang="ko-KR" altLang="en-US" dirty="0">
-                <a:solidFill>
-                  <a:schemeClr val="bg1">
-                    <a:lumMod val="95000"/>
-                  </a:schemeClr>
-                </a:solidFill>
-              </a:rPr>
-              <a:t>다만</a:t>
-            </a:r>
-            <a:r>
-              <a:rPr lang="en-US" altLang="ko-KR" dirty="0">
-                <a:solidFill>
-                  <a:schemeClr val="bg1">
-                    <a:lumMod val="95000"/>
-                  </a:schemeClr>
-                </a:solidFill>
-              </a:rPr>
-              <a:t>, </a:t>
-            </a:r>
-            <a:r>
-              <a:rPr lang="ko-KR" altLang="en-US" dirty="0">
-                <a:solidFill>
-                  <a:schemeClr val="bg1">
-                    <a:lumMod val="95000"/>
-                  </a:schemeClr>
-                </a:solidFill>
-              </a:rPr>
-              <a:t>문제에서는 </a:t>
-            </a:r>
-            <a:r>
-              <a:rPr lang="en-US" altLang="ko-KR" dirty="0">
-                <a:solidFill>
-                  <a:schemeClr val="bg1">
-                    <a:lumMod val="95000"/>
-                  </a:schemeClr>
-                </a:solidFill>
-              </a:rPr>
-              <a:t>coin</a:t>
-            </a:r>
-            <a:r>
-              <a:rPr lang="ko-KR" altLang="en-US" dirty="0">
-                <a:solidFill>
-                  <a:schemeClr val="bg1">
-                    <a:lumMod val="95000"/>
-                  </a:schemeClr>
-                </a:solidFill>
-              </a:rPr>
-              <a:t>의 대소는 정렬이 되어 주어지므로</a:t>
-            </a:r>
-            <a:r>
-              <a:rPr lang="en-US" altLang="ko-KR" dirty="0">
-                <a:solidFill>
-                  <a:schemeClr val="bg1">
-                    <a:lumMod val="95000"/>
-                  </a:schemeClr>
-                </a:solidFill>
-              </a:rPr>
-              <a:t>, </a:t>
-            </a:r>
-            <a:r>
-              <a:rPr lang="ko-KR" altLang="en-US" dirty="0">
-                <a:solidFill>
-                  <a:schemeClr val="bg1">
-                    <a:lumMod val="95000"/>
-                  </a:schemeClr>
-                </a:solidFill>
-              </a:rPr>
-              <a:t>항상 </a:t>
-            </a:r>
-            <a:r>
-              <a:rPr lang="en-US" altLang="ko-KR" dirty="0">
-                <a:solidFill>
-                  <a:schemeClr val="bg1">
-                    <a:lumMod val="95000"/>
-                  </a:schemeClr>
-                </a:solidFill>
-              </a:rPr>
-              <a:t>coin[k]</a:t>
-            </a:r>
-            <a:r>
-              <a:rPr lang="ko-KR" altLang="en-US" dirty="0">
-                <a:solidFill>
-                  <a:schemeClr val="bg1">
-                    <a:lumMod val="95000"/>
-                  </a:schemeClr>
-                </a:solidFill>
-              </a:rPr>
-              <a:t> </a:t>
-            </a:r>
-            <a:r>
-              <a:rPr lang="en-US" altLang="ko-KR" dirty="0">
-                <a:solidFill>
-                  <a:schemeClr val="bg1">
-                    <a:lumMod val="95000"/>
-                  </a:schemeClr>
-                </a:solidFill>
-              </a:rPr>
-              <a:t>&gt;</a:t>
-            </a:r>
-            <a:r>
-              <a:rPr lang="ko-KR" altLang="en-US" dirty="0">
-                <a:solidFill>
-                  <a:schemeClr val="bg1">
-                    <a:lumMod val="95000"/>
-                  </a:schemeClr>
-                </a:solidFill>
-              </a:rPr>
-              <a:t> </a:t>
-            </a:r>
-            <a:r>
-              <a:rPr lang="en-US" altLang="ko-KR" dirty="0">
-                <a:solidFill>
-                  <a:schemeClr val="bg1">
-                    <a:lumMod val="95000"/>
-                  </a:schemeClr>
-                </a:solidFill>
-              </a:rPr>
-              <a:t>coin[k-1]</a:t>
-            </a:r>
-            <a:r>
-              <a:rPr lang="ko-KR" altLang="en-US" dirty="0">
-                <a:solidFill>
-                  <a:schemeClr val="bg1">
-                    <a:lumMod val="95000"/>
-                  </a:schemeClr>
-                </a:solidFill>
-              </a:rPr>
-              <a:t>를 만족합니다</a:t>
-            </a:r>
-            <a:r>
-              <a:rPr lang="en-US" altLang="ko-KR" dirty="0">
-                <a:solidFill>
-                  <a:schemeClr val="bg1">
-                    <a:lumMod val="95000"/>
-                  </a:schemeClr>
-                </a:solidFill>
-              </a:rPr>
-              <a:t>. </a:t>
-            </a:r>
-            <a:r>
-              <a:rPr lang="ko-KR" altLang="en-US" dirty="0">
-                <a:solidFill>
-                  <a:schemeClr val="bg1">
-                    <a:lumMod val="95000"/>
-                  </a:schemeClr>
-                </a:solidFill>
-              </a:rPr>
-              <a:t>그렇기 때문에 합이 </a:t>
-            </a:r>
-            <a:r>
-              <a:rPr lang="en-US" altLang="ko-KR" dirty="0">
-                <a:solidFill>
-                  <a:schemeClr val="bg1">
-                    <a:lumMod val="95000"/>
-                  </a:schemeClr>
-                </a:solidFill>
-              </a:rPr>
-              <a:t>coin[k]</a:t>
-            </a:r>
-            <a:r>
-              <a:rPr lang="ko-KR" altLang="en-US" dirty="0">
-                <a:solidFill>
-                  <a:schemeClr val="bg1">
-                    <a:lumMod val="95000"/>
-                  </a:schemeClr>
-                </a:solidFill>
-              </a:rPr>
-              <a:t>보다 작은 상황이 생겼을 때 만을 고려하여 점화식을 세우면 됩니다</a:t>
-            </a:r>
-            <a:r>
-              <a:rPr lang="en-US" altLang="ko-KR" dirty="0">
-                <a:solidFill>
-                  <a:schemeClr val="bg1">
-                    <a:lumMod val="95000"/>
-                  </a:schemeClr>
-                </a:solidFill>
-              </a:rPr>
-              <a:t>.</a:t>
-            </a:r>
-          </a:p>
-          <a:p>
-            <a:r>
-              <a:rPr lang="ko-KR" altLang="en-US" dirty="0">
-                <a:solidFill>
-                  <a:schemeClr val="bg1">
-                    <a:lumMod val="95000"/>
-                  </a:schemeClr>
-                </a:solidFill>
-              </a:rPr>
-              <a:t>코드로 표현하자면</a:t>
-            </a:r>
-            <a:r>
-              <a:rPr lang="en-US" altLang="ko-KR" dirty="0">
-                <a:solidFill>
-                  <a:schemeClr val="bg1">
-                    <a:lumMod val="95000"/>
-                  </a:schemeClr>
-                </a:solidFill>
-              </a:rPr>
-              <a:t>, </a:t>
-            </a:r>
-          </a:p>
-          <a:p>
-            <a:r>
-              <a:rPr lang="en-US" altLang="ko-KR" dirty="0">
-                <a:solidFill>
-                  <a:schemeClr val="bg1">
-                    <a:lumMod val="95000"/>
-                  </a:schemeClr>
-                </a:solidFill>
-              </a:rPr>
-              <a:t>K = 0 // </a:t>
-            </a:r>
-            <a:r>
-              <a:rPr lang="ko-KR" altLang="en-US" dirty="0">
-                <a:solidFill>
-                  <a:schemeClr val="bg1">
-                    <a:lumMod val="95000"/>
-                  </a:schemeClr>
-                </a:solidFill>
-              </a:rPr>
-              <a:t>현재까지 사용하고 있던 동전</a:t>
-            </a:r>
-            <a:r>
-              <a:rPr lang="en-US" altLang="ko-KR" dirty="0" err="1">
-                <a:solidFill>
-                  <a:schemeClr val="bg1">
-                    <a:lumMod val="95000"/>
-                  </a:schemeClr>
-                </a:solidFill>
-              </a:rPr>
-              <a:t>idx</a:t>
-            </a:r>
-            <a:endParaRPr lang="en-US" altLang="ko-KR" dirty="0">
-              <a:solidFill>
-                <a:schemeClr val="bg1">
-                  <a:lumMod val="95000"/>
-                </a:schemeClr>
-              </a:solidFill>
-            </a:endParaRPr>
-          </a:p>
-          <a:p>
-            <a:r>
-              <a:rPr lang="en-US" altLang="ko-KR" dirty="0" err="1">
-                <a:solidFill>
-                  <a:schemeClr val="bg1">
-                    <a:lumMod val="95000"/>
-                  </a:schemeClr>
-                </a:solidFill>
-              </a:rPr>
-              <a:t>Total_cur</a:t>
-            </a:r>
-            <a:r>
-              <a:rPr lang="en-US" altLang="ko-KR" dirty="0">
-                <a:solidFill>
-                  <a:schemeClr val="bg1">
-                    <a:lumMod val="95000"/>
-                  </a:schemeClr>
-                </a:solidFill>
-              </a:rPr>
-              <a:t> = 5 // </a:t>
-            </a:r>
-            <a:r>
-              <a:rPr lang="ko-KR" altLang="en-US" dirty="0">
-                <a:solidFill>
-                  <a:schemeClr val="bg1">
-                    <a:lumMod val="95000"/>
-                  </a:schemeClr>
-                </a:solidFill>
-              </a:rPr>
-              <a:t>현재 합의 위치</a:t>
-            </a:r>
-            <a:endParaRPr lang="en-US" altLang="ko-KR" dirty="0">
-              <a:solidFill>
-                <a:schemeClr val="bg1">
-                  <a:lumMod val="95000"/>
-                </a:schemeClr>
-              </a:solidFill>
-            </a:endParaRPr>
-          </a:p>
-          <a:p>
-            <a:r>
-              <a:rPr lang="en-US" altLang="ko-KR" dirty="0">
-                <a:solidFill>
-                  <a:schemeClr val="bg1">
-                    <a:lumMod val="95000"/>
-                  </a:schemeClr>
-                </a:solidFill>
-              </a:rPr>
-              <a:t>If coin[k+1] &lt;= total[</a:t>
-            </a:r>
-            <a:r>
-              <a:rPr lang="en-US" altLang="ko-KR" dirty="0" err="1">
-                <a:solidFill>
-                  <a:schemeClr val="bg1">
-                    <a:lumMod val="95000"/>
-                  </a:schemeClr>
-                </a:solidFill>
-              </a:rPr>
-              <a:t>Total_cur</a:t>
-            </a:r>
-            <a:r>
-              <a:rPr lang="en-US" altLang="ko-KR" dirty="0">
-                <a:solidFill>
-                  <a:schemeClr val="bg1">
-                    <a:lumMod val="95000"/>
-                  </a:schemeClr>
-                </a:solidFill>
-              </a:rPr>
-              <a:t>]:</a:t>
-            </a:r>
-          </a:p>
-          <a:p>
-            <a:r>
-              <a:rPr lang="en-US" altLang="ko-KR" dirty="0">
-                <a:solidFill>
-                  <a:schemeClr val="bg1">
-                    <a:lumMod val="95000"/>
-                  </a:schemeClr>
-                </a:solidFill>
-              </a:rPr>
-              <a:t>	k += 1</a:t>
-            </a:r>
-          </a:p>
-          <a:p>
-            <a:r>
-              <a:rPr lang="en-US" altLang="ko-KR" dirty="0">
-                <a:solidFill>
-                  <a:schemeClr val="bg1">
-                    <a:lumMod val="95000"/>
-                  </a:schemeClr>
-                </a:solidFill>
-              </a:rPr>
-              <a:t>	</a:t>
-            </a:r>
-          </a:p>
-        </p:txBody>
-      </p:sp>
-      <p:sp>
-        <p:nvSpPr>
-          <p:cNvPr id="22" name="TextBox 21">
-            <a:extLst>
-              <a:ext uri="{FF2B5EF4-FFF2-40B4-BE49-F238E27FC236}">
-                <a16:creationId xmlns:a16="http://schemas.microsoft.com/office/drawing/2014/main" id="{C7AD19F1-3CE7-4FA1-91C0-02724BB3FFC1}"/>
-              </a:ext>
-            </a:extLst>
-          </p:cNvPr>
-          <p:cNvSpPr txBox="1"/>
-          <p:nvPr/>
-        </p:nvSpPr>
-        <p:spPr>
-          <a:xfrm>
-            <a:off x="4705354" y="331858"/>
-            <a:ext cx="2031995" cy="553998"/>
-          </a:xfrm>
-          <a:prstGeom prst="rect">
-            <a:avLst/>
-          </a:prstGeom>
-          <a:noFill/>
-        </p:spPr>
-        <p:txBody>
-          <a:bodyPr wrap="square" rtlCol="0">
-            <a:spAutoFit/>
-          </a:bodyPr>
-          <a:lstStyle/>
-          <a:p>
-            <a:r>
-              <a:rPr lang="en-US" altLang="ko-KR" sz="3000" dirty="0">
-                <a:solidFill>
-                  <a:schemeClr val="bg1">
-                    <a:lumMod val="95000"/>
-                  </a:schemeClr>
-                </a:solidFill>
-              </a:rPr>
-              <a:t>Total table</a:t>
-            </a:r>
-            <a:endParaRPr lang="ko-KR" altLang="en-US" sz="3000" dirty="0">
-              <a:solidFill>
-                <a:schemeClr val="bg1">
-                  <a:lumMod val="95000"/>
-                </a:schemeClr>
-              </a:solidFill>
-            </a:endParaRPr>
-          </a:p>
-        </p:txBody>
-      </p:sp>
-    </p:spTree>
-    <p:extLst>
-      <p:ext uri="{BB962C8B-B14F-4D97-AF65-F5344CB8AC3E}">
-        <p14:creationId xmlns:p14="http://schemas.microsoft.com/office/powerpoint/2010/main" val="1853266817"/>
-      </p:ext>
-    </p:extLst>
-  </p:cSld>
-  <p:clrMapOvr>
-    <a:masterClrMapping/>
-  </p:clrMapOvr>
-</p:sld>
-</file>
-
-<file path=ppt/slides/slide23.xml><?xml version="1.0" encoding="utf-8"?>
-<p:sld xmlns:a="http://schemas.openxmlformats.org/drawingml/2006/main" xmlns:r="http://schemas.openxmlformats.org/officeDocument/2006/relationships" xmlns:p="http://schemas.openxmlformats.org/presentationml/2006/main">
-  <p:cSld>
-    <p:bg>
-      <p:bgPr>
-        <a:solidFill>
-          <a:schemeClr val="tx2">
-            <a:lumMod val="50000"/>
-          </a:schemeClr>
-        </a:solidFill>
-        <a:effectLst/>
-      </p:bgPr>
-    </p:bg>
-    <p:spTree>
-      <p:nvGrpSpPr>
-        <p:cNvPr id="1" name=""/>
-        <p:cNvGrpSpPr/>
-        <p:nvPr/>
-      </p:nvGrpSpPr>
-      <p:grpSpPr>
-        <a:xfrm>
-          <a:off x="0" y="0"/>
-          <a:ext cx="0" cy="0"/>
-          <a:chOff x="0" y="0"/>
-          <a:chExt cx="0" cy="0"/>
-        </a:xfrm>
-      </p:grpSpPr>
-      <p:sp>
-        <p:nvSpPr>
-          <p:cNvPr id="12" name="TextBox 11">
-            <a:extLst>
-              <a:ext uri="{FF2B5EF4-FFF2-40B4-BE49-F238E27FC236}">
-                <a16:creationId xmlns:a16="http://schemas.microsoft.com/office/drawing/2014/main" id="{596AC5E1-B4AA-48E3-862A-9440B136518E}"/>
-              </a:ext>
-            </a:extLst>
-          </p:cNvPr>
-          <p:cNvSpPr txBox="1"/>
-          <p:nvPr/>
-        </p:nvSpPr>
-        <p:spPr>
-          <a:xfrm>
-            <a:off x="312820" y="312821"/>
-            <a:ext cx="6189580" cy="584775"/>
-          </a:xfrm>
-          <a:prstGeom prst="rect">
-            <a:avLst/>
-          </a:prstGeom>
-          <a:noFill/>
-        </p:spPr>
-        <p:txBody>
-          <a:bodyPr wrap="square" rtlCol="0">
-            <a:spAutoFit/>
-          </a:bodyPr>
-          <a:lstStyle/>
-          <a:p>
-            <a:r>
-              <a:rPr lang="ko-KR" altLang="en-US" sz="3200" dirty="0">
-                <a:solidFill>
-                  <a:schemeClr val="bg1"/>
-                </a:solidFill>
-              </a:rPr>
-              <a:t>● 연습 문제 </a:t>
-            </a:r>
-            <a:r>
-              <a:rPr lang="en-US" altLang="ko-KR" sz="3200" dirty="0" err="1">
-                <a:solidFill>
-                  <a:schemeClr val="bg1"/>
-                </a:solidFill>
-              </a:rPr>
-              <a:t>Boj</a:t>
-            </a:r>
-            <a:r>
-              <a:rPr lang="en-US" altLang="ko-KR" sz="3200" dirty="0">
-                <a:solidFill>
-                  <a:schemeClr val="bg1"/>
-                </a:solidFill>
-              </a:rPr>
-              <a:t> 11047 – </a:t>
-            </a:r>
-            <a:r>
-              <a:rPr lang="ko-KR" altLang="en-US" sz="3200" dirty="0">
-                <a:solidFill>
-                  <a:schemeClr val="bg1"/>
-                </a:solidFill>
-              </a:rPr>
-              <a:t>동전</a:t>
-            </a:r>
-            <a:r>
-              <a:rPr lang="en-US" altLang="ko-KR" sz="3200" dirty="0">
-                <a:solidFill>
-                  <a:schemeClr val="bg1"/>
-                </a:solidFill>
-              </a:rPr>
-              <a:t>0</a:t>
-            </a:r>
-            <a:endParaRPr lang="ko-KR" altLang="en-US" sz="3200" dirty="0">
-              <a:solidFill>
-                <a:schemeClr val="bg1"/>
-              </a:solidFill>
-            </a:endParaRPr>
-          </a:p>
-        </p:txBody>
-      </p:sp>
-      <p:sp>
-        <p:nvSpPr>
-          <p:cNvPr id="5" name="TextBox 4">
-            <a:extLst>
-              <a:ext uri="{FF2B5EF4-FFF2-40B4-BE49-F238E27FC236}">
-                <a16:creationId xmlns:a16="http://schemas.microsoft.com/office/drawing/2014/main" id="{8251E471-F9D0-4506-A27C-A56EF94BFF7D}"/>
-              </a:ext>
-            </a:extLst>
-          </p:cNvPr>
-          <p:cNvSpPr txBox="1"/>
-          <p:nvPr/>
-        </p:nvSpPr>
-        <p:spPr>
-          <a:xfrm>
-            <a:off x="767861" y="1214118"/>
-            <a:ext cx="10656277" cy="1938992"/>
-          </a:xfrm>
-          <a:prstGeom prst="rect">
-            <a:avLst/>
-          </a:prstGeom>
-          <a:noFill/>
-        </p:spPr>
-        <p:txBody>
-          <a:bodyPr wrap="square" rtlCol="0">
-            <a:spAutoFit/>
-          </a:bodyPr>
-          <a:lstStyle/>
-          <a:p>
-            <a:pPr marL="457200" indent="-457200">
-              <a:buFont typeface="Arial" panose="020B0604020202020204" pitchFamily="34" charset="0"/>
-              <a:buChar char="•"/>
-            </a:pPr>
-            <a:r>
-              <a:rPr lang="ko-KR" altLang="en-US" sz="2400" dirty="0">
-                <a:solidFill>
-                  <a:schemeClr val="bg1">
-                    <a:lumMod val="95000"/>
-                  </a:schemeClr>
-                </a:solidFill>
-              </a:rPr>
-              <a:t>이 문제는 시간제한만 없다면 </a:t>
-            </a:r>
-            <a:r>
-              <a:rPr lang="en-US" altLang="ko-KR" sz="2400" dirty="0">
-                <a:solidFill>
-                  <a:schemeClr val="bg1">
-                    <a:lumMod val="95000"/>
-                  </a:schemeClr>
-                </a:solidFill>
-              </a:rPr>
-              <a:t>DP</a:t>
-            </a:r>
-            <a:r>
-              <a:rPr lang="ko-KR" altLang="en-US" sz="2400" dirty="0">
-                <a:solidFill>
-                  <a:schemeClr val="bg1">
-                    <a:lumMod val="95000"/>
-                  </a:schemeClr>
-                </a:solidFill>
-              </a:rPr>
-              <a:t>로 풀 수 있는 문제입니다</a:t>
-            </a:r>
-            <a:r>
-              <a:rPr lang="en-US" altLang="ko-KR" sz="2400" dirty="0">
-                <a:solidFill>
-                  <a:schemeClr val="bg1">
-                    <a:lumMod val="95000"/>
-                  </a:schemeClr>
-                </a:solidFill>
-              </a:rPr>
-              <a:t>.</a:t>
-            </a:r>
-          </a:p>
-          <a:p>
-            <a:endParaRPr lang="en-US" altLang="ko-KR" sz="2400" dirty="0">
-              <a:solidFill>
-                <a:schemeClr val="bg1">
-                  <a:lumMod val="95000"/>
-                </a:schemeClr>
-              </a:solidFill>
-            </a:endParaRPr>
-          </a:p>
-          <a:p>
-            <a:pPr marL="457200" indent="-457200">
-              <a:buFont typeface="Arial" panose="020B0604020202020204" pitchFamily="34" charset="0"/>
-              <a:buChar char="•"/>
-            </a:pPr>
-            <a:r>
-              <a:rPr lang="ko-KR" altLang="en-US" sz="2400" dirty="0">
-                <a:solidFill>
-                  <a:schemeClr val="bg1">
-                    <a:lumMod val="95000"/>
-                  </a:schemeClr>
-                </a:solidFill>
-              </a:rPr>
-              <a:t>예 </a:t>
-            </a:r>
-            <a:r>
-              <a:rPr lang="en-US" altLang="ko-KR" sz="2400" dirty="0">
-                <a:solidFill>
-                  <a:schemeClr val="bg1">
-                    <a:lumMod val="95000"/>
-                  </a:schemeClr>
-                </a:solidFill>
-              </a:rPr>
-              <a:t>) </a:t>
-            </a:r>
-            <a:r>
-              <a:rPr lang="ko-KR" altLang="en-US" sz="2400" dirty="0">
-                <a:solidFill>
-                  <a:schemeClr val="bg1">
-                    <a:lumMod val="95000"/>
-                  </a:schemeClr>
-                </a:solidFill>
-              </a:rPr>
-              <a:t>동전이 </a:t>
-            </a:r>
-            <a:r>
-              <a:rPr lang="en-US" altLang="ko-KR" sz="2400" dirty="0">
-                <a:solidFill>
-                  <a:schemeClr val="bg1">
-                    <a:lumMod val="95000"/>
-                  </a:schemeClr>
-                </a:solidFill>
-              </a:rPr>
-              <a:t>1, 5</a:t>
-            </a:r>
-            <a:r>
-              <a:rPr lang="ko-KR" altLang="en-US" sz="2400" dirty="0">
-                <a:solidFill>
-                  <a:schemeClr val="bg1">
-                    <a:lumMod val="95000"/>
-                  </a:schemeClr>
-                </a:solidFill>
-              </a:rPr>
-              <a:t>원이 있고 합해서 </a:t>
-            </a:r>
-            <a:r>
-              <a:rPr lang="en-US" altLang="ko-KR" sz="2400" dirty="0">
-                <a:solidFill>
-                  <a:schemeClr val="bg1">
-                    <a:lumMod val="95000"/>
-                  </a:schemeClr>
-                </a:solidFill>
-              </a:rPr>
-              <a:t>6</a:t>
-            </a:r>
-            <a:r>
-              <a:rPr lang="ko-KR" altLang="en-US" sz="2400" dirty="0">
-                <a:solidFill>
-                  <a:schemeClr val="bg1">
-                    <a:lumMod val="95000"/>
-                  </a:schemeClr>
-                </a:solidFill>
-              </a:rPr>
-              <a:t>원이 되는 최소의 동전 개수를 맞춘다고 생각해봅시다</a:t>
-            </a:r>
-            <a:r>
-              <a:rPr lang="en-US" altLang="ko-KR" sz="2400" dirty="0">
-                <a:solidFill>
-                  <a:schemeClr val="bg1">
-                    <a:lumMod val="95000"/>
-                  </a:schemeClr>
-                </a:solidFill>
-              </a:rPr>
-              <a:t>. * Coin</a:t>
-            </a:r>
-            <a:r>
-              <a:rPr lang="ko-KR" altLang="en-US" sz="2400" dirty="0">
-                <a:solidFill>
-                  <a:schemeClr val="bg1">
-                    <a:lumMod val="95000"/>
-                  </a:schemeClr>
-                </a:solidFill>
-              </a:rPr>
-              <a:t>배열 </a:t>
-            </a:r>
-            <a:r>
-              <a:rPr lang="en-US" altLang="ko-KR" sz="2400" dirty="0">
-                <a:solidFill>
-                  <a:schemeClr val="bg1">
-                    <a:lumMod val="95000"/>
-                  </a:schemeClr>
-                </a:solidFill>
-              </a:rPr>
-              <a:t>= [1,5] </a:t>
-            </a:r>
-            <a:r>
-              <a:rPr lang="ko-KR" altLang="en-US" sz="2400" dirty="0">
-                <a:solidFill>
-                  <a:schemeClr val="bg1">
-                    <a:lumMod val="95000"/>
-                  </a:schemeClr>
-                </a:solidFill>
-              </a:rPr>
-              <a:t>을 별도로 놓고 생각하겠습니다</a:t>
-            </a:r>
-            <a:r>
-              <a:rPr lang="en-US" altLang="ko-KR" sz="2400" dirty="0">
-                <a:solidFill>
-                  <a:schemeClr val="bg1">
-                    <a:lumMod val="95000"/>
-                  </a:schemeClr>
-                </a:solidFill>
-              </a:rPr>
-              <a:t>.</a:t>
-            </a:r>
-          </a:p>
-          <a:p>
-            <a:endParaRPr lang="en-US" altLang="ko-KR" sz="2400" dirty="0">
-              <a:solidFill>
-                <a:schemeClr val="bg1">
-                  <a:lumMod val="95000"/>
-                </a:schemeClr>
-              </a:solidFill>
-            </a:endParaRPr>
-          </a:p>
-        </p:txBody>
-      </p:sp>
-      <p:graphicFrame>
-        <p:nvGraphicFramePr>
-          <p:cNvPr id="2" name="표 2">
-            <a:extLst>
-              <a:ext uri="{FF2B5EF4-FFF2-40B4-BE49-F238E27FC236}">
-                <a16:creationId xmlns:a16="http://schemas.microsoft.com/office/drawing/2014/main" id="{69628D52-A5D8-4EC4-9C1D-9B74BD3593F7}"/>
-              </a:ext>
-            </a:extLst>
-          </p:cNvPr>
-          <p:cNvGraphicFramePr>
-            <a:graphicFrameLocks noGrp="1"/>
-          </p:cNvGraphicFramePr>
-          <p:nvPr/>
-        </p:nvGraphicFramePr>
-        <p:xfrm>
-          <a:off x="784570" y="3501074"/>
-          <a:ext cx="10378725" cy="1477328"/>
-        </p:xfrm>
-        <a:graphic>
-          <a:graphicData uri="http://schemas.openxmlformats.org/drawingml/2006/table">
-            <a:tbl>
-              <a:tblPr firstRow="1" bandRow="1">
-                <a:tableStyleId>{5C22544A-7EE6-4342-B048-85BDC9FD1C3A}</a:tableStyleId>
-              </a:tblPr>
-              <a:tblGrid>
-                <a:gridCol w="1482675">
-                  <a:extLst>
-                    <a:ext uri="{9D8B030D-6E8A-4147-A177-3AD203B41FA5}">
-                      <a16:colId xmlns:a16="http://schemas.microsoft.com/office/drawing/2014/main" val="2920149521"/>
-                    </a:ext>
-                  </a:extLst>
-                </a:gridCol>
-                <a:gridCol w="1482675">
-                  <a:extLst>
-                    <a:ext uri="{9D8B030D-6E8A-4147-A177-3AD203B41FA5}">
-                      <a16:colId xmlns:a16="http://schemas.microsoft.com/office/drawing/2014/main" val="3969469004"/>
-                    </a:ext>
-                  </a:extLst>
-                </a:gridCol>
-                <a:gridCol w="1482675">
-                  <a:extLst>
-                    <a:ext uri="{9D8B030D-6E8A-4147-A177-3AD203B41FA5}">
-                      <a16:colId xmlns:a16="http://schemas.microsoft.com/office/drawing/2014/main" val="1276193095"/>
-                    </a:ext>
-                  </a:extLst>
-                </a:gridCol>
-                <a:gridCol w="1482675">
-                  <a:extLst>
-                    <a:ext uri="{9D8B030D-6E8A-4147-A177-3AD203B41FA5}">
-                      <a16:colId xmlns:a16="http://schemas.microsoft.com/office/drawing/2014/main" val="1142247615"/>
-                    </a:ext>
-                  </a:extLst>
-                </a:gridCol>
-                <a:gridCol w="1482675">
-                  <a:extLst>
-                    <a:ext uri="{9D8B030D-6E8A-4147-A177-3AD203B41FA5}">
-                      <a16:colId xmlns:a16="http://schemas.microsoft.com/office/drawing/2014/main" val="1217616046"/>
-                    </a:ext>
-                  </a:extLst>
-                </a:gridCol>
-                <a:gridCol w="1482675">
-                  <a:extLst>
-                    <a:ext uri="{9D8B030D-6E8A-4147-A177-3AD203B41FA5}">
-                      <a16:colId xmlns:a16="http://schemas.microsoft.com/office/drawing/2014/main" val="3892705632"/>
-                    </a:ext>
-                  </a:extLst>
-                </a:gridCol>
-                <a:gridCol w="1482675">
-                  <a:extLst>
-                    <a:ext uri="{9D8B030D-6E8A-4147-A177-3AD203B41FA5}">
-                      <a16:colId xmlns:a16="http://schemas.microsoft.com/office/drawing/2014/main" val="2161891839"/>
-                    </a:ext>
-                  </a:extLst>
-                </a:gridCol>
-              </a:tblGrid>
-              <a:tr h="738664">
-                <a:tc>
-                  <a:txBody>
-                    <a:bodyPr/>
-                    <a:lstStyle/>
-                    <a:p>
-                      <a:pPr algn="ctr" latinLnBrk="1"/>
-                      <a:r>
-                        <a:rPr lang="ko-KR" altLang="en-US" dirty="0"/>
-                        <a:t>합</a:t>
-                      </a:r>
-                    </a:p>
-                  </a:txBody>
-                  <a:tcPr anchor="ctr"/>
-                </a:tc>
-                <a:tc>
-                  <a:txBody>
-                    <a:bodyPr/>
-                    <a:lstStyle/>
-                    <a:p>
-                      <a:pPr algn="ctr" latinLnBrk="1"/>
-                      <a:r>
-                        <a:rPr lang="en-US" altLang="ko-KR" dirty="0"/>
-                        <a:t>1</a:t>
-                      </a:r>
-                      <a:endParaRPr lang="ko-KR" altLang="en-US" dirty="0"/>
-                    </a:p>
-                  </a:txBody>
-                  <a:tcPr anchor="ctr"/>
-                </a:tc>
-                <a:tc>
-                  <a:txBody>
-                    <a:bodyPr/>
-                    <a:lstStyle/>
-                    <a:p>
-                      <a:pPr algn="ctr" latinLnBrk="1"/>
-                      <a:r>
-                        <a:rPr lang="en-US" altLang="ko-KR" dirty="0"/>
-                        <a:t>2</a:t>
-                      </a:r>
-                      <a:endParaRPr lang="ko-KR" altLang="en-US" dirty="0"/>
-                    </a:p>
-                  </a:txBody>
-                  <a:tcPr anchor="ctr"/>
-                </a:tc>
-                <a:tc>
-                  <a:txBody>
-                    <a:bodyPr/>
-                    <a:lstStyle/>
-                    <a:p>
-                      <a:pPr algn="ctr" latinLnBrk="1"/>
-                      <a:r>
-                        <a:rPr lang="en-US" altLang="ko-KR" dirty="0"/>
-                        <a:t>3</a:t>
-                      </a:r>
-                      <a:endParaRPr lang="ko-KR" altLang="en-US" dirty="0"/>
-                    </a:p>
-                  </a:txBody>
-                  <a:tcPr anchor="ctr"/>
-                </a:tc>
-                <a:tc>
-                  <a:txBody>
-                    <a:bodyPr/>
-                    <a:lstStyle/>
-                    <a:p>
-                      <a:pPr algn="ctr" latinLnBrk="1"/>
-                      <a:r>
-                        <a:rPr lang="en-US" altLang="ko-KR" dirty="0"/>
-                        <a:t>4</a:t>
-                      </a:r>
-                      <a:endParaRPr lang="ko-KR" altLang="en-US" dirty="0"/>
-                    </a:p>
-                  </a:txBody>
-                  <a:tcPr anchor="ctr"/>
-                </a:tc>
-                <a:tc>
-                  <a:txBody>
-                    <a:bodyPr/>
-                    <a:lstStyle/>
-                    <a:p>
-                      <a:pPr algn="ctr" latinLnBrk="1"/>
-                      <a:r>
-                        <a:rPr lang="en-US" altLang="ko-KR" dirty="0"/>
-                        <a:t>5</a:t>
-                      </a:r>
-                      <a:endParaRPr lang="ko-KR" altLang="en-US" dirty="0"/>
-                    </a:p>
-                  </a:txBody>
-                  <a:tcPr anchor="ctr"/>
-                </a:tc>
-                <a:tc>
-                  <a:txBody>
-                    <a:bodyPr/>
-                    <a:lstStyle/>
-                    <a:p>
-                      <a:pPr algn="ctr" latinLnBrk="1"/>
-                      <a:r>
-                        <a:rPr lang="en-US" altLang="ko-KR" dirty="0"/>
-                        <a:t>6</a:t>
-                      </a:r>
-                      <a:endParaRPr lang="ko-KR" altLang="en-US" dirty="0"/>
-                    </a:p>
-                  </a:txBody>
-                  <a:tcPr anchor="ctr"/>
-                </a:tc>
-                <a:extLst>
-                  <a:ext uri="{0D108BD9-81ED-4DB2-BD59-A6C34878D82A}">
-                    <a16:rowId xmlns:a16="http://schemas.microsoft.com/office/drawing/2014/main" val="1925323140"/>
-                  </a:ext>
-                </a:extLst>
-              </a:tr>
-              <a:tr h="738664">
-                <a:tc>
-                  <a:txBody>
-                    <a:bodyPr/>
-                    <a:lstStyle/>
-                    <a:p>
-                      <a:pPr algn="ctr" latinLnBrk="1"/>
-                      <a:r>
-                        <a:rPr lang="ko-KR" altLang="en-US" dirty="0"/>
-                        <a:t>필요 최소 동전 개수</a:t>
-                      </a:r>
-                    </a:p>
-                  </a:txBody>
-                  <a:tcPr anchor="ctr"/>
-                </a:tc>
-                <a:tc>
-                  <a:txBody>
-                    <a:bodyPr/>
-                    <a:lstStyle/>
-                    <a:p>
-                      <a:pPr algn="ctr" latinLnBrk="1"/>
-                      <a:r>
-                        <a:rPr lang="en-US" altLang="ko-KR" dirty="0"/>
-                        <a:t>1</a:t>
-                      </a:r>
-                      <a:endParaRPr lang="ko-KR" altLang="en-US" dirty="0"/>
-                    </a:p>
-                  </a:txBody>
-                  <a:tcPr anchor="ctr"/>
-                </a:tc>
-                <a:tc>
-                  <a:txBody>
-                    <a:bodyPr/>
-                    <a:lstStyle/>
-                    <a:p>
-                      <a:pPr algn="ctr" latinLnBrk="1"/>
-                      <a:r>
-                        <a:rPr lang="en-US" altLang="ko-KR" dirty="0"/>
-                        <a:t>2</a:t>
-                      </a:r>
-                      <a:endParaRPr lang="ko-KR" altLang="en-US" dirty="0"/>
-                    </a:p>
-                  </a:txBody>
-                  <a:tcPr anchor="ctr"/>
-                </a:tc>
-                <a:tc>
-                  <a:txBody>
-                    <a:bodyPr/>
-                    <a:lstStyle/>
-                    <a:p>
-                      <a:pPr algn="ctr" latinLnBrk="1"/>
-                      <a:r>
-                        <a:rPr lang="en-US" altLang="ko-KR" dirty="0"/>
-                        <a:t>3</a:t>
-                      </a:r>
-                      <a:endParaRPr lang="ko-KR" altLang="en-US" dirty="0"/>
-                    </a:p>
-                  </a:txBody>
-                  <a:tcPr anchor="ctr"/>
-                </a:tc>
-                <a:tc>
-                  <a:txBody>
-                    <a:bodyPr/>
-                    <a:lstStyle/>
-                    <a:p>
-                      <a:pPr algn="ctr" latinLnBrk="1"/>
-                      <a:r>
-                        <a:rPr lang="en-US" altLang="ko-KR" dirty="0"/>
-                        <a:t>4</a:t>
-                      </a:r>
-                      <a:endParaRPr lang="ko-KR" altLang="en-US" dirty="0"/>
-                    </a:p>
-                  </a:txBody>
-                  <a:tcPr anchor="ctr"/>
-                </a:tc>
-                <a:tc>
-                  <a:txBody>
-                    <a:bodyPr/>
-                    <a:lstStyle/>
-                    <a:p>
-                      <a:pPr algn="ctr" latinLnBrk="1"/>
-                      <a:r>
-                        <a:rPr lang="en-US" altLang="ko-KR" dirty="0"/>
-                        <a:t>1</a:t>
-                      </a:r>
-                      <a:endParaRPr lang="ko-KR" altLang="en-US" dirty="0"/>
-                    </a:p>
-                  </a:txBody>
-                  <a:tcPr anchor="ctr"/>
-                </a:tc>
-                <a:tc>
-                  <a:txBody>
-                    <a:bodyPr/>
-                    <a:lstStyle/>
-                    <a:p>
-                      <a:pPr algn="ctr" latinLnBrk="1"/>
-                      <a:r>
-                        <a:rPr lang="en-US" altLang="ko-KR" dirty="0"/>
-                        <a:t>2</a:t>
-                      </a:r>
-                      <a:endParaRPr lang="ko-KR" altLang="en-US" dirty="0"/>
-                    </a:p>
-                  </a:txBody>
-                  <a:tcPr anchor="ctr"/>
-                </a:tc>
-                <a:extLst>
-                  <a:ext uri="{0D108BD9-81ED-4DB2-BD59-A6C34878D82A}">
-                    <a16:rowId xmlns:a16="http://schemas.microsoft.com/office/drawing/2014/main" val="2982812773"/>
-                  </a:ext>
-                </a:extLst>
-              </a:tr>
-            </a:tbl>
-          </a:graphicData>
-        </a:graphic>
-      </p:graphicFrame>
-      <p:sp>
-        <p:nvSpPr>
-          <p:cNvPr id="18" name="TextBox 17">
-            <a:extLst>
-              <a:ext uri="{FF2B5EF4-FFF2-40B4-BE49-F238E27FC236}">
-                <a16:creationId xmlns:a16="http://schemas.microsoft.com/office/drawing/2014/main" id="{400E1B42-C251-450D-A33B-F3DA49E22ED0}"/>
-              </a:ext>
-            </a:extLst>
-          </p:cNvPr>
-          <p:cNvSpPr txBox="1"/>
-          <p:nvPr/>
-        </p:nvSpPr>
-        <p:spPr>
-          <a:xfrm>
-            <a:off x="784570" y="5549900"/>
-            <a:ext cx="10378725" cy="1200329"/>
-          </a:xfrm>
-          <a:prstGeom prst="rect">
-            <a:avLst/>
-          </a:prstGeom>
-          <a:noFill/>
-        </p:spPr>
-        <p:txBody>
-          <a:bodyPr wrap="square" rtlCol="0">
-            <a:spAutoFit/>
-          </a:bodyPr>
-          <a:lstStyle/>
-          <a:p>
-            <a:pPr marL="285750" indent="-285750">
-              <a:buFont typeface="Arial" panose="020B0604020202020204" pitchFamily="34" charset="0"/>
-              <a:buChar char="•"/>
-            </a:pPr>
-            <a:r>
-              <a:rPr lang="ko-KR" altLang="en-US" dirty="0">
-                <a:solidFill>
-                  <a:schemeClr val="bg1">
-                    <a:lumMod val="95000"/>
-                  </a:schemeClr>
-                </a:solidFill>
-              </a:rPr>
-              <a:t>합 </a:t>
-            </a:r>
-            <a:r>
-              <a:rPr lang="en-US" altLang="ko-KR" dirty="0">
-                <a:solidFill>
-                  <a:schemeClr val="bg1">
-                    <a:lumMod val="95000"/>
-                  </a:schemeClr>
-                </a:solidFill>
-              </a:rPr>
-              <a:t>6</a:t>
-            </a:r>
-            <a:r>
-              <a:rPr lang="ko-KR" altLang="en-US" dirty="0">
-                <a:solidFill>
-                  <a:schemeClr val="bg1">
-                    <a:lumMod val="95000"/>
-                  </a:schemeClr>
-                </a:solidFill>
-              </a:rPr>
-              <a:t>의 필요 최소 동전 개수는 합 </a:t>
-            </a:r>
-            <a:r>
-              <a:rPr lang="en-US" altLang="ko-KR" dirty="0">
-                <a:solidFill>
-                  <a:schemeClr val="bg1">
-                    <a:lumMod val="95000"/>
-                  </a:schemeClr>
-                </a:solidFill>
-              </a:rPr>
-              <a:t>Min(Total[6 – coin[1 ~ 2]]) + 1</a:t>
-            </a:r>
-            <a:r>
-              <a:rPr lang="ko-KR" altLang="en-US" dirty="0">
-                <a:solidFill>
-                  <a:schemeClr val="bg1">
-                    <a:lumMod val="95000"/>
-                  </a:schemeClr>
-                </a:solidFill>
-              </a:rPr>
-              <a:t>이 됩니다</a:t>
-            </a:r>
-            <a:r>
-              <a:rPr lang="en-US" altLang="ko-KR" dirty="0">
-                <a:solidFill>
-                  <a:schemeClr val="bg1">
-                    <a:lumMod val="95000"/>
-                  </a:schemeClr>
-                </a:solidFill>
-              </a:rPr>
-              <a:t>. </a:t>
-            </a:r>
-            <a:r>
-              <a:rPr lang="ko-KR" altLang="en-US" dirty="0">
-                <a:solidFill>
-                  <a:schemeClr val="bg1">
-                    <a:lumMod val="95000"/>
-                  </a:schemeClr>
-                </a:solidFill>
-              </a:rPr>
-              <a:t>이 때</a:t>
-            </a:r>
-            <a:r>
-              <a:rPr lang="en-US" altLang="ko-KR" dirty="0">
-                <a:solidFill>
-                  <a:schemeClr val="bg1">
-                    <a:lumMod val="95000"/>
-                  </a:schemeClr>
-                </a:solidFill>
-              </a:rPr>
-              <a:t>, 6 - coin[0~1]</a:t>
-            </a:r>
-            <a:r>
-              <a:rPr lang="en-US" altLang="ko-KR" sz="1400" dirty="0">
-                <a:solidFill>
-                  <a:schemeClr val="bg1">
-                    <a:lumMod val="95000"/>
-                  </a:schemeClr>
-                </a:solidFill>
-              </a:rPr>
-              <a:t>(coin[0] = 1</a:t>
-            </a:r>
-            <a:r>
-              <a:rPr lang="ko-KR" altLang="en-US" sz="1400" dirty="0">
-                <a:solidFill>
-                  <a:schemeClr val="bg1">
-                    <a:lumMod val="95000"/>
-                  </a:schemeClr>
-                </a:solidFill>
-              </a:rPr>
-              <a:t>일 경우 </a:t>
-            </a:r>
-            <a:r>
-              <a:rPr lang="en-US" altLang="ko-KR" sz="1400" dirty="0">
-                <a:solidFill>
-                  <a:schemeClr val="bg1">
-                    <a:lumMod val="95000"/>
-                  </a:schemeClr>
-                </a:solidFill>
-              </a:rPr>
-              <a:t>5, coin[1] = 5</a:t>
-            </a:r>
-            <a:r>
-              <a:rPr lang="ko-KR" altLang="en-US" sz="1400" dirty="0">
-                <a:solidFill>
-                  <a:schemeClr val="bg1">
-                    <a:lumMod val="95000"/>
-                  </a:schemeClr>
-                </a:solidFill>
-              </a:rPr>
-              <a:t>일 경우 </a:t>
-            </a:r>
-            <a:r>
-              <a:rPr lang="en-US" altLang="ko-KR" sz="1400" dirty="0">
-                <a:solidFill>
-                  <a:schemeClr val="bg1">
-                    <a:lumMod val="95000"/>
-                  </a:schemeClr>
-                </a:solidFill>
-              </a:rPr>
-              <a:t>2)</a:t>
-            </a:r>
-            <a:r>
-              <a:rPr lang="en-US" altLang="ko-KR" dirty="0">
-                <a:solidFill>
-                  <a:schemeClr val="bg1">
-                    <a:lumMod val="95000"/>
-                  </a:schemeClr>
-                </a:solidFill>
-              </a:rPr>
-              <a:t> </a:t>
-            </a:r>
-            <a:r>
-              <a:rPr lang="ko-KR" altLang="en-US" dirty="0">
-                <a:solidFill>
-                  <a:schemeClr val="bg1">
-                    <a:lumMod val="95000"/>
-                  </a:schemeClr>
-                </a:solidFill>
-              </a:rPr>
-              <a:t>의 값은 당연히 </a:t>
-            </a:r>
-            <a:r>
-              <a:rPr lang="en-US" altLang="ko-KR" dirty="0">
-                <a:solidFill>
-                  <a:schemeClr val="bg1">
-                    <a:lumMod val="95000"/>
-                  </a:schemeClr>
-                </a:solidFill>
-              </a:rPr>
-              <a:t>index</a:t>
-            </a:r>
-            <a:r>
-              <a:rPr lang="ko-KR" altLang="en-US" dirty="0">
-                <a:solidFill>
-                  <a:schemeClr val="bg1">
-                    <a:lumMod val="95000"/>
-                  </a:schemeClr>
-                </a:solidFill>
-              </a:rPr>
-              <a:t>여야 하기 때문에 음수가 되면 안됩니다</a:t>
-            </a:r>
-            <a:r>
-              <a:rPr lang="en-US" altLang="ko-KR" dirty="0">
-                <a:solidFill>
-                  <a:schemeClr val="bg1">
-                    <a:lumMod val="95000"/>
-                  </a:schemeClr>
-                </a:solidFill>
-              </a:rPr>
-              <a:t>. </a:t>
-            </a:r>
-            <a:r>
-              <a:rPr lang="ko-KR" altLang="en-US" dirty="0">
-                <a:solidFill>
-                  <a:schemeClr val="bg1">
-                    <a:lumMod val="95000"/>
-                  </a:schemeClr>
-                </a:solidFill>
-              </a:rPr>
-              <a:t>고로 예외처리를 해 주셔야 합니다</a:t>
-            </a:r>
-            <a:r>
-              <a:rPr lang="en-US" altLang="ko-KR" dirty="0">
-                <a:solidFill>
-                  <a:schemeClr val="bg1">
-                    <a:lumMod val="95000"/>
-                  </a:schemeClr>
-                </a:solidFill>
-              </a:rPr>
-              <a:t>.</a:t>
-            </a:r>
-          </a:p>
-          <a:p>
-            <a:pPr marL="285750" indent="-285750">
-              <a:buFont typeface="Arial" panose="020B0604020202020204" pitchFamily="34" charset="0"/>
-              <a:buChar char="•"/>
-            </a:pPr>
-            <a:r>
-              <a:rPr lang="ko-KR" altLang="en-US" dirty="0">
-                <a:solidFill>
-                  <a:schemeClr val="bg1">
-                    <a:lumMod val="95000"/>
-                  </a:schemeClr>
-                </a:solidFill>
-              </a:rPr>
-              <a:t>초기값은 당연히 </a:t>
-            </a:r>
-            <a:r>
-              <a:rPr lang="en-US" altLang="ko-KR" dirty="0">
-                <a:solidFill>
-                  <a:schemeClr val="bg1">
-                    <a:lumMod val="95000"/>
-                  </a:schemeClr>
-                </a:solidFill>
-              </a:rPr>
-              <a:t>Total[0] = 0</a:t>
-            </a:r>
-            <a:r>
-              <a:rPr lang="ko-KR" altLang="en-US" dirty="0">
-                <a:solidFill>
-                  <a:schemeClr val="bg1">
-                    <a:lumMod val="95000"/>
-                  </a:schemeClr>
-                </a:solidFill>
-              </a:rPr>
-              <a:t>으로 설정해야 합니다</a:t>
-            </a:r>
-            <a:r>
-              <a:rPr lang="en-US" altLang="ko-KR" dirty="0">
-                <a:solidFill>
-                  <a:schemeClr val="bg1">
-                    <a:lumMod val="95000"/>
-                  </a:schemeClr>
-                </a:solidFill>
-              </a:rPr>
-              <a:t>. </a:t>
-            </a:r>
-            <a:endParaRPr lang="ko-KR" altLang="en-US" dirty="0"/>
-          </a:p>
-        </p:txBody>
-      </p:sp>
-      <p:cxnSp>
-        <p:nvCxnSpPr>
-          <p:cNvPr id="20" name="직선 화살표 연결선 19">
-            <a:extLst>
-              <a:ext uri="{FF2B5EF4-FFF2-40B4-BE49-F238E27FC236}">
-                <a16:creationId xmlns:a16="http://schemas.microsoft.com/office/drawing/2014/main" id="{89F3CAC7-B891-47AB-9C80-A19E4450E64B}"/>
-              </a:ext>
-            </a:extLst>
-          </p:cNvPr>
-          <p:cNvCxnSpPr>
-            <a:cxnSpLocks/>
-          </p:cNvCxnSpPr>
-          <p:nvPr/>
-        </p:nvCxnSpPr>
-        <p:spPr>
-          <a:xfrm flipH="1">
-            <a:off x="1905000" y="4978402"/>
-            <a:ext cx="8153400" cy="495298"/>
-          </a:xfrm>
-          <a:prstGeom prst="straightConnector1">
-            <a:avLst/>
-          </a:prstGeom>
-          <a:ln w="76200">
-            <a:tailEnd type="triangle"/>
-          </a:ln>
-        </p:spPr>
-        <p:style>
-          <a:lnRef idx="1">
-            <a:schemeClr val="accent2"/>
-          </a:lnRef>
-          <a:fillRef idx="0">
-            <a:schemeClr val="accent2"/>
-          </a:fillRef>
-          <a:effectRef idx="0">
-            <a:schemeClr val="accent2"/>
-          </a:effectRef>
-          <a:fontRef idx="minor">
-            <a:schemeClr val="tx1"/>
-          </a:fontRef>
-        </p:style>
-      </p:cxnSp>
-      <p:sp>
-        <p:nvSpPr>
-          <p:cNvPr id="22" name="TextBox 21">
-            <a:extLst>
-              <a:ext uri="{FF2B5EF4-FFF2-40B4-BE49-F238E27FC236}">
-                <a16:creationId xmlns:a16="http://schemas.microsoft.com/office/drawing/2014/main" id="{C7AD19F1-3CE7-4FA1-91C0-02724BB3FFC1}"/>
-              </a:ext>
-            </a:extLst>
-          </p:cNvPr>
-          <p:cNvSpPr txBox="1"/>
-          <p:nvPr/>
-        </p:nvSpPr>
-        <p:spPr>
-          <a:xfrm>
-            <a:off x="4705354" y="2870876"/>
-            <a:ext cx="2031995" cy="553998"/>
-          </a:xfrm>
-          <a:prstGeom prst="rect">
-            <a:avLst/>
-          </a:prstGeom>
-          <a:noFill/>
-        </p:spPr>
-        <p:txBody>
-          <a:bodyPr wrap="square" rtlCol="0">
-            <a:spAutoFit/>
-          </a:bodyPr>
-          <a:lstStyle/>
-          <a:p>
-            <a:r>
-              <a:rPr lang="en-US" altLang="ko-KR" sz="3000" dirty="0">
-                <a:solidFill>
-                  <a:schemeClr val="bg1">
-                    <a:lumMod val="95000"/>
-                  </a:schemeClr>
-                </a:solidFill>
-              </a:rPr>
-              <a:t>Total table</a:t>
-            </a:r>
-            <a:endParaRPr lang="ko-KR" altLang="en-US" sz="3000" dirty="0">
-              <a:solidFill>
-                <a:schemeClr val="bg1">
-                  <a:lumMod val="95000"/>
-                </a:schemeClr>
-              </a:solidFill>
-            </a:endParaRPr>
-          </a:p>
-        </p:txBody>
-      </p:sp>
-    </p:spTree>
-    <p:extLst>
-      <p:ext uri="{BB962C8B-B14F-4D97-AF65-F5344CB8AC3E}">
-        <p14:creationId xmlns:p14="http://schemas.microsoft.com/office/powerpoint/2010/main" val="3032337348"/>
-      </p:ext>
-    </p:extLst>
-  </p:cSld>
-  <p:clrMapOvr>
-    <a:masterClrMapping/>
-  </p:clrMapOvr>
-</p:sld>
-</file>
-
-<file path=ppt/slides/slide24.xml><?xml version="1.0" encoding="utf-8"?>
-<p:sld xmlns:a="http://schemas.openxmlformats.org/drawingml/2006/main" xmlns:r="http://schemas.openxmlformats.org/officeDocument/2006/relationships" xmlns:p="http://schemas.openxmlformats.org/presentationml/2006/main">
-  <p:cSld>
-    <p:bg>
-      <p:bgPr>
-        <a:solidFill>
-          <a:schemeClr val="tx2">
-            <a:lumMod val="50000"/>
-          </a:schemeClr>
-        </a:solidFill>
-        <a:effectLst/>
-      </p:bgPr>
-    </p:bg>
-    <p:spTree>
-      <p:nvGrpSpPr>
-        <p:cNvPr id="1" name=""/>
-        <p:cNvGrpSpPr/>
-        <p:nvPr/>
-      </p:nvGrpSpPr>
-      <p:grpSpPr>
-        <a:xfrm>
-          <a:off x="0" y="0"/>
-          <a:ext cx="0" cy="0"/>
-          <a:chOff x="0" y="0"/>
-          <a:chExt cx="0" cy="0"/>
-        </a:xfrm>
-      </p:grpSpPr>
-      <p:sp>
-        <p:nvSpPr>
-          <p:cNvPr id="12" name="TextBox 11">
-            <a:extLst>
-              <a:ext uri="{FF2B5EF4-FFF2-40B4-BE49-F238E27FC236}">
-                <a16:creationId xmlns:a16="http://schemas.microsoft.com/office/drawing/2014/main" id="{596AC5E1-B4AA-48E3-862A-9440B136518E}"/>
-              </a:ext>
-            </a:extLst>
-          </p:cNvPr>
-          <p:cNvSpPr txBox="1"/>
-          <p:nvPr/>
-        </p:nvSpPr>
-        <p:spPr>
-          <a:xfrm>
-            <a:off x="312820" y="312821"/>
-            <a:ext cx="6189580" cy="584775"/>
-          </a:xfrm>
-          <a:prstGeom prst="rect">
-            <a:avLst/>
-          </a:prstGeom>
-          <a:noFill/>
-        </p:spPr>
-        <p:txBody>
-          <a:bodyPr wrap="square" rtlCol="0">
-            <a:spAutoFit/>
-          </a:bodyPr>
-          <a:lstStyle/>
-          <a:p>
-            <a:r>
-              <a:rPr lang="ko-KR" altLang="en-US" sz="3200" dirty="0">
-                <a:solidFill>
-                  <a:schemeClr val="bg1"/>
-                </a:solidFill>
-              </a:rPr>
-              <a:t>● 연습 문제 </a:t>
-            </a:r>
-            <a:r>
-              <a:rPr lang="en-US" altLang="ko-KR" sz="3200" dirty="0" err="1">
-                <a:solidFill>
-                  <a:schemeClr val="bg1"/>
-                </a:solidFill>
-              </a:rPr>
-              <a:t>Boj</a:t>
-            </a:r>
-            <a:r>
-              <a:rPr lang="en-US" altLang="ko-KR" sz="3200" dirty="0">
-                <a:solidFill>
-                  <a:schemeClr val="bg1"/>
-                </a:solidFill>
-              </a:rPr>
-              <a:t> 11047 – </a:t>
-            </a:r>
-            <a:r>
-              <a:rPr lang="ko-KR" altLang="en-US" sz="3200" dirty="0">
-                <a:solidFill>
-                  <a:schemeClr val="bg1"/>
-                </a:solidFill>
-              </a:rPr>
-              <a:t>동전</a:t>
-            </a:r>
-            <a:r>
-              <a:rPr lang="en-US" altLang="ko-KR" sz="3200" dirty="0">
-                <a:solidFill>
-                  <a:schemeClr val="bg1"/>
-                </a:solidFill>
-              </a:rPr>
-              <a:t>0</a:t>
-            </a:r>
-            <a:endParaRPr lang="ko-KR" altLang="en-US" sz="3200" dirty="0">
-              <a:solidFill>
-                <a:schemeClr val="bg1"/>
-              </a:solidFill>
-            </a:endParaRPr>
-          </a:p>
-        </p:txBody>
-      </p:sp>
-      <p:sp>
-        <p:nvSpPr>
-          <p:cNvPr id="5" name="TextBox 4">
-            <a:extLst>
-              <a:ext uri="{FF2B5EF4-FFF2-40B4-BE49-F238E27FC236}">
-                <a16:creationId xmlns:a16="http://schemas.microsoft.com/office/drawing/2014/main" id="{8251E471-F9D0-4506-A27C-A56EF94BFF7D}"/>
-              </a:ext>
-            </a:extLst>
-          </p:cNvPr>
-          <p:cNvSpPr txBox="1"/>
-          <p:nvPr/>
-        </p:nvSpPr>
-        <p:spPr>
-          <a:xfrm>
-            <a:off x="767861" y="1214118"/>
-            <a:ext cx="10656277" cy="4708981"/>
-          </a:xfrm>
-          <a:prstGeom prst="rect">
-            <a:avLst/>
-          </a:prstGeom>
-          <a:noFill/>
-        </p:spPr>
-        <p:txBody>
-          <a:bodyPr wrap="square" rtlCol="0">
-            <a:spAutoFit/>
-          </a:bodyPr>
-          <a:lstStyle/>
-          <a:p>
-            <a:pPr marL="457200" indent="-457200">
-              <a:buFont typeface="Arial" panose="020B0604020202020204" pitchFamily="34" charset="0"/>
-              <a:buChar char="•"/>
-            </a:pPr>
-            <a:r>
-              <a:rPr lang="ko-KR" altLang="en-US" sz="3000" dirty="0">
-                <a:solidFill>
-                  <a:schemeClr val="bg1">
-                    <a:lumMod val="95000"/>
-                  </a:schemeClr>
-                </a:solidFill>
-              </a:rPr>
-              <a:t>그러나 이 문제는 </a:t>
-            </a:r>
-            <a:r>
-              <a:rPr lang="en-US" altLang="ko-KR" sz="3000" dirty="0">
-                <a:solidFill>
-                  <a:schemeClr val="bg1">
-                    <a:lumMod val="95000"/>
-                  </a:schemeClr>
-                </a:solidFill>
-              </a:rPr>
-              <a:t>O(NK)</a:t>
-            </a:r>
-            <a:r>
-              <a:rPr lang="ko-KR" altLang="en-US" sz="3000" dirty="0">
-                <a:solidFill>
-                  <a:schemeClr val="bg1">
-                    <a:lumMod val="95000"/>
-                  </a:schemeClr>
-                </a:solidFill>
-              </a:rPr>
-              <a:t>에 답을 구하게 되는데</a:t>
-            </a:r>
-            <a:r>
-              <a:rPr lang="en-US" altLang="ko-KR" sz="3000" dirty="0">
-                <a:solidFill>
-                  <a:schemeClr val="bg1">
-                    <a:lumMod val="95000"/>
-                  </a:schemeClr>
-                </a:solidFill>
-              </a:rPr>
-              <a:t>, K</a:t>
-            </a:r>
-            <a:r>
-              <a:rPr lang="ko-KR" altLang="en-US" sz="3000" dirty="0">
-                <a:solidFill>
-                  <a:schemeClr val="bg1">
-                    <a:lumMod val="95000"/>
-                  </a:schemeClr>
-                </a:solidFill>
-              </a:rPr>
-              <a:t>가 최대 </a:t>
-            </a:r>
-            <a:r>
-              <a:rPr lang="en-US" altLang="ko-KR" sz="3000" dirty="0">
-                <a:solidFill>
-                  <a:schemeClr val="bg1">
-                    <a:lumMod val="95000"/>
-                  </a:schemeClr>
-                </a:solidFill>
-              </a:rPr>
-              <a:t>1</a:t>
-            </a:r>
-            <a:r>
-              <a:rPr lang="ko-KR" altLang="en-US" sz="3000" dirty="0">
-                <a:solidFill>
-                  <a:schemeClr val="bg1">
-                    <a:lumMod val="95000"/>
-                  </a:schemeClr>
-                </a:solidFill>
-              </a:rPr>
-              <a:t>억</a:t>
-            </a:r>
-            <a:r>
-              <a:rPr lang="en-US" altLang="ko-KR" sz="3000" dirty="0">
-                <a:solidFill>
-                  <a:schemeClr val="bg1">
-                    <a:lumMod val="95000"/>
-                  </a:schemeClr>
-                </a:solidFill>
-              </a:rPr>
-              <a:t>, N</a:t>
-            </a:r>
-            <a:r>
-              <a:rPr lang="ko-KR" altLang="en-US" sz="3000" dirty="0">
-                <a:solidFill>
-                  <a:schemeClr val="bg1">
-                    <a:lumMod val="95000"/>
-                  </a:schemeClr>
-                </a:solidFill>
-              </a:rPr>
-              <a:t>이 최대 </a:t>
-            </a:r>
-            <a:r>
-              <a:rPr lang="en-US" altLang="ko-KR" sz="3000" dirty="0">
-                <a:solidFill>
-                  <a:schemeClr val="bg1">
-                    <a:lumMod val="95000"/>
-                  </a:schemeClr>
-                </a:solidFill>
-              </a:rPr>
-              <a:t>10</a:t>
-            </a:r>
-            <a:r>
-              <a:rPr lang="ko-KR" altLang="en-US" sz="3000" dirty="0">
-                <a:solidFill>
-                  <a:schemeClr val="bg1">
-                    <a:lumMod val="95000"/>
-                  </a:schemeClr>
-                </a:solidFill>
-              </a:rPr>
-              <a:t>이어서 </a:t>
-            </a:r>
-            <a:r>
-              <a:rPr lang="en-US" altLang="ko-KR" sz="3000" dirty="0">
-                <a:solidFill>
-                  <a:schemeClr val="bg1">
-                    <a:lumMod val="95000"/>
-                  </a:schemeClr>
-                </a:solidFill>
-              </a:rPr>
-              <a:t>O(NK)</a:t>
-            </a:r>
-            <a:r>
-              <a:rPr lang="ko-KR" altLang="en-US" sz="3000" dirty="0">
-                <a:solidFill>
-                  <a:schemeClr val="bg1">
-                    <a:lumMod val="95000"/>
-                  </a:schemeClr>
-                </a:solidFill>
-              </a:rPr>
-              <a:t>는 시간초과가 발생합니다</a:t>
-            </a:r>
-            <a:r>
-              <a:rPr lang="en-US" altLang="ko-KR" sz="3000" dirty="0">
-                <a:solidFill>
-                  <a:schemeClr val="bg1">
-                    <a:lumMod val="95000"/>
-                  </a:schemeClr>
-                </a:solidFill>
-              </a:rPr>
-              <a:t>.</a:t>
-            </a:r>
-          </a:p>
-          <a:p>
-            <a:pPr marL="457200" indent="-457200">
-              <a:buFont typeface="Arial" panose="020B0604020202020204" pitchFamily="34" charset="0"/>
-              <a:buChar char="•"/>
-            </a:pPr>
-            <a:endParaRPr lang="en-US" altLang="ko-KR" sz="3000" dirty="0">
-              <a:solidFill>
-                <a:schemeClr val="bg1">
-                  <a:lumMod val="95000"/>
-                </a:schemeClr>
-              </a:solidFill>
-            </a:endParaRPr>
-          </a:p>
-          <a:p>
-            <a:pPr marL="457200" indent="-457200">
-              <a:buFont typeface="Arial" panose="020B0604020202020204" pitchFamily="34" charset="0"/>
-              <a:buChar char="•"/>
-            </a:pPr>
-            <a:r>
-              <a:rPr lang="ko-KR" altLang="en-US" sz="3000" dirty="0">
-                <a:solidFill>
-                  <a:schemeClr val="bg1">
-                    <a:lumMod val="95000"/>
-                  </a:schemeClr>
-                </a:solidFill>
-              </a:rPr>
-              <a:t>대신 이 문제는 </a:t>
-            </a:r>
-            <a:r>
-              <a:rPr lang="ko-KR" altLang="en-US" sz="3000" dirty="0" err="1">
-                <a:solidFill>
-                  <a:schemeClr val="bg1">
-                    <a:lumMod val="95000"/>
-                  </a:schemeClr>
-                </a:solidFill>
-              </a:rPr>
-              <a:t>그리디로</a:t>
-            </a:r>
-            <a:r>
-              <a:rPr lang="ko-KR" altLang="en-US" sz="3000" dirty="0">
-                <a:solidFill>
-                  <a:schemeClr val="bg1">
-                    <a:lumMod val="95000"/>
-                  </a:schemeClr>
-                </a:solidFill>
-              </a:rPr>
-              <a:t> 풀 수 있는 문제입니다</a:t>
-            </a:r>
-            <a:r>
-              <a:rPr lang="en-US" altLang="ko-KR" sz="3000" dirty="0">
-                <a:solidFill>
-                  <a:schemeClr val="bg1">
-                    <a:lumMod val="95000"/>
-                  </a:schemeClr>
-                </a:solidFill>
-              </a:rPr>
-              <a:t>. </a:t>
-            </a:r>
-            <a:r>
-              <a:rPr lang="ko-KR" altLang="en-US" sz="3000" dirty="0">
-                <a:solidFill>
-                  <a:schemeClr val="bg1">
-                    <a:lumMod val="95000"/>
-                  </a:schemeClr>
-                </a:solidFill>
-              </a:rPr>
-              <a:t>상황을 단순하게 만들어 그냥 단순히 </a:t>
-            </a:r>
-            <a:r>
-              <a:rPr lang="en-US" altLang="ko-KR" sz="3000" dirty="0">
-                <a:solidFill>
-                  <a:schemeClr val="bg1">
-                    <a:lumMod val="95000"/>
-                  </a:schemeClr>
-                </a:solidFill>
-              </a:rPr>
-              <a:t>10, 50, 100, 500</a:t>
-            </a:r>
-            <a:r>
-              <a:rPr lang="ko-KR" altLang="en-US" sz="3000" dirty="0">
-                <a:solidFill>
-                  <a:schemeClr val="bg1">
-                    <a:lumMod val="95000"/>
-                  </a:schemeClr>
-                </a:solidFill>
-              </a:rPr>
-              <a:t>원 동전으로 물건값을 지불하는 상황을 생각합니다</a:t>
-            </a:r>
-            <a:r>
-              <a:rPr lang="en-US" altLang="ko-KR" sz="3000" dirty="0">
-                <a:solidFill>
-                  <a:schemeClr val="bg1">
-                    <a:lumMod val="95000"/>
-                  </a:schemeClr>
-                </a:solidFill>
-              </a:rPr>
-              <a:t>.</a:t>
-            </a:r>
-          </a:p>
-          <a:p>
-            <a:pPr marL="457200" indent="-457200">
-              <a:buFont typeface="Arial" panose="020B0604020202020204" pitchFamily="34" charset="0"/>
-              <a:buChar char="•"/>
-            </a:pPr>
-            <a:endParaRPr lang="en-US" altLang="ko-KR" sz="3000" dirty="0">
-              <a:solidFill>
-                <a:schemeClr val="bg1">
-                  <a:lumMod val="95000"/>
-                </a:schemeClr>
-              </a:solidFill>
-            </a:endParaRPr>
-          </a:p>
-          <a:p>
-            <a:pPr marL="457200" indent="-457200">
-              <a:buFont typeface="Arial" panose="020B0604020202020204" pitchFamily="34" charset="0"/>
-              <a:buChar char="•"/>
-            </a:pPr>
-            <a:r>
-              <a:rPr lang="ko-KR" altLang="en-US" sz="3000" dirty="0">
-                <a:solidFill>
-                  <a:schemeClr val="bg1">
-                    <a:lumMod val="95000"/>
-                  </a:schemeClr>
-                </a:solidFill>
-              </a:rPr>
-              <a:t>직관적으로는 </a:t>
-            </a:r>
-            <a:r>
-              <a:rPr lang="en-US" altLang="ko-KR" sz="3000" dirty="0">
-                <a:solidFill>
-                  <a:schemeClr val="bg1">
-                    <a:lumMod val="95000"/>
-                  </a:schemeClr>
-                </a:solidFill>
-              </a:rPr>
-              <a:t>500</a:t>
-            </a:r>
-            <a:r>
-              <a:rPr lang="ko-KR" altLang="en-US" sz="3000" dirty="0">
-                <a:solidFill>
-                  <a:schemeClr val="bg1">
-                    <a:lumMod val="95000"/>
-                  </a:schemeClr>
-                </a:solidFill>
-              </a:rPr>
-              <a:t>원 동전을 최대한 많이 쓰고</a:t>
-            </a:r>
-            <a:r>
-              <a:rPr lang="en-US" altLang="ko-KR" sz="3000" dirty="0">
-                <a:solidFill>
-                  <a:schemeClr val="bg1">
-                    <a:lumMod val="95000"/>
-                  </a:schemeClr>
-                </a:solidFill>
-              </a:rPr>
-              <a:t>, 100</a:t>
-            </a:r>
-            <a:r>
-              <a:rPr lang="ko-KR" altLang="en-US" sz="3000" dirty="0">
-                <a:solidFill>
-                  <a:schemeClr val="bg1">
-                    <a:lumMod val="95000"/>
-                  </a:schemeClr>
-                </a:solidFill>
-              </a:rPr>
-              <a:t>원 동전을 그 다음으로 </a:t>
-            </a:r>
-            <a:r>
-              <a:rPr lang="ko-KR" altLang="en-US" sz="3000" dirty="0" err="1">
-                <a:solidFill>
-                  <a:schemeClr val="bg1">
-                    <a:lumMod val="95000"/>
-                  </a:schemeClr>
-                </a:solidFill>
-              </a:rPr>
-              <a:t>많이쓰고</a:t>
-            </a:r>
-            <a:r>
-              <a:rPr lang="ko-KR" altLang="en-US" sz="3000" dirty="0">
-                <a:solidFill>
-                  <a:schemeClr val="bg1">
-                    <a:lumMod val="95000"/>
-                  </a:schemeClr>
-                </a:solidFill>
-              </a:rPr>
-              <a:t> </a:t>
-            </a:r>
-            <a:r>
-              <a:rPr lang="en-US" altLang="ko-KR" sz="3000" dirty="0">
-                <a:solidFill>
-                  <a:schemeClr val="bg1">
-                    <a:lumMod val="95000"/>
-                  </a:schemeClr>
-                </a:solidFill>
-              </a:rPr>
-              <a:t>… </a:t>
-            </a:r>
-            <a:r>
-              <a:rPr lang="ko-KR" altLang="en-US" sz="3000" dirty="0">
-                <a:solidFill>
-                  <a:schemeClr val="bg1">
-                    <a:lumMod val="95000"/>
-                  </a:schemeClr>
-                </a:solidFill>
-              </a:rPr>
-              <a:t>이런 방식으로 </a:t>
-            </a:r>
-            <a:r>
-              <a:rPr lang="ko-KR" altLang="en-US" sz="3000" dirty="0" err="1">
-                <a:solidFill>
-                  <a:schemeClr val="bg1">
-                    <a:lumMod val="95000"/>
-                  </a:schemeClr>
-                </a:solidFill>
-              </a:rPr>
-              <a:t>진행하는게</a:t>
-            </a:r>
-            <a:r>
-              <a:rPr lang="ko-KR" altLang="en-US" sz="3000" dirty="0">
-                <a:solidFill>
-                  <a:schemeClr val="bg1">
-                    <a:lumMod val="95000"/>
-                  </a:schemeClr>
-                </a:solidFill>
-              </a:rPr>
-              <a:t> </a:t>
-            </a:r>
-            <a:r>
-              <a:rPr lang="ko-KR" altLang="en-US" sz="3000" dirty="0" err="1">
-                <a:solidFill>
-                  <a:schemeClr val="bg1">
-                    <a:lumMod val="95000"/>
-                  </a:schemeClr>
-                </a:solidFill>
-              </a:rPr>
-              <a:t>좋아보입니다</a:t>
-            </a:r>
-            <a:r>
-              <a:rPr lang="en-US" altLang="ko-KR" sz="3000" dirty="0">
-                <a:solidFill>
-                  <a:schemeClr val="bg1">
-                    <a:lumMod val="95000"/>
-                  </a:schemeClr>
-                </a:solidFill>
-              </a:rPr>
-              <a:t>. </a:t>
-            </a:r>
-            <a:endParaRPr lang="ko-KR" altLang="en-US" sz="3000" dirty="0">
-              <a:solidFill>
-                <a:schemeClr val="bg1">
-                  <a:lumMod val="95000"/>
-                </a:schemeClr>
-              </a:solidFill>
-            </a:endParaRPr>
-          </a:p>
-        </p:txBody>
-      </p:sp>
-    </p:spTree>
-    <p:extLst>
-      <p:ext uri="{BB962C8B-B14F-4D97-AF65-F5344CB8AC3E}">
-        <p14:creationId xmlns:p14="http://schemas.microsoft.com/office/powerpoint/2010/main" val="895755818"/>
-      </p:ext>
-    </p:extLst>
-  </p:cSld>
-  <p:clrMapOvr>
-    <a:masterClrMapping/>
-  </p:clrMapOvr>
-</p:sld>
-</file>
-
-<file path=ppt/slides/slide25.xml><?xml version="1.0" encoding="utf-8"?>
-<p:sld xmlns:a="http://schemas.openxmlformats.org/drawingml/2006/main" xmlns:r="http://schemas.openxmlformats.org/officeDocument/2006/relationships" xmlns:p="http://schemas.openxmlformats.org/presentationml/2006/main">
-  <p:cSld>
-    <p:bg>
-      <p:bgPr>
-        <a:solidFill>
-          <a:schemeClr val="tx2">
-            <a:lumMod val="50000"/>
-          </a:schemeClr>
-        </a:solidFill>
-        <a:effectLst/>
-      </p:bgPr>
-    </p:bg>
-    <p:spTree>
-      <p:nvGrpSpPr>
-        <p:cNvPr id="1" name=""/>
-        <p:cNvGrpSpPr/>
-        <p:nvPr/>
-      </p:nvGrpSpPr>
-      <p:grpSpPr>
-        <a:xfrm>
-          <a:off x="0" y="0"/>
-          <a:ext cx="0" cy="0"/>
-          <a:chOff x="0" y="0"/>
-          <a:chExt cx="0" cy="0"/>
-        </a:xfrm>
-      </p:grpSpPr>
-      <p:sp>
-        <p:nvSpPr>
-          <p:cNvPr id="12" name="TextBox 11">
-            <a:extLst>
-              <a:ext uri="{FF2B5EF4-FFF2-40B4-BE49-F238E27FC236}">
-                <a16:creationId xmlns:a16="http://schemas.microsoft.com/office/drawing/2014/main" id="{596AC5E1-B4AA-48E3-862A-9440B136518E}"/>
-              </a:ext>
-            </a:extLst>
-          </p:cNvPr>
-          <p:cNvSpPr txBox="1"/>
-          <p:nvPr/>
-        </p:nvSpPr>
-        <p:spPr>
-          <a:xfrm>
-            <a:off x="312820" y="312821"/>
-            <a:ext cx="6189580" cy="584775"/>
-          </a:xfrm>
-          <a:prstGeom prst="rect">
-            <a:avLst/>
-          </a:prstGeom>
-          <a:noFill/>
-        </p:spPr>
-        <p:txBody>
-          <a:bodyPr wrap="square" rtlCol="0">
-            <a:spAutoFit/>
-          </a:bodyPr>
-          <a:lstStyle/>
-          <a:p>
-            <a:r>
-              <a:rPr lang="ko-KR" altLang="en-US" sz="3200" dirty="0">
-                <a:solidFill>
-                  <a:schemeClr val="bg1"/>
-                </a:solidFill>
-              </a:rPr>
-              <a:t>● 연습 문제 </a:t>
-            </a:r>
-            <a:r>
-              <a:rPr lang="en-US" altLang="ko-KR" sz="3200" dirty="0" err="1">
-                <a:solidFill>
-                  <a:schemeClr val="bg1"/>
-                </a:solidFill>
-              </a:rPr>
-              <a:t>Boj</a:t>
-            </a:r>
-            <a:r>
-              <a:rPr lang="en-US" altLang="ko-KR" sz="3200" dirty="0">
-                <a:solidFill>
-                  <a:schemeClr val="bg1"/>
-                </a:solidFill>
-              </a:rPr>
-              <a:t> 11047 – </a:t>
-            </a:r>
-            <a:r>
-              <a:rPr lang="ko-KR" altLang="en-US" sz="3200" dirty="0">
-                <a:solidFill>
-                  <a:schemeClr val="bg1"/>
-                </a:solidFill>
-              </a:rPr>
-              <a:t>동전</a:t>
-            </a:r>
-            <a:r>
-              <a:rPr lang="en-US" altLang="ko-KR" sz="3200" dirty="0">
-                <a:solidFill>
-                  <a:schemeClr val="bg1"/>
-                </a:solidFill>
-              </a:rPr>
-              <a:t>0</a:t>
-            </a:r>
-            <a:endParaRPr lang="ko-KR" altLang="en-US" sz="3200" dirty="0">
-              <a:solidFill>
-                <a:schemeClr val="bg1"/>
-              </a:solidFill>
-            </a:endParaRPr>
-          </a:p>
-        </p:txBody>
-      </p:sp>
-      <p:sp>
-        <p:nvSpPr>
-          <p:cNvPr id="5" name="TextBox 4">
-            <a:extLst>
-              <a:ext uri="{FF2B5EF4-FFF2-40B4-BE49-F238E27FC236}">
-                <a16:creationId xmlns:a16="http://schemas.microsoft.com/office/drawing/2014/main" id="{8251E471-F9D0-4506-A27C-A56EF94BFF7D}"/>
-              </a:ext>
-            </a:extLst>
-          </p:cNvPr>
-          <p:cNvSpPr txBox="1"/>
-          <p:nvPr/>
-        </p:nvSpPr>
-        <p:spPr>
-          <a:xfrm>
-            <a:off x="767861" y="1214118"/>
-            <a:ext cx="10656277" cy="3785652"/>
-          </a:xfrm>
-          <a:prstGeom prst="rect">
-            <a:avLst/>
-          </a:prstGeom>
-          <a:noFill/>
-        </p:spPr>
-        <p:txBody>
-          <a:bodyPr wrap="square" rtlCol="0">
-            <a:spAutoFit/>
-          </a:bodyPr>
-          <a:lstStyle/>
-          <a:p>
-            <a:pPr marL="457200" indent="-457200">
-              <a:buFont typeface="Arial" panose="020B0604020202020204" pitchFamily="34" charset="0"/>
-              <a:buChar char="•"/>
-            </a:pPr>
-            <a:r>
-              <a:rPr lang="ko-KR" altLang="en-US" sz="3000" dirty="0">
-                <a:solidFill>
-                  <a:schemeClr val="bg1">
-                    <a:lumMod val="95000"/>
-                  </a:schemeClr>
-                </a:solidFill>
-              </a:rPr>
-              <a:t>하지만</a:t>
-            </a:r>
-            <a:r>
-              <a:rPr lang="en-US" altLang="ko-KR" sz="3000" dirty="0">
-                <a:solidFill>
-                  <a:schemeClr val="bg1">
-                    <a:lumMod val="95000"/>
-                  </a:schemeClr>
-                </a:solidFill>
-              </a:rPr>
-              <a:t>, </a:t>
-            </a:r>
-            <a:r>
-              <a:rPr lang="ko-KR" altLang="en-US" sz="3000" dirty="0">
-                <a:solidFill>
-                  <a:schemeClr val="bg1">
-                    <a:lumMod val="95000"/>
-                  </a:schemeClr>
-                </a:solidFill>
-              </a:rPr>
-              <a:t>직관적으로 맞는 것 </a:t>
-            </a:r>
-            <a:r>
-              <a:rPr lang="ko-KR" altLang="en-US" sz="3000" dirty="0" err="1">
-                <a:solidFill>
-                  <a:schemeClr val="bg1">
-                    <a:lumMod val="95000"/>
-                  </a:schemeClr>
-                </a:solidFill>
-              </a:rPr>
-              <a:t>같다와</a:t>
-            </a:r>
-            <a:r>
-              <a:rPr lang="ko-KR" altLang="en-US" sz="3000" dirty="0">
-                <a:solidFill>
-                  <a:schemeClr val="bg1">
-                    <a:lumMod val="95000"/>
-                  </a:schemeClr>
-                </a:solidFill>
-              </a:rPr>
-              <a:t> 수학적으로 올바르다는 정말 큰 차이가 있습니다</a:t>
-            </a:r>
-            <a:r>
-              <a:rPr lang="en-US" altLang="ko-KR" sz="3000" dirty="0">
-                <a:solidFill>
-                  <a:schemeClr val="bg1">
-                    <a:lumMod val="95000"/>
-                  </a:schemeClr>
-                </a:solidFill>
-              </a:rPr>
-              <a:t>. </a:t>
-            </a:r>
-            <a:r>
-              <a:rPr lang="ko-KR" altLang="en-US" sz="3000" dirty="0">
-                <a:solidFill>
-                  <a:schemeClr val="bg1">
-                    <a:lumMod val="95000"/>
-                  </a:schemeClr>
-                </a:solidFill>
-              </a:rPr>
-              <a:t>물론 증명을 꼭 하지 않고서도 바로 구현해서 통과할 수 있고</a:t>
-            </a:r>
-            <a:r>
-              <a:rPr lang="en-US" altLang="ko-KR" sz="3000" dirty="0">
-                <a:solidFill>
-                  <a:schemeClr val="bg1">
-                    <a:lumMod val="95000"/>
-                  </a:schemeClr>
-                </a:solidFill>
-              </a:rPr>
-              <a:t>, </a:t>
-            </a:r>
-            <a:r>
-              <a:rPr lang="ko-KR" altLang="en-US" sz="3000" dirty="0">
-                <a:solidFill>
-                  <a:schemeClr val="bg1">
-                    <a:lumMod val="95000"/>
-                  </a:schemeClr>
-                </a:solidFill>
-              </a:rPr>
-              <a:t>코딩테스트에서 실제 증명을 하진 않지만</a:t>
-            </a:r>
-            <a:r>
-              <a:rPr lang="en-US" altLang="ko-KR" sz="3000" dirty="0">
-                <a:solidFill>
-                  <a:schemeClr val="bg1">
-                    <a:lumMod val="95000"/>
-                  </a:schemeClr>
-                </a:solidFill>
-              </a:rPr>
-              <a:t>, </a:t>
-            </a:r>
-            <a:r>
-              <a:rPr lang="ko-KR" altLang="en-US" sz="3000" dirty="0">
-                <a:solidFill>
-                  <a:schemeClr val="bg1">
-                    <a:lumMod val="95000"/>
-                  </a:schemeClr>
-                </a:solidFill>
-              </a:rPr>
-              <a:t>평소 증명의 연습을 조금 </a:t>
-            </a:r>
-            <a:r>
-              <a:rPr lang="ko-KR" altLang="en-US" sz="3000" dirty="0" err="1">
-                <a:solidFill>
-                  <a:schemeClr val="bg1">
-                    <a:lumMod val="95000"/>
-                  </a:schemeClr>
-                </a:solidFill>
-              </a:rPr>
-              <a:t>해두면</a:t>
-            </a:r>
-            <a:r>
-              <a:rPr lang="ko-KR" altLang="en-US" sz="3000" dirty="0">
-                <a:solidFill>
-                  <a:schemeClr val="bg1">
-                    <a:lumMod val="95000"/>
-                  </a:schemeClr>
-                </a:solidFill>
-              </a:rPr>
-              <a:t> 시간에 </a:t>
-            </a:r>
-            <a:r>
-              <a:rPr lang="ko-KR" altLang="en-US" sz="3000" dirty="0" err="1">
-                <a:solidFill>
-                  <a:schemeClr val="bg1">
-                    <a:lumMod val="95000"/>
-                  </a:schemeClr>
-                </a:solidFill>
-              </a:rPr>
-              <a:t>쫒기면서</a:t>
-            </a:r>
-            <a:r>
-              <a:rPr lang="ko-KR" altLang="en-US" sz="3000" dirty="0">
-                <a:solidFill>
-                  <a:schemeClr val="bg1">
-                    <a:lumMod val="95000"/>
-                  </a:schemeClr>
-                </a:solidFill>
-              </a:rPr>
-              <a:t> 하는 코딩테스트에서는 </a:t>
-            </a:r>
-            <a:r>
-              <a:rPr lang="ko-KR" altLang="en-US" sz="3000" dirty="0" err="1">
-                <a:solidFill>
-                  <a:schemeClr val="bg1">
-                    <a:lumMod val="95000"/>
-                  </a:schemeClr>
-                </a:solidFill>
-              </a:rPr>
-              <a:t>그리디</a:t>
-            </a:r>
-            <a:r>
-              <a:rPr lang="ko-KR" altLang="en-US" sz="3000" dirty="0">
-                <a:solidFill>
-                  <a:schemeClr val="bg1">
-                    <a:lumMod val="95000"/>
-                  </a:schemeClr>
-                </a:solidFill>
-              </a:rPr>
-              <a:t> 풀이를 떠올렸을 때 그 풀이가 </a:t>
-            </a:r>
-            <a:r>
-              <a:rPr lang="ko-KR" altLang="en-US" sz="3000" dirty="0" err="1">
-                <a:solidFill>
-                  <a:schemeClr val="bg1">
-                    <a:lumMod val="95000"/>
-                  </a:schemeClr>
-                </a:solidFill>
-              </a:rPr>
-              <a:t>올바른지</a:t>
-            </a:r>
-            <a:r>
-              <a:rPr lang="ko-KR" altLang="en-US" sz="3000" dirty="0">
-                <a:solidFill>
-                  <a:schemeClr val="bg1">
-                    <a:lumMod val="95000"/>
-                  </a:schemeClr>
-                </a:solidFill>
-              </a:rPr>
-              <a:t> 머릿속으로 생각하는데 도움이 됩니다</a:t>
-            </a:r>
-            <a:r>
-              <a:rPr lang="en-US" altLang="ko-KR" sz="3000" dirty="0">
-                <a:solidFill>
-                  <a:schemeClr val="bg1">
-                    <a:lumMod val="95000"/>
-                  </a:schemeClr>
-                </a:solidFill>
-              </a:rPr>
-              <a:t>. </a:t>
-            </a:r>
-            <a:r>
-              <a:rPr lang="ko-KR" altLang="en-US" sz="3000" dirty="0">
-                <a:solidFill>
-                  <a:schemeClr val="bg1">
-                    <a:lumMod val="95000"/>
-                  </a:schemeClr>
-                </a:solidFill>
-              </a:rPr>
-              <a:t>또한</a:t>
-            </a:r>
-            <a:r>
-              <a:rPr lang="en-US" altLang="ko-KR" sz="3000" dirty="0">
-                <a:solidFill>
-                  <a:schemeClr val="bg1">
-                    <a:lumMod val="95000"/>
-                  </a:schemeClr>
-                </a:solidFill>
-              </a:rPr>
-              <a:t>, </a:t>
-            </a:r>
-            <a:r>
-              <a:rPr lang="ko-KR" altLang="en-US" sz="3000" dirty="0">
-                <a:solidFill>
-                  <a:schemeClr val="bg1">
-                    <a:lumMod val="95000"/>
-                  </a:schemeClr>
-                </a:solidFill>
-              </a:rPr>
-              <a:t>반례를 잡아내는 능력을 기를 때도 도움이 됩니다</a:t>
-            </a:r>
-            <a:r>
-              <a:rPr lang="en-US" altLang="ko-KR" sz="3000" dirty="0">
-                <a:solidFill>
-                  <a:schemeClr val="bg1">
-                    <a:lumMod val="95000"/>
-                  </a:schemeClr>
-                </a:solidFill>
-              </a:rPr>
-              <a:t>.</a:t>
-            </a:r>
-          </a:p>
-        </p:txBody>
-      </p:sp>
-    </p:spTree>
-    <p:extLst>
-      <p:ext uri="{BB962C8B-B14F-4D97-AF65-F5344CB8AC3E}">
-        <p14:creationId xmlns:p14="http://schemas.microsoft.com/office/powerpoint/2010/main" val="2034008680"/>
-      </p:ext>
-    </p:extLst>
-  </p:cSld>
-  <p:clrMapOvr>
-    <a:masterClrMapping/>
-  </p:clrMapOvr>
-</p:sld>
-</file>
-
-<file path=ppt/slides/slide26.xml><?xml version="1.0" encoding="utf-8"?>
-<p:sld xmlns:a="http://schemas.openxmlformats.org/drawingml/2006/main" xmlns:r="http://schemas.openxmlformats.org/officeDocument/2006/relationships" xmlns:p="http://schemas.openxmlformats.org/presentationml/2006/main">
-  <p:cSld>
-    <p:bg>
-      <p:bgPr>
-        <a:solidFill>
-          <a:schemeClr val="tx2">
-            <a:lumMod val="50000"/>
-          </a:schemeClr>
-        </a:solidFill>
-        <a:effectLst/>
-      </p:bgPr>
-    </p:bg>
-    <p:spTree>
-      <p:nvGrpSpPr>
-        <p:cNvPr id="1" name=""/>
-        <p:cNvGrpSpPr/>
-        <p:nvPr/>
-      </p:nvGrpSpPr>
-      <p:grpSpPr>
-        <a:xfrm>
-          <a:off x="0" y="0"/>
-          <a:ext cx="0" cy="0"/>
-          <a:chOff x="0" y="0"/>
-          <a:chExt cx="0" cy="0"/>
-        </a:xfrm>
-      </p:grpSpPr>
       <p:sp>
         <p:nvSpPr>
           <p:cNvPr id="12" name="TextBox 11">
@@ -17368,8 +12755,8 @@
           </a:p>
         </p:txBody>
       </p:sp>
-      <mc:AlternateContent xmlns:mc="http://schemas.openxmlformats.org/markup-compatibility/2006" xmlns:a14="http://schemas.microsoft.com/office/drawing/2010/main">
-        <mc:Choice Requires="a14">
+      <mc:AlternateContent xmlns:mc="http://schemas.openxmlformats.org/markup-compatibility/2006">
+        <mc:Choice xmlns:a14="http://schemas.microsoft.com/office/drawing/2010/main" Requires="a14">
           <p:sp>
             <p:nvSpPr>
               <p:cNvPr id="5" name="TextBox 4">
@@ -17625,27 +13012,7 @@
                       </a:schemeClr>
                     </a:solidFill>
                   </a:rPr>
-                  <a:t>그리고 </a:t>
-                </a:r>
-                <a:r>
-                  <a:rPr lang="ko-KR" altLang="en-US" sz="3000" dirty="0" err="1">
-                    <a:solidFill>
-                      <a:schemeClr val="bg1">
-                        <a:lumMod val="95000"/>
-                      </a:schemeClr>
-                    </a:solidFill>
-                  </a:rPr>
-                  <a:t>배운사람</a:t>
-                </a:r>
-                <a:r>
-                  <a:rPr lang="ko-KR" altLang="en-US" sz="3000" dirty="0">
-                    <a:solidFill>
-                      <a:schemeClr val="bg1">
-                        <a:lumMod val="95000"/>
-                      </a:schemeClr>
-                    </a:solidFill>
-                  </a:rPr>
-                  <a:t> 답게 </a:t>
+                  <a:t>그리고 배운 사람 답게 </a:t>
                 </a:r>
                 <a:r>
                   <a:rPr lang="en-US" altLang="ko-KR" sz="3000" dirty="0">
@@ -17789,7 +13156,7 @@
             </p:txBody>
           </p:sp>
         </mc:Choice>
-        <mc:Fallback xmlns="">
+        <mc:Fallback>
           <p:sp>
             <p:nvSpPr>
               <p:cNvPr id="5" name="TextBox 4">
@@ -17815,7 +13182,7 @@
               <a:blipFill>
                 <a:blip r:embed="rId2"/>
                 <a:stretch>
-                  <a:fillRect l="-1201" t="-1862" r="-858" b="-3582"/>
+                  <a:fillRect l="-1201" t="-1862" r="-1087" b="-3582"/>
                 </a:stretch>
               </a:blipFill>
             </p:spPr>
@@ -17847,7 +13214,7 @@
 </p:sld>
 </file>
 
-<file path=ppt/slides/slide27.xml><?xml version="1.0" encoding="utf-8"?>
+<file path=ppt/slides/slide21.xml><?xml version="1.0" encoding="utf-8"?>
 <p:sld xmlns:a="http://schemas.openxmlformats.org/drawingml/2006/main" xmlns:r="http://schemas.openxmlformats.org/officeDocument/2006/relationships" xmlns:p="http://schemas.openxmlformats.org/presentationml/2006/main">
   <p:cSld>
     <p:bg>
@@ -17876,69 +13243,6 @@
       </p:grpSpPr>
       <p:sp>
         <p:nvSpPr>
-          <p:cNvPr id="12" name="TextBox 11">
-            <a:extLst>
-              <a:ext uri="{FF2B5EF4-FFF2-40B4-BE49-F238E27FC236}">
-                <a16:creationId xmlns:a16="http://schemas.microsoft.com/office/drawing/2014/main" id="{596AC5E1-B4AA-48E3-862A-9440B136518E}"/>
-              </a:ext>
-            </a:extLst>
-          </p:cNvPr>
-          <p:cNvSpPr txBox="1"/>
-          <p:nvPr/>
-        </p:nvSpPr>
-        <p:spPr>
-          <a:xfrm>
-            <a:off x="312819" y="312821"/>
-            <a:ext cx="7201163" cy="584775"/>
-          </a:xfrm>
-          <a:prstGeom prst="rect">
-            <a:avLst/>
-          </a:prstGeom>
-          <a:noFill/>
-        </p:spPr>
-        <p:txBody>
-          <a:bodyPr wrap="square" rtlCol="0">
-            <a:spAutoFit/>
-          </a:bodyPr>
-          <a:lstStyle/>
-          <a:p>
-            <a:r>
-              <a:rPr lang="ko-KR" altLang="en-US" sz="3200" dirty="0">
-                <a:solidFill>
-                  <a:schemeClr val="bg1"/>
-                </a:solidFill>
-              </a:rPr>
-              <a:t>● 연습 문제 </a:t>
-            </a:r>
-            <a:r>
-              <a:rPr lang="en-US" altLang="ko-KR" sz="3200" dirty="0" err="1">
-                <a:solidFill>
-                  <a:schemeClr val="bg1"/>
-                </a:solidFill>
-              </a:rPr>
-              <a:t>Boj</a:t>
-            </a:r>
-            <a:r>
-              <a:rPr lang="en-US" altLang="ko-KR" sz="3200" dirty="0">
-                <a:solidFill>
-                  <a:schemeClr val="bg1"/>
-                </a:solidFill>
-              </a:rPr>
-              <a:t> 1931 – </a:t>
-            </a:r>
-            <a:r>
-              <a:rPr lang="ko-KR" altLang="en-US" sz="3200" dirty="0">
-                <a:solidFill>
-                  <a:schemeClr val="bg1"/>
-                </a:solidFill>
-              </a:rPr>
-              <a:t>회의실배정</a:t>
-            </a:r>
-          </a:p>
-        </p:txBody>
-      </p:sp>
-      <p:sp>
-        <p:nvSpPr>
           <p:cNvPr id="5" name="TextBox 4">
             <a:extLst>
               <a:ext uri="{FF2B5EF4-FFF2-40B4-BE49-F238E27FC236}">
@@ -17951,7 +13255,7 @@
         </p:nvSpPr>
         <p:spPr>
           <a:xfrm>
-            <a:off x="767861" y="1664692"/>
+            <a:off x="767861" y="1488230"/>
             <a:ext cx="10656277" cy="3785652"/>
           </a:xfrm>
           <a:prstGeom prst="rect">
@@ -17987,27 +13291,7 @@
                   </a:schemeClr>
                 </a:solidFill>
               </a:rPr>
-              <a:t>방법으로는 </a:t>
-            </a:r>
-            <a:r>
-              <a:rPr lang="ko-KR" altLang="en-US" sz="3000" dirty="0" err="1">
-                <a:solidFill>
-                  <a:schemeClr val="bg1">
-                    <a:lumMod val="95000"/>
-                  </a:schemeClr>
-                </a:solidFill>
-              </a:rPr>
-              <a:t>희의를</a:t>
-            </a:r>
-            <a:r>
-              <a:rPr lang="ko-KR" altLang="en-US" sz="3000" dirty="0">
-                <a:solidFill>
-                  <a:schemeClr val="bg1">
-                    <a:lumMod val="95000"/>
-                  </a:schemeClr>
-                </a:solidFill>
-              </a:rPr>
-              <a:t> 끝나는 시간이 빠른 순으로</a:t>
+              <a:t>방법으로는 회의를 끝나는 시간이 빠른 순으로</a:t>
             </a:r>
             <a:r>
               <a:rPr lang="en-US" altLang="ko-KR" sz="3000" dirty="0">
@@ -18234,7 +13518,7 @@
 </p:sld>
 </file>
 
-<file path=ppt/slides/slide28.xml><?xml version="1.0" encoding="utf-8"?>
+<file path=ppt/slides/slide22.xml><?xml version="1.0" encoding="utf-8"?>
 <p:sld xmlns:a="http://schemas.openxmlformats.org/drawingml/2006/main" xmlns:r="http://schemas.openxmlformats.org/officeDocument/2006/relationships" xmlns:p="http://schemas.openxmlformats.org/presentationml/2006/main">
   <p:cSld>
     <p:bg>
@@ -19141,7 +14425,2458 @@
 </p:sld>
 </file>
 
-<file path=ppt/slides/slide29.xml><?xml version="1.0" encoding="utf-8"?>
+<file path=ppt/slides/slide23.xml><?xml version="1.0" encoding="utf-8"?>
+<p:sld xmlns:a="http://schemas.openxmlformats.org/drawingml/2006/main" xmlns:r="http://schemas.openxmlformats.org/officeDocument/2006/relationships" xmlns:p="http://schemas.openxmlformats.org/presentationml/2006/main">
+  <p:cSld>
+    <p:bg>
+      <p:bgPr>
+        <a:solidFill>
+          <a:schemeClr val="tx2">
+            <a:lumMod val="50000"/>
+          </a:schemeClr>
+        </a:solidFill>
+        <a:effectLst/>
+      </p:bgPr>
+    </p:bg>
+    <p:spTree>
+      <p:nvGrpSpPr>
+        <p:cNvPr id="1" name=""/>
+        <p:cNvGrpSpPr/>
+        <p:nvPr/>
+      </p:nvGrpSpPr>
+      <p:grpSpPr>
+        <a:xfrm>
+          <a:off x="0" y="0"/>
+          <a:ext cx="0" cy="0"/>
+          <a:chOff x="0" y="0"/>
+          <a:chExt cx="0" cy="0"/>
+        </a:xfrm>
+      </p:grpSpPr>
+      <p:sp>
+        <p:nvSpPr>
+          <p:cNvPr id="22" name="TextBox 21">
+            <a:extLst>
+              <a:ext uri="{FF2B5EF4-FFF2-40B4-BE49-F238E27FC236}">
+                <a16:creationId xmlns:a16="http://schemas.microsoft.com/office/drawing/2014/main" id="{5F358A1B-8396-4AF1-93B6-D9495AF4C1D1}"/>
+              </a:ext>
+            </a:extLst>
+          </p:cNvPr>
+          <p:cNvSpPr txBox="1"/>
+          <p:nvPr/>
+        </p:nvSpPr>
+        <p:spPr>
+          <a:xfrm>
+            <a:off x="529325" y="722457"/>
+            <a:ext cx="10656277" cy="446276"/>
+          </a:xfrm>
+          <a:prstGeom prst="rect">
+            <a:avLst/>
+          </a:prstGeom>
+          <a:noFill/>
+        </p:spPr>
+        <p:txBody>
+          <a:bodyPr wrap="square" rtlCol="0">
+            <a:spAutoFit/>
+          </a:bodyPr>
+          <a:lstStyle/>
+          <a:p>
+            <a:pPr marL="457200" indent="-457200">
+              <a:buFont typeface="Arial" panose="020B0604020202020204" pitchFamily="34" charset="0"/>
+              <a:buChar char="•"/>
+            </a:pPr>
+            <a:r>
+              <a:rPr lang="ko-KR" altLang="en-US" sz="2300" dirty="0">
+                <a:solidFill>
+                  <a:schemeClr val="bg1">
+                    <a:lumMod val="95000"/>
+                  </a:schemeClr>
+                </a:solidFill>
+              </a:rPr>
+              <a:t>사실 이 문제도 </a:t>
+            </a:r>
+            <a:r>
+              <a:rPr lang="ko-KR" altLang="en-US" sz="2300" dirty="0" err="1">
+                <a:solidFill>
+                  <a:schemeClr val="bg1">
+                    <a:lumMod val="95000"/>
+                  </a:schemeClr>
+                </a:solidFill>
+              </a:rPr>
+              <a:t>귀류법으로</a:t>
+            </a:r>
+            <a:r>
+              <a:rPr lang="ko-KR" altLang="en-US" sz="2300" dirty="0">
+                <a:solidFill>
+                  <a:schemeClr val="bg1">
+                    <a:lumMod val="95000"/>
+                  </a:schemeClr>
+                </a:solidFill>
+              </a:rPr>
+              <a:t> 증명이 가능합니다</a:t>
+            </a:r>
+            <a:r>
+              <a:rPr lang="en-US" altLang="ko-KR" sz="2300" dirty="0">
+                <a:solidFill>
+                  <a:schemeClr val="bg1">
+                    <a:lumMod val="95000"/>
+                  </a:schemeClr>
+                </a:solidFill>
+              </a:rPr>
+              <a:t>.</a:t>
+            </a:r>
+          </a:p>
+        </p:txBody>
+      </p:sp>
+      <p:cxnSp>
+        <p:nvCxnSpPr>
+          <p:cNvPr id="6" name="직선 연결선 5">
+            <a:extLst>
+              <a:ext uri="{FF2B5EF4-FFF2-40B4-BE49-F238E27FC236}">
+                <a16:creationId xmlns:a16="http://schemas.microsoft.com/office/drawing/2014/main" id="{E7975FC7-0C94-4389-83B4-0DD437C7E438}"/>
+              </a:ext>
+            </a:extLst>
+          </p:cNvPr>
+          <p:cNvCxnSpPr/>
+          <p:nvPr/>
+        </p:nvCxnSpPr>
+        <p:spPr>
+          <a:xfrm>
+            <a:off x="1166191" y="3155413"/>
+            <a:ext cx="1550505" cy="0"/>
+          </a:xfrm>
+          <a:prstGeom prst="line">
+            <a:avLst/>
+          </a:prstGeom>
+          <a:ln w="76200">
+            <a:solidFill>
+              <a:schemeClr val="accent1"/>
+            </a:solidFill>
+          </a:ln>
+        </p:spPr>
+        <p:style>
+          <a:lnRef idx="1">
+            <a:schemeClr val="accent1"/>
+          </a:lnRef>
+          <a:fillRef idx="0">
+            <a:schemeClr val="accent1"/>
+          </a:fillRef>
+          <a:effectRef idx="0">
+            <a:schemeClr val="accent1"/>
+          </a:effectRef>
+          <a:fontRef idx="minor">
+            <a:schemeClr val="tx1"/>
+          </a:fontRef>
+        </p:style>
+      </p:cxnSp>
+      <p:cxnSp>
+        <p:nvCxnSpPr>
+          <p:cNvPr id="7" name="직선 연결선 6">
+            <a:extLst>
+              <a:ext uri="{FF2B5EF4-FFF2-40B4-BE49-F238E27FC236}">
+                <a16:creationId xmlns:a16="http://schemas.microsoft.com/office/drawing/2014/main" id="{1644DEFA-6489-463C-B335-F4F5F3511267}"/>
+              </a:ext>
+            </a:extLst>
+          </p:cNvPr>
+          <p:cNvCxnSpPr/>
+          <p:nvPr/>
+        </p:nvCxnSpPr>
+        <p:spPr>
+          <a:xfrm>
+            <a:off x="1610137" y="2578942"/>
+            <a:ext cx="1550505" cy="0"/>
+          </a:xfrm>
+          <a:prstGeom prst="line">
+            <a:avLst/>
+          </a:prstGeom>
+          <a:ln w="76200">
+            <a:solidFill>
+              <a:schemeClr val="bg1">
+                <a:lumMod val="95000"/>
+              </a:schemeClr>
+            </a:solidFill>
+          </a:ln>
+        </p:spPr>
+        <p:style>
+          <a:lnRef idx="1">
+            <a:schemeClr val="accent1"/>
+          </a:lnRef>
+          <a:fillRef idx="0">
+            <a:schemeClr val="accent1"/>
+          </a:fillRef>
+          <a:effectRef idx="0">
+            <a:schemeClr val="accent1"/>
+          </a:effectRef>
+          <a:fontRef idx="minor">
+            <a:schemeClr val="tx1"/>
+          </a:fontRef>
+        </p:style>
+      </p:cxnSp>
+      <p:cxnSp>
+        <p:nvCxnSpPr>
+          <p:cNvPr id="8" name="직선 연결선 7">
+            <a:extLst>
+              <a:ext uri="{FF2B5EF4-FFF2-40B4-BE49-F238E27FC236}">
+                <a16:creationId xmlns:a16="http://schemas.microsoft.com/office/drawing/2014/main" id="{A8920DE3-74BD-4188-A79D-2E487A2B824A}"/>
+              </a:ext>
+            </a:extLst>
+          </p:cNvPr>
+          <p:cNvCxnSpPr>
+            <a:cxnSpLocks/>
+          </p:cNvCxnSpPr>
+          <p:nvPr/>
+        </p:nvCxnSpPr>
+        <p:spPr>
+          <a:xfrm flipV="1">
+            <a:off x="2610677" y="2830734"/>
+            <a:ext cx="4287428" cy="6624"/>
+          </a:xfrm>
+          <a:prstGeom prst="line">
+            <a:avLst/>
+          </a:prstGeom>
+          <a:ln w="76200">
+            <a:solidFill>
+              <a:schemeClr val="bg1"/>
+            </a:solidFill>
+          </a:ln>
+        </p:spPr>
+        <p:style>
+          <a:lnRef idx="1">
+            <a:schemeClr val="accent1"/>
+          </a:lnRef>
+          <a:fillRef idx="0">
+            <a:schemeClr val="accent1"/>
+          </a:fillRef>
+          <a:effectRef idx="0">
+            <a:schemeClr val="accent1"/>
+          </a:effectRef>
+          <a:fontRef idx="minor">
+            <a:schemeClr val="tx1"/>
+          </a:fontRef>
+        </p:style>
+      </p:cxnSp>
+      <p:cxnSp>
+        <p:nvCxnSpPr>
+          <p:cNvPr id="9" name="직선 연결선 8">
+            <a:extLst>
+              <a:ext uri="{FF2B5EF4-FFF2-40B4-BE49-F238E27FC236}">
+                <a16:creationId xmlns:a16="http://schemas.microsoft.com/office/drawing/2014/main" id="{FF5F112C-9D8A-40BC-8B60-9DF4F0253870}"/>
+              </a:ext>
+            </a:extLst>
+          </p:cNvPr>
+          <p:cNvCxnSpPr/>
+          <p:nvPr/>
+        </p:nvCxnSpPr>
+        <p:spPr>
+          <a:xfrm>
+            <a:off x="3240156" y="2009097"/>
+            <a:ext cx="1550505" cy="0"/>
+          </a:xfrm>
+          <a:prstGeom prst="line">
+            <a:avLst/>
+          </a:prstGeom>
+          <a:ln w="76200">
+            <a:solidFill>
+              <a:schemeClr val="accent1"/>
+            </a:solidFill>
+          </a:ln>
+        </p:spPr>
+        <p:style>
+          <a:lnRef idx="1">
+            <a:schemeClr val="accent1"/>
+          </a:lnRef>
+          <a:fillRef idx="0">
+            <a:schemeClr val="accent1"/>
+          </a:fillRef>
+          <a:effectRef idx="0">
+            <a:schemeClr val="accent1"/>
+          </a:effectRef>
+          <a:fontRef idx="minor">
+            <a:schemeClr val="tx1"/>
+          </a:fontRef>
+        </p:style>
+      </p:cxnSp>
+      <p:cxnSp>
+        <p:nvCxnSpPr>
+          <p:cNvPr id="10" name="직선 연결선 9">
+            <a:extLst>
+              <a:ext uri="{FF2B5EF4-FFF2-40B4-BE49-F238E27FC236}">
+                <a16:creationId xmlns:a16="http://schemas.microsoft.com/office/drawing/2014/main" id="{FCA81A5B-3CC6-4728-BB2F-D9D7C70B811B}"/>
+              </a:ext>
+            </a:extLst>
+          </p:cNvPr>
+          <p:cNvCxnSpPr>
+            <a:cxnSpLocks/>
+          </p:cNvCxnSpPr>
+          <p:nvPr/>
+        </p:nvCxnSpPr>
+        <p:spPr>
+          <a:xfrm>
+            <a:off x="4973053" y="2320523"/>
+            <a:ext cx="1533764" cy="0"/>
+          </a:xfrm>
+          <a:prstGeom prst="line">
+            <a:avLst/>
+          </a:prstGeom>
+          <a:ln w="76200">
+            <a:solidFill>
+              <a:schemeClr val="accent2"/>
+            </a:solidFill>
+          </a:ln>
+        </p:spPr>
+        <p:style>
+          <a:lnRef idx="1">
+            <a:schemeClr val="accent1"/>
+          </a:lnRef>
+          <a:fillRef idx="0">
+            <a:schemeClr val="accent1"/>
+          </a:fillRef>
+          <a:effectRef idx="0">
+            <a:schemeClr val="accent1"/>
+          </a:effectRef>
+          <a:fontRef idx="minor">
+            <a:schemeClr val="tx1"/>
+          </a:fontRef>
+        </p:style>
+      </p:cxnSp>
+      <p:cxnSp>
+        <p:nvCxnSpPr>
+          <p:cNvPr id="11" name="직선 연결선 10">
+            <a:extLst>
+              <a:ext uri="{FF2B5EF4-FFF2-40B4-BE49-F238E27FC236}">
+                <a16:creationId xmlns:a16="http://schemas.microsoft.com/office/drawing/2014/main" id="{D392545E-B922-430C-84A4-398439ADA09E}"/>
+              </a:ext>
+            </a:extLst>
+          </p:cNvPr>
+          <p:cNvCxnSpPr/>
+          <p:nvPr/>
+        </p:nvCxnSpPr>
+        <p:spPr>
+          <a:xfrm>
+            <a:off x="5585791" y="3294559"/>
+            <a:ext cx="1550505" cy="0"/>
+          </a:xfrm>
+          <a:prstGeom prst="line">
+            <a:avLst/>
+          </a:prstGeom>
+          <a:ln w="76200">
+            <a:solidFill>
+              <a:schemeClr val="bg1">
+                <a:lumMod val="95000"/>
+              </a:schemeClr>
+            </a:solidFill>
+          </a:ln>
+        </p:spPr>
+        <p:style>
+          <a:lnRef idx="1">
+            <a:schemeClr val="accent1"/>
+          </a:lnRef>
+          <a:fillRef idx="0">
+            <a:schemeClr val="accent1"/>
+          </a:fillRef>
+          <a:effectRef idx="0">
+            <a:schemeClr val="accent1"/>
+          </a:effectRef>
+          <a:fontRef idx="minor">
+            <a:schemeClr val="tx1"/>
+          </a:fontRef>
+        </p:style>
+      </p:cxnSp>
+      <p:cxnSp>
+        <p:nvCxnSpPr>
+          <p:cNvPr id="13" name="직선 연결선 12">
+            <a:extLst>
+              <a:ext uri="{FF2B5EF4-FFF2-40B4-BE49-F238E27FC236}">
+                <a16:creationId xmlns:a16="http://schemas.microsoft.com/office/drawing/2014/main" id="{1B77907A-D456-42D5-9E42-2D78D3F611B2}"/>
+              </a:ext>
+            </a:extLst>
+          </p:cNvPr>
+          <p:cNvCxnSpPr>
+            <a:cxnSpLocks/>
+          </p:cNvCxnSpPr>
+          <p:nvPr/>
+        </p:nvCxnSpPr>
+        <p:spPr>
+          <a:xfrm>
+            <a:off x="5738191" y="3658993"/>
+            <a:ext cx="2438400" cy="0"/>
+          </a:xfrm>
+          <a:prstGeom prst="line">
+            <a:avLst/>
+          </a:prstGeom>
+          <a:ln w="76200">
+            <a:solidFill>
+              <a:schemeClr val="bg1">
+                <a:lumMod val="95000"/>
+              </a:schemeClr>
+            </a:solidFill>
+          </a:ln>
+        </p:spPr>
+        <p:style>
+          <a:lnRef idx="1">
+            <a:schemeClr val="accent1"/>
+          </a:lnRef>
+          <a:fillRef idx="0">
+            <a:schemeClr val="accent1"/>
+          </a:fillRef>
+          <a:effectRef idx="0">
+            <a:schemeClr val="accent1"/>
+          </a:effectRef>
+          <a:fontRef idx="minor">
+            <a:schemeClr val="tx1"/>
+          </a:fontRef>
+        </p:style>
+      </p:cxnSp>
+      <p:cxnSp>
+        <p:nvCxnSpPr>
+          <p:cNvPr id="14" name="직선 연결선 13">
+            <a:extLst>
+              <a:ext uri="{FF2B5EF4-FFF2-40B4-BE49-F238E27FC236}">
+                <a16:creationId xmlns:a16="http://schemas.microsoft.com/office/drawing/2014/main" id="{D34AF806-18BA-44BA-8F52-76A30AE2726B}"/>
+              </a:ext>
+            </a:extLst>
+          </p:cNvPr>
+          <p:cNvCxnSpPr>
+            <a:cxnSpLocks/>
+          </p:cNvCxnSpPr>
+          <p:nvPr/>
+        </p:nvCxnSpPr>
+        <p:spPr>
+          <a:xfrm>
+            <a:off x="9282448" y="2830734"/>
+            <a:ext cx="2418522" cy="0"/>
+          </a:xfrm>
+          <a:prstGeom prst="line">
+            <a:avLst/>
+          </a:prstGeom>
+          <a:ln w="76200">
+            <a:solidFill>
+              <a:schemeClr val="bg1">
+                <a:lumMod val="95000"/>
+              </a:schemeClr>
+            </a:solidFill>
+          </a:ln>
+        </p:spPr>
+        <p:style>
+          <a:lnRef idx="1">
+            <a:schemeClr val="accent1"/>
+          </a:lnRef>
+          <a:fillRef idx="0">
+            <a:schemeClr val="accent1"/>
+          </a:fillRef>
+          <a:effectRef idx="0">
+            <a:schemeClr val="accent1"/>
+          </a:effectRef>
+          <a:fontRef idx="minor">
+            <a:schemeClr val="tx1"/>
+          </a:fontRef>
+        </p:style>
+      </p:cxnSp>
+      <p:cxnSp>
+        <p:nvCxnSpPr>
+          <p:cNvPr id="15" name="직선 연결선 14">
+            <a:extLst>
+              <a:ext uri="{FF2B5EF4-FFF2-40B4-BE49-F238E27FC236}">
+                <a16:creationId xmlns:a16="http://schemas.microsoft.com/office/drawing/2014/main" id="{E7F9A592-D14E-420F-A358-A61141E17D97}"/>
+              </a:ext>
+            </a:extLst>
+          </p:cNvPr>
+          <p:cNvCxnSpPr>
+            <a:cxnSpLocks/>
+          </p:cNvCxnSpPr>
+          <p:nvPr/>
+        </p:nvCxnSpPr>
+        <p:spPr>
+          <a:xfrm>
+            <a:off x="7593496" y="2267515"/>
+            <a:ext cx="2411895" cy="0"/>
+          </a:xfrm>
+          <a:prstGeom prst="line">
+            <a:avLst/>
+          </a:prstGeom>
+          <a:ln w="76200">
+            <a:solidFill>
+              <a:schemeClr val="bg1">
+                <a:lumMod val="95000"/>
+              </a:schemeClr>
+            </a:solidFill>
+          </a:ln>
+        </p:spPr>
+        <p:style>
+          <a:lnRef idx="1">
+            <a:schemeClr val="accent1"/>
+          </a:lnRef>
+          <a:fillRef idx="0">
+            <a:schemeClr val="accent1"/>
+          </a:fillRef>
+          <a:effectRef idx="0">
+            <a:schemeClr val="accent1"/>
+          </a:effectRef>
+          <a:fontRef idx="minor">
+            <a:schemeClr val="tx1"/>
+          </a:fontRef>
+        </p:style>
+      </p:cxnSp>
+      <p:cxnSp>
+        <p:nvCxnSpPr>
+          <p:cNvPr id="16" name="직선 연결선 15">
+            <a:extLst>
+              <a:ext uri="{FF2B5EF4-FFF2-40B4-BE49-F238E27FC236}">
+                <a16:creationId xmlns:a16="http://schemas.microsoft.com/office/drawing/2014/main" id="{33409137-3468-435F-9DE2-2A74D065FD15}"/>
+              </a:ext>
+            </a:extLst>
+          </p:cNvPr>
+          <p:cNvCxnSpPr/>
+          <p:nvPr/>
+        </p:nvCxnSpPr>
+        <p:spPr>
+          <a:xfrm>
+            <a:off x="8315741" y="3148784"/>
+            <a:ext cx="1550505" cy="0"/>
+          </a:xfrm>
+          <a:prstGeom prst="line">
+            <a:avLst/>
+          </a:prstGeom>
+          <a:ln w="76200">
+            <a:solidFill>
+              <a:schemeClr val="bg1">
+                <a:lumMod val="95000"/>
+              </a:schemeClr>
+            </a:solidFill>
+          </a:ln>
+        </p:spPr>
+        <p:style>
+          <a:lnRef idx="1">
+            <a:schemeClr val="accent1"/>
+          </a:lnRef>
+          <a:fillRef idx="0">
+            <a:schemeClr val="accent1"/>
+          </a:fillRef>
+          <a:effectRef idx="0">
+            <a:schemeClr val="accent1"/>
+          </a:effectRef>
+          <a:fontRef idx="minor">
+            <a:schemeClr val="tx1"/>
+          </a:fontRef>
+        </p:style>
+      </p:cxnSp>
+      <p:cxnSp>
+        <p:nvCxnSpPr>
+          <p:cNvPr id="17" name="직선 연결선 16">
+            <a:extLst>
+              <a:ext uri="{FF2B5EF4-FFF2-40B4-BE49-F238E27FC236}">
+                <a16:creationId xmlns:a16="http://schemas.microsoft.com/office/drawing/2014/main" id="{5E1914D8-6DE4-4A67-945D-E781966BB552}"/>
+              </a:ext>
+            </a:extLst>
+          </p:cNvPr>
+          <p:cNvCxnSpPr/>
+          <p:nvPr/>
+        </p:nvCxnSpPr>
+        <p:spPr>
+          <a:xfrm>
+            <a:off x="2749824" y="1684422"/>
+            <a:ext cx="0" cy="2252869"/>
+          </a:xfrm>
+          <a:prstGeom prst="line">
+            <a:avLst/>
+          </a:prstGeom>
+          <a:ln w="76200">
+            <a:solidFill>
+              <a:srgbClr val="FFC000"/>
+            </a:solidFill>
+          </a:ln>
+        </p:spPr>
+        <p:style>
+          <a:lnRef idx="1">
+            <a:schemeClr val="accent1"/>
+          </a:lnRef>
+          <a:fillRef idx="0">
+            <a:schemeClr val="accent1"/>
+          </a:fillRef>
+          <a:effectRef idx="0">
+            <a:schemeClr val="accent1"/>
+          </a:effectRef>
+          <a:fontRef idx="minor">
+            <a:schemeClr val="tx1"/>
+          </a:fontRef>
+        </p:style>
+      </p:cxnSp>
+      <p:sp>
+        <p:nvSpPr>
+          <p:cNvPr id="18" name="TextBox 17">
+            <a:extLst>
+              <a:ext uri="{FF2B5EF4-FFF2-40B4-BE49-F238E27FC236}">
+                <a16:creationId xmlns:a16="http://schemas.microsoft.com/office/drawing/2014/main" id="{25007342-3AB1-4F84-98CA-91763BAFB750}"/>
+              </a:ext>
+            </a:extLst>
+          </p:cNvPr>
+          <p:cNvSpPr txBox="1"/>
+          <p:nvPr/>
+        </p:nvSpPr>
+        <p:spPr>
+          <a:xfrm>
+            <a:off x="3449706" y="1406180"/>
+            <a:ext cx="1131404" cy="446276"/>
+          </a:xfrm>
+          <a:prstGeom prst="rect">
+            <a:avLst/>
+          </a:prstGeom>
+          <a:noFill/>
+        </p:spPr>
+        <p:txBody>
+          <a:bodyPr wrap="square" rtlCol="0">
+            <a:spAutoFit/>
+          </a:bodyPr>
+          <a:lstStyle/>
+          <a:p>
+            <a:r>
+              <a:rPr lang="ko-KR" altLang="en-US" sz="2300" dirty="0">
+                <a:solidFill>
+                  <a:schemeClr val="bg1">
+                    <a:lumMod val="95000"/>
+                  </a:schemeClr>
+                </a:solidFill>
+              </a:rPr>
+              <a:t>회의 </a:t>
+            </a:r>
+            <a:r>
+              <a:rPr lang="en-US" altLang="ko-KR" sz="2300" dirty="0">
+                <a:solidFill>
+                  <a:schemeClr val="bg1">
+                    <a:lumMod val="95000"/>
+                  </a:schemeClr>
+                </a:solidFill>
+              </a:rPr>
+              <a:t>A</a:t>
+            </a:r>
+          </a:p>
+        </p:txBody>
+      </p:sp>
+      <p:sp>
+        <p:nvSpPr>
+          <p:cNvPr id="19" name="TextBox 18">
+            <a:extLst>
+              <a:ext uri="{FF2B5EF4-FFF2-40B4-BE49-F238E27FC236}">
+                <a16:creationId xmlns:a16="http://schemas.microsoft.com/office/drawing/2014/main" id="{D762A612-FA23-4D7F-BBB5-F84186714D47}"/>
+              </a:ext>
+            </a:extLst>
+          </p:cNvPr>
+          <p:cNvSpPr txBox="1"/>
+          <p:nvPr/>
+        </p:nvSpPr>
+        <p:spPr>
+          <a:xfrm>
+            <a:off x="5172489" y="1767231"/>
+            <a:ext cx="1131404" cy="446276"/>
+          </a:xfrm>
+          <a:prstGeom prst="rect">
+            <a:avLst/>
+          </a:prstGeom>
+          <a:noFill/>
+        </p:spPr>
+        <p:txBody>
+          <a:bodyPr wrap="square" rtlCol="0">
+            <a:spAutoFit/>
+          </a:bodyPr>
+          <a:lstStyle/>
+          <a:p>
+            <a:r>
+              <a:rPr lang="ko-KR" altLang="en-US" sz="2300" dirty="0">
+                <a:solidFill>
+                  <a:schemeClr val="bg1">
+                    <a:lumMod val="95000"/>
+                  </a:schemeClr>
+                </a:solidFill>
+              </a:rPr>
+              <a:t>회의 </a:t>
+            </a:r>
+            <a:r>
+              <a:rPr lang="en-US" altLang="ko-KR" sz="2300" dirty="0">
+                <a:solidFill>
+                  <a:schemeClr val="bg1">
+                    <a:lumMod val="95000"/>
+                  </a:schemeClr>
+                </a:solidFill>
+              </a:rPr>
+              <a:t>B</a:t>
+            </a:r>
+          </a:p>
+        </p:txBody>
+      </p:sp>
+      <p:sp>
+        <p:nvSpPr>
+          <p:cNvPr id="20" name="TextBox 19">
+            <a:extLst>
+              <a:ext uri="{FF2B5EF4-FFF2-40B4-BE49-F238E27FC236}">
+                <a16:creationId xmlns:a16="http://schemas.microsoft.com/office/drawing/2014/main" id="{64DCA7C5-7E19-4205-B534-FB66A8743432}"/>
+              </a:ext>
+            </a:extLst>
+          </p:cNvPr>
+          <p:cNvSpPr txBox="1"/>
+          <p:nvPr/>
+        </p:nvSpPr>
+        <p:spPr>
+          <a:xfrm>
+            <a:off x="548375" y="4380057"/>
+            <a:ext cx="10656277" cy="800219"/>
+          </a:xfrm>
+          <a:prstGeom prst="rect">
+            <a:avLst/>
+          </a:prstGeom>
+          <a:noFill/>
+        </p:spPr>
+        <p:txBody>
+          <a:bodyPr wrap="square" rtlCol="0">
+            <a:spAutoFit/>
+          </a:bodyPr>
+          <a:lstStyle/>
+          <a:p>
+            <a:pPr marL="457200" indent="-457200">
+              <a:buFont typeface="Arial" panose="020B0604020202020204" pitchFamily="34" charset="0"/>
+              <a:buChar char="•"/>
+            </a:pPr>
+            <a:r>
+              <a:rPr lang="ko-KR" altLang="en-US" sz="2300" dirty="0">
+                <a:solidFill>
+                  <a:schemeClr val="bg1">
+                    <a:lumMod val="95000"/>
+                  </a:schemeClr>
+                </a:solidFill>
+              </a:rPr>
+              <a:t>증명 </a:t>
+            </a:r>
+            <a:r>
+              <a:rPr lang="en-US" altLang="ko-KR" sz="2300" dirty="0">
+                <a:solidFill>
+                  <a:schemeClr val="bg1">
+                    <a:lumMod val="95000"/>
+                  </a:schemeClr>
+                </a:solidFill>
+              </a:rPr>
+              <a:t>: </a:t>
+            </a:r>
+            <a:r>
+              <a:rPr lang="ko-KR" altLang="en-US" sz="2300" dirty="0">
+                <a:solidFill>
+                  <a:schemeClr val="bg1">
+                    <a:lumMod val="95000"/>
+                  </a:schemeClr>
+                </a:solidFill>
+              </a:rPr>
+              <a:t>회의 </a:t>
+            </a:r>
+            <a:r>
+              <a:rPr lang="en-US" altLang="ko-KR" sz="2300" dirty="0">
+                <a:solidFill>
+                  <a:schemeClr val="bg1">
+                    <a:lumMod val="95000"/>
+                  </a:schemeClr>
+                </a:solidFill>
+              </a:rPr>
+              <a:t>A</a:t>
+            </a:r>
+            <a:r>
+              <a:rPr lang="ko-KR" altLang="en-US" sz="2300" dirty="0">
+                <a:solidFill>
+                  <a:schemeClr val="bg1">
+                    <a:lumMod val="95000"/>
+                  </a:schemeClr>
+                </a:solidFill>
+              </a:rPr>
+              <a:t>대신 회의 </a:t>
+            </a:r>
+            <a:r>
+              <a:rPr lang="en-US" altLang="ko-KR" sz="2300" dirty="0">
+                <a:solidFill>
+                  <a:schemeClr val="bg1">
+                    <a:lumMod val="95000"/>
+                  </a:schemeClr>
+                </a:solidFill>
+              </a:rPr>
+              <a:t>B</a:t>
+            </a:r>
+            <a:r>
+              <a:rPr lang="ko-KR" altLang="en-US" sz="2300" dirty="0">
+                <a:solidFill>
+                  <a:schemeClr val="bg1">
+                    <a:lumMod val="95000"/>
+                  </a:schemeClr>
+                </a:solidFill>
+              </a:rPr>
+              <a:t>를 우선해서 택했을 때 더 많은 회의를 배정할 수 있다고 가정합니다</a:t>
+            </a:r>
+            <a:r>
+              <a:rPr lang="en-US" altLang="ko-KR" sz="2300" dirty="0">
+                <a:solidFill>
+                  <a:schemeClr val="bg1">
+                    <a:lumMod val="95000"/>
+                  </a:schemeClr>
+                </a:solidFill>
+              </a:rPr>
+              <a:t>.</a:t>
+            </a:r>
+          </a:p>
+        </p:txBody>
+      </p:sp>
+    </p:spTree>
+    <p:extLst>
+      <p:ext uri="{BB962C8B-B14F-4D97-AF65-F5344CB8AC3E}">
+        <p14:creationId xmlns:p14="http://schemas.microsoft.com/office/powerpoint/2010/main" val="3263190609"/>
+      </p:ext>
+    </p:extLst>
+  </p:cSld>
+  <p:clrMapOvr>
+    <a:masterClrMapping/>
+  </p:clrMapOvr>
+</p:sld>
+</file>
+
+<file path=ppt/slides/slide24.xml><?xml version="1.0" encoding="utf-8"?>
+<p:sld xmlns:a="http://schemas.openxmlformats.org/drawingml/2006/main" xmlns:r="http://schemas.openxmlformats.org/officeDocument/2006/relationships" xmlns:p="http://schemas.openxmlformats.org/presentationml/2006/main">
+  <p:cSld>
+    <p:bg>
+      <p:bgPr>
+        <a:solidFill>
+          <a:schemeClr val="tx2">
+            <a:lumMod val="50000"/>
+          </a:schemeClr>
+        </a:solidFill>
+        <a:effectLst/>
+      </p:bgPr>
+    </p:bg>
+    <p:spTree>
+      <p:nvGrpSpPr>
+        <p:cNvPr id="1" name=""/>
+        <p:cNvGrpSpPr/>
+        <p:nvPr/>
+      </p:nvGrpSpPr>
+      <p:grpSpPr>
+        <a:xfrm>
+          <a:off x="0" y="0"/>
+          <a:ext cx="0" cy="0"/>
+          <a:chOff x="0" y="0"/>
+          <a:chExt cx="0" cy="0"/>
+        </a:xfrm>
+      </p:grpSpPr>
+      <p:sp>
+        <p:nvSpPr>
+          <p:cNvPr id="22" name="TextBox 21">
+            <a:extLst>
+              <a:ext uri="{FF2B5EF4-FFF2-40B4-BE49-F238E27FC236}">
+                <a16:creationId xmlns:a16="http://schemas.microsoft.com/office/drawing/2014/main" id="{5F358A1B-8396-4AF1-93B6-D9495AF4C1D1}"/>
+              </a:ext>
+            </a:extLst>
+          </p:cNvPr>
+          <p:cNvSpPr txBox="1"/>
+          <p:nvPr/>
+        </p:nvSpPr>
+        <p:spPr>
+          <a:xfrm>
+            <a:off x="529325" y="551007"/>
+            <a:ext cx="10656277" cy="584775"/>
+          </a:xfrm>
+          <a:prstGeom prst="rect">
+            <a:avLst/>
+          </a:prstGeom>
+          <a:noFill/>
+        </p:spPr>
+        <p:txBody>
+          <a:bodyPr wrap="square" rtlCol="0">
+            <a:spAutoFit/>
+          </a:bodyPr>
+          <a:lstStyle/>
+          <a:p>
+            <a:r>
+              <a:rPr lang="ko-KR" altLang="en-US" sz="3200" dirty="0" err="1">
+                <a:solidFill>
+                  <a:schemeClr val="bg1">
+                    <a:lumMod val="95000"/>
+                  </a:schemeClr>
+                </a:solidFill>
+              </a:rPr>
+              <a:t>ㅇ</a:t>
+            </a:r>
+            <a:r>
+              <a:rPr lang="ko-KR" altLang="en-US" sz="3200" dirty="0">
+                <a:solidFill>
+                  <a:schemeClr val="bg1">
+                    <a:lumMod val="95000"/>
+                  </a:schemeClr>
+                </a:solidFill>
+              </a:rPr>
+              <a:t> 회의 </a:t>
+            </a:r>
+            <a:r>
+              <a:rPr lang="en-US" altLang="ko-KR" sz="3200" dirty="0">
+                <a:solidFill>
+                  <a:schemeClr val="bg1">
+                    <a:lumMod val="95000"/>
+                  </a:schemeClr>
+                </a:solidFill>
+              </a:rPr>
+              <a:t>A</a:t>
+            </a:r>
+            <a:r>
+              <a:rPr lang="ko-KR" altLang="en-US" sz="3200" dirty="0">
+                <a:solidFill>
+                  <a:schemeClr val="bg1">
+                    <a:lumMod val="95000"/>
+                  </a:schemeClr>
+                </a:solidFill>
+              </a:rPr>
+              <a:t>를 택했을 때</a:t>
+            </a:r>
+            <a:r>
+              <a:rPr lang="en-US" altLang="ko-KR" sz="3200" dirty="0">
+                <a:solidFill>
+                  <a:schemeClr val="bg1">
+                    <a:lumMod val="95000"/>
+                  </a:schemeClr>
+                </a:solidFill>
+              </a:rPr>
+              <a:t>.</a:t>
+            </a:r>
+          </a:p>
+        </p:txBody>
+      </p:sp>
+      <p:cxnSp>
+        <p:nvCxnSpPr>
+          <p:cNvPr id="6" name="직선 연결선 5">
+            <a:extLst>
+              <a:ext uri="{FF2B5EF4-FFF2-40B4-BE49-F238E27FC236}">
+                <a16:creationId xmlns:a16="http://schemas.microsoft.com/office/drawing/2014/main" id="{E7975FC7-0C94-4389-83B4-0DD437C7E438}"/>
+              </a:ext>
+            </a:extLst>
+          </p:cNvPr>
+          <p:cNvCxnSpPr/>
+          <p:nvPr/>
+        </p:nvCxnSpPr>
+        <p:spPr>
+          <a:xfrm>
+            <a:off x="1166191" y="3155413"/>
+            <a:ext cx="1550505" cy="0"/>
+          </a:xfrm>
+          <a:prstGeom prst="line">
+            <a:avLst/>
+          </a:prstGeom>
+          <a:ln w="76200">
+            <a:solidFill>
+              <a:schemeClr val="accent1"/>
+            </a:solidFill>
+          </a:ln>
+        </p:spPr>
+        <p:style>
+          <a:lnRef idx="1">
+            <a:schemeClr val="accent1"/>
+          </a:lnRef>
+          <a:fillRef idx="0">
+            <a:schemeClr val="accent1"/>
+          </a:fillRef>
+          <a:effectRef idx="0">
+            <a:schemeClr val="accent1"/>
+          </a:effectRef>
+          <a:fontRef idx="minor">
+            <a:schemeClr val="tx1"/>
+          </a:fontRef>
+        </p:style>
+      </p:cxnSp>
+      <p:cxnSp>
+        <p:nvCxnSpPr>
+          <p:cNvPr id="7" name="직선 연결선 6">
+            <a:extLst>
+              <a:ext uri="{FF2B5EF4-FFF2-40B4-BE49-F238E27FC236}">
+                <a16:creationId xmlns:a16="http://schemas.microsoft.com/office/drawing/2014/main" id="{1644DEFA-6489-463C-B335-F4F5F3511267}"/>
+              </a:ext>
+            </a:extLst>
+          </p:cNvPr>
+          <p:cNvCxnSpPr/>
+          <p:nvPr/>
+        </p:nvCxnSpPr>
+        <p:spPr>
+          <a:xfrm>
+            <a:off x="1610137" y="2578942"/>
+            <a:ext cx="1550505" cy="0"/>
+          </a:xfrm>
+          <a:prstGeom prst="line">
+            <a:avLst/>
+          </a:prstGeom>
+          <a:ln w="76200">
+            <a:solidFill>
+              <a:schemeClr val="bg1">
+                <a:lumMod val="95000"/>
+              </a:schemeClr>
+            </a:solidFill>
+          </a:ln>
+        </p:spPr>
+        <p:style>
+          <a:lnRef idx="1">
+            <a:schemeClr val="accent1"/>
+          </a:lnRef>
+          <a:fillRef idx="0">
+            <a:schemeClr val="accent1"/>
+          </a:fillRef>
+          <a:effectRef idx="0">
+            <a:schemeClr val="accent1"/>
+          </a:effectRef>
+          <a:fontRef idx="minor">
+            <a:schemeClr val="tx1"/>
+          </a:fontRef>
+        </p:style>
+      </p:cxnSp>
+      <p:cxnSp>
+        <p:nvCxnSpPr>
+          <p:cNvPr id="8" name="직선 연결선 7">
+            <a:extLst>
+              <a:ext uri="{FF2B5EF4-FFF2-40B4-BE49-F238E27FC236}">
+                <a16:creationId xmlns:a16="http://schemas.microsoft.com/office/drawing/2014/main" id="{A8920DE3-74BD-4188-A79D-2E487A2B824A}"/>
+              </a:ext>
+            </a:extLst>
+          </p:cNvPr>
+          <p:cNvCxnSpPr>
+            <a:cxnSpLocks/>
+          </p:cNvCxnSpPr>
+          <p:nvPr/>
+        </p:nvCxnSpPr>
+        <p:spPr>
+          <a:xfrm flipV="1">
+            <a:off x="2610677" y="2830734"/>
+            <a:ext cx="4287428" cy="6624"/>
+          </a:xfrm>
+          <a:prstGeom prst="line">
+            <a:avLst/>
+          </a:prstGeom>
+          <a:ln w="76200">
+            <a:solidFill>
+              <a:schemeClr val="bg1">
+                <a:lumMod val="95000"/>
+              </a:schemeClr>
+            </a:solidFill>
+          </a:ln>
+        </p:spPr>
+        <p:style>
+          <a:lnRef idx="1">
+            <a:schemeClr val="accent1"/>
+          </a:lnRef>
+          <a:fillRef idx="0">
+            <a:schemeClr val="accent1"/>
+          </a:fillRef>
+          <a:effectRef idx="0">
+            <a:schemeClr val="accent1"/>
+          </a:effectRef>
+          <a:fontRef idx="minor">
+            <a:schemeClr val="tx1"/>
+          </a:fontRef>
+        </p:style>
+      </p:cxnSp>
+      <p:cxnSp>
+        <p:nvCxnSpPr>
+          <p:cNvPr id="9" name="직선 연결선 8">
+            <a:extLst>
+              <a:ext uri="{FF2B5EF4-FFF2-40B4-BE49-F238E27FC236}">
+                <a16:creationId xmlns:a16="http://schemas.microsoft.com/office/drawing/2014/main" id="{FF5F112C-9D8A-40BC-8B60-9DF4F0253870}"/>
+              </a:ext>
+            </a:extLst>
+          </p:cNvPr>
+          <p:cNvCxnSpPr/>
+          <p:nvPr/>
+        </p:nvCxnSpPr>
+        <p:spPr>
+          <a:xfrm>
+            <a:off x="3240156" y="2009097"/>
+            <a:ext cx="1550505" cy="0"/>
+          </a:xfrm>
+          <a:prstGeom prst="line">
+            <a:avLst/>
+          </a:prstGeom>
+          <a:ln w="76200">
+            <a:solidFill>
+              <a:schemeClr val="accent1"/>
+            </a:solidFill>
+          </a:ln>
+        </p:spPr>
+        <p:style>
+          <a:lnRef idx="1">
+            <a:schemeClr val="accent1"/>
+          </a:lnRef>
+          <a:fillRef idx="0">
+            <a:schemeClr val="accent1"/>
+          </a:fillRef>
+          <a:effectRef idx="0">
+            <a:schemeClr val="accent1"/>
+          </a:effectRef>
+          <a:fontRef idx="minor">
+            <a:schemeClr val="tx1"/>
+          </a:fontRef>
+        </p:style>
+      </p:cxnSp>
+      <p:cxnSp>
+        <p:nvCxnSpPr>
+          <p:cNvPr id="10" name="직선 연결선 9">
+            <a:extLst>
+              <a:ext uri="{FF2B5EF4-FFF2-40B4-BE49-F238E27FC236}">
+                <a16:creationId xmlns:a16="http://schemas.microsoft.com/office/drawing/2014/main" id="{FCA81A5B-3CC6-4728-BB2F-D9D7C70B811B}"/>
+              </a:ext>
+            </a:extLst>
+          </p:cNvPr>
+          <p:cNvCxnSpPr>
+            <a:cxnSpLocks/>
+          </p:cNvCxnSpPr>
+          <p:nvPr/>
+        </p:nvCxnSpPr>
+        <p:spPr>
+          <a:xfrm>
+            <a:off x="4973053" y="2320523"/>
+            <a:ext cx="1533764" cy="0"/>
+          </a:xfrm>
+          <a:prstGeom prst="line">
+            <a:avLst/>
+          </a:prstGeom>
+          <a:ln w="76200">
+            <a:solidFill>
+              <a:schemeClr val="accent1"/>
+            </a:solidFill>
+          </a:ln>
+        </p:spPr>
+        <p:style>
+          <a:lnRef idx="1">
+            <a:schemeClr val="accent1"/>
+          </a:lnRef>
+          <a:fillRef idx="0">
+            <a:schemeClr val="accent1"/>
+          </a:fillRef>
+          <a:effectRef idx="0">
+            <a:schemeClr val="accent1"/>
+          </a:effectRef>
+          <a:fontRef idx="minor">
+            <a:schemeClr val="tx1"/>
+          </a:fontRef>
+        </p:style>
+      </p:cxnSp>
+      <p:cxnSp>
+        <p:nvCxnSpPr>
+          <p:cNvPr id="11" name="직선 연결선 10">
+            <a:extLst>
+              <a:ext uri="{FF2B5EF4-FFF2-40B4-BE49-F238E27FC236}">
+                <a16:creationId xmlns:a16="http://schemas.microsoft.com/office/drawing/2014/main" id="{D392545E-B922-430C-84A4-398439ADA09E}"/>
+              </a:ext>
+            </a:extLst>
+          </p:cNvPr>
+          <p:cNvCxnSpPr/>
+          <p:nvPr/>
+        </p:nvCxnSpPr>
+        <p:spPr>
+          <a:xfrm>
+            <a:off x="5585791" y="3294559"/>
+            <a:ext cx="1550505" cy="0"/>
+          </a:xfrm>
+          <a:prstGeom prst="line">
+            <a:avLst/>
+          </a:prstGeom>
+          <a:ln w="76200">
+            <a:solidFill>
+              <a:schemeClr val="bg1"/>
+            </a:solidFill>
+          </a:ln>
+        </p:spPr>
+        <p:style>
+          <a:lnRef idx="1">
+            <a:schemeClr val="accent1"/>
+          </a:lnRef>
+          <a:fillRef idx="0">
+            <a:schemeClr val="accent1"/>
+          </a:fillRef>
+          <a:effectRef idx="0">
+            <a:schemeClr val="accent1"/>
+          </a:effectRef>
+          <a:fontRef idx="minor">
+            <a:schemeClr val="tx1"/>
+          </a:fontRef>
+        </p:style>
+      </p:cxnSp>
+      <p:cxnSp>
+        <p:nvCxnSpPr>
+          <p:cNvPr id="13" name="직선 연결선 12">
+            <a:extLst>
+              <a:ext uri="{FF2B5EF4-FFF2-40B4-BE49-F238E27FC236}">
+                <a16:creationId xmlns:a16="http://schemas.microsoft.com/office/drawing/2014/main" id="{1B77907A-D456-42D5-9E42-2D78D3F611B2}"/>
+              </a:ext>
+            </a:extLst>
+          </p:cNvPr>
+          <p:cNvCxnSpPr>
+            <a:cxnSpLocks/>
+          </p:cNvCxnSpPr>
+          <p:nvPr/>
+        </p:nvCxnSpPr>
+        <p:spPr>
+          <a:xfrm>
+            <a:off x="5738191" y="3658993"/>
+            <a:ext cx="2438400" cy="0"/>
+          </a:xfrm>
+          <a:prstGeom prst="line">
+            <a:avLst/>
+          </a:prstGeom>
+          <a:ln w="76200">
+            <a:solidFill>
+              <a:schemeClr val="bg1">
+                <a:lumMod val="95000"/>
+              </a:schemeClr>
+            </a:solidFill>
+          </a:ln>
+        </p:spPr>
+        <p:style>
+          <a:lnRef idx="1">
+            <a:schemeClr val="accent1"/>
+          </a:lnRef>
+          <a:fillRef idx="0">
+            <a:schemeClr val="accent1"/>
+          </a:fillRef>
+          <a:effectRef idx="0">
+            <a:schemeClr val="accent1"/>
+          </a:effectRef>
+          <a:fontRef idx="minor">
+            <a:schemeClr val="tx1"/>
+          </a:fontRef>
+        </p:style>
+      </p:cxnSp>
+      <p:cxnSp>
+        <p:nvCxnSpPr>
+          <p:cNvPr id="14" name="직선 연결선 13">
+            <a:extLst>
+              <a:ext uri="{FF2B5EF4-FFF2-40B4-BE49-F238E27FC236}">
+                <a16:creationId xmlns:a16="http://schemas.microsoft.com/office/drawing/2014/main" id="{D34AF806-18BA-44BA-8F52-76A30AE2726B}"/>
+              </a:ext>
+            </a:extLst>
+          </p:cNvPr>
+          <p:cNvCxnSpPr>
+            <a:cxnSpLocks/>
+          </p:cNvCxnSpPr>
+          <p:nvPr/>
+        </p:nvCxnSpPr>
+        <p:spPr>
+          <a:xfrm>
+            <a:off x="9282448" y="2830734"/>
+            <a:ext cx="2418522" cy="0"/>
+          </a:xfrm>
+          <a:prstGeom prst="line">
+            <a:avLst/>
+          </a:prstGeom>
+          <a:ln w="76200">
+            <a:solidFill>
+              <a:schemeClr val="bg1">
+                <a:lumMod val="95000"/>
+              </a:schemeClr>
+            </a:solidFill>
+          </a:ln>
+        </p:spPr>
+        <p:style>
+          <a:lnRef idx="1">
+            <a:schemeClr val="accent1"/>
+          </a:lnRef>
+          <a:fillRef idx="0">
+            <a:schemeClr val="accent1"/>
+          </a:fillRef>
+          <a:effectRef idx="0">
+            <a:schemeClr val="accent1"/>
+          </a:effectRef>
+          <a:fontRef idx="minor">
+            <a:schemeClr val="tx1"/>
+          </a:fontRef>
+        </p:style>
+      </p:cxnSp>
+      <p:cxnSp>
+        <p:nvCxnSpPr>
+          <p:cNvPr id="15" name="직선 연결선 14">
+            <a:extLst>
+              <a:ext uri="{FF2B5EF4-FFF2-40B4-BE49-F238E27FC236}">
+                <a16:creationId xmlns:a16="http://schemas.microsoft.com/office/drawing/2014/main" id="{E7F9A592-D14E-420F-A358-A61141E17D97}"/>
+              </a:ext>
+            </a:extLst>
+          </p:cNvPr>
+          <p:cNvCxnSpPr>
+            <a:cxnSpLocks/>
+          </p:cNvCxnSpPr>
+          <p:nvPr/>
+        </p:nvCxnSpPr>
+        <p:spPr>
+          <a:xfrm>
+            <a:off x="7593496" y="2267515"/>
+            <a:ext cx="2411895" cy="0"/>
+          </a:xfrm>
+          <a:prstGeom prst="line">
+            <a:avLst/>
+          </a:prstGeom>
+          <a:ln w="76200">
+            <a:solidFill>
+              <a:schemeClr val="accent1"/>
+            </a:solidFill>
+          </a:ln>
+        </p:spPr>
+        <p:style>
+          <a:lnRef idx="1">
+            <a:schemeClr val="accent1"/>
+          </a:lnRef>
+          <a:fillRef idx="0">
+            <a:schemeClr val="accent1"/>
+          </a:fillRef>
+          <a:effectRef idx="0">
+            <a:schemeClr val="accent1"/>
+          </a:effectRef>
+          <a:fontRef idx="minor">
+            <a:schemeClr val="tx1"/>
+          </a:fontRef>
+        </p:style>
+      </p:cxnSp>
+      <p:cxnSp>
+        <p:nvCxnSpPr>
+          <p:cNvPr id="16" name="직선 연결선 15">
+            <a:extLst>
+              <a:ext uri="{FF2B5EF4-FFF2-40B4-BE49-F238E27FC236}">
+                <a16:creationId xmlns:a16="http://schemas.microsoft.com/office/drawing/2014/main" id="{33409137-3468-435F-9DE2-2A74D065FD15}"/>
+              </a:ext>
+            </a:extLst>
+          </p:cNvPr>
+          <p:cNvCxnSpPr/>
+          <p:nvPr/>
+        </p:nvCxnSpPr>
+        <p:spPr>
+          <a:xfrm>
+            <a:off x="8315741" y="3148784"/>
+            <a:ext cx="1550505" cy="0"/>
+          </a:xfrm>
+          <a:prstGeom prst="line">
+            <a:avLst/>
+          </a:prstGeom>
+          <a:ln w="76200">
+            <a:solidFill>
+              <a:schemeClr val="bg1">
+                <a:lumMod val="95000"/>
+              </a:schemeClr>
+            </a:solidFill>
+          </a:ln>
+        </p:spPr>
+        <p:style>
+          <a:lnRef idx="1">
+            <a:schemeClr val="accent1"/>
+          </a:lnRef>
+          <a:fillRef idx="0">
+            <a:schemeClr val="accent1"/>
+          </a:fillRef>
+          <a:effectRef idx="0">
+            <a:schemeClr val="accent1"/>
+          </a:effectRef>
+          <a:fontRef idx="minor">
+            <a:schemeClr val="tx1"/>
+          </a:fontRef>
+        </p:style>
+      </p:cxnSp>
+      <p:cxnSp>
+        <p:nvCxnSpPr>
+          <p:cNvPr id="17" name="직선 연결선 16">
+            <a:extLst>
+              <a:ext uri="{FF2B5EF4-FFF2-40B4-BE49-F238E27FC236}">
+                <a16:creationId xmlns:a16="http://schemas.microsoft.com/office/drawing/2014/main" id="{5E1914D8-6DE4-4A67-945D-E781966BB552}"/>
+              </a:ext>
+            </a:extLst>
+          </p:cNvPr>
+          <p:cNvCxnSpPr/>
+          <p:nvPr/>
+        </p:nvCxnSpPr>
+        <p:spPr>
+          <a:xfrm>
+            <a:off x="2749824" y="1684422"/>
+            <a:ext cx="0" cy="2252869"/>
+          </a:xfrm>
+          <a:prstGeom prst="line">
+            <a:avLst/>
+          </a:prstGeom>
+          <a:ln w="76200">
+            <a:solidFill>
+              <a:srgbClr val="FFC000"/>
+            </a:solidFill>
+          </a:ln>
+        </p:spPr>
+        <p:style>
+          <a:lnRef idx="1">
+            <a:schemeClr val="accent1"/>
+          </a:lnRef>
+          <a:fillRef idx="0">
+            <a:schemeClr val="accent1"/>
+          </a:fillRef>
+          <a:effectRef idx="0">
+            <a:schemeClr val="accent1"/>
+          </a:effectRef>
+          <a:fontRef idx="minor">
+            <a:schemeClr val="tx1"/>
+          </a:fontRef>
+        </p:style>
+      </p:cxnSp>
+      <p:sp>
+        <p:nvSpPr>
+          <p:cNvPr id="18" name="TextBox 17">
+            <a:extLst>
+              <a:ext uri="{FF2B5EF4-FFF2-40B4-BE49-F238E27FC236}">
+                <a16:creationId xmlns:a16="http://schemas.microsoft.com/office/drawing/2014/main" id="{25007342-3AB1-4F84-98CA-91763BAFB750}"/>
+              </a:ext>
+            </a:extLst>
+          </p:cNvPr>
+          <p:cNvSpPr txBox="1"/>
+          <p:nvPr/>
+        </p:nvSpPr>
+        <p:spPr>
+          <a:xfrm>
+            <a:off x="3449706" y="1406180"/>
+            <a:ext cx="1131404" cy="446276"/>
+          </a:xfrm>
+          <a:prstGeom prst="rect">
+            <a:avLst/>
+          </a:prstGeom>
+          <a:noFill/>
+        </p:spPr>
+        <p:txBody>
+          <a:bodyPr wrap="square" rtlCol="0">
+            <a:spAutoFit/>
+          </a:bodyPr>
+          <a:lstStyle/>
+          <a:p>
+            <a:r>
+              <a:rPr lang="ko-KR" altLang="en-US" sz="2300" dirty="0">
+                <a:solidFill>
+                  <a:schemeClr val="bg1">
+                    <a:lumMod val="95000"/>
+                  </a:schemeClr>
+                </a:solidFill>
+              </a:rPr>
+              <a:t>회의 </a:t>
+            </a:r>
+            <a:r>
+              <a:rPr lang="en-US" altLang="ko-KR" sz="2300" dirty="0">
+                <a:solidFill>
+                  <a:schemeClr val="bg1">
+                    <a:lumMod val="95000"/>
+                  </a:schemeClr>
+                </a:solidFill>
+              </a:rPr>
+              <a:t>A</a:t>
+            </a:r>
+          </a:p>
+        </p:txBody>
+      </p:sp>
+      <p:sp>
+        <p:nvSpPr>
+          <p:cNvPr id="19" name="TextBox 18">
+            <a:extLst>
+              <a:ext uri="{FF2B5EF4-FFF2-40B4-BE49-F238E27FC236}">
+                <a16:creationId xmlns:a16="http://schemas.microsoft.com/office/drawing/2014/main" id="{D762A612-FA23-4D7F-BBB5-F84186714D47}"/>
+              </a:ext>
+            </a:extLst>
+          </p:cNvPr>
+          <p:cNvSpPr txBox="1"/>
+          <p:nvPr/>
+        </p:nvSpPr>
+        <p:spPr>
+          <a:xfrm>
+            <a:off x="5229639" y="1663395"/>
+            <a:ext cx="1131404" cy="446276"/>
+          </a:xfrm>
+          <a:prstGeom prst="rect">
+            <a:avLst/>
+          </a:prstGeom>
+          <a:noFill/>
+        </p:spPr>
+        <p:txBody>
+          <a:bodyPr wrap="square" rtlCol="0">
+            <a:spAutoFit/>
+          </a:bodyPr>
+          <a:lstStyle/>
+          <a:p>
+            <a:r>
+              <a:rPr lang="ko-KR" altLang="en-US" sz="2300" dirty="0">
+                <a:solidFill>
+                  <a:schemeClr val="bg1">
+                    <a:lumMod val="95000"/>
+                  </a:schemeClr>
+                </a:solidFill>
+              </a:rPr>
+              <a:t>회의 </a:t>
+            </a:r>
+            <a:r>
+              <a:rPr lang="en-US" altLang="ko-KR" sz="2300" dirty="0">
+                <a:solidFill>
+                  <a:schemeClr val="bg1">
+                    <a:lumMod val="95000"/>
+                  </a:schemeClr>
+                </a:solidFill>
+              </a:rPr>
+              <a:t>B</a:t>
+            </a:r>
+          </a:p>
+        </p:txBody>
+      </p:sp>
+      <p:sp>
+        <p:nvSpPr>
+          <p:cNvPr id="20" name="TextBox 19">
+            <a:extLst>
+              <a:ext uri="{FF2B5EF4-FFF2-40B4-BE49-F238E27FC236}">
+                <a16:creationId xmlns:a16="http://schemas.microsoft.com/office/drawing/2014/main" id="{64DCA7C5-7E19-4205-B534-FB66A8743432}"/>
+              </a:ext>
+            </a:extLst>
+          </p:cNvPr>
+          <p:cNvSpPr txBox="1"/>
+          <p:nvPr/>
+        </p:nvSpPr>
+        <p:spPr>
+          <a:xfrm>
+            <a:off x="548375" y="4380057"/>
+            <a:ext cx="10656277" cy="446276"/>
+          </a:xfrm>
+          <a:prstGeom prst="rect">
+            <a:avLst/>
+          </a:prstGeom>
+          <a:noFill/>
+        </p:spPr>
+        <p:txBody>
+          <a:bodyPr wrap="square" rtlCol="0">
+            <a:spAutoFit/>
+          </a:bodyPr>
+          <a:lstStyle/>
+          <a:p>
+            <a:pPr marL="457200" indent="-457200">
+              <a:buFont typeface="Arial" panose="020B0604020202020204" pitchFamily="34" charset="0"/>
+              <a:buChar char="•"/>
+            </a:pPr>
+            <a:r>
+              <a:rPr lang="ko-KR" altLang="en-US" sz="2300" dirty="0">
+                <a:solidFill>
+                  <a:schemeClr val="bg1">
+                    <a:lumMod val="95000"/>
+                  </a:schemeClr>
+                </a:solidFill>
+              </a:rPr>
+              <a:t>총 </a:t>
+            </a:r>
+            <a:r>
+              <a:rPr lang="en-US" altLang="ko-KR" sz="2300" dirty="0">
+                <a:solidFill>
+                  <a:schemeClr val="bg1">
+                    <a:lumMod val="95000"/>
+                  </a:schemeClr>
+                </a:solidFill>
+              </a:rPr>
+              <a:t>4</a:t>
+            </a:r>
+            <a:r>
+              <a:rPr lang="ko-KR" altLang="en-US" sz="2300" dirty="0">
+                <a:solidFill>
+                  <a:schemeClr val="bg1">
+                    <a:lumMod val="95000"/>
+                  </a:schemeClr>
+                </a:solidFill>
+              </a:rPr>
+              <a:t>개의 회의실을 배정 가능</a:t>
+            </a:r>
+            <a:r>
+              <a:rPr lang="en-US" altLang="ko-KR" sz="2300" dirty="0">
+                <a:solidFill>
+                  <a:schemeClr val="bg1">
+                    <a:lumMod val="95000"/>
+                  </a:schemeClr>
+                </a:solidFill>
+              </a:rPr>
+              <a:t>.</a:t>
+            </a:r>
+          </a:p>
+        </p:txBody>
+      </p:sp>
+    </p:spTree>
+    <p:extLst>
+      <p:ext uri="{BB962C8B-B14F-4D97-AF65-F5344CB8AC3E}">
+        <p14:creationId xmlns:p14="http://schemas.microsoft.com/office/powerpoint/2010/main" val="676824274"/>
+      </p:ext>
+    </p:extLst>
+  </p:cSld>
+  <p:clrMapOvr>
+    <a:masterClrMapping/>
+  </p:clrMapOvr>
+</p:sld>
+</file>
+
+<file path=ppt/slides/slide25.xml><?xml version="1.0" encoding="utf-8"?>
+<p:sld xmlns:a="http://schemas.openxmlformats.org/drawingml/2006/main" xmlns:r="http://schemas.openxmlformats.org/officeDocument/2006/relationships" xmlns:p="http://schemas.openxmlformats.org/presentationml/2006/main">
+  <p:cSld>
+    <p:bg>
+      <p:bgPr>
+        <a:solidFill>
+          <a:schemeClr val="tx2">
+            <a:lumMod val="50000"/>
+          </a:schemeClr>
+        </a:solidFill>
+        <a:effectLst/>
+      </p:bgPr>
+    </p:bg>
+    <p:spTree>
+      <p:nvGrpSpPr>
+        <p:cNvPr id="1" name=""/>
+        <p:cNvGrpSpPr/>
+        <p:nvPr/>
+      </p:nvGrpSpPr>
+      <p:grpSpPr>
+        <a:xfrm>
+          <a:off x="0" y="0"/>
+          <a:ext cx="0" cy="0"/>
+          <a:chOff x="0" y="0"/>
+          <a:chExt cx="0" cy="0"/>
+        </a:xfrm>
+      </p:grpSpPr>
+      <p:sp>
+        <p:nvSpPr>
+          <p:cNvPr id="22" name="TextBox 21">
+            <a:extLst>
+              <a:ext uri="{FF2B5EF4-FFF2-40B4-BE49-F238E27FC236}">
+                <a16:creationId xmlns:a16="http://schemas.microsoft.com/office/drawing/2014/main" id="{5F358A1B-8396-4AF1-93B6-D9495AF4C1D1}"/>
+              </a:ext>
+            </a:extLst>
+          </p:cNvPr>
+          <p:cNvSpPr txBox="1"/>
+          <p:nvPr/>
+        </p:nvSpPr>
+        <p:spPr>
+          <a:xfrm>
+            <a:off x="529325" y="551007"/>
+            <a:ext cx="10656277" cy="584775"/>
+          </a:xfrm>
+          <a:prstGeom prst="rect">
+            <a:avLst/>
+          </a:prstGeom>
+          <a:noFill/>
+        </p:spPr>
+        <p:txBody>
+          <a:bodyPr wrap="square" rtlCol="0">
+            <a:spAutoFit/>
+          </a:bodyPr>
+          <a:lstStyle/>
+          <a:p>
+            <a:r>
+              <a:rPr lang="ko-KR" altLang="en-US" sz="3200" dirty="0" err="1">
+                <a:solidFill>
+                  <a:schemeClr val="bg1">
+                    <a:lumMod val="95000"/>
+                  </a:schemeClr>
+                </a:solidFill>
+              </a:rPr>
+              <a:t>ㅇ</a:t>
+            </a:r>
+            <a:r>
+              <a:rPr lang="ko-KR" altLang="en-US" sz="3200" dirty="0">
+                <a:solidFill>
+                  <a:schemeClr val="bg1">
+                    <a:lumMod val="95000"/>
+                  </a:schemeClr>
+                </a:solidFill>
+              </a:rPr>
+              <a:t> 회의 </a:t>
+            </a:r>
+            <a:r>
+              <a:rPr lang="en-US" altLang="ko-KR" sz="3200" dirty="0">
+                <a:solidFill>
+                  <a:schemeClr val="bg1">
+                    <a:lumMod val="95000"/>
+                  </a:schemeClr>
+                </a:solidFill>
+              </a:rPr>
+              <a:t>B</a:t>
+            </a:r>
+            <a:r>
+              <a:rPr lang="ko-KR" altLang="en-US" sz="3200" dirty="0">
+                <a:solidFill>
+                  <a:schemeClr val="bg1">
+                    <a:lumMod val="95000"/>
+                  </a:schemeClr>
+                </a:solidFill>
+              </a:rPr>
+              <a:t>를 우선해서 택했을 때</a:t>
+            </a:r>
+            <a:r>
+              <a:rPr lang="en-US" altLang="ko-KR" sz="3200" dirty="0">
+                <a:solidFill>
+                  <a:schemeClr val="bg1">
+                    <a:lumMod val="95000"/>
+                  </a:schemeClr>
+                </a:solidFill>
+              </a:rPr>
+              <a:t>.</a:t>
+            </a:r>
+          </a:p>
+        </p:txBody>
+      </p:sp>
+      <p:sp>
+        <p:nvSpPr>
+          <p:cNvPr id="20" name="TextBox 19">
+            <a:extLst>
+              <a:ext uri="{FF2B5EF4-FFF2-40B4-BE49-F238E27FC236}">
+                <a16:creationId xmlns:a16="http://schemas.microsoft.com/office/drawing/2014/main" id="{64DCA7C5-7E19-4205-B534-FB66A8743432}"/>
+              </a:ext>
+            </a:extLst>
+          </p:cNvPr>
+          <p:cNvSpPr txBox="1"/>
+          <p:nvPr/>
+        </p:nvSpPr>
+        <p:spPr>
+          <a:xfrm>
+            <a:off x="548375" y="4380057"/>
+            <a:ext cx="10656277" cy="1508105"/>
+          </a:xfrm>
+          <a:prstGeom prst="rect">
+            <a:avLst/>
+          </a:prstGeom>
+          <a:noFill/>
+        </p:spPr>
+        <p:txBody>
+          <a:bodyPr wrap="square" rtlCol="0">
+            <a:spAutoFit/>
+          </a:bodyPr>
+          <a:lstStyle/>
+          <a:p>
+            <a:pPr marL="457200" indent="-457200">
+              <a:buFont typeface="Arial" panose="020B0604020202020204" pitchFamily="34" charset="0"/>
+              <a:buChar char="•"/>
+            </a:pPr>
+            <a:r>
+              <a:rPr lang="ko-KR" altLang="en-US" sz="2300" dirty="0">
+                <a:solidFill>
+                  <a:schemeClr val="bg1">
+                    <a:lumMod val="95000"/>
+                  </a:schemeClr>
+                </a:solidFill>
+              </a:rPr>
+              <a:t>총 </a:t>
+            </a:r>
+            <a:r>
+              <a:rPr lang="en-US" altLang="ko-KR" sz="2300" dirty="0">
+                <a:solidFill>
+                  <a:schemeClr val="bg1">
+                    <a:lumMod val="95000"/>
+                  </a:schemeClr>
+                </a:solidFill>
+              </a:rPr>
+              <a:t>4</a:t>
+            </a:r>
+            <a:r>
+              <a:rPr lang="ko-KR" altLang="en-US" sz="2300" dirty="0">
+                <a:solidFill>
+                  <a:schemeClr val="bg1">
+                    <a:lumMod val="95000"/>
+                  </a:schemeClr>
+                </a:solidFill>
+              </a:rPr>
+              <a:t>개의 회의실을 배정 가능</a:t>
+            </a:r>
+            <a:r>
+              <a:rPr lang="en-US" altLang="ko-KR" sz="2300" dirty="0">
+                <a:solidFill>
+                  <a:schemeClr val="bg1">
+                    <a:lumMod val="95000"/>
+                  </a:schemeClr>
+                </a:solidFill>
+              </a:rPr>
+              <a:t>.</a:t>
+            </a:r>
+          </a:p>
+          <a:p>
+            <a:r>
+              <a:rPr lang="ko-KR" altLang="en-US" sz="2300" dirty="0">
+                <a:solidFill>
+                  <a:schemeClr val="bg1">
+                    <a:lumMod val="95000"/>
+                  </a:schemeClr>
+                </a:solidFill>
+              </a:rPr>
+              <a:t>두 결과 모두 같은 걸 알 수 있습니다</a:t>
+            </a:r>
+            <a:r>
+              <a:rPr lang="en-US" altLang="ko-KR" sz="2300" dirty="0">
+                <a:solidFill>
+                  <a:schemeClr val="bg1">
+                    <a:lumMod val="95000"/>
+                  </a:schemeClr>
+                </a:solidFill>
+              </a:rPr>
+              <a:t>. </a:t>
+            </a:r>
+            <a:r>
+              <a:rPr lang="ko-KR" altLang="en-US" sz="2300" dirty="0">
+                <a:solidFill>
+                  <a:schemeClr val="bg1">
+                    <a:lumMod val="95000"/>
+                  </a:schemeClr>
+                </a:solidFill>
+              </a:rPr>
+              <a:t>회의 </a:t>
+            </a:r>
+            <a:r>
+              <a:rPr lang="en-US" altLang="ko-KR" sz="2300" dirty="0">
+                <a:solidFill>
+                  <a:schemeClr val="bg1">
+                    <a:lumMod val="95000"/>
+                  </a:schemeClr>
+                </a:solidFill>
+              </a:rPr>
+              <a:t>A</a:t>
+            </a:r>
+            <a:r>
+              <a:rPr lang="ko-KR" altLang="en-US" sz="2300" dirty="0">
+                <a:solidFill>
+                  <a:schemeClr val="bg1">
+                    <a:lumMod val="95000"/>
+                  </a:schemeClr>
+                </a:solidFill>
+              </a:rPr>
+              <a:t>를 우선해서 택하든</a:t>
+            </a:r>
+            <a:r>
+              <a:rPr lang="en-US" altLang="ko-KR" sz="2300" dirty="0">
+                <a:solidFill>
+                  <a:schemeClr val="bg1">
+                    <a:lumMod val="95000"/>
+                  </a:schemeClr>
+                </a:solidFill>
+              </a:rPr>
+              <a:t>, </a:t>
+            </a:r>
+            <a:r>
+              <a:rPr lang="ko-KR" altLang="en-US" sz="2300" dirty="0">
+                <a:solidFill>
+                  <a:schemeClr val="bg1">
+                    <a:lumMod val="95000"/>
+                  </a:schemeClr>
+                </a:solidFill>
+              </a:rPr>
+              <a:t>회의 </a:t>
+            </a:r>
+            <a:r>
+              <a:rPr lang="en-US" altLang="ko-KR" sz="2300" dirty="0">
+                <a:solidFill>
+                  <a:schemeClr val="bg1">
+                    <a:lumMod val="95000"/>
+                  </a:schemeClr>
+                </a:solidFill>
+              </a:rPr>
+              <a:t>B</a:t>
+            </a:r>
+            <a:r>
+              <a:rPr lang="ko-KR" altLang="en-US" sz="2300" dirty="0">
+                <a:solidFill>
+                  <a:schemeClr val="bg1">
+                    <a:lumMod val="95000"/>
+                  </a:schemeClr>
+                </a:solidFill>
+              </a:rPr>
+              <a:t>를 우선해서 택하든 최대 회의실 개수는 회의시간이 겹치지 않는 이상 변하지 않습니다</a:t>
+            </a:r>
+            <a:r>
+              <a:rPr lang="en-US" altLang="ko-KR" sz="2300" dirty="0">
+                <a:solidFill>
+                  <a:schemeClr val="bg1">
+                    <a:lumMod val="95000"/>
+                  </a:schemeClr>
+                </a:solidFill>
+              </a:rPr>
+              <a:t>. </a:t>
+            </a:r>
+            <a:r>
+              <a:rPr lang="ko-KR" altLang="en-US" sz="2300" dirty="0">
+                <a:solidFill>
+                  <a:schemeClr val="bg1">
+                    <a:lumMod val="95000"/>
+                  </a:schemeClr>
+                </a:solidFill>
+              </a:rPr>
+              <a:t>고로 이번 </a:t>
+            </a:r>
+            <a:r>
+              <a:rPr lang="ko-KR" altLang="en-US" sz="2300" dirty="0" err="1">
+                <a:solidFill>
+                  <a:schemeClr val="bg1">
+                    <a:lumMod val="95000"/>
+                  </a:schemeClr>
+                </a:solidFill>
+              </a:rPr>
+              <a:t>그리디</a:t>
+            </a:r>
+            <a:r>
+              <a:rPr lang="ko-KR" altLang="en-US" sz="2300" dirty="0">
+                <a:solidFill>
+                  <a:schemeClr val="bg1">
+                    <a:lumMod val="95000"/>
+                  </a:schemeClr>
+                </a:solidFill>
+              </a:rPr>
+              <a:t> 프로세스도 옳다는 것을 증명할 수 있습니다</a:t>
+            </a:r>
+            <a:r>
+              <a:rPr lang="en-US" altLang="ko-KR" sz="2300">
+                <a:solidFill>
+                  <a:schemeClr val="bg1">
+                    <a:lumMod val="95000"/>
+                  </a:schemeClr>
+                </a:solidFill>
+              </a:rPr>
+              <a:t>.</a:t>
+            </a:r>
+            <a:endParaRPr lang="en-US" altLang="ko-KR" sz="2300" dirty="0">
+              <a:solidFill>
+                <a:schemeClr val="bg1">
+                  <a:lumMod val="95000"/>
+                </a:schemeClr>
+              </a:solidFill>
+            </a:endParaRPr>
+          </a:p>
+        </p:txBody>
+      </p:sp>
+      <p:cxnSp>
+        <p:nvCxnSpPr>
+          <p:cNvPr id="21" name="직선 연결선 20">
+            <a:extLst>
+              <a:ext uri="{FF2B5EF4-FFF2-40B4-BE49-F238E27FC236}">
+                <a16:creationId xmlns:a16="http://schemas.microsoft.com/office/drawing/2014/main" id="{FA96E02A-BB81-4EB7-8616-F61B62F2A187}"/>
+              </a:ext>
+            </a:extLst>
+          </p:cNvPr>
+          <p:cNvCxnSpPr/>
+          <p:nvPr/>
+        </p:nvCxnSpPr>
+        <p:spPr>
+          <a:xfrm>
+            <a:off x="1166191" y="3155413"/>
+            <a:ext cx="1550505" cy="0"/>
+          </a:xfrm>
+          <a:prstGeom prst="line">
+            <a:avLst/>
+          </a:prstGeom>
+          <a:ln w="76200">
+            <a:solidFill>
+              <a:schemeClr val="accent2"/>
+            </a:solidFill>
+          </a:ln>
+        </p:spPr>
+        <p:style>
+          <a:lnRef idx="1">
+            <a:schemeClr val="accent1"/>
+          </a:lnRef>
+          <a:fillRef idx="0">
+            <a:schemeClr val="accent1"/>
+          </a:fillRef>
+          <a:effectRef idx="0">
+            <a:schemeClr val="accent1"/>
+          </a:effectRef>
+          <a:fontRef idx="minor">
+            <a:schemeClr val="tx1"/>
+          </a:fontRef>
+        </p:style>
+      </p:cxnSp>
+      <p:cxnSp>
+        <p:nvCxnSpPr>
+          <p:cNvPr id="23" name="직선 연결선 22">
+            <a:extLst>
+              <a:ext uri="{FF2B5EF4-FFF2-40B4-BE49-F238E27FC236}">
+                <a16:creationId xmlns:a16="http://schemas.microsoft.com/office/drawing/2014/main" id="{1AC9B129-F7B9-49EC-9DFB-C3997D6E5730}"/>
+              </a:ext>
+            </a:extLst>
+          </p:cNvPr>
+          <p:cNvCxnSpPr/>
+          <p:nvPr/>
+        </p:nvCxnSpPr>
+        <p:spPr>
+          <a:xfrm>
+            <a:off x="1610137" y="2578942"/>
+            <a:ext cx="1550505" cy="0"/>
+          </a:xfrm>
+          <a:prstGeom prst="line">
+            <a:avLst/>
+          </a:prstGeom>
+          <a:ln w="76200">
+            <a:solidFill>
+              <a:schemeClr val="bg1">
+                <a:lumMod val="95000"/>
+              </a:schemeClr>
+            </a:solidFill>
+          </a:ln>
+        </p:spPr>
+        <p:style>
+          <a:lnRef idx="1">
+            <a:schemeClr val="accent1"/>
+          </a:lnRef>
+          <a:fillRef idx="0">
+            <a:schemeClr val="accent1"/>
+          </a:fillRef>
+          <a:effectRef idx="0">
+            <a:schemeClr val="accent1"/>
+          </a:effectRef>
+          <a:fontRef idx="minor">
+            <a:schemeClr val="tx1"/>
+          </a:fontRef>
+        </p:style>
+      </p:cxnSp>
+      <p:cxnSp>
+        <p:nvCxnSpPr>
+          <p:cNvPr id="24" name="직선 연결선 23">
+            <a:extLst>
+              <a:ext uri="{FF2B5EF4-FFF2-40B4-BE49-F238E27FC236}">
+                <a16:creationId xmlns:a16="http://schemas.microsoft.com/office/drawing/2014/main" id="{B917027F-47D9-4B18-A08E-EA01489E4BB6}"/>
+              </a:ext>
+            </a:extLst>
+          </p:cNvPr>
+          <p:cNvCxnSpPr>
+            <a:cxnSpLocks/>
+          </p:cNvCxnSpPr>
+          <p:nvPr/>
+        </p:nvCxnSpPr>
+        <p:spPr>
+          <a:xfrm flipV="1">
+            <a:off x="2610677" y="2830734"/>
+            <a:ext cx="4287428" cy="6624"/>
+          </a:xfrm>
+          <a:prstGeom prst="line">
+            <a:avLst/>
+          </a:prstGeom>
+          <a:ln w="76200">
+            <a:solidFill>
+              <a:schemeClr val="bg1"/>
+            </a:solidFill>
+          </a:ln>
+        </p:spPr>
+        <p:style>
+          <a:lnRef idx="1">
+            <a:schemeClr val="accent1"/>
+          </a:lnRef>
+          <a:fillRef idx="0">
+            <a:schemeClr val="accent1"/>
+          </a:fillRef>
+          <a:effectRef idx="0">
+            <a:schemeClr val="accent1"/>
+          </a:effectRef>
+          <a:fontRef idx="minor">
+            <a:schemeClr val="tx1"/>
+          </a:fontRef>
+        </p:style>
+      </p:cxnSp>
+      <p:cxnSp>
+        <p:nvCxnSpPr>
+          <p:cNvPr id="25" name="직선 연결선 24">
+            <a:extLst>
+              <a:ext uri="{FF2B5EF4-FFF2-40B4-BE49-F238E27FC236}">
+                <a16:creationId xmlns:a16="http://schemas.microsoft.com/office/drawing/2014/main" id="{8AC6AD62-308D-495A-9292-0863A1D45646}"/>
+              </a:ext>
+            </a:extLst>
+          </p:cNvPr>
+          <p:cNvCxnSpPr/>
+          <p:nvPr/>
+        </p:nvCxnSpPr>
+        <p:spPr>
+          <a:xfrm>
+            <a:off x="3240156" y="2009097"/>
+            <a:ext cx="1550505" cy="0"/>
+          </a:xfrm>
+          <a:prstGeom prst="line">
+            <a:avLst/>
+          </a:prstGeom>
+          <a:ln w="76200">
+            <a:solidFill>
+              <a:schemeClr val="accent2"/>
+            </a:solidFill>
+          </a:ln>
+        </p:spPr>
+        <p:style>
+          <a:lnRef idx="1">
+            <a:schemeClr val="accent1"/>
+          </a:lnRef>
+          <a:fillRef idx="0">
+            <a:schemeClr val="accent1"/>
+          </a:fillRef>
+          <a:effectRef idx="0">
+            <a:schemeClr val="accent1"/>
+          </a:effectRef>
+          <a:fontRef idx="minor">
+            <a:schemeClr val="tx1"/>
+          </a:fontRef>
+        </p:style>
+      </p:cxnSp>
+      <p:cxnSp>
+        <p:nvCxnSpPr>
+          <p:cNvPr id="26" name="직선 연결선 25">
+            <a:extLst>
+              <a:ext uri="{FF2B5EF4-FFF2-40B4-BE49-F238E27FC236}">
+                <a16:creationId xmlns:a16="http://schemas.microsoft.com/office/drawing/2014/main" id="{2ABCE183-600D-4AD2-92A4-59FE17A4C1D8}"/>
+              </a:ext>
+            </a:extLst>
+          </p:cNvPr>
+          <p:cNvCxnSpPr>
+            <a:cxnSpLocks/>
+          </p:cNvCxnSpPr>
+          <p:nvPr/>
+        </p:nvCxnSpPr>
+        <p:spPr>
+          <a:xfrm>
+            <a:off x="4973053" y="2320523"/>
+            <a:ext cx="1533764" cy="0"/>
+          </a:xfrm>
+          <a:prstGeom prst="line">
+            <a:avLst/>
+          </a:prstGeom>
+          <a:ln w="76200">
+            <a:solidFill>
+              <a:schemeClr val="accent2"/>
+            </a:solidFill>
+          </a:ln>
+        </p:spPr>
+        <p:style>
+          <a:lnRef idx="1">
+            <a:schemeClr val="accent1"/>
+          </a:lnRef>
+          <a:fillRef idx="0">
+            <a:schemeClr val="accent1"/>
+          </a:fillRef>
+          <a:effectRef idx="0">
+            <a:schemeClr val="accent1"/>
+          </a:effectRef>
+          <a:fontRef idx="minor">
+            <a:schemeClr val="tx1"/>
+          </a:fontRef>
+        </p:style>
+      </p:cxnSp>
+      <p:cxnSp>
+        <p:nvCxnSpPr>
+          <p:cNvPr id="27" name="직선 연결선 26">
+            <a:extLst>
+              <a:ext uri="{FF2B5EF4-FFF2-40B4-BE49-F238E27FC236}">
+                <a16:creationId xmlns:a16="http://schemas.microsoft.com/office/drawing/2014/main" id="{268D6EC2-9F49-47EE-85D0-DB856CC2F434}"/>
+              </a:ext>
+            </a:extLst>
+          </p:cNvPr>
+          <p:cNvCxnSpPr/>
+          <p:nvPr/>
+        </p:nvCxnSpPr>
+        <p:spPr>
+          <a:xfrm>
+            <a:off x="5585791" y="3294559"/>
+            <a:ext cx="1550505" cy="0"/>
+          </a:xfrm>
+          <a:prstGeom prst="line">
+            <a:avLst/>
+          </a:prstGeom>
+          <a:ln w="76200">
+            <a:solidFill>
+              <a:schemeClr val="bg1">
+                <a:lumMod val="95000"/>
+              </a:schemeClr>
+            </a:solidFill>
+          </a:ln>
+        </p:spPr>
+        <p:style>
+          <a:lnRef idx="1">
+            <a:schemeClr val="accent1"/>
+          </a:lnRef>
+          <a:fillRef idx="0">
+            <a:schemeClr val="accent1"/>
+          </a:fillRef>
+          <a:effectRef idx="0">
+            <a:schemeClr val="accent1"/>
+          </a:effectRef>
+          <a:fontRef idx="minor">
+            <a:schemeClr val="tx1"/>
+          </a:fontRef>
+        </p:style>
+      </p:cxnSp>
+      <p:cxnSp>
+        <p:nvCxnSpPr>
+          <p:cNvPr id="28" name="직선 연결선 27">
+            <a:extLst>
+              <a:ext uri="{FF2B5EF4-FFF2-40B4-BE49-F238E27FC236}">
+                <a16:creationId xmlns:a16="http://schemas.microsoft.com/office/drawing/2014/main" id="{E04857BE-EEA1-4CCE-A09D-B41528C0903F}"/>
+              </a:ext>
+            </a:extLst>
+          </p:cNvPr>
+          <p:cNvCxnSpPr>
+            <a:cxnSpLocks/>
+          </p:cNvCxnSpPr>
+          <p:nvPr/>
+        </p:nvCxnSpPr>
+        <p:spPr>
+          <a:xfrm>
+            <a:off x="5738191" y="3658993"/>
+            <a:ext cx="2438400" cy="0"/>
+          </a:xfrm>
+          <a:prstGeom prst="line">
+            <a:avLst/>
+          </a:prstGeom>
+          <a:ln w="76200">
+            <a:solidFill>
+              <a:schemeClr val="bg1">
+                <a:lumMod val="95000"/>
+              </a:schemeClr>
+            </a:solidFill>
+          </a:ln>
+        </p:spPr>
+        <p:style>
+          <a:lnRef idx="1">
+            <a:schemeClr val="accent1"/>
+          </a:lnRef>
+          <a:fillRef idx="0">
+            <a:schemeClr val="accent1"/>
+          </a:fillRef>
+          <a:effectRef idx="0">
+            <a:schemeClr val="accent1"/>
+          </a:effectRef>
+          <a:fontRef idx="minor">
+            <a:schemeClr val="tx1"/>
+          </a:fontRef>
+        </p:style>
+      </p:cxnSp>
+      <p:cxnSp>
+        <p:nvCxnSpPr>
+          <p:cNvPr id="29" name="직선 연결선 28">
+            <a:extLst>
+              <a:ext uri="{FF2B5EF4-FFF2-40B4-BE49-F238E27FC236}">
+                <a16:creationId xmlns:a16="http://schemas.microsoft.com/office/drawing/2014/main" id="{E2B6C1D7-6F4A-477C-A278-230E4E0DB9B5}"/>
+              </a:ext>
+            </a:extLst>
+          </p:cNvPr>
+          <p:cNvCxnSpPr>
+            <a:cxnSpLocks/>
+          </p:cNvCxnSpPr>
+          <p:nvPr/>
+        </p:nvCxnSpPr>
+        <p:spPr>
+          <a:xfrm>
+            <a:off x="9282448" y="2830734"/>
+            <a:ext cx="2418522" cy="0"/>
+          </a:xfrm>
+          <a:prstGeom prst="line">
+            <a:avLst/>
+          </a:prstGeom>
+          <a:ln w="76200">
+            <a:solidFill>
+              <a:schemeClr val="bg1">
+                <a:lumMod val="95000"/>
+              </a:schemeClr>
+            </a:solidFill>
+          </a:ln>
+        </p:spPr>
+        <p:style>
+          <a:lnRef idx="1">
+            <a:schemeClr val="accent1"/>
+          </a:lnRef>
+          <a:fillRef idx="0">
+            <a:schemeClr val="accent1"/>
+          </a:fillRef>
+          <a:effectRef idx="0">
+            <a:schemeClr val="accent1"/>
+          </a:effectRef>
+          <a:fontRef idx="minor">
+            <a:schemeClr val="tx1"/>
+          </a:fontRef>
+        </p:style>
+      </p:cxnSp>
+      <p:cxnSp>
+        <p:nvCxnSpPr>
+          <p:cNvPr id="30" name="직선 연결선 29">
+            <a:extLst>
+              <a:ext uri="{FF2B5EF4-FFF2-40B4-BE49-F238E27FC236}">
+                <a16:creationId xmlns:a16="http://schemas.microsoft.com/office/drawing/2014/main" id="{4675B8C9-ED9A-4761-AE18-4019DE4D9C22}"/>
+              </a:ext>
+            </a:extLst>
+          </p:cNvPr>
+          <p:cNvCxnSpPr>
+            <a:cxnSpLocks/>
+          </p:cNvCxnSpPr>
+          <p:nvPr/>
+        </p:nvCxnSpPr>
+        <p:spPr>
+          <a:xfrm>
+            <a:off x="7593496" y="2267515"/>
+            <a:ext cx="2411895" cy="0"/>
+          </a:xfrm>
+          <a:prstGeom prst="line">
+            <a:avLst/>
+          </a:prstGeom>
+          <a:ln w="76200">
+            <a:solidFill>
+              <a:schemeClr val="accent2"/>
+            </a:solidFill>
+          </a:ln>
+        </p:spPr>
+        <p:style>
+          <a:lnRef idx="1">
+            <a:schemeClr val="accent1"/>
+          </a:lnRef>
+          <a:fillRef idx="0">
+            <a:schemeClr val="accent1"/>
+          </a:fillRef>
+          <a:effectRef idx="0">
+            <a:schemeClr val="accent1"/>
+          </a:effectRef>
+          <a:fontRef idx="minor">
+            <a:schemeClr val="tx1"/>
+          </a:fontRef>
+        </p:style>
+      </p:cxnSp>
+      <p:cxnSp>
+        <p:nvCxnSpPr>
+          <p:cNvPr id="31" name="직선 연결선 30">
+            <a:extLst>
+              <a:ext uri="{FF2B5EF4-FFF2-40B4-BE49-F238E27FC236}">
+                <a16:creationId xmlns:a16="http://schemas.microsoft.com/office/drawing/2014/main" id="{6BB163DC-2230-40E0-A6BB-F933BDB96817}"/>
+              </a:ext>
+            </a:extLst>
+          </p:cNvPr>
+          <p:cNvCxnSpPr/>
+          <p:nvPr/>
+        </p:nvCxnSpPr>
+        <p:spPr>
+          <a:xfrm>
+            <a:off x="8315741" y="3148784"/>
+            <a:ext cx="1550505" cy="0"/>
+          </a:xfrm>
+          <a:prstGeom prst="line">
+            <a:avLst/>
+          </a:prstGeom>
+          <a:ln w="76200">
+            <a:solidFill>
+              <a:schemeClr val="bg1">
+                <a:lumMod val="95000"/>
+              </a:schemeClr>
+            </a:solidFill>
+          </a:ln>
+        </p:spPr>
+        <p:style>
+          <a:lnRef idx="1">
+            <a:schemeClr val="accent1"/>
+          </a:lnRef>
+          <a:fillRef idx="0">
+            <a:schemeClr val="accent1"/>
+          </a:fillRef>
+          <a:effectRef idx="0">
+            <a:schemeClr val="accent1"/>
+          </a:effectRef>
+          <a:fontRef idx="minor">
+            <a:schemeClr val="tx1"/>
+          </a:fontRef>
+        </p:style>
+      </p:cxnSp>
+      <p:sp>
+        <p:nvSpPr>
+          <p:cNvPr id="32" name="TextBox 31">
+            <a:extLst>
+              <a:ext uri="{FF2B5EF4-FFF2-40B4-BE49-F238E27FC236}">
+                <a16:creationId xmlns:a16="http://schemas.microsoft.com/office/drawing/2014/main" id="{A3029DFB-5A98-4E9D-89C5-2970DE120AF0}"/>
+              </a:ext>
+            </a:extLst>
+          </p:cNvPr>
+          <p:cNvSpPr txBox="1"/>
+          <p:nvPr/>
+        </p:nvSpPr>
+        <p:spPr>
+          <a:xfrm>
+            <a:off x="3449706" y="1406180"/>
+            <a:ext cx="1131404" cy="446276"/>
+          </a:xfrm>
+          <a:prstGeom prst="rect">
+            <a:avLst/>
+          </a:prstGeom>
+          <a:noFill/>
+        </p:spPr>
+        <p:txBody>
+          <a:bodyPr wrap="square" rtlCol="0">
+            <a:spAutoFit/>
+          </a:bodyPr>
+          <a:lstStyle/>
+          <a:p>
+            <a:r>
+              <a:rPr lang="ko-KR" altLang="en-US" sz="2300" dirty="0">
+                <a:solidFill>
+                  <a:schemeClr val="bg1">
+                    <a:lumMod val="95000"/>
+                  </a:schemeClr>
+                </a:solidFill>
+              </a:rPr>
+              <a:t>회의 </a:t>
+            </a:r>
+            <a:r>
+              <a:rPr lang="en-US" altLang="ko-KR" sz="2300" dirty="0">
+                <a:solidFill>
+                  <a:schemeClr val="bg1">
+                    <a:lumMod val="95000"/>
+                  </a:schemeClr>
+                </a:solidFill>
+              </a:rPr>
+              <a:t>A</a:t>
+            </a:r>
+          </a:p>
+        </p:txBody>
+      </p:sp>
+      <p:sp>
+        <p:nvSpPr>
+          <p:cNvPr id="33" name="TextBox 32">
+            <a:extLst>
+              <a:ext uri="{FF2B5EF4-FFF2-40B4-BE49-F238E27FC236}">
+                <a16:creationId xmlns:a16="http://schemas.microsoft.com/office/drawing/2014/main" id="{710A6C55-2DE7-47A9-8F51-493A12277A16}"/>
+              </a:ext>
+            </a:extLst>
+          </p:cNvPr>
+          <p:cNvSpPr txBox="1"/>
+          <p:nvPr/>
+        </p:nvSpPr>
+        <p:spPr>
+          <a:xfrm>
+            <a:off x="5172489" y="1702040"/>
+            <a:ext cx="1131404" cy="446276"/>
+          </a:xfrm>
+          <a:prstGeom prst="rect">
+            <a:avLst/>
+          </a:prstGeom>
+          <a:noFill/>
+        </p:spPr>
+        <p:txBody>
+          <a:bodyPr wrap="square" rtlCol="0">
+            <a:spAutoFit/>
+          </a:bodyPr>
+          <a:lstStyle/>
+          <a:p>
+            <a:r>
+              <a:rPr lang="ko-KR" altLang="en-US" sz="2300" dirty="0">
+                <a:solidFill>
+                  <a:schemeClr val="bg1">
+                    <a:lumMod val="95000"/>
+                  </a:schemeClr>
+                </a:solidFill>
+              </a:rPr>
+              <a:t>회의 </a:t>
+            </a:r>
+            <a:r>
+              <a:rPr lang="en-US" altLang="ko-KR" sz="2300" dirty="0">
+                <a:solidFill>
+                  <a:schemeClr val="bg1">
+                    <a:lumMod val="95000"/>
+                  </a:schemeClr>
+                </a:solidFill>
+              </a:rPr>
+              <a:t>B</a:t>
+            </a:r>
+          </a:p>
+        </p:txBody>
+      </p:sp>
+    </p:spTree>
+    <p:extLst>
+      <p:ext uri="{BB962C8B-B14F-4D97-AF65-F5344CB8AC3E}">
+        <p14:creationId xmlns:p14="http://schemas.microsoft.com/office/powerpoint/2010/main" val="350072534"/>
+      </p:ext>
+    </p:extLst>
+  </p:cSld>
+  <p:clrMapOvr>
+    <a:masterClrMapping/>
+  </p:clrMapOvr>
+</p:sld>
+</file>
+
+<file path=ppt/slides/slide26.xml><?xml version="1.0" encoding="utf-8"?>
 <p:sld xmlns:a="http://schemas.openxmlformats.org/drawingml/2006/main" xmlns:r="http://schemas.openxmlformats.org/officeDocument/2006/relationships" xmlns:p="http://schemas.openxmlformats.org/presentationml/2006/main">
   <p:cSld>
     <p:bg>
@@ -19202,94 +16937,8 @@
                   <a:schemeClr val="bg1"/>
                 </a:solidFill>
               </a:rPr>
-              <a:t>● 연습 문제 </a:t>
-            </a:r>
-            <a:r>
-              <a:rPr lang="en-US" altLang="ko-KR" sz="3200" dirty="0" err="1">
-                <a:solidFill>
-                  <a:schemeClr val="bg1"/>
-                </a:solidFill>
-              </a:rPr>
-              <a:t>Boj</a:t>
-            </a:r>
-            <a:r>
-              <a:rPr lang="en-US" altLang="ko-KR" sz="3200" dirty="0">
-                <a:solidFill>
-                  <a:schemeClr val="bg1"/>
-                </a:solidFill>
-              </a:rPr>
-              <a:t> 1931 – </a:t>
-            </a:r>
-            <a:r>
-              <a:rPr lang="ko-KR" altLang="en-US" sz="3200" dirty="0">
-                <a:solidFill>
-                  <a:schemeClr val="bg1"/>
-                </a:solidFill>
-              </a:rPr>
-              <a:t>회의실배정</a:t>
-            </a:r>
-          </a:p>
-        </p:txBody>
-      </p:sp>
-      <p:sp>
-        <p:nvSpPr>
-          <p:cNvPr id="5" name="TextBox 4">
-            <a:extLst>
-              <a:ext uri="{FF2B5EF4-FFF2-40B4-BE49-F238E27FC236}">
-                <a16:creationId xmlns:a16="http://schemas.microsoft.com/office/drawing/2014/main" id="{8251E471-F9D0-4506-A27C-A56EF94BFF7D}"/>
-              </a:ext>
-            </a:extLst>
-          </p:cNvPr>
-          <p:cNvSpPr txBox="1"/>
-          <p:nvPr/>
-        </p:nvSpPr>
-        <p:spPr>
-          <a:xfrm>
-            <a:off x="529325" y="1134606"/>
-            <a:ext cx="10656277" cy="553998"/>
-          </a:xfrm>
-          <a:prstGeom prst="rect">
-            <a:avLst/>
-          </a:prstGeom>
-          <a:noFill/>
-        </p:spPr>
-        <p:txBody>
-          <a:bodyPr wrap="square" rtlCol="0">
-            <a:spAutoFit/>
-          </a:bodyPr>
-          <a:lstStyle/>
-          <a:p>
-            <a:pPr marL="457200" indent="-457200">
-              <a:buFont typeface="Arial" panose="020B0604020202020204" pitchFamily="34" charset="0"/>
-              <a:buChar char="•"/>
-            </a:pPr>
-            <a:r>
-              <a:rPr lang="ko-KR" altLang="en-US" sz="3000" dirty="0" err="1">
-                <a:solidFill>
-                  <a:schemeClr val="bg1">
-                    <a:lumMod val="95000"/>
-                  </a:schemeClr>
-                </a:solidFill>
-              </a:rPr>
-              <a:t>그리디</a:t>
-            </a:r>
-            <a:r>
-              <a:rPr lang="ko-KR" altLang="en-US" sz="3000" dirty="0">
-                <a:solidFill>
-                  <a:schemeClr val="bg1">
-                    <a:lumMod val="95000"/>
-                  </a:schemeClr>
-                </a:solidFill>
-              </a:rPr>
-              <a:t> 풀이 법</a:t>
-            </a:r>
-            <a:endParaRPr lang="en-US" altLang="ko-KR" sz="3000" dirty="0">
-              <a:solidFill>
-                <a:schemeClr val="bg1">
-                  <a:lumMod val="95000"/>
-                </a:schemeClr>
-              </a:solidFill>
-            </a:endParaRPr>
+              <a:t>● 정리</a:t>
+            </a:r>
           </a:p>
         </p:txBody>
       </p:sp>
@@ -19307,8 +16956,8 @@
         </p:nvSpPr>
         <p:spPr>
           <a:xfrm>
-            <a:off x="529325" y="1925614"/>
-            <a:ext cx="10656277" cy="800219"/>
+            <a:off x="529325" y="1156987"/>
+            <a:ext cx="10656277" cy="1862048"/>
           </a:xfrm>
           <a:prstGeom prst="rect">
             <a:avLst/>
@@ -19333,7 +16982,17 @@
                   </a:schemeClr>
                 </a:solidFill>
               </a:rPr>
-              <a:t>사실 이 문제도 </a:t>
+              <a:t>앞으로 배울 </a:t>
+            </a:r>
+            <a:r>
+              <a:rPr lang="en-US" altLang="ko-KR" sz="2300" dirty="0">
+                <a:solidFill>
+                  <a:schemeClr val="bg1">
+                    <a:lumMod val="95000"/>
+                  </a:schemeClr>
+                </a:solidFill>
+              </a:rPr>
+              <a:t>MST, </a:t>
             </a:r>
             <a:r>
               <a:rPr lang="ko-KR" altLang="en-US" sz="2300" dirty="0" err="1">
@@ -19343,7 +17002,7 @@
                   </a:schemeClr>
                 </a:solidFill>
               </a:rPr>
-              <a:t>귀류법으로</a:t>
+              <a:t>다익스트라</a:t>
             </a:r>
             <a:r>
               <a:rPr lang="ko-KR" altLang="en-US" sz="2300" dirty="0">
@@ -19353,7 +17012,7 @@
                   </a:schemeClr>
                 </a:solidFill>
               </a:rPr>
-              <a:t> 증명이 가능한데</a:t>
+              <a:t> 알고리즘</a:t>
             </a:r>
             <a:r>
               <a:rPr lang="en-US" altLang="ko-KR" sz="2300" dirty="0">
@@ -19363,9 +17022,104 @@
                   </a:schemeClr>
                 </a:solidFill>
               </a:rPr>
+              <a:t> </a:t>
+            </a:r>
+            <a:r>
+              <a:rPr lang="ko-KR" altLang="en-US" sz="2300" dirty="0">
+                <a:solidFill>
+                  <a:schemeClr val="bg1">
+                    <a:lumMod val="95000"/>
+                  </a:schemeClr>
+                </a:solidFill>
+              </a:rPr>
+              <a:t>등도 최적 해를 보장하는 </a:t>
+            </a:r>
+            <a:r>
+              <a:rPr lang="ko-KR" altLang="en-US" sz="2300" dirty="0" err="1">
+                <a:solidFill>
+                  <a:schemeClr val="bg1">
+                    <a:lumMod val="95000"/>
+                  </a:schemeClr>
+                </a:solidFill>
+              </a:rPr>
+              <a:t>그리디</a:t>
+            </a:r>
+            <a:r>
+              <a:rPr lang="ko-KR" altLang="en-US" sz="2300" dirty="0">
+                <a:solidFill>
+                  <a:schemeClr val="bg1">
+                    <a:lumMod val="95000"/>
+                  </a:schemeClr>
+                </a:solidFill>
+              </a:rPr>
+              <a:t> 알고리즘의 한 종류입니다</a:t>
+            </a:r>
+            <a:r>
+              <a:rPr lang="en-US" altLang="ko-KR" sz="2300" dirty="0">
+                <a:solidFill>
+                  <a:schemeClr val="bg1">
+                    <a:lumMod val="95000"/>
+                  </a:schemeClr>
+                </a:solidFill>
+              </a:rPr>
+              <a:t>.</a:t>
+            </a:r>
+          </a:p>
+          <a:p>
+            <a:endParaRPr lang="en-US" altLang="ko-KR" sz="2300" dirty="0">
+              <a:solidFill>
+                <a:schemeClr val="bg1">
+                  <a:lumMod val="95000"/>
+                </a:schemeClr>
+              </a:solidFill>
+            </a:endParaRPr>
+          </a:p>
+          <a:p>
+            <a:pPr marL="457200" indent="-457200">
+              <a:buFont typeface="Arial" panose="020B0604020202020204" pitchFamily="34" charset="0"/>
+              <a:buChar char="•"/>
+            </a:pPr>
+            <a:r>
+              <a:rPr lang="ko-KR" altLang="en-US" sz="2300" dirty="0" err="1">
+                <a:solidFill>
+                  <a:schemeClr val="bg1">
+                    <a:lumMod val="95000"/>
+                  </a:schemeClr>
+                </a:solidFill>
+              </a:rPr>
+              <a:t>그리디</a:t>
+            </a:r>
+            <a:r>
+              <a:rPr lang="ko-KR" altLang="en-US" sz="2300" dirty="0">
+                <a:solidFill>
+                  <a:schemeClr val="bg1">
+                    <a:lumMod val="95000"/>
+                  </a:schemeClr>
+                </a:solidFill>
+              </a:rPr>
+              <a:t> 관련 공부를 더욱 하고 싶으시면</a:t>
+            </a:r>
+            <a:r>
+              <a:rPr lang="en-US" altLang="ko-KR" sz="2300" dirty="0">
+                <a:solidFill>
+                  <a:schemeClr val="bg1">
+                    <a:lumMod val="95000"/>
+                  </a:schemeClr>
+                </a:solidFill>
+              </a:rPr>
               <a:t>, </a:t>
             </a:r>
             <a:r>
+              <a:rPr lang="ko-KR" altLang="en-US" sz="2300" dirty="0" err="1">
+                <a:solidFill>
+                  <a:schemeClr val="bg1">
+                    <a:lumMod val="95000"/>
+                  </a:schemeClr>
+                </a:solidFill>
+              </a:rPr>
+              <a:t>매트로이드</a:t>
+            </a:r>
+            <a:r>
               <a:rPr lang="ko-KR" altLang="en-US" sz="2300" dirty="0">
                 <a:solidFill>
                   <a:schemeClr val="bg1">
@@ -19373,7 +17127,7 @@
                   </a:schemeClr>
                 </a:solidFill>
               </a:rPr>
-              <a:t>되도록 대부분의 증명은 따로 올리도록 하겠습니다</a:t>
+              <a:t> </a:t>
             </a:r>
             <a:r>
               <a:rPr lang="en-US" altLang="ko-KR" sz="2300" dirty="0">
@@ -19383,7 +17137,57 @@
                   </a:schemeClr>
                 </a:solidFill>
               </a:rPr>
-              <a:t>. </a:t>
+              <a:t>(</a:t>
+            </a:r>
+            <a:r>
+              <a:rPr lang="ko-KR" altLang="en-US" sz="2300" dirty="0" err="1">
+                <a:solidFill>
+                  <a:schemeClr val="bg1">
+                    <a:lumMod val="95000"/>
+                  </a:schemeClr>
+                </a:solidFill>
+              </a:rPr>
+              <a:t>그리디</a:t>
+            </a:r>
+            <a:r>
+              <a:rPr lang="ko-KR" altLang="en-US" sz="2300" dirty="0">
+                <a:solidFill>
+                  <a:schemeClr val="bg1">
+                    <a:lumMod val="95000"/>
+                  </a:schemeClr>
+                </a:solidFill>
+              </a:rPr>
+              <a:t> 알고리즘으로 최적해가 보장되는 공간 구조</a:t>
+            </a:r>
+            <a:r>
+              <a:rPr lang="en-US" altLang="ko-KR" sz="2300" dirty="0">
+                <a:solidFill>
+                  <a:schemeClr val="bg1">
+                    <a:lumMod val="95000"/>
+                  </a:schemeClr>
+                </a:solidFill>
+              </a:rPr>
+              <a:t>) </a:t>
+            </a:r>
+            <a:r>
+              <a:rPr lang="ko-KR" altLang="en-US" sz="2300" dirty="0">
+                <a:solidFill>
+                  <a:schemeClr val="bg1">
+                    <a:lumMod val="95000"/>
+                  </a:schemeClr>
+                </a:solidFill>
+              </a:rPr>
+              <a:t>관련 공부를 키워드로 하시면 될 것 같습니다</a:t>
+            </a:r>
+            <a:r>
+              <a:rPr lang="en-US" altLang="ko-KR" sz="2300" dirty="0">
+                <a:solidFill>
+                  <a:schemeClr val="bg1">
+                    <a:lumMod val="95000"/>
+                  </a:schemeClr>
+                </a:solidFill>
+              </a:rPr>
+              <a:t>.</a:t>
             </a:r>
           </a:p>
         </p:txBody>
@@ -19391,7 +17195,7 @@
     </p:spTree>
     <p:extLst>
       <p:ext uri="{BB962C8B-B14F-4D97-AF65-F5344CB8AC3E}">
-        <p14:creationId xmlns:p14="http://schemas.microsoft.com/office/powerpoint/2010/main" val="3263190609"/>
+        <p14:creationId xmlns:p14="http://schemas.microsoft.com/office/powerpoint/2010/main" val="2992383073"/>
       </p:ext>
     </p:extLst>
   </p:cSld>
@@ -20789,335 +18593,6 @@
     <p:extLst>
       <p:ext uri="{BB962C8B-B14F-4D97-AF65-F5344CB8AC3E}">
         <p14:creationId xmlns:p14="http://schemas.microsoft.com/office/powerpoint/2010/main" val="236929570"/>
-      </p:ext>
-    </p:extLst>
-  </p:cSld>
-  <p:clrMapOvr>
-    <a:masterClrMapping/>
-  </p:clrMapOvr>
-</p:sld>
-</file>
-
-<file path=ppt/slides/slide30.xml><?xml version="1.0" encoding="utf-8"?>
-<p:sld xmlns:a="http://schemas.openxmlformats.org/drawingml/2006/main" xmlns:r="http://schemas.openxmlformats.org/officeDocument/2006/relationships" xmlns:p="http://schemas.openxmlformats.org/presentationml/2006/main">
-  <p:cSld>
-    <p:bg>
-      <p:bgPr>
-        <a:solidFill>
-          <a:schemeClr val="tx2">
-            <a:lumMod val="50000"/>
-          </a:schemeClr>
-        </a:solidFill>
-        <a:effectLst/>
-      </p:bgPr>
-    </p:bg>
-    <p:spTree>
-      <p:nvGrpSpPr>
-        <p:cNvPr id="1" name=""/>
-        <p:cNvGrpSpPr/>
-        <p:nvPr/>
-      </p:nvGrpSpPr>
-      <p:grpSpPr>
-        <a:xfrm>
-          <a:off x="0" y="0"/>
-          <a:ext cx="0" cy="0"/>
-          <a:chOff x="0" y="0"/>
-          <a:chExt cx="0" cy="0"/>
-        </a:xfrm>
-      </p:grpSpPr>
-      <p:sp>
-        <p:nvSpPr>
-          <p:cNvPr id="12" name="TextBox 11">
-            <a:extLst>
-              <a:ext uri="{FF2B5EF4-FFF2-40B4-BE49-F238E27FC236}">
-                <a16:creationId xmlns:a16="http://schemas.microsoft.com/office/drawing/2014/main" id="{596AC5E1-B4AA-48E3-862A-9440B136518E}"/>
-              </a:ext>
-            </a:extLst>
-          </p:cNvPr>
-          <p:cNvSpPr txBox="1"/>
-          <p:nvPr/>
-        </p:nvSpPr>
-        <p:spPr>
-          <a:xfrm>
-            <a:off x="312819" y="312821"/>
-            <a:ext cx="7201163" cy="584775"/>
-          </a:xfrm>
-          <a:prstGeom prst="rect">
-            <a:avLst/>
-          </a:prstGeom>
-          <a:noFill/>
-        </p:spPr>
-        <p:txBody>
-          <a:bodyPr wrap="square" rtlCol="0">
-            <a:spAutoFit/>
-          </a:bodyPr>
-          <a:lstStyle/>
-          <a:p>
-            <a:r>
-              <a:rPr lang="ko-KR" altLang="en-US" sz="3200" dirty="0">
-                <a:solidFill>
-                  <a:schemeClr val="bg1"/>
-                </a:solidFill>
-              </a:rPr>
-              <a:t>● 정리</a:t>
-            </a:r>
-          </a:p>
-        </p:txBody>
-      </p:sp>
-      <p:sp>
-        <p:nvSpPr>
-          <p:cNvPr id="22" name="TextBox 21">
-            <a:extLst>
-              <a:ext uri="{FF2B5EF4-FFF2-40B4-BE49-F238E27FC236}">
-                <a16:creationId xmlns:a16="http://schemas.microsoft.com/office/drawing/2014/main" id="{5F358A1B-8396-4AF1-93B6-D9495AF4C1D1}"/>
-              </a:ext>
-            </a:extLst>
-          </p:cNvPr>
-          <p:cNvSpPr txBox="1"/>
-          <p:nvPr/>
-        </p:nvSpPr>
-        <p:spPr>
-          <a:xfrm>
-            <a:off x="529325" y="1156987"/>
-            <a:ext cx="10656277" cy="1862048"/>
-          </a:xfrm>
-          <a:prstGeom prst="rect">
-            <a:avLst/>
-          </a:prstGeom>
-          <a:noFill/>
-        </p:spPr>
-        <p:txBody>
-          <a:bodyPr wrap="square" rtlCol="0">
-            <a:spAutoFit/>
-          </a:bodyPr>
-          <a:lstStyle/>
-          <a:p>
-            <a:pPr marL="457200" indent="-457200">
-              <a:buFont typeface="Arial" panose="020B0604020202020204" pitchFamily="34" charset="0"/>
-              <a:buChar char="•"/>
-            </a:pPr>
-            <a:r>
-              <a:rPr lang="ko-KR" altLang="en-US" sz="2300" dirty="0">
-                <a:solidFill>
-                  <a:schemeClr val="bg1">
-                    <a:lumMod val="95000"/>
-                  </a:schemeClr>
-                </a:solidFill>
-              </a:rPr>
-              <a:t>앞으로 배울 </a:t>
-            </a:r>
-            <a:r>
-              <a:rPr lang="en-US" altLang="ko-KR" sz="2300" dirty="0">
-                <a:solidFill>
-                  <a:schemeClr val="bg1">
-                    <a:lumMod val="95000"/>
-                  </a:schemeClr>
-                </a:solidFill>
-              </a:rPr>
-              <a:t>MST, </a:t>
-            </a:r>
-            <a:r>
-              <a:rPr lang="ko-KR" altLang="en-US" sz="2300" dirty="0" err="1">
-                <a:solidFill>
-                  <a:schemeClr val="bg1">
-                    <a:lumMod val="95000"/>
-                  </a:schemeClr>
-                </a:solidFill>
-              </a:rPr>
-              <a:t>다익스트라</a:t>
-            </a:r>
-            <a:r>
-              <a:rPr lang="ko-KR" altLang="en-US" sz="2300" dirty="0">
-                <a:solidFill>
-                  <a:schemeClr val="bg1">
-                    <a:lumMod val="95000"/>
-                  </a:schemeClr>
-                </a:solidFill>
-              </a:rPr>
-              <a:t> 알고리즘</a:t>
-            </a:r>
-            <a:r>
-              <a:rPr lang="en-US" altLang="ko-KR" sz="2300" dirty="0">
-                <a:solidFill>
-                  <a:schemeClr val="bg1">
-                    <a:lumMod val="95000"/>
-                  </a:schemeClr>
-                </a:solidFill>
-              </a:rPr>
-              <a:t> </a:t>
-            </a:r>
-            <a:r>
-              <a:rPr lang="ko-KR" altLang="en-US" sz="2300" dirty="0">
-                <a:solidFill>
-                  <a:schemeClr val="bg1">
-                    <a:lumMod val="95000"/>
-                  </a:schemeClr>
-                </a:solidFill>
-              </a:rPr>
-              <a:t>등도 최적 해를 보장하는 </a:t>
-            </a:r>
-            <a:r>
-              <a:rPr lang="ko-KR" altLang="en-US" sz="2300" dirty="0" err="1">
-                <a:solidFill>
-                  <a:schemeClr val="bg1">
-                    <a:lumMod val="95000"/>
-                  </a:schemeClr>
-                </a:solidFill>
-              </a:rPr>
-              <a:t>그리디</a:t>
-            </a:r>
-            <a:r>
-              <a:rPr lang="ko-KR" altLang="en-US" sz="2300" dirty="0">
-                <a:solidFill>
-                  <a:schemeClr val="bg1">
-                    <a:lumMod val="95000"/>
-                  </a:schemeClr>
-                </a:solidFill>
-              </a:rPr>
-              <a:t> 알고리즘의 한 종류입니다</a:t>
-            </a:r>
-            <a:r>
-              <a:rPr lang="en-US" altLang="ko-KR" sz="2300" dirty="0">
-                <a:solidFill>
-                  <a:schemeClr val="bg1">
-                    <a:lumMod val="95000"/>
-                  </a:schemeClr>
-                </a:solidFill>
-              </a:rPr>
-              <a:t>.</a:t>
-            </a:r>
-          </a:p>
-          <a:p>
-            <a:endParaRPr lang="en-US" altLang="ko-KR" sz="2300" dirty="0">
-              <a:solidFill>
-                <a:schemeClr val="bg1">
-                  <a:lumMod val="95000"/>
-                </a:schemeClr>
-              </a:solidFill>
-            </a:endParaRPr>
-          </a:p>
-          <a:p>
-            <a:pPr marL="457200" indent="-457200">
-              <a:buFont typeface="Arial" panose="020B0604020202020204" pitchFamily="34" charset="0"/>
-              <a:buChar char="•"/>
-            </a:pPr>
-            <a:r>
-              <a:rPr lang="ko-KR" altLang="en-US" sz="2300" dirty="0" err="1">
-                <a:solidFill>
-                  <a:schemeClr val="bg1">
-                    <a:lumMod val="95000"/>
-                  </a:schemeClr>
-                </a:solidFill>
-              </a:rPr>
-              <a:t>그리디</a:t>
-            </a:r>
-            <a:r>
-              <a:rPr lang="ko-KR" altLang="en-US" sz="2300" dirty="0">
-                <a:solidFill>
-                  <a:schemeClr val="bg1">
-                    <a:lumMod val="95000"/>
-                  </a:schemeClr>
-                </a:solidFill>
-              </a:rPr>
-              <a:t> 관련 공부를 더욱 하고 싶으시면</a:t>
-            </a:r>
-            <a:r>
-              <a:rPr lang="en-US" altLang="ko-KR" sz="2300" dirty="0">
-                <a:solidFill>
-                  <a:schemeClr val="bg1">
-                    <a:lumMod val="95000"/>
-                  </a:schemeClr>
-                </a:solidFill>
-              </a:rPr>
-              <a:t>, </a:t>
-            </a:r>
-            <a:r>
-              <a:rPr lang="ko-KR" altLang="en-US" sz="2300" dirty="0" err="1">
-                <a:solidFill>
-                  <a:schemeClr val="bg1">
-                    <a:lumMod val="95000"/>
-                  </a:schemeClr>
-                </a:solidFill>
-              </a:rPr>
-              <a:t>매트로이드</a:t>
-            </a:r>
-            <a:r>
-              <a:rPr lang="ko-KR" altLang="en-US" sz="2300" dirty="0">
-                <a:solidFill>
-                  <a:schemeClr val="bg1">
-                    <a:lumMod val="95000"/>
-                  </a:schemeClr>
-                </a:solidFill>
-              </a:rPr>
-              <a:t> </a:t>
-            </a:r>
-            <a:r>
-              <a:rPr lang="en-US" altLang="ko-KR" sz="2300" dirty="0">
-                <a:solidFill>
-                  <a:schemeClr val="bg1">
-                    <a:lumMod val="95000"/>
-                  </a:schemeClr>
-                </a:solidFill>
-              </a:rPr>
-              <a:t>(</a:t>
-            </a:r>
-            <a:r>
-              <a:rPr lang="ko-KR" altLang="en-US" sz="2300" dirty="0" err="1">
-                <a:solidFill>
-                  <a:schemeClr val="bg1">
-                    <a:lumMod val="95000"/>
-                  </a:schemeClr>
-                </a:solidFill>
-              </a:rPr>
-              <a:t>그리디</a:t>
-            </a:r>
-            <a:r>
-              <a:rPr lang="ko-KR" altLang="en-US" sz="2300" dirty="0">
-                <a:solidFill>
-                  <a:schemeClr val="bg1">
-                    <a:lumMod val="95000"/>
-                  </a:schemeClr>
-                </a:solidFill>
-              </a:rPr>
-              <a:t> 알고리즘으로 최적해가 보장되는 공간 구조</a:t>
-            </a:r>
-            <a:r>
-              <a:rPr lang="en-US" altLang="ko-KR" sz="2300" dirty="0">
-                <a:solidFill>
-                  <a:schemeClr val="bg1">
-                    <a:lumMod val="95000"/>
-                  </a:schemeClr>
-                </a:solidFill>
-              </a:rPr>
-              <a:t>) </a:t>
-            </a:r>
-            <a:r>
-              <a:rPr lang="ko-KR" altLang="en-US" sz="2300" dirty="0">
-                <a:solidFill>
-                  <a:schemeClr val="bg1">
-                    <a:lumMod val="95000"/>
-                  </a:schemeClr>
-                </a:solidFill>
-              </a:rPr>
-              <a:t>관련 공부를 키워드로 하시면 될 것 같습니다</a:t>
-            </a:r>
-            <a:r>
-              <a:rPr lang="en-US" altLang="ko-KR" sz="2300" dirty="0">
-                <a:solidFill>
-                  <a:schemeClr val="bg1">
-                    <a:lumMod val="95000"/>
-                  </a:schemeClr>
-                </a:solidFill>
-              </a:rPr>
-              <a:t>.</a:t>
-            </a:r>
-          </a:p>
-        </p:txBody>
-      </p:sp>
-    </p:spTree>
-    <p:extLst>
-      <p:ext uri="{BB962C8B-B14F-4D97-AF65-F5344CB8AC3E}">
-        <p14:creationId xmlns:p14="http://schemas.microsoft.com/office/powerpoint/2010/main" val="2992383073"/>
       </p:ext>
     </p:extLst>
   </p:cSld>

--- a/assets/images/그리디/그리디.pptx
+++ b/assets/images/그리디/그리디.pptx
@@ -30,7 +30,10 @@
     <p:sldId id="269" r:id="rId24"/>
     <p:sldId id="288" r:id="rId25"/>
     <p:sldId id="289" r:id="rId26"/>
-    <p:sldId id="270" r:id="rId27"/>
+    <p:sldId id="290" r:id="rId27"/>
+    <p:sldId id="291" r:id="rId28"/>
+    <p:sldId id="292" r:id="rId29"/>
+    <p:sldId id="270" r:id="rId30"/>
   </p:sldIdLst>
   <p:sldSz cx="12192000" cy="6858000"/>
   <p:notesSz cx="6858000" cy="9144000"/>
@@ -140,7 +143,7 @@
 <file path=ppt/revisionInfo.xml><?xml version="1.0" encoding="utf-8"?>
 <p1510:revInfo xmlns:a="http://schemas.openxmlformats.org/drawingml/2006/main" xmlns:r="http://schemas.openxmlformats.org/officeDocument/2006/relationships" xmlns:p1510="http://schemas.microsoft.com/office/powerpoint/2015/10/main">
   <p1510:revLst>
-    <p1510:client id="{871F5B20-3F1A-465E-8510-54EB325A4742}" v="71" dt="2021-10-20T11:29:27.610"/>
+    <p1510:client id="{1FBF0A56-61E5-4C79-BD05-19A5A6096C81}" v="320" dt="2021-11-09T14:32:42.142"/>
   </p1510:revLst>
 </p1510:revInfo>
 </file>
@@ -612,6 +615,276 @@
     </pc:docChg>
   </pc:docChgLst>
   <pc:docChgLst>
+    <pc:chgData name="noh taehyun" userId="26ea3cd8016ad7de" providerId="LiveId" clId="{1FBF0A56-61E5-4C79-BD05-19A5A6096C81}"/>
+    <pc:docChg chg="custSel addSld modSld sldOrd">
+      <pc:chgData name="noh taehyun" userId="26ea3cd8016ad7de" providerId="LiveId" clId="{1FBF0A56-61E5-4C79-BD05-19A5A6096C81}" dt="2021-11-09T14:32:42.143" v="1944" actId="20577"/>
+      <pc:docMkLst>
+        <pc:docMk/>
+      </pc:docMkLst>
+      <pc:sldChg chg="addSp delSp modSp add mod ord">
+        <pc:chgData name="noh taehyun" userId="26ea3cd8016ad7de" providerId="LiveId" clId="{1FBF0A56-61E5-4C79-BD05-19A5A6096C81}" dt="2021-11-09T13:39:13.919" v="831" actId="1037"/>
+        <pc:sldMkLst>
+          <pc:docMk/>
+          <pc:sldMk cId="1172634753" sldId="290"/>
+        </pc:sldMkLst>
+        <pc:spChg chg="add del">
+          <ac:chgData name="noh taehyun" userId="26ea3cd8016ad7de" providerId="LiveId" clId="{1FBF0A56-61E5-4C79-BD05-19A5A6096C81}" dt="2021-11-09T13:37:26.587" v="662" actId="478"/>
+          <ac:spMkLst>
+            <pc:docMk/>
+            <pc:sldMk cId="1172634753" sldId="290"/>
+            <ac:spMk id="2" creationId="{341073F4-9104-442E-B796-77EBA37F866A}"/>
+          </ac:spMkLst>
+        </pc:spChg>
+        <pc:spChg chg="del">
+          <ac:chgData name="noh taehyun" userId="26ea3cd8016ad7de" providerId="LiveId" clId="{1FBF0A56-61E5-4C79-BD05-19A5A6096C81}" dt="2021-11-09T13:33:25.323" v="14" actId="478"/>
+          <ac:spMkLst>
+            <pc:docMk/>
+            <pc:sldMk cId="1172634753" sldId="290"/>
+            <ac:spMk id="5" creationId="{8251E471-F9D0-4506-A27C-A56EF94BFF7D}"/>
+          </ac:spMkLst>
+        </pc:spChg>
+        <pc:spChg chg="mod">
+          <ac:chgData name="noh taehyun" userId="26ea3cd8016ad7de" providerId="LiveId" clId="{1FBF0A56-61E5-4C79-BD05-19A5A6096C81}" dt="2021-11-09T13:33:19.566" v="13"/>
+          <ac:spMkLst>
+            <pc:docMk/>
+            <pc:sldMk cId="1172634753" sldId="290"/>
+            <ac:spMk id="12" creationId="{596AC5E1-B4AA-48E3-862A-9440B136518E}"/>
+          </ac:spMkLst>
+        </pc:spChg>
+        <pc:spChg chg="add mod">
+          <ac:chgData name="noh taehyun" userId="26ea3cd8016ad7de" providerId="LiveId" clId="{1FBF0A56-61E5-4C79-BD05-19A5A6096C81}" dt="2021-11-09T13:37:07.762" v="660" actId="20577"/>
+          <ac:spMkLst>
+            <pc:docMk/>
+            <pc:sldMk cId="1172634753" sldId="290"/>
+            <ac:spMk id="16" creationId="{EEAA6892-3755-4498-B352-20E81ABB5462}"/>
+          </ac:spMkLst>
+        </pc:spChg>
+        <pc:spChg chg="del">
+          <ac:chgData name="noh taehyun" userId="26ea3cd8016ad7de" providerId="LiveId" clId="{1FBF0A56-61E5-4C79-BD05-19A5A6096C81}" dt="2021-11-09T13:33:25.323" v="14" actId="478"/>
+          <ac:spMkLst>
+            <pc:docMk/>
+            <pc:sldMk cId="1172634753" sldId="290"/>
+            <ac:spMk id="22" creationId="{5F358A1B-8396-4AF1-93B6-D9495AF4C1D1}"/>
+          </ac:spMkLst>
+        </pc:spChg>
+        <pc:spChg chg="add mod">
+          <ac:chgData name="noh taehyun" userId="26ea3cd8016ad7de" providerId="LiveId" clId="{1FBF0A56-61E5-4C79-BD05-19A5A6096C81}" dt="2021-11-09T13:39:13.919" v="831" actId="1037"/>
+          <ac:spMkLst>
+            <pc:docMk/>
+            <pc:sldMk cId="1172634753" sldId="290"/>
+            <ac:spMk id="24" creationId="{B203040A-6696-4DE7-B196-12C8300A34BC}"/>
+          </ac:spMkLst>
+        </pc:spChg>
+        <pc:spChg chg="add mod">
+          <ac:chgData name="noh taehyun" userId="26ea3cd8016ad7de" providerId="LiveId" clId="{1FBF0A56-61E5-4C79-BD05-19A5A6096C81}" dt="2021-11-09T13:39:13.919" v="831" actId="1037"/>
+          <ac:spMkLst>
+            <pc:docMk/>
+            <pc:sldMk cId="1172634753" sldId="290"/>
+            <ac:spMk id="25" creationId="{C4500765-7BC6-4711-843F-FC1C46E23C95}"/>
+          </ac:spMkLst>
+        </pc:spChg>
+        <pc:cxnChg chg="del">
+          <ac:chgData name="noh taehyun" userId="26ea3cd8016ad7de" providerId="LiveId" clId="{1FBF0A56-61E5-4C79-BD05-19A5A6096C81}" dt="2021-11-09T13:33:28.603" v="15" actId="478"/>
+          <ac:cxnSpMkLst>
+            <pc:docMk/>
+            <pc:sldMk cId="1172634753" sldId="290"/>
+            <ac:cxnSpMk id="3" creationId="{B69AA5FD-E797-4616-AE18-729444B94D55}"/>
+          </ac:cxnSpMkLst>
+        </pc:cxnChg>
+        <pc:cxnChg chg="del">
+          <ac:chgData name="noh taehyun" userId="26ea3cd8016ad7de" providerId="LiveId" clId="{1FBF0A56-61E5-4C79-BD05-19A5A6096C81}" dt="2021-11-09T13:33:28.603" v="15" actId="478"/>
+          <ac:cxnSpMkLst>
+            <pc:docMk/>
+            <pc:sldMk cId="1172634753" sldId="290"/>
+            <ac:cxnSpMk id="6" creationId="{A554728B-6217-42EE-B1F6-BA76EC2035D6}"/>
+          </ac:cxnSpMkLst>
+        </pc:cxnChg>
+        <pc:cxnChg chg="del">
+          <ac:chgData name="noh taehyun" userId="26ea3cd8016ad7de" providerId="LiveId" clId="{1FBF0A56-61E5-4C79-BD05-19A5A6096C81}" dt="2021-11-09T13:33:28.603" v="15" actId="478"/>
+          <ac:cxnSpMkLst>
+            <pc:docMk/>
+            <pc:sldMk cId="1172634753" sldId="290"/>
+            <ac:cxnSpMk id="7" creationId="{E7E248AA-93E8-4B6C-A8F1-115A5FBB6BDC}"/>
+          </ac:cxnSpMkLst>
+        </pc:cxnChg>
+        <pc:cxnChg chg="del">
+          <ac:chgData name="noh taehyun" userId="26ea3cd8016ad7de" providerId="LiveId" clId="{1FBF0A56-61E5-4C79-BD05-19A5A6096C81}" dt="2021-11-09T13:33:28.603" v="15" actId="478"/>
+          <ac:cxnSpMkLst>
+            <pc:docMk/>
+            <pc:sldMk cId="1172634753" sldId="290"/>
+            <ac:cxnSpMk id="8" creationId="{7675D963-362C-4884-AB40-F2012B0E6CEF}"/>
+          </ac:cxnSpMkLst>
+        </pc:cxnChg>
+        <pc:cxnChg chg="del">
+          <ac:chgData name="noh taehyun" userId="26ea3cd8016ad7de" providerId="LiveId" clId="{1FBF0A56-61E5-4C79-BD05-19A5A6096C81}" dt="2021-11-09T13:33:28.603" v="15" actId="478"/>
+          <ac:cxnSpMkLst>
+            <pc:docMk/>
+            <pc:sldMk cId="1172634753" sldId="290"/>
+            <ac:cxnSpMk id="9" creationId="{416ED14B-B5D6-4CFF-B0C7-D26123DB1317}"/>
+          </ac:cxnSpMkLst>
+        </pc:cxnChg>
+        <pc:cxnChg chg="del">
+          <ac:chgData name="noh taehyun" userId="26ea3cd8016ad7de" providerId="LiveId" clId="{1FBF0A56-61E5-4C79-BD05-19A5A6096C81}" dt="2021-11-09T13:33:28.603" v="15" actId="478"/>
+          <ac:cxnSpMkLst>
+            <pc:docMk/>
+            <pc:sldMk cId="1172634753" sldId="290"/>
+            <ac:cxnSpMk id="10" creationId="{48D4B04E-B2D1-47BC-8C05-6E899FF66270}"/>
+          </ac:cxnSpMkLst>
+        </pc:cxnChg>
+        <pc:cxnChg chg="del">
+          <ac:chgData name="noh taehyun" userId="26ea3cd8016ad7de" providerId="LiveId" clId="{1FBF0A56-61E5-4C79-BD05-19A5A6096C81}" dt="2021-11-09T13:33:28.603" v="15" actId="478"/>
+          <ac:cxnSpMkLst>
+            <pc:docMk/>
+            <pc:sldMk cId="1172634753" sldId="290"/>
+            <ac:cxnSpMk id="11" creationId="{994EE9BE-B44F-4770-BF44-C5E224BCB458}"/>
+          </ac:cxnSpMkLst>
+        </pc:cxnChg>
+        <pc:cxnChg chg="del">
+          <ac:chgData name="noh taehyun" userId="26ea3cd8016ad7de" providerId="LiveId" clId="{1FBF0A56-61E5-4C79-BD05-19A5A6096C81}" dt="2021-11-09T13:33:28.603" v="15" actId="478"/>
+          <ac:cxnSpMkLst>
+            <pc:docMk/>
+            <pc:sldMk cId="1172634753" sldId="290"/>
+            <ac:cxnSpMk id="13" creationId="{52BF9FB8-8218-457B-A0F0-193E5B3BF8DC}"/>
+          </ac:cxnSpMkLst>
+        </pc:cxnChg>
+        <pc:cxnChg chg="del">
+          <ac:chgData name="noh taehyun" userId="26ea3cd8016ad7de" providerId="LiveId" clId="{1FBF0A56-61E5-4C79-BD05-19A5A6096C81}" dt="2021-11-09T13:33:28.603" v="15" actId="478"/>
+          <ac:cxnSpMkLst>
+            <pc:docMk/>
+            <pc:sldMk cId="1172634753" sldId="290"/>
+            <ac:cxnSpMk id="14" creationId="{4512215F-63CA-4675-860D-81B496486634}"/>
+          </ac:cxnSpMkLst>
+        </pc:cxnChg>
+        <pc:cxnChg chg="del">
+          <ac:chgData name="noh taehyun" userId="26ea3cd8016ad7de" providerId="LiveId" clId="{1FBF0A56-61E5-4C79-BD05-19A5A6096C81}" dt="2021-11-09T13:33:28.603" v="15" actId="478"/>
+          <ac:cxnSpMkLst>
+            <pc:docMk/>
+            <pc:sldMk cId="1172634753" sldId="290"/>
+            <ac:cxnSpMk id="15" creationId="{12BF5F50-3167-464A-8949-9CCE9D4EEB32}"/>
+          </ac:cxnSpMkLst>
+        </pc:cxnChg>
+        <pc:cxnChg chg="add mod">
+          <ac:chgData name="noh taehyun" userId="26ea3cd8016ad7de" providerId="LiveId" clId="{1FBF0A56-61E5-4C79-BD05-19A5A6096C81}" dt="2021-11-09T13:39:13.919" v="831" actId="1037"/>
+          <ac:cxnSpMkLst>
+            <pc:docMk/>
+            <pc:sldMk cId="1172634753" sldId="290"/>
+            <ac:cxnSpMk id="17" creationId="{6D9229DF-50CF-43D5-8AD4-61B95EFCEECC}"/>
+          </ac:cxnSpMkLst>
+        </pc:cxnChg>
+        <pc:cxnChg chg="del">
+          <ac:chgData name="noh taehyun" userId="26ea3cd8016ad7de" providerId="LiveId" clId="{1FBF0A56-61E5-4C79-BD05-19A5A6096C81}" dt="2021-11-09T13:33:28.603" v="15" actId="478"/>
+          <ac:cxnSpMkLst>
+            <pc:docMk/>
+            <pc:sldMk cId="1172634753" sldId="290"/>
+            <ac:cxnSpMk id="21" creationId="{93FB567A-9448-4072-85E8-2BDFB6407FEF}"/>
+          </ac:cxnSpMkLst>
+        </pc:cxnChg>
+        <pc:cxnChg chg="add mod">
+          <ac:chgData name="noh taehyun" userId="26ea3cd8016ad7de" providerId="LiveId" clId="{1FBF0A56-61E5-4C79-BD05-19A5A6096C81}" dt="2021-11-09T13:39:13.919" v="831" actId="1037"/>
+          <ac:cxnSpMkLst>
+            <pc:docMk/>
+            <pc:sldMk cId="1172634753" sldId="290"/>
+            <ac:cxnSpMk id="23" creationId="{E75EBC35-356B-4475-B178-6912E3FE47BD}"/>
+          </ac:cxnSpMkLst>
+        </pc:cxnChg>
+      </pc:sldChg>
+      <pc:sldChg chg="delSp modSp add mod">
+        <pc:chgData name="noh taehyun" userId="26ea3cd8016ad7de" providerId="LiveId" clId="{1FBF0A56-61E5-4C79-BD05-19A5A6096C81}" dt="2021-11-09T13:44:37.093" v="1348" actId="20577"/>
+        <pc:sldMkLst>
+          <pc:docMk/>
+          <pc:sldMk cId="2490512310" sldId="291"/>
+        </pc:sldMkLst>
+        <pc:spChg chg="del">
+          <ac:chgData name="noh taehyun" userId="26ea3cd8016ad7de" providerId="LiveId" clId="{1FBF0A56-61E5-4C79-BD05-19A5A6096C81}" dt="2021-11-09T13:39:23.139" v="833" actId="478"/>
+          <ac:spMkLst>
+            <pc:docMk/>
+            <pc:sldMk cId="2490512310" sldId="291"/>
+            <ac:spMk id="12" creationId="{596AC5E1-B4AA-48E3-862A-9440B136518E}"/>
+          </ac:spMkLst>
+        </pc:spChg>
+        <pc:spChg chg="mod">
+          <ac:chgData name="noh taehyun" userId="26ea3cd8016ad7de" providerId="LiveId" clId="{1FBF0A56-61E5-4C79-BD05-19A5A6096C81}" dt="2021-11-09T13:44:37.093" v="1348" actId="20577"/>
+          <ac:spMkLst>
+            <pc:docMk/>
+            <pc:sldMk cId="2490512310" sldId="291"/>
+            <ac:spMk id="16" creationId="{EEAA6892-3755-4498-B352-20E81ABB5462}"/>
+          </ac:spMkLst>
+        </pc:spChg>
+        <pc:spChg chg="mod">
+          <ac:chgData name="noh taehyun" userId="26ea3cd8016ad7de" providerId="LiveId" clId="{1FBF0A56-61E5-4C79-BD05-19A5A6096C81}" dt="2021-11-09T13:40:48.863" v="1202" actId="6549"/>
+          <ac:spMkLst>
+            <pc:docMk/>
+            <pc:sldMk cId="2490512310" sldId="291"/>
+            <ac:spMk id="24" creationId="{B203040A-6696-4DE7-B196-12C8300A34BC}"/>
+          </ac:spMkLst>
+        </pc:spChg>
+        <pc:cxnChg chg="mod">
+          <ac:chgData name="noh taehyun" userId="26ea3cd8016ad7de" providerId="LiveId" clId="{1FBF0A56-61E5-4C79-BD05-19A5A6096C81}" dt="2021-11-09T13:40:46.611" v="1201" actId="14100"/>
+          <ac:cxnSpMkLst>
+            <pc:docMk/>
+            <pc:sldMk cId="2490512310" sldId="291"/>
+            <ac:cxnSpMk id="17" creationId="{6D9229DF-50CF-43D5-8AD4-61B95EFCEECC}"/>
+          </ac:cxnSpMkLst>
+        </pc:cxnChg>
+      </pc:sldChg>
+      <pc:sldChg chg="addSp delSp modSp add mod">
+        <pc:chgData name="noh taehyun" userId="26ea3cd8016ad7de" providerId="LiveId" clId="{1FBF0A56-61E5-4C79-BD05-19A5A6096C81}" dt="2021-11-09T14:32:42.143" v="1944" actId="20577"/>
+        <pc:sldMkLst>
+          <pc:docMk/>
+          <pc:sldMk cId="2771873092" sldId="292"/>
+        </pc:sldMkLst>
+        <pc:spChg chg="add mod">
+          <ac:chgData name="noh taehyun" userId="26ea3cd8016ad7de" providerId="LiveId" clId="{1FBF0A56-61E5-4C79-BD05-19A5A6096C81}" dt="2021-11-09T14:32:42.143" v="1944" actId="20577"/>
+          <ac:spMkLst>
+            <pc:docMk/>
+            <pc:sldMk cId="2771873092" sldId="292"/>
+            <ac:spMk id="7" creationId="{0B17BD44-214E-45F2-9748-4DC6B3AAC18D}"/>
+          </ac:spMkLst>
+        </pc:spChg>
+        <pc:spChg chg="mod">
+          <ac:chgData name="noh taehyun" userId="26ea3cd8016ad7de" providerId="LiveId" clId="{1FBF0A56-61E5-4C79-BD05-19A5A6096C81}" dt="2021-11-09T14:31:42.212" v="1909" actId="20577"/>
+          <ac:spMkLst>
+            <pc:docMk/>
+            <pc:sldMk cId="2771873092" sldId="292"/>
+            <ac:spMk id="16" creationId="{EEAA6892-3755-4498-B352-20E81ABB5462}"/>
+          </ac:spMkLst>
+        </pc:spChg>
+        <pc:spChg chg="del">
+          <ac:chgData name="noh taehyun" userId="26ea3cd8016ad7de" providerId="LiveId" clId="{1FBF0A56-61E5-4C79-BD05-19A5A6096C81}" dt="2021-11-09T14:31:46.920" v="1910" actId="478"/>
+          <ac:spMkLst>
+            <pc:docMk/>
+            <pc:sldMk cId="2771873092" sldId="292"/>
+            <ac:spMk id="24" creationId="{B203040A-6696-4DE7-B196-12C8300A34BC}"/>
+          </ac:spMkLst>
+        </pc:spChg>
+        <pc:spChg chg="del">
+          <ac:chgData name="noh taehyun" userId="26ea3cd8016ad7de" providerId="LiveId" clId="{1FBF0A56-61E5-4C79-BD05-19A5A6096C81}" dt="2021-11-09T14:31:46.920" v="1910" actId="478"/>
+          <ac:spMkLst>
+            <pc:docMk/>
+            <pc:sldMk cId="2771873092" sldId="292"/>
+            <ac:spMk id="25" creationId="{C4500765-7BC6-4711-843F-FC1C46E23C95}"/>
+          </ac:spMkLst>
+        </pc:spChg>
+        <pc:cxnChg chg="del">
+          <ac:chgData name="noh taehyun" userId="26ea3cd8016ad7de" providerId="LiveId" clId="{1FBF0A56-61E5-4C79-BD05-19A5A6096C81}" dt="2021-11-09T14:31:46.920" v="1910" actId="478"/>
+          <ac:cxnSpMkLst>
+            <pc:docMk/>
+            <pc:sldMk cId="2771873092" sldId="292"/>
+            <ac:cxnSpMk id="17" creationId="{6D9229DF-50CF-43D5-8AD4-61B95EFCEECC}"/>
+          </ac:cxnSpMkLst>
+        </pc:cxnChg>
+        <pc:cxnChg chg="del">
+          <ac:chgData name="noh taehyun" userId="26ea3cd8016ad7de" providerId="LiveId" clId="{1FBF0A56-61E5-4C79-BD05-19A5A6096C81}" dt="2021-11-09T14:31:46.920" v="1910" actId="478"/>
+          <ac:cxnSpMkLst>
+            <pc:docMk/>
+            <pc:sldMk cId="2771873092" sldId="292"/>
+            <ac:cxnSpMk id="23" creationId="{E75EBC35-356B-4475-B178-6912E3FE47BD}"/>
+          </ac:cxnSpMkLst>
+        </pc:cxnChg>
+      </pc:sldChg>
+    </pc:docChg>
+  </pc:docChgLst>
+  <pc:docChgLst>
     <pc:chgData name="noh taehyun" userId="26ea3cd8016ad7de" providerId="LiveId" clId="{A7482589-A023-4B46-AC84-418A1C44673F}"/>
     <pc:docChg chg="undo custSel addSld delSld modSld sldOrd">
       <pc:chgData name="noh taehyun" userId="26ea3cd8016ad7de" providerId="LiveId" clId="{A7482589-A023-4B46-AC84-418A1C44673F}" dt="2021-09-13T16:19:38.727" v="8969" actId="5793"/>
@@ -3070,7 +3343,7 @@
           <a:p>
             <a:fld id="{16706E4F-4DCE-433C-BE47-3B753ED43087}" type="datetimeFigureOut">
               <a:rPr lang="ko-KR" altLang="en-US" smtClean="0"/>
-              <a:t>2021-10-20</a:t>
+              <a:t>2021-11-09</a:t>
             </a:fld>
             <a:endParaRPr lang="ko-KR" altLang="en-US"/>
           </a:p>
@@ -3268,7 +3541,7 @@
           <a:p>
             <a:fld id="{16706E4F-4DCE-433C-BE47-3B753ED43087}" type="datetimeFigureOut">
               <a:rPr lang="ko-KR" altLang="en-US" smtClean="0"/>
-              <a:t>2021-10-20</a:t>
+              <a:t>2021-11-09</a:t>
             </a:fld>
             <a:endParaRPr lang="ko-KR" altLang="en-US"/>
           </a:p>
@@ -3476,7 +3749,7 @@
           <a:p>
             <a:fld id="{16706E4F-4DCE-433C-BE47-3B753ED43087}" type="datetimeFigureOut">
               <a:rPr lang="ko-KR" altLang="en-US" smtClean="0"/>
-              <a:t>2021-10-20</a:t>
+              <a:t>2021-11-09</a:t>
             </a:fld>
             <a:endParaRPr lang="ko-KR" altLang="en-US"/>
           </a:p>
@@ -3674,7 +3947,7 @@
           <a:p>
             <a:fld id="{16706E4F-4DCE-433C-BE47-3B753ED43087}" type="datetimeFigureOut">
               <a:rPr lang="ko-KR" altLang="en-US" smtClean="0"/>
-              <a:t>2021-10-20</a:t>
+              <a:t>2021-11-09</a:t>
             </a:fld>
             <a:endParaRPr lang="ko-KR" altLang="en-US"/>
           </a:p>
@@ -3949,7 +4222,7 @@
           <a:p>
             <a:fld id="{16706E4F-4DCE-433C-BE47-3B753ED43087}" type="datetimeFigureOut">
               <a:rPr lang="ko-KR" altLang="en-US" smtClean="0"/>
-              <a:t>2021-10-20</a:t>
+              <a:t>2021-11-09</a:t>
             </a:fld>
             <a:endParaRPr lang="ko-KR" altLang="en-US"/>
           </a:p>
@@ -4214,7 +4487,7 @@
           <a:p>
             <a:fld id="{16706E4F-4DCE-433C-BE47-3B753ED43087}" type="datetimeFigureOut">
               <a:rPr lang="ko-KR" altLang="en-US" smtClean="0"/>
-              <a:t>2021-10-20</a:t>
+              <a:t>2021-11-09</a:t>
             </a:fld>
             <a:endParaRPr lang="ko-KR" altLang="en-US"/>
           </a:p>
@@ -4626,7 +4899,7 @@
           <a:p>
             <a:fld id="{16706E4F-4DCE-433C-BE47-3B753ED43087}" type="datetimeFigureOut">
               <a:rPr lang="ko-KR" altLang="en-US" smtClean="0"/>
-              <a:t>2021-10-20</a:t>
+              <a:t>2021-11-09</a:t>
             </a:fld>
             <a:endParaRPr lang="ko-KR" altLang="en-US"/>
           </a:p>
@@ -4767,7 +5040,7 @@
           <a:p>
             <a:fld id="{16706E4F-4DCE-433C-BE47-3B753ED43087}" type="datetimeFigureOut">
               <a:rPr lang="ko-KR" altLang="en-US" smtClean="0"/>
-              <a:t>2021-10-20</a:t>
+              <a:t>2021-11-09</a:t>
             </a:fld>
             <a:endParaRPr lang="ko-KR" altLang="en-US"/>
           </a:p>
@@ -4880,7 +5153,7 @@
           <a:p>
             <a:fld id="{16706E4F-4DCE-433C-BE47-3B753ED43087}" type="datetimeFigureOut">
               <a:rPr lang="ko-KR" altLang="en-US" smtClean="0"/>
-              <a:t>2021-10-20</a:t>
+              <a:t>2021-11-09</a:t>
             </a:fld>
             <a:endParaRPr lang="ko-KR" altLang="en-US"/>
           </a:p>
@@ -5191,7 +5464,7 @@
           <a:p>
             <a:fld id="{16706E4F-4DCE-433C-BE47-3B753ED43087}" type="datetimeFigureOut">
               <a:rPr lang="ko-KR" altLang="en-US" smtClean="0"/>
-              <a:t>2021-10-20</a:t>
+              <a:t>2021-11-09</a:t>
             </a:fld>
             <a:endParaRPr lang="ko-KR" altLang="en-US"/>
           </a:p>
@@ -5479,7 +5752,7 @@
           <a:p>
             <a:fld id="{16706E4F-4DCE-433C-BE47-3B753ED43087}" type="datetimeFigureOut">
               <a:rPr lang="ko-KR" altLang="en-US" smtClean="0"/>
-              <a:t>2021-10-20</a:t>
+              <a:t>2021-11-09</a:t>
             </a:fld>
             <a:endParaRPr lang="ko-KR" altLang="en-US"/>
           </a:p>
@@ -5720,7 +5993,7 @@
           <a:p>
             <a:fld id="{16706E4F-4DCE-433C-BE47-3B753ED43087}" type="datetimeFigureOut">
               <a:rPr lang="ko-KR" altLang="en-US" smtClean="0"/>
-              <a:t>2021-10-20</a:t>
+              <a:t>2021-11-09</a:t>
             </a:fld>
             <a:endParaRPr lang="ko-KR" altLang="en-US"/>
           </a:p>
@@ -12755,8 +13028,8 @@
           </a:p>
         </p:txBody>
       </p:sp>
-      <mc:AlternateContent xmlns:mc="http://schemas.openxmlformats.org/markup-compatibility/2006">
-        <mc:Choice xmlns:a14="http://schemas.microsoft.com/office/drawing/2010/main" Requires="a14">
+      <mc:AlternateContent xmlns:mc="http://schemas.openxmlformats.org/markup-compatibility/2006" xmlns:a14="http://schemas.microsoft.com/office/drawing/2010/main">
+        <mc:Choice Requires="a14">
           <p:sp>
             <p:nvSpPr>
               <p:cNvPr id="5" name="TextBox 4">
@@ -13156,7 +13429,7 @@
             </p:txBody>
           </p:sp>
         </mc:Choice>
-        <mc:Fallback>
+        <mc:Fallback xmlns="">
           <p:sp>
             <p:nvSpPr>
               <p:cNvPr id="5" name="TextBox 4">
@@ -16312,7 +16585,7 @@
               <a:t> 프로세스도 옳다는 것을 증명할 수 있습니다</a:t>
             </a:r>
             <a:r>
-              <a:rPr lang="en-US" altLang="ko-KR" sz="2300">
+              <a:rPr lang="en-US" altLang="ko-KR" sz="2300" dirty="0">
                 <a:solidFill>
                   <a:schemeClr val="bg1">
                     <a:lumMod val="95000"/>
@@ -16321,13 +16594,6 @@
               </a:rPr>
               <a:t>.</a:t>
             </a:r>
-            <a:endParaRPr lang="en-US" altLang="ko-KR" sz="2300" dirty="0">
-              <a:solidFill>
-                <a:schemeClr val="bg1">
-                  <a:lumMod val="95000"/>
-                </a:schemeClr>
-              </a:solidFill>
-            </a:endParaRPr>
           </a:p>
         </p:txBody>
       </p:sp>
@@ -16877,6 +17143,1517 @@
 </file>
 
 <file path=ppt/slides/slide26.xml><?xml version="1.0" encoding="utf-8"?>
+<p:sld xmlns:a="http://schemas.openxmlformats.org/drawingml/2006/main" xmlns:r="http://schemas.openxmlformats.org/officeDocument/2006/relationships" xmlns:p="http://schemas.openxmlformats.org/presentationml/2006/main">
+  <p:cSld>
+    <p:bg>
+      <p:bgPr>
+        <a:solidFill>
+          <a:schemeClr val="tx2">
+            <a:lumMod val="50000"/>
+          </a:schemeClr>
+        </a:solidFill>
+        <a:effectLst/>
+      </p:bgPr>
+    </p:bg>
+    <p:spTree>
+      <p:nvGrpSpPr>
+        <p:cNvPr id="1" name=""/>
+        <p:cNvGrpSpPr/>
+        <p:nvPr/>
+      </p:nvGrpSpPr>
+      <p:grpSpPr>
+        <a:xfrm>
+          <a:off x="0" y="0"/>
+          <a:ext cx="0" cy="0"/>
+          <a:chOff x="0" y="0"/>
+          <a:chExt cx="0" cy="0"/>
+        </a:xfrm>
+      </p:grpSpPr>
+      <p:sp>
+        <p:nvSpPr>
+          <p:cNvPr id="12" name="TextBox 11">
+            <a:extLst>
+              <a:ext uri="{FF2B5EF4-FFF2-40B4-BE49-F238E27FC236}">
+                <a16:creationId xmlns:a16="http://schemas.microsoft.com/office/drawing/2014/main" id="{596AC5E1-B4AA-48E3-862A-9440B136518E}"/>
+              </a:ext>
+            </a:extLst>
+          </p:cNvPr>
+          <p:cNvSpPr txBox="1"/>
+          <p:nvPr/>
+        </p:nvSpPr>
+        <p:spPr>
+          <a:xfrm>
+            <a:off x="312819" y="312821"/>
+            <a:ext cx="7201163" cy="584775"/>
+          </a:xfrm>
+          <a:prstGeom prst="rect">
+            <a:avLst/>
+          </a:prstGeom>
+          <a:noFill/>
+        </p:spPr>
+        <p:txBody>
+          <a:bodyPr wrap="square" rtlCol="0">
+            <a:spAutoFit/>
+          </a:bodyPr>
+          <a:lstStyle/>
+          <a:p>
+            <a:r>
+              <a:rPr lang="ko-KR" altLang="en-US" sz="3200" dirty="0">
+                <a:solidFill>
+                  <a:schemeClr val="bg1"/>
+                </a:solidFill>
+              </a:rPr>
+              <a:t>● 연습 문제 </a:t>
+            </a:r>
+            <a:r>
+              <a:rPr lang="en-US" altLang="ko-KR" sz="3200" dirty="0" err="1">
+                <a:solidFill>
+                  <a:schemeClr val="bg1"/>
+                </a:solidFill>
+              </a:rPr>
+              <a:t>Boj</a:t>
+            </a:r>
+            <a:r>
+              <a:rPr lang="en-US" altLang="ko-KR" sz="3200" dirty="0">
+                <a:solidFill>
+                  <a:schemeClr val="bg1"/>
+                </a:solidFill>
+              </a:rPr>
+              <a:t> 2217 – </a:t>
+            </a:r>
+            <a:r>
+              <a:rPr lang="ko-KR" altLang="en-US" sz="3200" dirty="0">
+                <a:solidFill>
+                  <a:schemeClr val="bg1"/>
+                </a:solidFill>
+              </a:rPr>
+              <a:t>로프</a:t>
+            </a:r>
+          </a:p>
+        </p:txBody>
+      </p:sp>
+      <p:sp>
+        <p:nvSpPr>
+          <p:cNvPr id="16" name="TextBox 15">
+            <a:extLst>
+              <a:ext uri="{FF2B5EF4-FFF2-40B4-BE49-F238E27FC236}">
+                <a16:creationId xmlns:a16="http://schemas.microsoft.com/office/drawing/2014/main" id="{EEAA6892-3755-4498-B352-20E81ABB5462}"/>
+              </a:ext>
+            </a:extLst>
+          </p:cNvPr>
+          <p:cNvSpPr txBox="1"/>
+          <p:nvPr/>
+        </p:nvSpPr>
+        <p:spPr>
+          <a:xfrm>
+            <a:off x="612543" y="1235804"/>
+            <a:ext cx="10656277" cy="1154162"/>
+          </a:xfrm>
+          <a:prstGeom prst="rect">
+            <a:avLst/>
+          </a:prstGeom>
+          <a:noFill/>
+        </p:spPr>
+        <p:txBody>
+          <a:bodyPr wrap="square" rtlCol="0">
+            <a:spAutoFit/>
+          </a:bodyPr>
+          <a:lstStyle/>
+          <a:p>
+            <a:pPr marL="457200" indent="-457200">
+              <a:buFont typeface="Arial" panose="020B0604020202020204" pitchFamily="34" charset="0"/>
+              <a:buChar char="•"/>
+            </a:pPr>
+            <a:r>
+              <a:rPr lang="ko-KR" altLang="en-US" sz="2300" dirty="0">
+                <a:solidFill>
+                  <a:schemeClr val="bg1">
+                    <a:lumMod val="95000"/>
+                  </a:schemeClr>
+                </a:solidFill>
+              </a:rPr>
+              <a:t>이 문제는 각 </a:t>
+            </a:r>
+            <a:r>
+              <a:rPr lang="ko-KR" altLang="en-US" sz="2300" dirty="0" err="1">
+                <a:solidFill>
+                  <a:schemeClr val="bg1">
+                    <a:lumMod val="95000"/>
+                  </a:schemeClr>
+                </a:solidFill>
+              </a:rPr>
+              <a:t>각</a:t>
+            </a:r>
+            <a:r>
+              <a:rPr lang="ko-KR" altLang="en-US" sz="2300" dirty="0">
+                <a:solidFill>
+                  <a:schemeClr val="bg1">
+                    <a:lumMod val="95000"/>
+                  </a:schemeClr>
+                </a:solidFill>
+              </a:rPr>
+              <a:t> 다른 중량을 견딜 수 있는 </a:t>
+            </a:r>
+            <a:r>
+              <a:rPr lang="en-US" altLang="ko-KR" sz="2300" dirty="0">
+                <a:solidFill>
+                  <a:schemeClr val="bg1">
+                    <a:lumMod val="95000"/>
+                  </a:schemeClr>
+                </a:solidFill>
+              </a:rPr>
+              <a:t>N</a:t>
+            </a:r>
+            <a:r>
+              <a:rPr lang="ko-KR" altLang="en-US" sz="2300" dirty="0">
+                <a:solidFill>
+                  <a:schemeClr val="bg1">
+                    <a:lumMod val="95000"/>
+                  </a:schemeClr>
+                </a:solidFill>
+              </a:rPr>
+              <a:t>개의 로프를 활용하여</a:t>
+            </a:r>
+            <a:r>
+              <a:rPr lang="en-US" altLang="ko-KR" sz="2300" dirty="0">
+                <a:solidFill>
+                  <a:schemeClr val="bg1">
+                    <a:lumMod val="95000"/>
+                  </a:schemeClr>
+                </a:solidFill>
+              </a:rPr>
+              <a:t>, </a:t>
+            </a:r>
+            <a:r>
+              <a:rPr lang="ko-KR" altLang="en-US" sz="2300" dirty="0">
+                <a:solidFill>
+                  <a:schemeClr val="bg1">
+                    <a:lumMod val="95000"/>
+                  </a:schemeClr>
+                </a:solidFill>
+              </a:rPr>
+              <a:t>견딜 수 있는 최대 중량을 구하는 문제입니다</a:t>
+            </a:r>
+            <a:r>
+              <a:rPr lang="en-US" altLang="ko-KR" sz="2300" dirty="0">
+                <a:solidFill>
+                  <a:schemeClr val="bg1">
+                    <a:lumMod val="95000"/>
+                  </a:schemeClr>
+                </a:solidFill>
+              </a:rPr>
+              <a:t>.</a:t>
+            </a:r>
+          </a:p>
+          <a:p>
+            <a:pPr marL="457200" indent="-457200">
+              <a:buFont typeface="Arial" panose="020B0604020202020204" pitchFamily="34" charset="0"/>
+              <a:buChar char="•"/>
+            </a:pPr>
+            <a:r>
+              <a:rPr lang="ko-KR" altLang="en-US" sz="2300" dirty="0">
+                <a:solidFill>
+                  <a:schemeClr val="bg1">
+                    <a:lumMod val="95000"/>
+                  </a:schemeClr>
+                </a:solidFill>
+              </a:rPr>
+              <a:t>간단하게 생각하면 다음과 같은 예를 생각할 수 있습니다</a:t>
+            </a:r>
+            <a:r>
+              <a:rPr lang="en-US" altLang="ko-KR" sz="2300" dirty="0">
+                <a:solidFill>
+                  <a:schemeClr val="bg1">
+                    <a:lumMod val="95000"/>
+                  </a:schemeClr>
+                </a:solidFill>
+              </a:rPr>
+              <a:t>.</a:t>
+            </a:r>
+          </a:p>
+        </p:txBody>
+      </p:sp>
+      <p:cxnSp>
+        <p:nvCxnSpPr>
+          <p:cNvPr id="17" name="직선 연결선 16">
+            <a:extLst>
+              <a:ext uri="{FF2B5EF4-FFF2-40B4-BE49-F238E27FC236}">
+                <a16:creationId xmlns:a16="http://schemas.microsoft.com/office/drawing/2014/main" id="{6D9229DF-50CF-43D5-8AD4-61B95EFCEECC}"/>
+              </a:ext>
+            </a:extLst>
+          </p:cNvPr>
+          <p:cNvCxnSpPr>
+            <a:cxnSpLocks/>
+          </p:cNvCxnSpPr>
+          <p:nvPr/>
+        </p:nvCxnSpPr>
+        <p:spPr>
+          <a:xfrm>
+            <a:off x="4026575" y="3721770"/>
+            <a:ext cx="0" cy="1443789"/>
+          </a:xfrm>
+          <a:prstGeom prst="line">
+            <a:avLst/>
+          </a:prstGeom>
+          <a:ln w="76200"/>
+        </p:spPr>
+        <p:style>
+          <a:lnRef idx="1">
+            <a:schemeClr val="accent1"/>
+          </a:lnRef>
+          <a:fillRef idx="0">
+            <a:schemeClr val="accent1"/>
+          </a:fillRef>
+          <a:effectRef idx="0">
+            <a:schemeClr val="accent1"/>
+          </a:effectRef>
+          <a:fontRef idx="minor">
+            <a:schemeClr val="tx1"/>
+          </a:fontRef>
+        </p:style>
+      </p:cxnSp>
+      <p:cxnSp>
+        <p:nvCxnSpPr>
+          <p:cNvPr id="23" name="직선 연결선 22">
+            <a:extLst>
+              <a:ext uri="{FF2B5EF4-FFF2-40B4-BE49-F238E27FC236}">
+                <a16:creationId xmlns:a16="http://schemas.microsoft.com/office/drawing/2014/main" id="{E75EBC35-356B-4475-B178-6912E3FE47BD}"/>
+              </a:ext>
+            </a:extLst>
+          </p:cNvPr>
+          <p:cNvCxnSpPr>
+            <a:cxnSpLocks/>
+          </p:cNvCxnSpPr>
+          <p:nvPr/>
+        </p:nvCxnSpPr>
+        <p:spPr>
+          <a:xfrm>
+            <a:off x="6464975" y="3064043"/>
+            <a:ext cx="0" cy="2101516"/>
+          </a:xfrm>
+          <a:prstGeom prst="line">
+            <a:avLst/>
+          </a:prstGeom>
+          <a:ln w="76200"/>
+        </p:spPr>
+        <p:style>
+          <a:lnRef idx="1">
+            <a:schemeClr val="accent1"/>
+          </a:lnRef>
+          <a:fillRef idx="0">
+            <a:schemeClr val="accent1"/>
+          </a:fillRef>
+          <a:effectRef idx="0">
+            <a:schemeClr val="accent1"/>
+          </a:effectRef>
+          <a:fontRef idx="minor">
+            <a:schemeClr val="tx1"/>
+          </a:fontRef>
+        </p:style>
+      </p:cxnSp>
+      <p:sp>
+        <p:nvSpPr>
+          <p:cNvPr id="24" name="TextBox 23">
+            <a:extLst>
+              <a:ext uri="{FF2B5EF4-FFF2-40B4-BE49-F238E27FC236}">
+                <a16:creationId xmlns:a16="http://schemas.microsoft.com/office/drawing/2014/main" id="{B203040A-6696-4DE7-B196-12C8300A34BC}"/>
+              </a:ext>
+            </a:extLst>
+          </p:cNvPr>
+          <p:cNvSpPr txBox="1"/>
+          <p:nvPr/>
+        </p:nvSpPr>
+        <p:spPr>
+          <a:xfrm>
+            <a:off x="3091043" y="5445734"/>
+            <a:ext cx="1871063" cy="800219"/>
+          </a:xfrm>
+          <a:prstGeom prst="rect">
+            <a:avLst/>
+          </a:prstGeom>
+          <a:noFill/>
+        </p:spPr>
+        <p:txBody>
+          <a:bodyPr wrap="square" rtlCol="0">
+            <a:spAutoFit/>
+          </a:bodyPr>
+          <a:lstStyle/>
+          <a:p>
+            <a:r>
+              <a:rPr lang="en-US" altLang="ko-KR" sz="2300" dirty="0">
+                <a:solidFill>
+                  <a:schemeClr val="bg1">
+                    <a:lumMod val="95000"/>
+                  </a:schemeClr>
+                </a:solidFill>
+              </a:rPr>
+              <a:t>10kg</a:t>
+            </a:r>
+            <a:r>
+              <a:rPr lang="ko-KR" altLang="en-US" sz="2300" dirty="0">
+                <a:solidFill>
+                  <a:schemeClr val="bg1">
+                    <a:lumMod val="95000"/>
+                  </a:schemeClr>
+                </a:solidFill>
+              </a:rPr>
+              <a:t>을 견딜 수 있는 로프</a:t>
+            </a:r>
+            <a:endParaRPr lang="en-US" altLang="ko-KR" sz="2300" dirty="0">
+              <a:solidFill>
+                <a:schemeClr val="bg1">
+                  <a:lumMod val="95000"/>
+                </a:schemeClr>
+              </a:solidFill>
+            </a:endParaRPr>
+          </a:p>
+        </p:txBody>
+      </p:sp>
+      <p:sp>
+        <p:nvSpPr>
+          <p:cNvPr id="25" name="TextBox 24">
+            <a:extLst>
+              <a:ext uri="{FF2B5EF4-FFF2-40B4-BE49-F238E27FC236}">
+                <a16:creationId xmlns:a16="http://schemas.microsoft.com/office/drawing/2014/main" id="{C4500765-7BC6-4711-843F-FC1C46E23C95}"/>
+              </a:ext>
+            </a:extLst>
+          </p:cNvPr>
+          <p:cNvSpPr txBox="1"/>
+          <p:nvPr/>
+        </p:nvSpPr>
+        <p:spPr>
+          <a:xfrm>
+            <a:off x="5529443" y="5445733"/>
+            <a:ext cx="1871063" cy="800219"/>
+          </a:xfrm>
+          <a:prstGeom prst="rect">
+            <a:avLst/>
+          </a:prstGeom>
+          <a:noFill/>
+        </p:spPr>
+        <p:txBody>
+          <a:bodyPr wrap="square" rtlCol="0">
+            <a:spAutoFit/>
+          </a:bodyPr>
+          <a:lstStyle/>
+          <a:p>
+            <a:r>
+              <a:rPr lang="en-US" altLang="ko-KR" sz="2300" dirty="0">
+                <a:solidFill>
+                  <a:schemeClr val="bg1">
+                    <a:lumMod val="95000"/>
+                  </a:schemeClr>
+                </a:solidFill>
+              </a:rPr>
+              <a:t>15kg</a:t>
+            </a:r>
+            <a:r>
+              <a:rPr lang="ko-KR" altLang="en-US" sz="2300" dirty="0">
+                <a:solidFill>
+                  <a:schemeClr val="bg1">
+                    <a:lumMod val="95000"/>
+                  </a:schemeClr>
+                </a:solidFill>
+              </a:rPr>
+              <a:t>을 견딜 수 있는 로프</a:t>
+            </a:r>
+            <a:endParaRPr lang="en-US" altLang="ko-KR" sz="2300" dirty="0">
+              <a:solidFill>
+                <a:schemeClr val="bg1">
+                  <a:lumMod val="95000"/>
+                </a:schemeClr>
+              </a:solidFill>
+            </a:endParaRPr>
+          </a:p>
+        </p:txBody>
+      </p:sp>
+    </p:spTree>
+    <p:extLst>
+      <p:ext uri="{BB962C8B-B14F-4D97-AF65-F5344CB8AC3E}">
+        <p14:creationId xmlns:p14="http://schemas.microsoft.com/office/powerpoint/2010/main" val="1172634753"/>
+      </p:ext>
+    </p:extLst>
+  </p:cSld>
+  <p:clrMapOvr>
+    <a:masterClrMapping/>
+  </p:clrMapOvr>
+</p:sld>
+</file>
+
+<file path=ppt/slides/slide27.xml><?xml version="1.0" encoding="utf-8"?>
+<p:sld xmlns:a="http://schemas.openxmlformats.org/drawingml/2006/main" xmlns:r="http://schemas.openxmlformats.org/officeDocument/2006/relationships" xmlns:p="http://schemas.openxmlformats.org/presentationml/2006/main">
+  <p:cSld>
+    <p:bg>
+      <p:bgPr>
+        <a:solidFill>
+          <a:schemeClr val="tx2">
+            <a:lumMod val="50000"/>
+          </a:schemeClr>
+        </a:solidFill>
+        <a:effectLst/>
+      </p:bgPr>
+    </p:bg>
+    <p:spTree>
+      <p:nvGrpSpPr>
+        <p:cNvPr id="1" name=""/>
+        <p:cNvGrpSpPr/>
+        <p:nvPr/>
+      </p:nvGrpSpPr>
+      <p:grpSpPr>
+        <a:xfrm>
+          <a:off x="0" y="0"/>
+          <a:ext cx="0" cy="0"/>
+          <a:chOff x="0" y="0"/>
+          <a:chExt cx="0" cy="0"/>
+        </a:xfrm>
+      </p:grpSpPr>
+      <p:sp>
+        <p:nvSpPr>
+          <p:cNvPr id="16" name="TextBox 15">
+            <a:extLst>
+              <a:ext uri="{FF2B5EF4-FFF2-40B4-BE49-F238E27FC236}">
+                <a16:creationId xmlns:a16="http://schemas.microsoft.com/office/drawing/2014/main" id="{EEAA6892-3755-4498-B352-20E81ABB5462}"/>
+              </a:ext>
+            </a:extLst>
+          </p:cNvPr>
+          <p:cNvSpPr txBox="1"/>
+          <p:nvPr/>
+        </p:nvSpPr>
+        <p:spPr>
+          <a:xfrm>
+            <a:off x="548375" y="612047"/>
+            <a:ext cx="10656277" cy="1862048"/>
+          </a:xfrm>
+          <a:prstGeom prst="rect">
+            <a:avLst/>
+          </a:prstGeom>
+          <a:noFill/>
+        </p:spPr>
+        <p:txBody>
+          <a:bodyPr wrap="square" rtlCol="0">
+            <a:spAutoFit/>
+          </a:bodyPr>
+          <a:lstStyle/>
+          <a:p>
+            <a:pPr marL="457200" indent="-457200">
+              <a:buFont typeface="Arial" panose="020B0604020202020204" pitchFamily="34" charset="0"/>
+              <a:buChar char="•"/>
+            </a:pPr>
+            <a:r>
+              <a:rPr lang="ko-KR" altLang="en-US" sz="2300" dirty="0">
+                <a:solidFill>
+                  <a:schemeClr val="bg1">
+                    <a:lumMod val="95000"/>
+                  </a:schemeClr>
+                </a:solidFill>
+              </a:rPr>
+              <a:t>주어진 </a:t>
+            </a:r>
+            <a:r>
+              <a:rPr lang="en-US" altLang="ko-KR" sz="2300" dirty="0">
+                <a:solidFill>
+                  <a:schemeClr val="bg1">
+                    <a:lumMod val="95000"/>
+                  </a:schemeClr>
+                </a:solidFill>
+              </a:rPr>
+              <a:t>2</a:t>
+            </a:r>
+            <a:r>
+              <a:rPr lang="ko-KR" altLang="en-US" sz="2300" dirty="0">
+                <a:solidFill>
+                  <a:schemeClr val="bg1">
+                    <a:lumMod val="95000"/>
+                  </a:schemeClr>
+                </a:solidFill>
+              </a:rPr>
+              <a:t>개의 로프를 모두 활용한다면</a:t>
+            </a:r>
+            <a:r>
+              <a:rPr lang="en-US" altLang="ko-KR" sz="2300" dirty="0">
+                <a:solidFill>
+                  <a:schemeClr val="bg1">
+                    <a:lumMod val="95000"/>
+                  </a:schemeClr>
+                </a:solidFill>
+              </a:rPr>
+              <a:t>. </a:t>
+            </a:r>
+            <a:r>
+              <a:rPr lang="ko-KR" altLang="en-US" sz="2300" dirty="0">
+                <a:solidFill>
+                  <a:schemeClr val="bg1">
+                    <a:lumMod val="95000"/>
+                  </a:schemeClr>
+                </a:solidFill>
+              </a:rPr>
+              <a:t>총 </a:t>
+            </a:r>
+            <a:r>
+              <a:rPr lang="en-US" altLang="ko-KR" sz="2300" dirty="0">
+                <a:solidFill>
+                  <a:schemeClr val="bg1">
+                    <a:lumMod val="95000"/>
+                  </a:schemeClr>
+                </a:solidFill>
+              </a:rPr>
+              <a:t>20kg</a:t>
+            </a:r>
+            <a:r>
+              <a:rPr lang="ko-KR" altLang="en-US" sz="2300" dirty="0">
+                <a:solidFill>
+                  <a:schemeClr val="bg1">
+                    <a:lumMod val="95000"/>
+                  </a:schemeClr>
+                </a:solidFill>
+              </a:rPr>
+              <a:t>의 무개를 고르게 분산시킬 수 있기 때문에 들어올릴 수 있는 최대 무게는 </a:t>
+            </a:r>
+            <a:r>
+              <a:rPr lang="en-US" altLang="ko-KR" sz="2300" dirty="0">
+                <a:solidFill>
+                  <a:schemeClr val="bg1">
+                    <a:lumMod val="95000"/>
+                  </a:schemeClr>
+                </a:solidFill>
+              </a:rPr>
+              <a:t>20kg</a:t>
+            </a:r>
+            <a:r>
+              <a:rPr lang="ko-KR" altLang="en-US" sz="2300" dirty="0">
+                <a:solidFill>
+                  <a:schemeClr val="bg1">
+                    <a:lumMod val="95000"/>
+                  </a:schemeClr>
+                </a:solidFill>
+              </a:rPr>
+              <a:t>입니다</a:t>
+            </a:r>
+            <a:r>
+              <a:rPr lang="en-US" altLang="ko-KR" sz="2300" dirty="0">
+                <a:solidFill>
+                  <a:schemeClr val="bg1">
+                    <a:lumMod val="95000"/>
+                  </a:schemeClr>
+                </a:solidFill>
+              </a:rPr>
+              <a:t>. </a:t>
+            </a:r>
+          </a:p>
+          <a:p>
+            <a:pPr marL="457200" indent="-457200">
+              <a:buFont typeface="Arial" panose="020B0604020202020204" pitchFamily="34" charset="0"/>
+              <a:buChar char="•"/>
+            </a:pPr>
+            <a:r>
+              <a:rPr lang="ko-KR" altLang="en-US" sz="2300" dirty="0">
+                <a:solidFill>
+                  <a:schemeClr val="bg1">
+                    <a:lumMod val="95000"/>
+                  </a:schemeClr>
+                </a:solidFill>
+              </a:rPr>
+              <a:t>이렇게만 생각하면 최소 무게를 지탱할 수 있는 로프를 기준으로 하면 될 것 같습니다</a:t>
+            </a:r>
+            <a:r>
+              <a:rPr lang="en-US" altLang="ko-KR" sz="2300" dirty="0">
+                <a:solidFill>
+                  <a:schemeClr val="bg1">
+                    <a:lumMod val="95000"/>
+                  </a:schemeClr>
+                </a:solidFill>
+              </a:rPr>
+              <a:t>.</a:t>
+            </a:r>
+          </a:p>
+          <a:p>
+            <a:pPr marL="457200" indent="-457200">
+              <a:buFont typeface="Arial" panose="020B0604020202020204" pitchFamily="34" charset="0"/>
+              <a:buChar char="•"/>
+            </a:pPr>
+            <a:r>
+              <a:rPr lang="ko-KR" altLang="en-US" sz="2300" dirty="0">
+                <a:solidFill>
+                  <a:schemeClr val="bg1">
+                    <a:lumMod val="95000"/>
+                  </a:schemeClr>
+                </a:solidFill>
+              </a:rPr>
+              <a:t>하지만</a:t>
+            </a:r>
+            <a:r>
+              <a:rPr lang="en-US" altLang="ko-KR" sz="2300" dirty="0">
+                <a:solidFill>
+                  <a:schemeClr val="bg1">
+                    <a:lumMod val="95000"/>
+                  </a:schemeClr>
+                </a:solidFill>
+              </a:rPr>
+              <a:t>, </a:t>
+            </a:r>
+            <a:r>
+              <a:rPr lang="ko-KR" altLang="en-US" sz="2300" dirty="0">
+                <a:solidFill>
+                  <a:schemeClr val="bg1">
+                    <a:lumMod val="95000"/>
+                  </a:schemeClr>
+                </a:solidFill>
+              </a:rPr>
+              <a:t>다음과 같은 반례도 생각해볼 수 있습니다</a:t>
+            </a:r>
+            <a:r>
+              <a:rPr lang="en-US" altLang="ko-KR" sz="2300" dirty="0">
+                <a:solidFill>
+                  <a:schemeClr val="bg1">
+                    <a:lumMod val="95000"/>
+                  </a:schemeClr>
+                </a:solidFill>
+              </a:rPr>
+              <a:t>.</a:t>
+            </a:r>
+          </a:p>
+        </p:txBody>
+      </p:sp>
+      <p:cxnSp>
+        <p:nvCxnSpPr>
+          <p:cNvPr id="17" name="직선 연결선 16">
+            <a:extLst>
+              <a:ext uri="{FF2B5EF4-FFF2-40B4-BE49-F238E27FC236}">
+                <a16:creationId xmlns:a16="http://schemas.microsoft.com/office/drawing/2014/main" id="{6D9229DF-50CF-43D5-8AD4-61B95EFCEECC}"/>
+              </a:ext>
+            </a:extLst>
+          </p:cNvPr>
+          <p:cNvCxnSpPr>
+            <a:cxnSpLocks/>
+          </p:cNvCxnSpPr>
+          <p:nvPr/>
+        </p:nvCxnSpPr>
+        <p:spPr>
+          <a:xfrm>
+            <a:off x="4026575" y="4716379"/>
+            <a:ext cx="0" cy="449180"/>
+          </a:xfrm>
+          <a:prstGeom prst="line">
+            <a:avLst/>
+          </a:prstGeom>
+          <a:ln w="76200"/>
+        </p:spPr>
+        <p:style>
+          <a:lnRef idx="1">
+            <a:schemeClr val="accent1"/>
+          </a:lnRef>
+          <a:fillRef idx="0">
+            <a:schemeClr val="accent1"/>
+          </a:fillRef>
+          <a:effectRef idx="0">
+            <a:schemeClr val="accent1"/>
+          </a:effectRef>
+          <a:fontRef idx="minor">
+            <a:schemeClr val="tx1"/>
+          </a:fontRef>
+        </p:style>
+      </p:cxnSp>
+      <p:cxnSp>
+        <p:nvCxnSpPr>
+          <p:cNvPr id="23" name="직선 연결선 22">
+            <a:extLst>
+              <a:ext uri="{FF2B5EF4-FFF2-40B4-BE49-F238E27FC236}">
+                <a16:creationId xmlns:a16="http://schemas.microsoft.com/office/drawing/2014/main" id="{E75EBC35-356B-4475-B178-6912E3FE47BD}"/>
+              </a:ext>
+            </a:extLst>
+          </p:cNvPr>
+          <p:cNvCxnSpPr>
+            <a:cxnSpLocks/>
+          </p:cNvCxnSpPr>
+          <p:nvPr/>
+        </p:nvCxnSpPr>
+        <p:spPr>
+          <a:xfrm>
+            <a:off x="6464975" y="3064043"/>
+            <a:ext cx="0" cy="2101516"/>
+          </a:xfrm>
+          <a:prstGeom prst="line">
+            <a:avLst/>
+          </a:prstGeom>
+          <a:ln w="76200"/>
+        </p:spPr>
+        <p:style>
+          <a:lnRef idx="1">
+            <a:schemeClr val="accent1"/>
+          </a:lnRef>
+          <a:fillRef idx="0">
+            <a:schemeClr val="accent1"/>
+          </a:fillRef>
+          <a:effectRef idx="0">
+            <a:schemeClr val="accent1"/>
+          </a:effectRef>
+          <a:fontRef idx="minor">
+            <a:schemeClr val="tx1"/>
+          </a:fontRef>
+        </p:style>
+      </p:cxnSp>
+      <p:sp>
+        <p:nvSpPr>
+          <p:cNvPr id="24" name="TextBox 23">
+            <a:extLst>
+              <a:ext uri="{FF2B5EF4-FFF2-40B4-BE49-F238E27FC236}">
+                <a16:creationId xmlns:a16="http://schemas.microsoft.com/office/drawing/2014/main" id="{B203040A-6696-4DE7-B196-12C8300A34BC}"/>
+              </a:ext>
+            </a:extLst>
+          </p:cNvPr>
+          <p:cNvSpPr txBox="1"/>
+          <p:nvPr/>
+        </p:nvSpPr>
+        <p:spPr>
+          <a:xfrm>
+            <a:off x="3091043" y="5445734"/>
+            <a:ext cx="1871063" cy="800219"/>
+          </a:xfrm>
+          <a:prstGeom prst="rect">
+            <a:avLst/>
+          </a:prstGeom>
+          <a:noFill/>
+        </p:spPr>
+        <p:txBody>
+          <a:bodyPr wrap="square" rtlCol="0">
+            <a:spAutoFit/>
+          </a:bodyPr>
+          <a:lstStyle/>
+          <a:p>
+            <a:r>
+              <a:rPr lang="en-US" altLang="ko-KR" sz="2300" dirty="0">
+                <a:solidFill>
+                  <a:schemeClr val="bg1">
+                    <a:lumMod val="95000"/>
+                  </a:schemeClr>
+                </a:solidFill>
+              </a:rPr>
+              <a:t>1kg</a:t>
+            </a:r>
+            <a:r>
+              <a:rPr lang="ko-KR" altLang="en-US" sz="2300" dirty="0">
+                <a:solidFill>
+                  <a:schemeClr val="bg1">
+                    <a:lumMod val="95000"/>
+                  </a:schemeClr>
+                </a:solidFill>
+              </a:rPr>
+              <a:t>을 견딜 수 있는 로프</a:t>
+            </a:r>
+            <a:endParaRPr lang="en-US" altLang="ko-KR" sz="2300" dirty="0">
+              <a:solidFill>
+                <a:schemeClr val="bg1">
+                  <a:lumMod val="95000"/>
+                </a:schemeClr>
+              </a:solidFill>
+            </a:endParaRPr>
+          </a:p>
+        </p:txBody>
+      </p:sp>
+      <p:sp>
+        <p:nvSpPr>
+          <p:cNvPr id="25" name="TextBox 24">
+            <a:extLst>
+              <a:ext uri="{FF2B5EF4-FFF2-40B4-BE49-F238E27FC236}">
+                <a16:creationId xmlns:a16="http://schemas.microsoft.com/office/drawing/2014/main" id="{C4500765-7BC6-4711-843F-FC1C46E23C95}"/>
+              </a:ext>
+            </a:extLst>
+          </p:cNvPr>
+          <p:cNvSpPr txBox="1"/>
+          <p:nvPr/>
+        </p:nvSpPr>
+        <p:spPr>
+          <a:xfrm>
+            <a:off x="5529443" y="5445733"/>
+            <a:ext cx="1871063" cy="800219"/>
+          </a:xfrm>
+          <a:prstGeom prst="rect">
+            <a:avLst/>
+          </a:prstGeom>
+          <a:noFill/>
+        </p:spPr>
+        <p:txBody>
+          <a:bodyPr wrap="square" rtlCol="0">
+            <a:spAutoFit/>
+          </a:bodyPr>
+          <a:lstStyle/>
+          <a:p>
+            <a:r>
+              <a:rPr lang="en-US" altLang="ko-KR" sz="2300" dirty="0">
+                <a:solidFill>
+                  <a:schemeClr val="bg1">
+                    <a:lumMod val="95000"/>
+                  </a:schemeClr>
+                </a:solidFill>
+              </a:rPr>
+              <a:t>15kg</a:t>
+            </a:r>
+            <a:r>
+              <a:rPr lang="ko-KR" altLang="en-US" sz="2300" dirty="0">
+                <a:solidFill>
+                  <a:schemeClr val="bg1">
+                    <a:lumMod val="95000"/>
+                  </a:schemeClr>
+                </a:solidFill>
+              </a:rPr>
+              <a:t>을 견딜 수 있는 로프</a:t>
+            </a:r>
+            <a:endParaRPr lang="en-US" altLang="ko-KR" sz="2300" dirty="0">
+              <a:solidFill>
+                <a:schemeClr val="bg1">
+                  <a:lumMod val="95000"/>
+                </a:schemeClr>
+              </a:solidFill>
+            </a:endParaRPr>
+          </a:p>
+        </p:txBody>
+      </p:sp>
+    </p:spTree>
+    <p:extLst>
+      <p:ext uri="{BB962C8B-B14F-4D97-AF65-F5344CB8AC3E}">
+        <p14:creationId xmlns:p14="http://schemas.microsoft.com/office/powerpoint/2010/main" val="2490512310"/>
+      </p:ext>
+    </p:extLst>
+  </p:cSld>
+  <p:clrMapOvr>
+    <a:masterClrMapping/>
+  </p:clrMapOvr>
+</p:sld>
+</file>
+
+<file path=ppt/slides/slide28.xml><?xml version="1.0" encoding="utf-8"?>
+<p:sld xmlns:a="http://schemas.openxmlformats.org/drawingml/2006/main" xmlns:r="http://schemas.openxmlformats.org/officeDocument/2006/relationships" xmlns:p="http://schemas.openxmlformats.org/presentationml/2006/main">
+  <p:cSld>
+    <p:bg>
+      <p:bgPr>
+        <a:solidFill>
+          <a:schemeClr val="tx2">
+            <a:lumMod val="50000"/>
+          </a:schemeClr>
+        </a:solidFill>
+        <a:effectLst/>
+      </p:bgPr>
+    </p:bg>
+    <p:spTree>
+      <p:nvGrpSpPr>
+        <p:cNvPr id="1" name=""/>
+        <p:cNvGrpSpPr/>
+        <p:nvPr/>
+      </p:nvGrpSpPr>
+      <p:grpSpPr>
+        <a:xfrm>
+          <a:off x="0" y="0"/>
+          <a:ext cx="0" cy="0"/>
+          <a:chOff x="0" y="0"/>
+          <a:chExt cx="0" cy="0"/>
+        </a:xfrm>
+      </p:grpSpPr>
+      <mc:AlternateContent xmlns:mc="http://schemas.openxmlformats.org/markup-compatibility/2006">
+        <mc:Choice xmlns:a14="http://schemas.microsoft.com/office/drawing/2010/main" Requires="a14">
+          <p:sp>
+            <p:nvSpPr>
+              <p:cNvPr id="16" name="TextBox 15">
+                <a:extLst>
+                  <a:ext uri="{FF2B5EF4-FFF2-40B4-BE49-F238E27FC236}">
+                    <a16:creationId xmlns:a16="http://schemas.microsoft.com/office/drawing/2014/main" id="{EEAA6892-3755-4498-B352-20E81ABB5462}"/>
+                  </a:ext>
+                </a:extLst>
+              </p:cNvPr>
+              <p:cNvSpPr txBox="1"/>
+              <p:nvPr/>
+            </p:nvSpPr>
+            <p:spPr>
+              <a:xfrm>
+                <a:off x="548375" y="612047"/>
+                <a:ext cx="10656277" cy="1516249"/>
+              </a:xfrm>
+              <a:prstGeom prst="rect">
+                <a:avLst/>
+              </a:prstGeom>
+              <a:noFill/>
+            </p:spPr>
+            <p:txBody>
+              <a:bodyPr wrap="square" rtlCol="0">
+                <a:spAutoFit/>
+              </a:bodyPr>
+              <a:lstStyle/>
+              <a:p>
+                <a:pPr marL="457200" indent="-457200">
+                  <a:buFont typeface="Arial" panose="020B0604020202020204" pitchFamily="34" charset="0"/>
+                  <a:buChar char="•"/>
+                </a:pPr>
+                <a:r>
+                  <a:rPr lang="ko-KR" altLang="en-US" sz="2300" dirty="0">
+                    <a:solidFill>
+                      <a:schemeClr val="bg1">
+                        <a:lumMod val="95000"/>
+                      </a:schemeClr>
+                    </a:solidFill>
+                  </a:rPr>
+                  <a:t>이 경우엔</a:t>
+                </a:r>
+                <a:r>
+                  <a:rPr lang="en-US" altLang="ko-KR" sz="2300" dirty="0">
+                    <a:solidFill>
+                      <a:schemeClr val="bg1">
+                        <a:lumMod val="95000"/>
+                      </a:schemeClr>
+                    </a:solidFill>
+                  </a:rPr>
+                  <a:t>,</a:t>
+                </a:r>
+                <a:r>
+                  <a:rPr lang="ko-KR" altLang="en-US" sz="2300" dirty="0">
+                    <a:solidFill>
+                      <a:schemeClr val="bg1">
+                        <a:lumMod val="95000"/>
+                      </a:schemeClr>
+                    </a:solidFill>
+                  </a:rPr>
+                  <a:t> </a:t>
+                </a:r>
+                <a:r>
+                  <a:rPr lang="en-US" altLang="ko-KR" sz="2300" dirty="0">
+                    <a:solidFill>
+                      <a:schemeClr val="bg1">
+                        <a:lumMod val="95000"/>
+                      </a:schemeClr>
+                    </a:solidFill>
+                  </a:rPr>
+                  <a:t>15kg</a:t>
+                </a:r>
+                <a:r>
+                  <a:rPr lang="ko-KR" altLang="en-US" sz="2300" dirty="0">
+                    <a:solidFill>
+                      <a:schemeClr val="bg1">
+                        <a:lumMod val="95000"/>
+                      </a:schemeClr>
+                    </a:solidFill>
+                  </a:rPr>
+                  <a:t>을 지탱할 수 있는 로프 하나만을 사용하는 것이 </a:t>
+                </a:r>
+                <a:r>
+                  <a:rPr lang="en-US" altLang="ko-KR" sz="2300" dirty="0">
+                    <a:solidFill>
+                      <a:schemeClr val="bg1">
+                        <a:lumMod val="95000"/>
+                      </a:schemeClr>
+                    </a:solidFill>
+                  </a:rPr>
+                  <a:t>2</a:t>
+                </a:r>
+                <a:r>
+                  <a:rPr lang="ko-KR" altLang="en-US" sz="2300" dirty="0">
+                    <a:solidFill>
+                      <a:schemeClr val="bg1">
+                        <a:lumMod val="95000"/>
+                      </a:schemeClr>
+                    </a:solidFill>
+                  </a:rPr>
+                  <a:t>개의 로프를 사용하는 경우보다 더 많은 무게를 지탱할 수 있습니다</a:t>
+                </a:r>
+                <a:r>
+                  <a:rPr lang="en-US" altLang="ko-KR" sz="2300" dirty="0">
+                    <a:solidFill>
+                      <a:schemeClr val="bg1">
+                        <a:lumMod val="95000"/>
+                      </a:schemeClr>
+                    </a:solidFill>
+                  </a:rPr>
+                  <a:t>.</a:t>
+                </a:r>
+              </a:p>
+              <a:p>
+                <a:pPr marL="457200" indent="-457200">
+                  <a:buFont typeface="Arial" panose="020B0604020202020204" pitchFamily="34" charset="0"/>
+                  <a:buChar char="•"/>
+                </a:pPr>
+                <a:r>
+                  <a:rPr lang="ko-KR" altLang="en-US" sz="2300" dirty="0">
+                    <a:solidFill>
+                      <a:schemeClr val="bg1">
+                        <a:lumMod val="95000"/>
+                      </a:schemeClr>
+                    </a:solidFill>
+                  </a:rPr>
+                  <a:t>이 문제는 시간 복잡도를 고려하지 않는다면 이</a:t>
+                </a:r>
+                <a14:m>
+                  <m:oMath xmlns:m="http://schemas.openxmlformats.org/officeDocument/2006/math">
+                    <m:r>
+                      <a:rPr lang="ko-KR" altLang="en-US" sz="2300" b="0" i="1" dirty="0" smtClean="0">
+                        <a:solidFill>
+                          <a:schemeClr val="bg1">
+                            <a:lumMod val="95000"/>
+                          </a:schemeClr>
+                        </a:solidFill>
+                        <a:latin typeface="Cambria Math" panose="02040503050406030204" pitchFamily="18" charset="0"/>
+                      </a:rPr>
+                      <m:t>항</m:t>
+                    </m:r>
+                    <m:r>
+                      <a:rPr lang="ko-KR" altLang="en-US" sz="2300" i="1" dirty="0">
+                        <a:solidFill>
+                          <a:schemeClr val="bg1">
+                            <a:lumMod val="95000"/>
+                          </a:schemeClr>
+                        </a:solidFill>
+                        <a:latin typeface="Cambria Math" panose="02040503050406030204" pitchFamily="18" charset="0"/>
+                      </a:rPr>
+                      <m:t>정</m:t>
+                    </m:r>
+                    <m:r>
+                      <a:rPr lang="ko-KR" altLang="en-US" sz="2300" i="1" dirty="0" smtClean="0">
+                        <a:solidFill>
+                          <a:schemeClr val="bg1">
+                            <a:lumMod val="95000"/>
+                          </a:schemeClr>
+                        </a:solidFill>
+                        <a:latin typeface="Cambria Math" panose="02040503050406030204" pitchFamily="18" charset="0"/>
+                      </a:rPr>
+                      <m:t>리</m:t>
+                    </m:r>
+                    <m:r>
+                      <a:rPr lang="ko-KR" altLang="en-US" sz="2300" i="1" dirty="0">
+                        <a:solidFill>
+                          <a:schemeClr val="bg1">
+                            <a:lumMod val="95000"/>
+                          </a:schemeClr>
+                        </a:solidFill>
+                        <a:latin typeface="Cambria Math" panose="02040503050406030204" pitchFamily="18" charset="0"/>
+                      </a:rPr>
+                      <m:t>를</m:t>
+                    </m:r>
+                    <m:r>
+                      <a:rPr lang="en-US" altLang="ko-KR" sz="2300" b="0" i="1" dirty="0" smtClean="0">
+                        <a:solidFill>
+                          <a:schemeClr val="bg1">
+                            <a:lumMod val="95000"/>
+                          </a:schemeClr>
+                        </a:solidFill>
+                        <a:latin typeface="Cambria Math" panose="02040503050406030204" pitchFamily="18" charset="0"/>
+                      </a:rPr>
+                      <m:t> </m:t>
+                    </m:r>
+                    <m:r>
+                      <a:rPr lang="ko-KR" altLang="en-US" sz="2300" i="1" dirty="0">
+                        <a:solidFill>
+                          <a:schemeClr val="bg1">
+                            <a:lumMod val="95000"/>
+                          </a:schemeClr>
+                        </a:solidFill>
+                        <a:latin typeface="Cambria Math" panose="02040503050406030204" pitchFamily="18" charset="0"/>
+                      </a:rPr>
+                      <m:t>응</m:t>
+                    </m:r>
+                    <m:r>
+                      <a:rPr lang="ko-KR" altLang="en-US" sz="2300" i="1" dirty="0" smtClean="0">
+                        <a:solidFill>
+                          <a:schemeClr val="bg1">
+                            <a:lumMod val="95000"/>
+                          </a:schemeClr>
+                        </a:solidFill>
+                        <a:latin typeface="Cambria Math" panose="02040503050406030204" pitchFamily="18" charset="0"/>
+                      </a:rPr>
+                      <m:t>용</m:t>
+                    </m:r>
+                    <m:r>
+                      <a:rPr lang="ko-KR" altLang="en-US" sz="2300" i="1" dirty="0">
+                        <a:solidFill>
+                          <a:schemeClr val="bg1">
+                            <a:lumMod val="95000"/>
+                          </a:schemeClr>
+                        </a:solidFill>
+                        <a:latin typeface="Cambria Math" panose="02040503050406030204" pitchFamily="18" charset="0"/>
+                      </a:rPr>
+                      <m:t>하</m:t>
+                    </m:r>
+                    <m:r>
+                      <a:rPr lang="ko-KR" altLang="en-US" sz="2300" i="1" dirty="0" smtClean="0">
+                        <a:solidFill>
+                          <a:schemeClr val="bg1">
+                            <a:lumMod val="95000"/>
+                          </a:schemeClr>
+                        </a:solidFill>
+                        <a:latin typeface="Cambria Math" panose="02040503050406030204" pitchFamily="18" charset="0"/>
+                      </a:rPr>
+                      <m:t>여</m:t>
+                    </m:r>
+                    <m:r>
+                      <a:rPr lang="en-US" altLang="ko-KR" sz="2300" b="0" i="1" dirty="0" smtClean="0">
+                        <a:solidFill>
+                          <a:schemeClr val="bg1">
+                            <a:lumMod val="95000"/>
+                          </a:schemeClr>
+                        </a:solidFill>
+                        <a:latin typeface="Cambria Math" panose="02040503050406030204" pitchFamily="18" charset="0"/>
+                      </a:rPr>
+                      <m:t> </m:t>
+                    </m:r>
+                    <m:r>
+                      <a:rPr lang="ko-KR" altLang="en-US" sz="2300" i="1" dirty="0">
+                        <a:solidFill>
+                          <a:schemeClr val="bg1">
+                            <a:lumMod val="95000"/>
+                          </a:schemeClr>
+                        </a:solidFill>
+                        <a:latin typeface="Cambria Math" panose="02040503050406030204" pitchFamily="18" charset="0"/>
+                      </a:rPr>
+                      <m:t>모</m:t>
+                    </m:r>
+                    <m:r>
+                      <a:rPr lang="ko-KR" altLang="en-US" sz="2300" i="1" dirty="0" smtClean="0">
+                        <a:solidFill>
+                          <a:schemeClr val="bg1">
+                            <a:lumMod val="95000"/>
+                          </a:schemeClr>
+                        </a:solidFill>
+                        <a:latin typeface="Cambria Math" panose="02040503050406030204" pitchFamily="18" charset="0"/>
+                      </a:rPr>
+                      <m:t>든</m:t>
+                    </m:r>
+                    <m:r>
+                      <a:rPr lang="en-US" altLang="ko-KR" sz="2300" b="0" i="1" dirty="0" smtClean="0">
+                        <a:solidFill>
+                          <a:schemeClr val="bg1">
+                            <a:lumMod val="95000"/>
+                          </a:schemeClr>
+                        </a:solidFill>
+                        <a:latin typeface="Cambria Math" panose="02040503050406030204" pitchFamily="18" charset="0"/>
+                      </a:rPr>
+                      <m:t> </m:t>
+                    </m:r>
+                    <m:r>
+                      <a:rPr lang="ko-KR" altLang="en-US" sz="2300" i="1" dirty="0">
+                        <a:solidFill>
+                          <a:schemeClr val="bg1">
+                            <a:lumMod val="95000"/>
+                          </a:schemeClr>
+                        </a:solidFill>
+                        <a:latin typeface="Cambria Math" panose="02040503050406030204" pitchFamily="18" charset="0"/>
+                      </a:rPr>
+                      <m:t>조</m:t>
+                    </m:r>
+                    <m:r>
+                      <a:rPr lang="ko-KR" altLang="en-US" sz="2300" i="1" dirty="0" smtClean="0">
+                        <a:solidFill>
+                          <a:schemeClr val="bg1">
+                            <a:lumMod val="95000"/>
+                          </a:schemeClr>
+                        </a:solidFill>
+                        <a:latin typeface="Cambria Math" panose="02040503050406030204" pitchFamily="18" charset="0"/>
+                      </a:rPr>
+                      <m:t>합</m:t>
+                    </m:r>
+                    <m:r>
+                      <a:rPr lang="en-US" altLang="ko-KR" sz="2300" b="0" i="1" dirty="0" smtClean="0">
+                        <a:solidFill>
+                          <a:schemeClr val="bg1">
+                            <a:lumMod val="95000"/>
+                          </a:schemeClr>
+                        </a:solidFill>
+                        <a:latin typeface="Cambria Math" panose="02040503050406030204" pitchFamily="18" charset="0"/>
+                      </a:rPr>
+                      <m:t> </m:t>
+                    </m:r>
+                    <m:r>
+                      <a:rPr lang="ko-KR" altLang="en-US" sz="2300" i="1" dirty="0">
+                        <a:solidFill>
+                          <a:schemeClr val="bg1">
+                            <a:lumMod val="95000"/>
+                          </a:schemeClr>
+                        </a:solidFill>
+                        <a:latin typeface="Cambria Math" panose="02040503050406030204" pitchFamily="18" charset="0"/>
+                      </a:rPr>
+                      <m:t>즉</m:t>
+                    </m:r>
+                    <m:r>
+                      <a:rPr lang="en-US" altLang="ko-KR" sz="2300" b="0" i="1" dirty="0" smtClean="0">
+                        <a:solidFill>
+                          <a:schemeClr val="bg1">
+                            <a:lumMod val="95000"/>
+                          </a:schemeClr>
+                        </a:solidFill>
+                        <a:latin typeface="Cambria Math" panose="02040503050406030204" pitchFamily="18" charset="0"/>
+                      </a:rPr>
+                      <m:t> </m:t>
+                    </m:r>
+                    <m:sSup>
+                      <m:sSupPr>
+                        <m:ctrlPr>
+                          <a:rPr lang="en-US" altLang="ko-KR" sz="2300" b="0" i="1" smtClean="0">
+                            <a:solidFill>
+                              <a:schemeClr val="bg1">
+                                <a:lumMod val="95000"/>
+                              </a:schemeClr>
+                            </a:solidFill>
+                            <a:latin typeface="Cambria Math" panose="02040503050406030204" pitchFamily="18" charset="0"/>
+                          </a:rPr>
+                        </m:ctrlPr>
+                      </m:sSupPr>
+                      <m:e>
+                        <m:r>
+                          <a:rPr lang="en-US" altLang="ko-KR" sz="2300" b="0" i="1" smtClean="0">
+                            <a:solidFill>
+                              <a:schemeClr val="bg1">
+                                <a:lumMod val="95000"/>
+                              </a:schemeClr>
+                            </a:solidFill>
+                            <a:latin typeface="Cambria Math" panose="02040503050406030204" pitchFamily="18" charset="0"/>
+                          </a:rPr>
+                          <m:t>2</m:t>
+                        </m:r>
+                      </m:e>
+                      <m:sup>
+                        <m:r>
+                          <a:rPr lang="en-US" altLang="ko-KR" sz="2300" b="0" i="1" smtClean="0">
+                            <a:solidFill>
+                              <a:schemeClr val="bg1">
+                                <a:lumMod val="95000"/>
+                              </a:schemeClr>
+                            </a:solidFill>
+                            <a:latin typeface="Cambria Math" panose="02040503050406030204" pitchFamily="18" charset="0"/>
+                          </a:rPr>
+                          <m:t>𝑁</m:t>
+                        </m:r>
+                      </m:sup>
+                    </m:sSup>
+                    <m:r>
+                      <a:rPr lang="ko-KR" altLang="en-US" sz="2300" i="1">
+                        <a:solidFill>
+                          <a:schemeClr val="bg1">
+                            <a:lumMod val="95000"/>
+                          </a:schemeClr>
+                        </a:solidFill>
+                        <a:latin typeface="Cambria Math" panose="02040503050406030204" pitchFamily="18" charset="0"/>
+                      </a:rPr>
+                      <m:t>개</m:t>
+                    </m:r>
+                    <m:r>
+                      <a:rPr lang="ko-KR" altLang="en-US" sz="2300" i="1" smtClean="0">
+                        <a:solidFill>
+                          <a:schemeClr val="bg1">
+                            <a:lumMod val="95000"/>
+                          </a:schemeClr>
+                        </a:solidFill>
+                        <a:latin typeface="Cambria Math" panose="02040503050406030204" pitchFamily="18" charset="0"/>
+                      </a:rPr>
+                      <m:t>를</m:t>
+                    </m:r>
+                  </m:oMath>
+                </a14:m>
+                <a:r>
+                  <a:rPr lang="ko-KR" altLang="en-US" sz="2300" dirty="0">
+                    <a:solidFill>
+                      <a:schemeClr val="bg1">
+                        <a:lumMod val="95000"/>
+                      </a:schemeClr>
+                    </a:solidFill>
+                  </a:rPr>
+                  <a:t> 구하면 되지만</a:t>
+                </a:r>
+                <a:r>
+                  <a:rPr lang="en-US" altLang="ko-KR" sz="2300" dirty="0">
+                    <a:solidFill>
+                      <a:schemeClr val="bg1">
+                        <a:lumMod val="95000"/>
+                      </a:schemeClr>
+                    </a:solidFill>
+                  </a:rPr>
+                  <a:t>, N</a:t>
+                </a:r>
+                <a:r>
+                  <a:rPr lang="ko-KR" altLang="en-US" sz="2300" dirty="0">
+                    <a:solidFill>
+                      <a:schemeClr val="bg1">
+                        <a:lumMod val="95000"/>
+                      </a:schemeClr>
+                    </a:solidFill>
+                  </a:rPr>
+                  <a:t>이 </a:t>
+                </a:r>
+                <a:r>
+                  <a:rPr lang="en-US" altLang="ko-KR" sz="2300" dirty="0">
+                    <a:solidFill>
+                      <a:schemeClr val="bg1">
+                        <a:lumMod val="95000"/>
+                      </a:schemeClr>
+                    </a:solidFill>
+                  </a:rPr>
+                  <a:t>100,000</a:t>
+                </a:r>
+                <a:r>
+                  <a:rPr lang="ko-KR" altLang="en-US" sz="2300" dirty="0">
+                    <a:solidFill>
+                      <a:schemeClr val="bg1">
+                        <a:lumMod val="95000"/>
+                      </a:schemeClr>
+                    </a:solidFill>
+                  </a:rPr>
+                  <a:t>이므로 불가능합니다</a:t>
+                </a:r>
+                <a:r>
+                  <a:rPr lang="en-US" altLang="ko-KR" sz="2300" dirty="0">
+                    <a:solidFill>
+                      <a:schemeClr val="bg1">
+                        <a:lumMod val="95000"/>
+                      </a:schemeClr>
+                    </a:solidFill>
+                  </a:rPr>
+                  <a:t>.</a:t>
+                </a:r>
+                <a:r>
+                  <a:rPr lang="ko-KR" altLang="en-US" sz="2300" dirty="0">
+                    <a:solidFill>
+                      <a:schemeClr val="bg1">
+                        <a:lumMod val="95000"/>
+                      </a:schemeClr>
+                    </a:solidFill>
+                  </a:rPr>
+                  <a:t> </a:t>
+                </a:r>
+                <a:endParaRPr lang="en-US" altLang="ko-KR" sz="2300" dirty="0">
+                  <a:solidFill>
+                    <a:schemeClr val="bg1">
+                      <a:lumMod val="95000"/>
+                    </a:schemeClr>
+                  </a:solidFill>
+                </a:endParaRPr>
+              </a:p>
+            </p:txBody>
+          </p:sp>
+        </mc:Choice>
+        <mc:Fallback>
+          <p:sp>
+            <p:nvSpPr>
+              <p:cNvPr id="16" name="TextBox 15">
+                <a:extLst>
+                  <a:ext uri="{FF2B5EF4-FFF2-40B4-BE49-F238E27FC236}">
+                    <a16:creationId xmlns:a16="http://schemas.microsoft.com/office/drawing/2014/main" id="{EEAA6892-3755-4498-B352-20E81ABB5462}"/>
+                  </a:ext>
+                </a:extLst>
+              </p:cNvPr>
+              <p:cNvSpPr txBox="1">
+                <a:spLocks noRot="1" noChangeAspect="1" noMove="1" noResize="1" noEditPoints="1" noAdjustHandles="1" noChangeArrowheads="1" noChangeShapeType="1" noTextEdit="1"/>
+              </p:cNvSpPr>
+              <p:nvPr/>
+            </p:nvSpPr>
+            <p:spPr>
+              <a:xfrm>
+                <a:off x="548375" y="612047"/>
+                <a:ext cx="10656277" cy="1516249"/>
+              </a:xfrm>
+              <a:prstGeom prst="rect">
+                <a:avLst/>
+              </a:prstGeom>
+              <a:blipFill>
+                <a:blip r:embed="rId2"/>
+                <a:stretch>
+                  <a:fillRect l="-686" t="-2811" b="-8434"/>
+                </a:stretch>
+              </a:blipFill>
+            </p:spPr>
+            <p:txBody>
+              <a:bodyPr/>
+              <a:lstStyle/>
+              <a:p>
+                <a:r>
+                  <a:rPr lang="ko-KR" altLang="en-US">
+                    <a:noFill/>
+                  </a:rPr>
+                  <a:t> </a:t>
+                </a:r>
+              </a:p>
+            </p:txBody>
+          </p:sp>
+        </mc:Fallback>
+      </mc:AlternateContent>
+      <p:sp>
+        <p:nvSpPr>
+          <p:cNvPr id="7" name="TextBox 6">
+            <a:extLst>
+              <a:ext uri="{FF2B5EF4-FFF2-40B4-BE49-F238E27FC236}">
+                <a16:creationId xmlns:a16="http://schemas.microsoft.com/office/drawing/2014/main" id="{0B17BD44-214E-45F2-9748-4DC6B3AAC18D}"/>
+              </a:ext>
+            </a:extLst>
+          </p:cNvPr>
+          <p:cNvSpPr txBox="1"/>
+          <p:nvPr/>
+        </p:nvSpPr>
+        <p:spPr>
+          <a:xfrm>
+            <a:off x="548374" y="2898047"/>
+            <a:ext cx="10656277" cy="446276"/>
+          </a:xfrm>
+          <a:prstGeom prst="rect">
+            <a:avLst/>
+          </a:prstGeom>
+          <a:noFill/>
+        </p:spPr>
+        <p:txBody>
+          <a:bodyPr wrap="square" rtlCol="0">
+            <a:spAutoFit/>
+          </a:bodyPr>
+          <a:lstStyle/>
+          <a:p>
+            <a:pPr marL="457200" indent="-457200">
+              <a:buFont typeface="Arial" panose="020B0604020202020204" pitchFamily="34" charset="0"/>
+              <a:buChar char="•"/>
+            </a:pPr>
+            <a:r>
+              <a:rPr lang="ko-KR" altLang="en-US" sz="2300" dirty="0">
+                <a:solidFill>
+                  <a:schemeClr val="bg1">
+                    <a:lumMod val="95000"/>
+                  </a:schemeClr>
+                </a:solidFill>
+              </a:rPr>
+              <a:t>고로</a:t>
+            </a:r>
+            <a:r>
+              <a:rPr lang="en-US" altLang="ko-KR" sz="2300" dirty="0">
+                <a:solidFill>
+                  <a:schemeClr val="bg1">
+                    <a:lumMod val="95000"/>
+                  </a:schemeClr>
+                </a:solidFill>
+              </a:rPr>
+              <a:t>, </a:t>
+            </a:r>
+            <a:r>
+              <a:rPr lang="ko-KR" altLang="en-US" sz="2300">
+                <a:solidFill>
+                  <a:schemeClr val="bg1">
+                    <a:lumMod val="95000"/>
+                  </a:schemeClr>
+                </a:solidFill>
+              </a:rPr>
+              <a:t>이 문제에서는 </a:t>
+            </a:r>
+            <a:endParaRPr lang="en-US" altLang="ko-KR" sz="2300" dirty="0">
+              <a:solidFill>
+                <a:schemeClr val="bg1">
+                  <a:lumMod val="95000"/>
+                </a:schemeClr>
+              </a:solidFill>
+            </a:endParaRPr>
+          </a:p>
+        </p:txBody>
+      </p:sp>
+    </p:spTree>
+    <p:extLst>
+      <p:ext uri="{BB962C8B-B14F-4D97-AF65-F5344CB8AC3E}">
+        <p14:creationId xmlns:p14="http://schemas.microsoft.com/office/powerpoint/2010/main" val="2771873092"/>
+      </p:ext>
+    </p:extLst>
+  </p:cSld>
+  <p:clrMapOvr>
+    <a:masterClrMapping/>
+  </p:clrMapOvr>
+</p:sld>
+</file>
+
+<file path=ppt/slides/slide29.xml><?xml version="1.0" encoding="utf-8"?>
 <p:sld xmlns:a="http://schemas.openxmlformats.org/drawingml/2006/main" xmlns:r="http://schemas.openxmlformats.org/officeDocument/2006/relationships" xmlns:p="http://schemas.openxmlformats.org/presentationml/2006/main">
   <p:cSld>
     <p:bg>

--- a/assets/images/그리디/그리디.pptx
+++ b/assets/images/그리디/그리디.pptx
@@ -2662,12 +2662,12 @@
   <pc:docChgLst>
     <pc:chgData name="노태현" userId="96c899e7-218f-44fa-88d0-cfd2f9582355" providerId="ADAL" clId="{969C8FF5-8A07-4C45-9C49-728D9DE39C87}"/>
     <pc:docChg chg="undo custSel addSld delSld modSld sldOrd">
-      <pc:chgData name="노태현" userId="96c899e7-218f-44fa-88d0-cfd2f9582355" providerId="ADAL" clId="{969C8FF5-8A07-4C45-9C49-728D9DE39C87}" dt="2022-06-12T12:10:50.323" v="3981" actId="1076"/>
+      <pc:chgData name="노태현" userId="96c899e7-218f-44fa-88d0-cfd2f9582355" providerId="ADAL" clId="{969C8FF5-8A07-4C45-9C49-728D9DE39C87}" dt="2022-06-16T13:02:26.105" v="3987" actId="20577"/>
       <pc:docMkLst>
         <pc:docMk/>
       </pc:docMkLst>
       <pc:sldChg chg="addSp delSp modSp mod">
-        <pc:chgData name="노태현" userId="96c899e7-218f-44fa-88d0-cfd2f9582355" providerId="ADAL" clId="{969C8FF5-8A07-4C45-9C49-728D9DE39C87}" dt="2022-06-12T11:39:15.799" v="2264" actId="21"/>
+        <pc:chgData name="노태현" userId="96c899e7-218f-44fa-88d0-cfd2f9582355" providerId="ADAL" clId="{969C8FF5-8A07-4C45-9C49-728D9DE39C87}" dt="2022-06-16T13:02:26.105" v="3987" actId="20577"/>
         <pc:sldMkLst>
           <pc:docMk/>
           <pc:sldMk cId="2992383073" sldId="270"/>
@@ -2686,6 +2686,14 @@
             <pc:docMk/>
             <pc:sldMk cId="2992383073" sldId="270"/>
             <ac:spMk id="5" creationId="{CD369937-2279-C551-00DD-764C2D8EF531}"/>
+          </ac:spMkLst>
+        </pc:spChg>
+        <pc:spChg chg="mod">
+          <ac:chgData name="노태현" userId="96c899e7-218f-44fa-88d0-cfd2f9582355" providerId="ADAL" clId="{969C8FF5-8A07-4C45-9C49-728D9DE39C87}" dt="2022-06-16T13:02:26.105" v="3987" actId="20577"/>
+          <ac:spMkLst>
+            <pc:docMk/>
+            <pc:sldMk cId="2992383073" sldId="270"/>
+            <ac:spMk id="22" creationId="{5F358A1B-8396-4AF1-93B6-D9495AF4C1D1}"/>
           </ac:spMkLst>
         </pc:spChg>
       </pc:sldChg>
@@ -2886,7 +2894,7 @@
         </pc:sldMkLst>
       </pc:sldChg>
       <pc:sldChg chg="addSp delSp modSp add mod">
-        <pc:chgData name="노태현" userId="96c899e7-218f-44fa-88d0-cfd2f9582355" providerId="ADAL" clId="{969C8FF5-8A07-4C45-9C49-728D9DE39C87}" dt="2022-06-12T12:06:03.758" v="3767" actId="1076"/>
+        <pc:chgData name="노태현" userId="96c899e7-218f-44fa-88d0-cfd2f9582355" providerId="ADAL" clId="{969C8FF5-8A07-4C45-9C49-728D9DE39C87}" dt="2022-06-16T13:01:46.034" v="3985" actId="1076"/>
         <pc:sldMkLst>
           <pc:docMk/>
           <pc:sldMk cId="1361813184" sldId="295"/>
@@ -3052,7 +3060,7 @@
           </ac:spMkLst>
         </pc:spChg>
         <pc:spChg chg="add mod">
-          <ac:chgData name="노태현" userId="96c899e7-218f-44fa-88d0-cfd2f9582355" providerId="ADAL" clId="{969C8FF5-8A07-4C45-9C49-728D9DE39C87}" dt="2022-06-12T12:05:57.014" v="3766" actId="1037"/>
+          <ac:chgData name="노태현" userId="96c899e7-218f-44fa-88d0-cfd2f9582355" providerId="ADAL" clId="{969C8FF5-8A07-4C45-9C49-728D9DE39C87}" dt="2022-06-16T13:01:46.034" v="3985" actId="1076"/>
           <ac:spMkLst>
             <pc:docMk/>
             <pc:sldMk cId="1361813184" sldId="295"/>
@@ -3196,7 +3204,7 @@
           </ac:cxnSpMkLst>
         </pc:cxnChg>
         <pc:cxnChg chg="add mod">
-          <ac:chgData name="노태현" userId="96c899e7-218f-44fa-88d0-cfd2f9582355" providerId="ADAL" clId="{969C8FF5-8A07-4C45-9C49-728D9DE39C87}" dt="2022-06-12T12:05:57.014" v="3766" actId="1037"/>
+          <ac:chgData name="노태현" userId="96c899e7-218f-44fa-88d0-cfd2f9582355" providerId="ADAL" clId="{969C8FF5-8A07-4C45-9C49-728D9DE39C87}" dt="2022-06-16T13:01:46.034" v="3985" actId="1076"/>
           <ac:cxnSpMkLst>
             <pc:docMk/>
             <pc:sldMk cId="1361813184" sldId="295"/>
@@ -3204,7 +3212,7 @@
           </ac:cxnSpMkLst>
         </pc:cxnChg>
         <pc:cxnChg chg="add mod">
-          <ac:chgData name="노태현" userId="96c899e7-218f-44fa-88d0-cfd2f9582355" providerId="ADAL" clId="{969C8FF5-8A07-4C45-9C49-728D9DE39C87}" dt="2022-06-12T12:05:57.014" v="3766" actId="1037"/>
+          <ac:chgData name="노태현" userId="96c899e7-218f-44fa-88d0-cfd2f9582355" providerId="ADAL" clId="{969C8FF5-8A07-4C45-9C49-728D9DE39C87}" dt="2022-06-16T13:01:46.034" v="3985" actId="1076"/>
           <ac:cxnSpMkLst>
             <pc:docMk/>
             <pc:sldMk cId="1361813184" sldId="295"/>
@@ -3572,7 +3580,7 @@
         </pc:cxnChg>
       </pc:sldChg>
       <pc:sldChg chg="addSp delSp modSp add mod ord">
-        <pc:chgData name="노태현" userId="96c899e7-218f-44fa-88d0-cfd2f9582355" providerId="ADAL" clId="{969C8FF5-8A07-4C45-9C49-728D9DE39C87}" dt="2022-06-12T12:05:04.386" v="3695"/>
+        <pc:chgData name="노태현" userId="96c899e7-218f-44fa-88d0-cfd2f9582355" providerId="ADAL" clId="{969C8FF5-8A07-4C45-9C49-728D9DE39C87}" dt="2022-06-16T12:58:21.978" v="3983" actId="1076"/>
         <pc:sldMkLst>
           <pc:docMk/>
           <pc:sldMk cId="1482967217" sldId="297"/>
@@ -3730,7 +3738,7 @@
           </ac:spMkLst>
         </pc:spChg>
         <pc:spChg chg="mod">
-          <ac:chgData name="노태현" userId="96c899e7-218f-44fa-88d0-cfd2f9582355" providerId="ADAL" clId="{969C8FF5-8A07-4C45-9C49-728D9DE39C87}" dt="2022-06-12T12:04:28.336" v="3672" actId="1037"/>
+          <ac:chgData name="노태현" userId="96c899e7-218f-44fa-88d0-cfd2f9582355" providerId="ADAL" clId="{969C8FF5-8A07-4C45-9C49-728D9DE39C87}" dt="2022-06-16T12:58:21.978" v="3983" actId="1076"/>
           <ac:spMkLst>
             <pc:docMk/>
             <pc:sldMk cId="1482967217" sldId="297"/>
@@ -4909,7 +4917,7 @@
           <a:p>
             <a:fld id="{16706E4F-4DCE-433C-BE47-3B753ED43087}" type="datetimeFigureOut">
               <a:rPr lang="ko-KR" altLang="en-US" smtClean="0"/>
-              <a:t>2022-06-12</a:t>
+              <a:t>2022-06-16</a:t>
             </a:fld>
             <a:endParaRPr lang="ko-KR" altLang="en-US"/>
           </a:p>
@@ -5107,7 +5115,7 @@
           <a:p>
             <a:fld id="{16706E4F-4DCE-433C-BE47-3B753ED43087}" type="datetimeFigureOut">
               <a:rPr lang="ko-KR" altLang="en-US" smtClean="0"/>
-              <a:t>2022-06-12</a:t>
+              <a:t>2022-06-16</a:t>
             </a:fld>
             <a:endParaRPr lang="ko-KR" altLang="en-US"/>
           </a:p>
@@ -5315,7 +5323,7 @@
           <a:p>
             <a:fld id="{16706E4F-4DCE-433C-BE47-3B753ED43087}" type="datetimeFigureOut">
               <a:rPr lang="ko-KR" altLang="en-US" smtClean="0"/>
-              <a:t>2022-06-12</a:t>
+              <a:t>2022-06-16</a:t>
             </a:fld>
             <a:endParaRPr lang="ko-KR" altLang="en-US"/>
           </a:p>
@@ -5513,7 +5521,7 @@
           <a:p>
             <a:fld id="{16706E4F-4DCE-433C-BE47-3B753ED43087}" type="datetimeFigureOut">
               <a:rPr lang="ko-KR" altLang="en-US" smtClean="0"/>
-              <a:t>2022-06-12</a:t>
+              <a:t>2022-06-16</a:t>
             </a:fld>
             <a:endParaRPr lang="ko-KR" altLang="en-US"/>
           </a:p>
@@ -5788,7 +5796,7 @@
           <a:p>
             <a:fld id="{16706E4F-4DCE-433C-BE47-3B753ED43087}" type="datetimeFigureOut">
               <a:rPr lang="ko-KR" altLang="en-US" smtClean="0"/>
-              <a:t>2022-06-12</a:t>
+              <a:t>2022-06-16</a:t>
             </a:fld>
             <a:endParaRPr lang="ko-KR" altLang="en-US"/>
           </a:p>
@@ -6053,7 +6061,7 @@
           <a:p>
             <a:fld id="{16706E4F-4DCE-433C-BE47-3B753ED43087}" type="datetimeFigureOut">
               <a:rPr lang="ko-KR" altLang="en-US" smtClean="0"/>
-              <a:t>2022-06-12</a:t>
+              <a:t>2022-06-16</a:t>
             </a:fld>
             <a:endParaRPr lang="ko-KR" altLang="en-US"/>
           </a:p>
@@ -6465,7 +6473,7 @@
           <a:p>
             <a:fld id="{16706E4F-4DCE-433C-BE47-3B753ED43087}" type="datetimeFigureOut">
               <a:rPr lang="ko-KR" altLang="en-US" smtClean="0"/>
-              <a:t>2022-06-12</a:t>
+              <a:t>2022-06-16</a:t>
             </a:fld>
             <a:endParaRPr lang="ko-KR" altLang="en-US"/>
           </a:p>
@@ -6606,7 +6614,7 @@
           <a:p>
             <a:fld id="{16706E4F-4DCE-433C-BE47-3B753ED43087}" type="datetimeFigureOut">
               <a:rPr lang="ko-KR" altLang="en-US" smtClean="0"/>
-              <a:t>2022-06-12</a:t>
+              <a:t>2022-06-16</a:t>
             </a:fld>
             <a:endParaRPr lang="ko-KR" altLang="en-US"/>
           </a:p>
@@ -6719,7 +6727,7 @@
           <a:p>
             <a:fld id="{16706E4F-4DCE-433C-BE47-3B753ED43087}" type="datetimeFigureOut">
               <a:rPr lang="ko-KR" altLang="en-US" smtClean="0"/>
-              <a:t>2022-06-12</a:t>
+              <a:t>2022-06-16</a:t>
             </a:fld>
             <a:endParaRPr lang="ko-KR" altLang="en-US"/>
           </a:p>
@@ -7030,7 +7038,7 @@
           <a:p>
             <a:fld id="{16706E4F-4DCE-433C-BE47-3B753ED43087}" type="datetimeFigureOut">
               <a:rPr lang="ko-KR" altLang="en-US" smtClean="0"/>
-              <a:t>2022-06-12</a:t>
+              <a:t>2022-06-16</a:t>
             </a:fld>
             <a:endParaRPr lang="ko-KR" altLang="en-US"/>
           </a:p>
@@ -7318,7 +7326,7 @@
           <a:p>
             <a:fld id="{16706E4F-4DCE-433C-BE47-3B753ED43087}" type="datetimeFigureOut">
               <a:rPr lang="ko-KR" altLang="en-US" smtClean="0"/>
-              <a:t>2022-06-12</a:t>
+              <a:t>2022-06-16</a:t>
             </a:fld>
             <a:endParaRPr lang="ko-KR" altLang="en-US"/>
           </a:p>
@@ -7559,7 +7567,7 @@
           <a:p>
             <a:fld id="{16706E4F-4DCE-433C-BE47-3B753ED43087}" type="datetimeFigureOut">
               <a:rPr lang="ko-KR" altLang="en-US" smtClean="0"/>
-              <a:t>2022-06-12</a:t>
+              <a:t>2022-06-16</a:t>
             </a:fld>
             <a:endParaRPr lang="ko-KR" altLang="en-US"/>
           </a:p>
@@ -23081,8 +23089,8 @@
           </a:p>
         </p:txBody>
       </p:sp>
-      <mc:AlternateContent xmlns:mc="http://schemas.openxmlformats.org/markup-compatibility/2006">
-        <mc:Choice xmlns:a14="http://schemas.microsoft.com/office/drawing/2010/main" Requires="a14">
+      <mc:AlternateContent xmlns:mc="http://schemas.openxmlformats.org/markup-compatibility/2006" xmlns:a14="http://schemas.microsoft.com/office/drawing/2010/main">
+        <mc:Choice Requires="a14">
           <p:sp>
             <p:nvSpPr>
               <p:cNvPr id="10" name="TextBox 9">
@@ -23819,7 +23827,7 @@
                         <m:begChr m:val="|"/>
                         <m:endChr m:val="|"/>
                         <m:ctrlPr>
-                          <a:rPr lang="en-US" altLang="ko-KR" sz="2300" b="0" i="0" smtClean="0">
+                          <a:rPr lang="en-US" altLang="ko-KR" sz="2300" b="0" i="1" smtClean="0">
                             <a:solidFill>
                               <a:schemeClr val="bg1">
                                 <a:lumMod val="95000"/>
@@ -24119,7 +24127,7 @@
             </p:txBody>
           </p:sp>
         </mc:Choice>
-        <mc:Fallback>
+        <mc:Fallback xmlns="">
           <p:sp>
             <p:nvSpPr>
               <p:cNvPr id="10" name="TextBox 9">
@@ -24164,8 +24172,8 @@
           </p:sp>
         </mc:Fallback>
       </mc:AlternateContent>
-      <mc:AlternateContent xmlns:mc="http://schemas.openxmlformats.org/markup-compatibility/2006">
-        <mc:Choice xmlns:a14="http://schemas.microsoft.com/office/drawing/2010/main" Requires="a14">
+      <mc:AlternateContent xmlns:mc="http://schemas.openxmlformats.org/markup-compatibility/2006" xmlns:a14="http://schemas.microsoft.com/office/drawing/2010/main">
+        <mc:Choice Requires="a14">
           <p:sp>
             <p:nvSpPr>
               <p:cNvPr id="11" name="TextBox 10">
@@ -24217,7 +24225,6 @@
                 </a:endParaRPr>
               </a:p>
               <a:p>
-                <a:pPr/>
                 <a14:m>
                   <m:oMath xmlns:m="http://schemas.openxmlformats.org/officeDocument/2006/math">
                     <m:r>
@@ -24265,7 +24272,7 @@
             </p:txBody>
           </p:sp>
         </mc:Choice>
-        <mc:Fallback>
+        <mc:Fallback xmlns="">
           <p:sp>
             <p:nvSpPr>
               <p:cNvPr id="11" name="TextBox 10">
@@ -24814,7 +24821,7 @@
         </p:nvSpPr>
         <p:spPr>
           <a:xfrm>
-            <a:off x="6247715" y="4501305"/>
+            <a:off x="6266188" y="4448821"/>
             <a:ext cx="443346" cy="446276"/>
           </a:xfrm>
           <a:prstGeom prst="ellipse">
@@ -25533,7 +25540,7 @@
         </p:nvSpPr>
         <p:spPr>
           <a:xfrm>
-            <a:off x="5770042" y="4501305"/>
+            <a:off x="5779542" y="4509081"/>
             <a:ext cx="443346" cy="446276"/>
           </a:xfrm>
           <a:prstGeom prst="ellipse">
@@ -25924,8 +25931,8 @@
         </p:nvCxnSpPr>
         <p:spPr>
           <a:xfrm flipH="1">
-            <a:off x="6213388" y="4383465"/>
-            <a:ext cx="748416" cy="340978"/>
+            <a:off x="6222888" y="4383465"/>
+            <a:ext cx="738916" cy="348754"/>
           </a:xfrm>
           <a:prstGeom prst="line">
             <a:avLst/>
@@ -25965,8 +25972,8 @@
         </p:nvCxnSpPr>
         <p:spPr>
           <a:xfrm flipH="1">
-            <a:off x="4938766" y="4882225"/>
-            <a:ext cx="896203" cy="507241"/>
+            <a:off x="4938766" y="4890001"/>
+            <a:ext cx="905703" cy="499465"/>
           </a:xfrm>
           <a:prstGeom prst="line">
             <a:avLst/>
@@ -28976,7 +28983,7 @@
         <p:spPr>
           <a:xfrm>
             <a:off x="529325" y="1156987"/>
-            <a:ext cx="10656277" cy="1862048"/>
+            <a:ext cx="10656277" cy="800219"/>
           </a:xfrm>
           <a:prstGeom prst="rect">
             <a:avLst/>
@@ -29072,131 +29079,6 @@
                 </a:solidFill>
               </a:rPr>
               <a:t> 알고리즘의 한 종류입니다</a:t>
-            </a:r>
-            <a:r>
-              <a:rPr lang="en-US" altLang="ko-KR" sz="2300" dirty="0">
-                <a:solidFill>
-                  <a:schemeClr val="bg1">
-                    <a:lumMod val="95000"/>
-                  </a:schemeClr>
-                </a:solidFill>
-              </a:rPr>
-              <a:t>.</a:t>
-            </a:r>
-          </a:p>
-          <a:p>
-            <a:endParaRPr lang="en-US" altLang="ko-KR" sz="2300" dirty="0">
-              <a:solidFill>
-                <a:schemeClr val="bg1">
-                  <a:lumMod val="95000"/>
-                </a:schemeClr>
-              </a:solidFill>
-            </a:endParaRPr>
-          </a:p>
-          <a:p>
-            <a:pPr marL="457200" indent="-457200">
-              <a:buFont typeface="Arial" panose="020B0604020202020204" pitchFamily="34" charset="0"/>
-              <a:buChar char="•"/>
-            </a:pPr>
-            <a:r>
-              <a:rPr lang="ko-KR" altLang="en-US" sz="2300" dirty="0" err="1">
-                <a:solidFill>
-                  <a:schemeClr val="bg1">
-                    <a:lumMod val="95000"/>
-                  </a:schemeClr>
-                </a:solidFill>
-              </a:rPr>
-              <a:t>그리디</a:t>
-            </a:r>
-            <a:r>
-              <a:rPr lang="ko-KR" altLang="en-US" sz="2300" dirty="0">
-                <a:solidFill>
-                  <a:schemeClr val="bg1">
-                    <a:lumMod val="95000"/>
-                  </a:schemeClr>
-                </a:solidFill>
-              </a:rPr>
-              <a:t> 관련 공부를 더욱 하고 싶으시면</a:t>
-            </a:r>
-            <a:r>
-              <a:rPr lang="en-US" altLang="ko-KR" sz="2300" dirty="0">
-                <a:solidFill>
-                  <a:schemeClr val="bg1">
-                    <a:lumMod val="95000"/>
-                  </a:schemeClr>
-                </a:solidFill>
-              </a:rPr>
-              <a:t>, </a:t>
-            </a:r>
-            <a:r>
-              <a:rPr lang="ko-KR" altLang="en-US" sz="2300" dirty="0" err="1">
-                <a:solidFill>
-                  <a:schemeClr val="bg1">
-                    <a:lumMod val="95000"/>
-                  </a:schemeClr>
-                </a:solidFill>
-              </a:rPr>
-              <a:t>매트로이드</a:t>
-            </a:r>
-            <a:r>
-              <a:rPr lang="ko-KR" altLang="en-US" sz="2300" dirty="0">
-                <a:solidFill>
-                  <a:schemeClr val="bg1">
-                    <a:lumMod val="95000"/>
-                  </a:schemeClr>
-                </a:solidFill>
-              </a:rPr>
-              <a:t> </a:t>
-            </a:r>
-            <a:r>
-              <a:rPr lang="en-US" altLang="ko-KR" sz="2300" dirty="0">
-                <a:solidFill>
-                  <a:schemeClr val="bg1">
-                    <a:lumMod val="95000"/>
-                  </a:schemeClr>
-                </a:solidFill>
-              </a:rPr>
-              <a:t>(</a:t>
-            </a:r>
-            <a:r>
-              <a:rPr lang="ko-KR" altLang="en-US" sz="2300" dirty="0" err="1">
-                <a:solidFill>
-                  <a:schemeClr val="bg1">
-                    <a:lumMod val="95000"/>
-                  </a:schemeClr>
-                </a:solidFill>
-              </a:rPr>
-              <a:t>그리디</a:t>
-            </a:r>
-            <a:r>
-              <a:rPr lang="ko-KR" altLang="en-US" sz="2300" dirty="0">
-                <a:solidFill>
-                  <a:schemeClr val="bg1">
-                    <a:lumMod val="95000"/>
-                  </a:schemeClr>
-                </a:solidFill>
-              </a:rPr>
-              <a:t> 알고리즘으로 최적해가 보장되는 공간 구조</a:t>
-            </a:r>
-            <a:r>
-              <a:rPr lang="en-US" altLang="ko-KR" sz="2300" dirty="0">
-                <a:solidFill>
-                  <a:schemeClr val="bg1">
-                    <a:lumMod val="95000"/>
-                  </a:schemeClr>
-                </a:solidFill>
-              </a:rPr>
-              <a:t>) </a:t>
-            </a:r>
-            <a:r>
-              <a:rPr lang="ko-KR" altLang="en-US" sz="2300" dirty="0">
-                <a:solidFill>
-                  <a:schemeClr val="bg1">
-                    <a:lumMod val="95000"/>
-                  </a:schemeClr>
-                </a:solidFill>
-              </a:rPr>
-              <a:t>관련 공부를 키워드로 하시면 될 것 같습니다</a:t>
             </a:r>
             <a:r>
               <a:rPr lang="en-US" altLang="ko-KR" sz="2300" dirty="0">
